--- a/statistics2.pptx
+++ b/statistics2.pptx
@@ -3742,7 +3742,21 @@
             <a:pPr marL="0" indent="0">
               <a:buNone/>
             </a:pPr>
-            <a:endParaRPr kumimoji="1" lang="ja-JP" altLang="en-US"/>
+            <a:r>
+              <a:rPr kumimoji="1" lang="ja-JP" altLang="en-US"/>
+              <a:t>確率過程</a:t>
+            </a:r>
+            <a:endParaRPr kumimoji="1" lang="en-US" altLang="ja-JP" dirty="0"/>
+          </a:p>
+          <a:p>
+            <a:pPr marL="0" indent="0">
+              <a:buNone/>
+            </a:pPr>
+            <a:r>
+              <a:rPr lang="ja-JP" altLang="en-US"/>
+              <a:t>ランダムウォーク</a:t>
+            </a:r>
+            <a:endParaRPr kumimoji="1" lang="en-US" altLang="ja-JP" dirty="0"/>
           </a:p>
         </p:txBody>
       </p:sp>

--- a/statistics2.pptx
+++ b/statistics2.pptx
@@ -5,7 +5,7 @@
     <p:sldMasterId id="2147483648" r:id="rId1"/>
   </p:sldMasterIdLst>
   <p:notesMasterIdLst>
-    <p:notesMasterId r:id="rId15"/>
+    <p:notesMasterId r:id="rId16"/>
   </p:notesMasterIdLst>
   <p:sldIdLst>
     <p:sldId id="256" r:id="rId2"/>
@@ -20,7 +20,8 @@
     <p:sldId id="328" r:id="rId11"/>
     <p:sldId id="329" r:id="rId12"/>
     <p:sldId id="330" r:id="rId13"/>
-    <p:sldId id="327" r:id="rId14"/>
+    <p:sldId id="331" r:id="rId14"/>
+    <p:sldId id="327" r:id="rId15"/>
   </p:sldIdLst>
   <p:sldSz cx="12192000" cy="6858000"/>
   <p:notesSz cx="6858000" cy="9144000"/>
@@ -209,7 +210,7 @@
           <a:p>
             <a:fld id="{3547B168-95BD-490F-9552-ABD7EF41C397}" type="datetimeFigureOut">
               <a:rPr kumimoji="1" lang="ja-JP" altLang="en-US" smtClean="0"/>
-              <a:t>2019/10/17</a:t>
+              <a:t>2019/10/18</a:t>
             </a:fld>
             <a:endParaRPr kumimoji="1" lang="ja-JP" altLang="en-US"/>
           </a:p>
@@ -552,10 +553,6 @@
           <a:bodyPr/>
           <a:lstStyle/>
           <a:p>
-            <a:r>
-              <a:rPr kumimoji="1" lang="ja-JP" altLang="en-US"/>
-              <a:t>バイオリンプロットで感覚的にわかるようにする</a:t>
-            </a:r>
             <a:endParaRPr kumimoji="1" lang="ja-JP" altLang="en-US" dirty="0"/>
           </a:p>
         </p:txBody>
@@ -743,7 +740,7 @@
           <a:p>
             <a:fld id="{AF724A92-735E-BB4D-8C01-8917F1EF5381}" type="datetimeFigureOut">
               <a:rPr kumimoji="1" lang="ja-JP" altLang="en-US" smtClean="0"/>
-              <a:t>2019/10/15</a:t>
+              <a:t>2019/10/18</a:t>
             </a:fld>
             <a:endParaRPr kumimoji="1" lang="ja-JP" altLang="en-US"/>
           </a:p>
@@ -948,7 +945,7 @@
           <a:p>
             <a:fld id="{AF724A92-735E-BB4D-8C01-8917F1EF5381}" type="datetimeFigureOut">
               <a:rPr kumimoji="1" lang="ja-JP" altLang="en-US" smtClean="0"/>
-              <a:t>2019/10/15</a:t>
+              <a:t>2019/10/18</a:t>
             </a:fld>
             <a:endParaRPr kumimoji="1" lang="ja-JP" altLang="en-US"/>
           </a:p>
@@ -1163,7 +1160,7 @@
           <a:p>
             <a:fld id="{AF724A92-735E-BB4D-8C01-8917F1EF5381}" type="datetimeFigureOut">
               <a:rPr kumimoji="1" lang="ja-JP" altLang="en-US" smtClean="0"/>
-              <a:t>2019/10/15</a:t>
+              <a:t>2019/10/18</a:t>
             </a:fld>
             <a:endParaRPr kumimoji="1" lang="ja-JP" altLang="en-US"/>
           </a:p>
@@ -1378,7 +1375,7 @@
           <a:p>
             <a:fld id="{AF724A92-735E-BB4D-8C01-8917F1EF5381}" type="datetimeFigureOut">
               <a:rPr kumimoji="1" lang="ja-JP" altLang="en-US" smtClean="0"/>
-              <a:t>2019/10/15</a:t>
+              <a:t>2019/10/18</a:t>
             </a:fld>
             <a:endParaRPr kumimoji="1" lang="ja-JP" altLang="en-US"/>
           </a:p>
@@ -1700,7 +1697,7 @@
           <a:p>
             <a:fld id="{AF724A92-735E-BB4D-8C01-8917F1EF5381}" type="datetimeFigureOut">
               <a:rPr kumimoji="1" lang="ja-JP" altLang="en-US" smtClean="0"/>
-              <a:t>2019/10/15</a:t>
+              <a:t>2019/10/18</a:t>
             </a:fld>
             <a:endParaRPr kumimoji="1" lang="ja-JP" altLang="en-US"/>
           </a:p>
@@ -1979,7 +1976,7 @@
           <a:p>
             <a:fld id="{AF724A92-735E-BB4D-8C01-8917F1EF5381}" type="datetimeFigureOut">
               <a:rPr kumimoji="1" lang="ja-JP" altLang="en-US" smtClean="0"/>
-              <a:t>2019/10/15</a:t>
+              <a:t>2019/10/18</a:t>
             </a:fld>
             <a:endParaRPr kumimoji="1" lang="ja-JP" altLang="en-US"/>
           </a:p>
@@ -2475,7 +2472,7 @@
           <a:p>
             <a:fld id="{AF724A92-735E-BB4D-8C01-8917F1EF5381}" type="datetimeFigureOut">
               <a:rPr kumimoji="1" lang="ja-JP" altLang="en-US" smtClean="0"/>
-              <a:t>2019/10/15</a:t>
+              <a:t>2019/10/18</a:t>
             </a:fld>
             <a:endParaRPr kumimoji="1" lang="ja-JP" altLang="en-US"/>
           </a:p>
@@ -2616,7 +2613,7 @@
           <a:p>
             <a:fld id="{AF724A92-735E-BB4D-8C01-8917F1EF5381}" type="datetimeFigureOut">
               <a:rPr kumimoji="1" lang="ja-JP" altLang="en-US" smtClean="0"/>
-              <a:t>2019/10/15</a:t>
+              <a:t>2019/10/18</a:t>
             </a:fld>
             <a:endParaRPr kumimoji="1" lang="ja-JP" altLang="en-US"/>
           </a:p>
@@ -2729,7 +2726,7 @@
           <a:p>
             <a:fld id="{AF724A92-735E-BB4D-8C01-8917F1EF5381}" type="datetimeFigureOut">
               <a:rPr kumimoji="1" lang="ja-JP" altLang="en-US" smtClean="0"/>
-              <a:t>2019/10/15</a:t>
+              <a:t>2019/10/18</a:t>
             </a:fld>
             <a:endParaRPr kumimoji="1" lang="ja-JP" altLang="en-US"/>
           </a:p>
@@ -3082,7 +3079,7 @@
           <a:p>
             <a:fld id="{AF724A92-735E-BB4D-8C01-8917F1EF5381}" type="datetimeFigureOut">
               <a:rPr kumimoji="1" lang="ja-JP" altLang="en-US" smtClean="0"/>
-              <a:t>2019/10/15</a:t>
+              <a:t>2019/10/18</a:t>
             </a:fld>
             <a:endParaRPr kumimoji="1" lang="ja-JP" altLang="en-US"/>
           </a:p>
@@ -3405,7 +3402,7 @@
           <a:p>
             <a:fld id="{AF724A92-735E-BB4D-8C01-8917F1EF5381}" type="datetimeFigureOut">
               <a:rPr kumimoji="1" lang="ja-JP" altLang="en-US" smtClean="0"/>
-              <a:t>2019/10/15</a:t>
+              <a:t>2019/10/18</a:t>
             </a:fld>
             <a:endParaRPr kumimoji="1" lang="ja-JP" altLang="en-US"/>
           </a:p>
@@ -3653,7 +3650,7 @@
           <a:p>
             <a:fld id="{AF724A92-735E-BB4D-8C01-8917F1EF5381}" type="datetimeFigureOut">
               <a:rPr kumimoji="1" lang="ja-JP" altLang="en-US" smtClean="0"/>
-              <a:t>2019/10/15</a:t>
+              <a:t>2019/10/18</a:t>
             </a:fld>
             <a:endParaRPr kumimoji="1" lang="ja-JP" altLang="en-US"/>
           </a:p>
@@ -4251,8 +4248,8 @@
           </a:p>
         </p:txBody>
       </p:sp>
-      <mc:AlternateContent xmlns:mc="http://schemas.openxmlformats.org/markup-compatibility/2006">
-        <mc:Choice xmlns:a14="http://schemas.microsoft.com/office/drawing/2010/main" Requires="a14">
+      <mc:AlternateContent xmlns:mc="http://schemas.openxmlformats.org/markup-compatibility/2006" xmlns:a14="http://schemas.microsoft.com/office/drawing/2010/main">
+        <mc:Choice Requires="a14">
           <p:graphicFrame>
             <p:nvGraphicFramePr>
               <p:cNvPr id="4" name="表 3">
@@ -4735,13 +4732,7 @@
                                       <a:rPr lang="en-US" altLang="ja-JP" sz="2000" b="0" i="1" smtClean="0">
                                         <a:latin typeface="Cambria Math" panose="02040503050406030204" pitchFamily="18" charset="0"/>
                                       </a:rPr>
-                                      <m:t>𝑖</m:t>
-                                    </m:r>
-                                    <m:r>
-                                      <a:rPr lang="en-US" altLang="ja-JP" sz="2000" b="0" i="1" smtClean="0">
-                                        <a:latin typeface="Cambria Math" panose="02040503050406030204" pitchFamily="18" charset="0"/>
-                                      </a:rPr>
-                                      <m:t>𝑗</m:t>
+                                      <m:t>𝑖𝑗</m:t>
                                     </m:r>
                                   </m:sub>
                                 </m:sSub>
@@ -5114,13 +5105,7 @@
                                       <a:rPr lang="en-US" altLang="ja-JP" sz="2000" b="0" i="1" smtClean="0">
                                         <a:latin typeface="Cambria Math" panose="02040503050406030204" pitchFamily="18" charset="0"/>
                                       </a:rPr>
-                                      <m:t>1</m:t>
-                                    </m:r>
-                                    <m:r>
-                                      <a:rPr lang="en-US" altLang="ja-JP" sz="2000" b="0" i="1" smtClean="0">
-                                        <a:latin typeface="Cambria Math" panose="02040503050406030204" pitchFamily="18" charset="0"/>
-                                      </a:rPr>
-                                      <m:t>2</m:t>
+                                      <m:t>12</m:t>
                                     </m:r>
                                   </m:sub>
                                 </m:sSub>
@@ -6535,7 +6520,7 @@
             </a:graphic>
           </p:graphicFrame>
         </mc:Choice>
-        <mc:Fallback>
+        <mc:Fallback xmlns="">
           <p:graphicFrame>
             <p:nvGraphicFramePr>
               <p:cNvPr id="4" name="表 3">
@@ -7981,8 +7966,8 @@
           </p:graphicFrame>
         </mc:Fallback>
       </mc:AlternateContent>
-      <mc:AlternateContent xmlns:mc="http://schemas.openxmlformats.org/markup-compatibility/2006">
-        <mc:Choice xmlns:a14="http://schemas.microsoft.com/office/drawing/2010/main" Requires="a14">
+      <mc:AlternateContent xmlns:mc="http://schemas.openxmlformats.org/markup-compatibility/2006" xmlns:a14="http://schemas.microsoft.com/office/drawing/2010/main">
+        <mc:Choice Requires="a14">
           <p:sp>
             <p:nvSpPr>
               <p:cNvPr id="7" name="正方形/長方形 6">
@@ -8010,6 +7995,7 @@
               </a:bodyPr>
               <a:lstStyle/>
               <a:p>
+                <a:pPr/>
                 <a14:m>
                   <m:oMathPara xmlns:m="http://schemas.openxmlformats.org/officeDocument/2006/math">
                     <m:oMathParaPr>
@@ -8193,7 +8179,7 @@
             </p:txBody>
           </p:sp>
         </mc:Choice>
-        <mc:Fallback>
+        <mc:Fallback xmlns="">
           <p:sp>
             <p:nvSpPr>
               <p:cNvPr id="7" name="正方形/長方形 6">
@@ -8279,8 +8265,8 @@
           </a:p>
         </p:txBody>
       </p:sp>
-      <mc:AlternateContent xmlns:mc="http://schemas.openxmlformats.org/markup-compatibility/2006">
-        <mc:Choice xmlns:a14="http://schemas.microsoft.com/office/drawing/2010/main" Requires="a14">
+      <mc:AlternateContent xmlns:mc="http://schemas.openxmlformats.org/markup-compatibility/2006" xmlns:a14="http://schemas.microsoft.com/office/drawing/2010/main">
+        <mc:Choice Requires="a14">
           <p:graphicFrame>
             <p:nvGraphicFramePr>
               <p:cNvPr id="12" name="表 11">
@@ -8303,7 +8289,7 @@
             </p:nvGraphicFramePr>
             <p:xfrm>
               <a:off x="6524626" y="1556992"/>
-              <a:ext cx="5743574" cy="3014029"/>
+              <a:ext cx="5743574" cy="3006790"/>
             </p:xfrm>
             <a:graphic>
               <a:graphicData uri="http://schemas.openxmlformats.org/drawingml/2006/table">
@@ -8347,18 +8333,24 @@
                               <m:sSub>
                                 <m:sSubPr>
                                   <m:ctrlPr>
-                                    <a:rPr lang="en-US" altLang="ja-JP" sz="2400"/>
+                                    <a:rPr lang="en-US" altLang="ja-JP" sz="2400" i="1">
+                                      <a:latin typeface="Cambria Math" panose="02040503050406030204" pitchFamily="18" charset="0"/>
+                                    </a:rPr>
                                   </m:ctrlPr>
                                 </m:sSubPr>
                                 <m:e>
                                   <m:r>
-                                    <a:rPr lang="en-US" altLang="ja-JP" sz="2400"/>
+                                    <a:rPr lang="en-US" altLang="ja-JP" sz="2400">
+                                      <a:latin typeface="Cambria Math" panose="02040503050406030204" pitchFamily="18" charset="0"/>
+                                    </a:rPr>
                                     <m:t>𝐴</m:t>
                                   </m:r>
                                 </m:e>
                                 <m:sub>
                                   <m:r>
-                                    <a:rPr lang="en-US" altLang="ja-JP" sz="2400"/>
+                                    <a:rPr lang="en-US" altLang="ja-JP" sz="2400">
+                                      <a:latin typeface="Cambria Math" panose="02040503050406030204" pitchFamily="18" charset="0"/>
+                                    </a:rPr>
                                     <m:t>𝑖</m:t>
                                   </m:r>
                                 </m:sub>
@@ -8372,7 +8364,9 @@
                           <a14:m>
                             <m:oMath xmlns:m="http://schemas.openxmlformats.org/officeDocument/2006/math">
                               <m:r>
-                                <a:rPr lang="en-US" altLang="ja-JP" sz="2400" smtClean="0"/>
+                                <a:rPr lang="en-US" altLang="ja-JP" sz="2400" smtClean="0">
+                                  <a:latin typeface="Cambria Math" panose="02040503050406030204" pitchFamily="18" charset="0"/>
+                                </a:rPr>
                                 <m:t>𝑗</m:t>
                               </m:r>
                             </m:oMath>
@@ -8401,18 +8395,24 @@
                                 <m:sSub>
                                   <m:sSubPr>
                                     <m:ctrlPr>
-                                      <a:rPr lang="en-US" altLang="ja-JP" sz="2400" smtClean="0"/>
+                                      <a:rPr lang="en-US" altLang="ja-JP" sz="2400" i="1" smtClean="0">
+                                        <a:latin typeface="Cambria Math" panose="02040503050406030204" pitchFamily="18" charset="0"/>
+                                      </a:rPr>
                                     </m:ctrlPr>
                                   </m:sSubPr>
                                   <m:e>
                                     <m:r>
-                                      <a:rPr lang="en-US" altLang="ja-JP" sz="2400"/>
+                                      <a:rPr lang="en-US" altLang="ja-JP" sz="2400">
+                                        <a:latin typeface="Cambria Math" panose="02040503050406030204" pitchFamily="18" charset="0"/>
+                                      </a:rPr>
                                       <m:t>𝑦</m:t>
                                     </m:r>
                                   </m:e>
                                   <m:sub>
                                     <m:r>
-                                      <a:rPr lang="en-US" altLang="ja-JP" sz="2400"/>
+                                      <a:rPr lang="en-US" altLang="ja-JP" sz="2400">
+                                        <a:latin typeface="Cambria Math" panose="02040503050406030204" pitchFamily="18" charset="0"/>
+                                      </a:rPr>
                                       <m:t>𝑖𝑗</m:t>
                                     </m:r>
                                   </m:sub>
@@ -8451,28 +8451,38 @@
                               <m:sSub>
                                 <m:sSubPr>
                                   <m:ctrlPr>
-                                    <a:rPr lang="en-US" altLang="ja-JP" sz="2400"/>
+                                    <a:rPr lang="en-US" altLang="ja-JP" sz="2400" i="1">
+                                      <a:latin typeface="Cambria Math" panose="02040503050406030204" pitchFamily="18" charset="0"/>
+                                    </a:rPr>
                                   </m:ctrlPr>
                                 </m:sSubPr>
                                 <m:e>
                                   <m:r>
-                                    <a:rPr lang="en-US" altLang="ja-JP" sz="2400"/>
+                                    <a:rPr lang="en-US" altLang="ja-JP" sz="2400">
+                                      <a:latin typeface="Cambria Math" panose="02040503050406030204" pitchFamily="18" charset="0"/>
+                                    </a:rPr>
                                     <m:t>𝐴</m:t>
                                   </m:r>
                                 </m:e>
                                 <m:sub>
                                   <m:r>
-                                    <a:rPr lang="en-US" altLang="ja-JP" sz="2400"/>
+                                    <a:rPr lang="en-US" altLang="ja-JP" sz="2400">
+                                      <a:latin typeface="Cambria Math" panose="02040503050406030204" pitchFamily="18" charset="0"/>
+                                    </a:rPr>
                                     <m:t>𝑖</m:t>
                                   </m:r>
                                 </m:sub>
                               </m:sSub>
                               <m:r>
-                                <a:rPr lang="ja-JP" altLang="en-US" sz="2400" smtClean="0"/>
+                                <a:rPr lang="ja-JP" altLang="en-US" sz="2400" smtClean="0">
+                                  <a:latin typeface="Cambria Math" panose="02040503050406030204" pitchFamily="18" charset="0"/>
+                                </a:rPr>
                                 <m:t>での</m:t>
                               </m:r>
                               <m:r>
-                                <a:rPr lang="ja-JP" altLang="en-US" sz="2400"/>
+                                <a:rPr lang="ja-JP" altLang="en-US" sz="2400">
+                                  <a:latin typeface="Cambria Math" panose="02040503050406030204" pitchFamily="18" charset="0"/>
+                                </a:rPr>
                                 <m:t>繰り返しの数</m:t>
                               </m:r>
                             </m:oMath>
@@ -8497,18 +8507,24 @@
                                 <m:sSub>
                                   <m:sSubPr>
                                     <m:ctrlPr>
-                                      <a:rPr lang="en-US" altLang="ja-JP" sz="2400" smtClean="0"/>
+                                      <a:rPr lang="en-US" altLang="ja-JP" sz="2400" i="1" smtClean="0">
+                                        <a:latin typeface="Cambria Math" panose="02040503050406030204" pitchFamily="18" charset="0"/>
+                                      </a:rPr>
                                     </m:ctrlPr>
                                   </m:sSubPr>
                                   <m:e>
                                     <m:r>
-                                      <a:rPr lang="en-US" altLang="ja-JP" sz="2400"/>
+                                      <a:rPr lang="en-US" altLang="ja-JP" sz="2400">
+                                        <a:latin typeface="Cambria Math" panose="02040503050406030204" pitchFamily="18" charset="0"/>
+                                      </a:rPr>
                                       <m:t>𝑟</m:t>
                                     </m:r>
                                   </m:e>
                                   <m:sub>
                                     <m:r>
-                                      <a:rPr lang="en-US" altLang="ja-JP" sz="2400"/>
+                                      <a:rPr lang="en-US" altLang="ja-JP" sz="2400">
+                                        <a:latin typeface="Cambria Math" panose="02040503050406030204" pitchFamily="18" charset="0"/>
+                                      </a:rPr>
                                       <m:t>𝑖</m:t>
                                     </m:r>
                                   </m:sub>
@@ -8545,7 +8561,9 @@
                           <a14:m>
                             <m:oMath xmlns:m="http://schemas.openxmlformats.org/officeDocument/2006/math">
                               <m:r>
-                                <a:rPr lang="en-US" altLang="ja-JP" sz="2400" smtClean="0"/>
+                                <a:rPr lang="en-US" altLang="ja-JP" sz="2400" smtClean="0">
+                                  <a:latin typeface="Cambria Math" panose="02040503050406030204" pitchFamily="18" charset="0"/>
+                                </a:rPr>
                                 <m:t>𝑖</m:t>
                               </m:r>
                             </m:oMath>
@@ -8574,35 +8592,47 @@
                               <m:sSub>
                                 <m:sSubPr>
                                   <m:ctrlPr>
-                                    <a:rPr lang="en-US" altLang="ja-JP" sz="2400" smtClean="0"/>
+                                    <a:rPr lang="en-US" altLang="ja-JP" sz="2400" i="1" smtClean="0">
+                                      <a:latin typeface="Cambria Math" panose="02040503050406030204" pitchFamily="18" charset="0"/>
+                                    </a:rPr>
                                   </m:ctrlPr>
                                 </m:sSubPr>
                                 <m:e>
                                   <m:r>
-                                    <a:rPr lang="ja-JP" altLang="en-US" sz="2400"/>
+                                    <a:rPr lang="ja-JP" altLang="en-US" sz="2400">
+                                      <a:latin typeface="Cambria Math" panose="02040503050406030204" pitchFamily="18" charset="0"/>
+                                    </a:rPr>
                                     <m:t>𝜇</m:t>
                                   </m:r>
                                 </m:e>
                                 <m:sub>
                                   <m:r>
-                                    <a:rPr lang="en-US" altLang="ja-JP" sz="2400"/>
+                                    <a:rPr lang="en-US" altLang="ja-JP" sz="2400">
+                                      <a:latin typeface="Cambria Math" panose="02040503050406030204" pitchFamily="18" charset="0"/>
+                                    </a:rPr>
                                     <m:t>𝑖</m:t>
                                   </m:r>
                                 </m:sub>
                               </m:sSub>
                               <m:r>
-                                <a:rPr lang="en-US" altLang="ja-JP" sz="2400" smtClean="0"/>
+                                <a:rPr lang="en-US" altLang="ja-JP" sz="2400" smtClean="0">
+                                  <a:latin typeface="Cambria Math" panose="02040503050406030204" pitchFamily="18" charset="0"/>
+                                </a:rPr>
                                 <m:t>=</m:t>
                               </m:r>
                               <m:f>
                                 <m:fPr>
                                   <m:ctrlPr>
-                                    <a:rPr lang="en-US" altLang="ja-JP" sz="2400" smtClean="0"/>
+                                    <a:rPr lang="en-US" altLang="ja-JP" sz="2400" i="1" smtClean="0">
+                                      <a:latin typeface="Cambria Math" panose="02040503050406030204" pitchFamily="18" charset="0"/>
+                                    </a:rPr>
                                   </m:ctrlPr>
                                 </m:fPr>
                                 <m:num>
                                   <m:r>
-                                    <a:rPr lang="en-US" altLang="ja-JP" sz="2400" smtClean="0"/>
+                                    <a:rPr lang="en-US" altLang="ja-JP" sz="2400" smtClean="0">
+                                      <a:latin typeface="Cambria Math" panose="02040503050406030204" pitchFamily="18" charset="0"/>
+                                    </a:rPr>
                                     <m:t>1</m:t>
                                   </m:r>
                                 </m:num>
@@ -8610,18 +8640,24 @@
                                   <m:sSub>
                                     <m:sSubPr>
                                       <m:ctrlPr>
-                                        <a:rPr lang="en-US" altLang="ja-JP" sz="2400"/>
+                                        <a:rPr lang="en-US" altLang="ja-JP" sz="2400" i="1">
+                                          <a:latin typeface="Cambria Math" panose="02040503050406030204" pitchFamily="18" charset="0"/>
+                                        </a:rPr>
                                       </m:ctrlPr>
                                     </m:sSubPr>
                                     <m:e>
                                       <m:r>
-                                        <a:rPr lang="en-US" altLang="ja-JP" sz="2400"/>
+                                        <a:rPr lang="en-US" altLang="ja-JP" sz="2400">
+                                          <a:latin typeface="Cambria Math" panose="02040503050406030204" pitchFamily="18" charset="0"/>
+                                        </a:rPr>
                                         <m:t>𝑟</m:t>
                                       </m:r>
                                     </m:e>
                                     <m:sub>
                                       <m:r>
-                                        <a:rPr lang="en-US" altLang="ja-JP" sz="2400"/>
+                                        <a:rPr lang="en-US" altLang="ja-JP" sz="2400">
+                                          <a:latin typeface="Cambria Math" panose="02040503050406030204" pitchFamily="18" charset="0"/>
+                                        </a:rPr>
                                         <m:t>𝑖</m:t>
                                       </m:r>
                                     </m:sub>
@@ -8633,7 +8669,9 @@
                                   <m:chr m:val="∑"/>
                                   <m:supHide m:val="on"/>
                                   <m:ctrlPr>
-                                    <a:rPr lang="en-US" altLang="ja-JP" sz="2400" smtClean="0"/>
+                                    <a:rPr lang="en-US" altLang="ja-JP" sz="2400" i="1" smtClean="0">
+                                      <a:latin typeface="Cambria Math" panose="02040503050406030204" pitchFamily="18" charset="0"/>
+                                    </a:rPr>
                                   </m:ctrlPr>
                                 </m:naryPr>
                                 <m:sub>
@@ -8641,7 +8679,9 @@
                                     <m:rPr>
                                       <m:brk m:alnAt="7"/>
                                     </m:rPr>
-                                    <a:rPr lang="en-US" altLang="ja-JP" sz="2400" smtClean="0"/>
+                                    <a:rPr lang="en-US" altLang="ja-JP" sz="2400" smtClean="0">
+                                      <a:latin typeface="Cambria Math" panose="02040503050406030204" pitchFamily="18" charset="0"/>
+                                    </a:rPr>
                                     <m:t>𝑗</m:t>
                                   </m:r>
                                 </m:sub>
@@ -8650,18 +8690,24 @@
                                   <m:sSub>
                                     <m:sSubPr>
                                       <m:ctrlPr>
-                                        <a:rPr lang="en-US" altLang="ja-JP" sz="2400"/>
+                                        <a:rPr lang="en-US" altLang="ja-JP" sz="2400" i="1">
+                                          <a:latin typeface="Cambria Math" panose="02040503050406030204" pitchFamily="18" charset="0"/>
+                                        </a:rPr>
                                       </m:ctrlPr>
                                     </m:sSubPr>
                                     <m:e>
                                       <m:r>
-                                        <a:rPr lang="en-US" altLang="ja-JP" sz="2400"/>
+                                        <a:rPr lang="en-US" altLang="ja-JP" sz="2400">
+                                          <a:latin typeface="Cambria Math" panose="02040503050406030204" pitchFamily="18" charset="0"/>
+                                        </a:rPr>
                                         <m:t>𝑦</m:t>
                                       </m:r>
                                     </m:e>
                                     <m:sub>
                                       <m:r>
-                                        <a:rPr lang="en-US" altLang="ja-JP" sz="2400"/>
+                                        <a:rPr lang="en-US" altLang="ja-JP" sz="2400">
+                                          <a:latin typeface="Cambria Math" panose="02040503050406030204" pitchFamily="18" charset="0"/>
+                                        </a:rPr>
                                         <m:t>𝑖𝑗</m:t>
                                       </m:r>
                                     </m:sub>
@@ -8713,11 +8759,15 @@
                           <a14:m>
                             <m:oMath xmlns:m="http://schemas.openxmlformats.org/officeDocument/2006/math">
                               <m:r>
-                                <a:rPr kumimoji="1" lang="en-US" altLang="ja-JP" sz="2400" smtClean="0"/>
+                                <a:rPr kumimoji="1" lang="en-US" altLang="ja-JP" sz="2400" smtClean="0">
+                                  <a:latin typeface="Cambria Math" panose="02040503050406030204" pitchFamily="18" charset="0"/>
+                                </a:rPr>
                                 <m:t>𝑛</m:t>
                               </m:r>
                               <m:r>
-                                <a:rPr kumimoji="1" lang="en-US" altLang="ja-JP" sz="2400" smtClean="0"/>
+                                <a:rPr kumimoji="1" lang="en-US" altLang="ja-JP" sz="2400" smtClean="0">
+                                  <a:latin typeface="Cambria Math" panose="02040503050406030204" pitchFamily="18" charset="0"/>
+                                </a:rPr>
                                 <m:t>=</m:t>
                               </m:r>
                               <m:nary>
@@ -8726,7 +8776,9 @@
                                   <m:subHide m:val="on"/>
                                   <m:supHide m:val="on"/>
                                   <m:ctrlPr>
-                                    <a:rPr kumimoji="1" lang="en-US" altLang="ja-JP" sz="2400" smtClean="0"/>
+                                    <a:rPr kumimoji="1" lang="en-US" altLang="ja-JP" sz="2400" i="1" smtClean="0">
+                                      <a:latin typeface="Cambria Math" panose="02040503050406030204" pitchFamily="18" charset="0"/>
+                                    </a:rPr>
                                   </m:ctrlPr>
                                 </m:naryPr>
                                 <m:sub/>
@@ -8735,18 +8787,24 @@
                                   <m:sSub>
                                     <m:sSubPr>
                                       <m:ctrlPr>
-                                        <a:rPr lang="en-US" altLang="ja-JP" sz="2400"/>
+                                        <a:rPr lang="en-US" altLang="ja-JP" sz="2400" i="1">
+                                          <a:latin typeface="Cambria Math" panose="02040503050406030204" pitchFamily="18" charset="0"/>
+                                        </a:rPr>
                                       </m:ctrlPr>
                                     </m:sSubPr>
                                     <m:e>
                                       <m:r>
-                                        <a:rPr lang="en-US" altLang="ja-JP" sz="2400"/>
+                                        <a:rPr lang="en-US" altLang="ja-JP" sz="2400">
+                                          <a:latin typeface="Cambria Math" panose="02040503050406030204" pitchFamily="18" charset="0"/>
+                                        </a:rPr>
                                         <m:t>𝑟</m:t>
                                       </m:r>
                                     </m:e>
                                     <m:sub>
                                       <m:r>
-                                        <a:rPr lang="en-US" altLang="ja-JP" sz="2400"/>
+                                        <a:rPr lang="en-US" altLang="ja-JP" sz="2400">
+                                          <a:latin typeface="Cambria Math" panose="02040503050406030204" pitchFamily="18" charset="0"/>
+                                        </a:rPr>
                                         <m:t>𝑖</m:t>
                                       </m:r>
                                     </m:sub>
@@ -8798,11 +8856,15 @@
                           <a14:m>
                             <m:oMath xmlns:m="http://schemas.openxmlformats.org/officeDocument/2006/math">
                               <m:r>
-                                <a:rPr kumimoji="1" lang="ja-JP" altLang="en-US" sz="2400" smtClean="0"/>
+                                <a:rPr kumimoji="1" lang="ja-JP" altLang="en-US" sz="2400" smtClean="0">
+                                  <a:latin typeface="Cambria Math" panose="02040503050406030204" pitchFamily="18" charset="0"/>
+                                </a:rPr>
                                 <m:t>𝜇</m:t>
                               </m:r>
                               <m:r>
-                                <a:rPr kumimoji="1" lang="en-US" altLang="ja-JP" sz="2400" smtClean="0"/>
+                                <a:rPr kumimoji="1" lang="en-US" altLang="ja-JP" sz="2400" smtClean="0">
+                                  <a:latin typeface="Cambria Math" panose="02040503050406030204" pitchFamily="18" charset="0"/>
+                                </a:rPr>
                                 <m:t>=</m:t>
                               </m:r>
                               <m:nary>
@@ -8811,7 +8873,9 @@
                                   <m:subHide m:val="on"/>
                                   <m:supHide m:val="on"/>
                                   <m:ctrlPr>
-                                    <a:rPr kumimoji="1" lang="en-US" altLang="ja-JP" sz="2400" smtClean="0"/>
+                                    <a:rPr kumimoji="1" lang="en-US" altLang="ja-JP" sz="2400" i="1" smtClean="0">
+                                      <a:latin typeface="Cambria Math" panose="02040503050406030204" pitchFamily="18" charset="0"/>
+                                    </a:rPr>
                                   </m:ctrlPr>
                                 </m:naryPr>
                                 <m:sub/>
@@ -8820,25 +8884,33 @@
                                   <m:f>
                                     <m:fPr>
                                       <m:ctrlPr>
-                                        <a:rPr kumimoji="1" lang="en-US" altLang="ja-JP" sz="2400" smtClean="0"/>
+                                        <a:rPr kumimoji="1" lang="en-US" altLang="ja-JP" sz="2400" i="1" smtClean="0">
+                                          <a:latin typeface="Cambria Math" panose="02040503050406030204" pitchFamily="18" charset="0"/>
+                                        </a:rPr>
                                       </m:ctrlPr>
                                     </m:fPr>
                                     <m:num>
                                       <m:sSub>
                                         <m:sSubPr>
                                           <m:ctrlPr>
-                                            <a:rPr lang="en-US" altLang="ja-JP" sz="2400"/>
+                                            <a:rPr lang="en-US" altLang="ja-JP" sz="2400" i="1">
+                                              <a:latin typeface="Cambria Math" panose="02040503050406030204" pitchFamily="18" charset="0"/>
+                                            </a:rPr>
                                           </m:ctrlPr>
                                         </m:sSubPr>
                                         <m:e>
                                           <m:r>
-                                            <a:rPr lang="en-US" altLang="ja-JP" sz="2400"/>
+                                            <a:rPr lang="en-US" altLang="ja-JP" sz="2400">
+                                              <a:latin typeface="Cambria Math" panose="02040503050406030204" pitchFamily="18" charset="0"/>
+                                            </a:rPr>
                                             <m:t>𝑟</m:t>
                                           </m:r>
                                         </m:e>
                                         <m:sub>
                                           <m:r>
-                                            <a:rPr lang="en-US" altLang="ja-JP" sz="2400"/>
+                                            <a:rPr lang="en-US" altLang="ja-JP" sz="2400">
+                                              <a:latin typeface="Cambria Math" panose="02040503050406030204" pitchFamily="18" charset="0"/>
+                                            </a:rPr>
                                             <m:t>𝑖</m:t>
                                           </m:r>
                                         </m:sub>
@@ -8846,18 +8918,24 @@
                                       <m:sSub>
                                         <m:sSubPr>
                                           <m:ctrlPr>
-                                            <a:rPr lang="en-US" altLang="ja-JP" sz="2400"/>
+                                            <a:rPr lang="en-US" altLang="ja-JP" sz="2400" i="1">
+                                              <a:latin typeface="Cambria Math" panose="02040503050406030204" pitchFamily="18" charset="0"/>
+                                            </a:rPr>
                                           </m:ctrlPr>
                                         </m:sSubPr>
                                         <m:e>
                                           <m:r>
-                                            <a:rPr lang="ja-JP" altLang="en-US" sz="2400"/>
+                                            <a:rPr lang="ja-JP" altLang="en-US" sz="2400">
+                                              <a:latin typeface="Cambria Math" panose="02040503050406030204" pitchFamily="18" charset="0"/>
+                                            </a:rPr>
                                             <m:t>𝜇</m:t>
                                           </m:r>
                                         </m:e>
                                         <m:sub>
                                           <m:r>
-                                            <a:rPr lang="en-US" altLang="ja-JP" sz="2400"/>
+                                            <a:rPr lang="en-US" altLang="ja-JP" sz="2400">
+                                              <a:latin typeface="Cambria Math" panose="02040503050406030204" pitchFamily="18" charset="0"/>
+                                            </a:rPr>
                                             <m:t>𝑖</m:t>
                                           </m:r>
                                         </m:sub>
@@ -8865,7 +8943,9 @@
                                     </m:num>
                                     <m:den>
                                       <m:r>
-                                        <a:rPr kumimoji="1" lang="en-US" altLang="ja-JP" sz="2400" smtClean="0"/>
+                                        <a:rPr kumimoji="1" lang="en-US" altLang="ja-JP" sz="2400" smtClean="0">
+                                          <a:latin typeface="Cambria Math" panose="02040503050406030204" pitchFamily="18" charset="0"/>
+                                        </a:rPr>
                                         <m:t>𝑛</m:t>
                                       </m:r>
                                     </m:den>
@@ -8890,7 +8970,7 @@
             </a:graphic>
           </p:graphicFrame>
         </mc:Choice>
-        <mc:Fallback>
+        <mc:Fallback xmlns="">
           <p:graphicFrame>
             <p:nvGraphicFramePr>
               <p:cNvPr id="12" name="表 11">
@@ -9190,8 +9270,8 @@
           </a:p>
         </p:txBody>
       </p:sp>
-      <mc:AlternateContent xmlns:mc="http://schemas.openxmlformats.org/markup-compatibility/2006">
-        <mc:Choice xmlns:a14="http://schemas.microsoft.com/office/drawing/2010/main" Requires="a14">
+      <mc:AlternateContent xmlns:mc="http://schemas.openxmlformats.org/markup-compatibility/2006" xmlns:a14="http://schemas.microsoft.com/office/drawing/2010/main">
+        <mc:Choice Requires="a14">
           <p:sp>
             <p:nvSpPr>
               <p:cNvPr id="14" name="正方形/長方形 13">
@@ -9333,7 +9413,7 @@
             </p:txBody>
           </p:sp>
         </mc:Choice>
-        <mc:Fallback>
+        <mc:Fallback xmlns="">
           <p:sp>
             <p:nvSpPr>
               <p:cNvPr id="14" name="正方形/長方形 13">
@@ -9378,8 +9458,8 @@
           </p:sp>
         </mc:Fallback>
       </mc:AlternateContent>
-      <mc:AlternateContent xmlns:mc="http://schemas.openxmlformats.org/markup-compatibility/2006">
-        <mc:Choice xmlns:a14="http://schemas.microsoft.com/office/drawing/2010/main" Requires="a14">
+      <mc:AlternateContent xmlns:mc="http://schemas.openxmlformats.org/markup-compatibility/2006" xmlns:a14="http://schemas.microsoft.com/office/drawing/2010/main">
+        <mc:Choice Requires="a14">
           <p:sp>
             <p:nvSpPr>
               <p:cNvPr id="15" name="正方形/長方形 14">
@@ -9544,7 +9624,7 @@
             </p:txBody>
           </p:sp>
         </mc:Choice>
-        <mc:Fallback>
+        <mc:Fallback xmlns="">
           <p:sp>
             <p:nvSpPr>
               <p:cNvPr id="15" name="正方形/長方形 14">
@@ -9589,8 +9669,8 @@
           </p:sp>
         </mc:Fallback>
       </mc:AlternateContent>
-      <mc:AlternateContent xmlns:mc="http://schemas.openxmlformats.org/markup-compatibility/2006">
-        <mc:Choice xmlns:a14="http://schemas.microsoft.com/office/drawing/2010/main" Requires="a14">
+      <mc:AlternateContent xmlns:mc="http://schemas.openxmlformats.org/markup-compatibility/2006" xmlns:a14="http://schemas.microsoft.com/office/drawing/2010/main">
+        <mc:Choice Requires="a14">
           <p:sp>
             <p:nvSpPr>
               <p:cNvPr id="16" name="正方形/長方形 15">
@@ -9618,6 +9698,7 @@
               </a:bodyPr>
               <a:lstStyle/>
               <a:p>
+                <a:pPr/>
                 <a14:m>
                   <m:oMathPara xmlns:m="http://schemas.openxmlformats.org/officeDocument/2006/math">
                     <m:oMathParaPr>
@@ -9740,7 +9821,7 @@
             </p:txBody>
           </p:sp>
         </mc:Choice>
-        <mc:Fallback>
+        <mc:Fallback xmlns="">
           <p:sp>
             <p:nvSpPr>
               <p:cNvPr id="16" name="正方形/長方形 15">
@@ -9785,8 +9866,8 @@
           </p:sp>
         </mc:Fallback>
       </mc:AlternateContent>
-      <mc:AlternateContent xmlns:mc="http://schemas.openxmlformats.org/markup-compatibility/2006">
-        <mc:Choice xmlns:a14="http://schemas.microsoft.com/office/drawing/2010/main" Requires="a14">
+      <mc:AlternateContent xmlns:mc="http://schemas.openxmlformats.org/markup-compatibility/2006" xmlns:a14="http://schemas.microsoft.com/office/drawing/2010/main">
+        <mc:Choice Requires="a14">
           <p:sp>
             <p:nvSpPr>
               <p:cNvPr id="17" name="正方形/長方形 16">
@@ -9852,7 +9933,7 @@
             </p:txBody>
           </p:sp>
         </mc:Choice>
-        <mc:Fallback>
+        <mc:Fallback xmlns="">
           <p:sp>
             <p:nvSpPr>
               <p:cNvPr id="17" name="正方形/長方形 16">
@@ -10077,7 +10158,7 @@
         <p:spPr>
           <a:xfrm>
             <a:off x="98612" y="1266052"/>
-            <a:ext cx="8572500" cy="2576512"/>
+            <a:ext cx="8170791" cy="2576512"/>
           </a:xfrm>
           <a:prstGeom prst="roundRect">
             <a:avLst/>
@@ -10173,7 +10254,7 @@
             </p:nvSpPr>
             <p:spPr>
               <a:xfrm>
-                <a:off x="409575" y="2125587"/>
+                <a:off x="138513" y="2125587"/>
                 <a:ext cx="8359589" cy="472141"/>
               </a:xfrm>
             </p:spPr>
@@ -10232,13 +10313,13 @@
             </p:nvSpPr>
             <p:spPr>
               <a:xfrm>
-                <a:off x="409575" y="2125587"/>
+                <a:off x="138513" y="2125587"/>
                 <a:ext cx="8359589" cy="472141"/>
               </a:xfrm>
               <a:blipFill>
                 <a:blip r:embed="rId3"/>
                 <a:stretch>
-                  <a:fillRect l="-1458" t="-29870" b="-32468"/>
+                  <a:fillRect l="-1532" t="-29870" b="-32468"/>
                 </a:stretch>
               </a:blipFill>
             </p:spPr>
@@ -10257,8 +10338,8 @@
           </p:sp>
         </mc:Fallback>
       </mc:AlternateContent>
-      <mc:AlternateContent xmlns:mc="http://schemas.openxmlformats.org/markup-compatibility/2006">
-        <mc:Choice xmlns:a14="http://schemas.microsoft.com/office/drawing/2010/main" Requires="a14">
+      <mc:AlternateContent xmlns:mc="http://schemas.openxmlformats.org/markup-compatibility/2006" xmlns:a14="http://schemas.microsoft.com/office/drawing/2010/main">
+        <mc:Choice Requires="a14">
           <p:sp>
             <p:nvSpPr>
               <p:cNvPr id="4" name="テキスト ボックス 3">
@@ -10287,6 +10368,7 @@
               </a:bodyPr>
               <a:lstStyle/>
               <a:p>
+                <a:pPr/>
                 <a14:m>
                   <m:oMathPara xmlns:m="http://schemas.openxmlformats.org/officeDocument/2006/math">
                     <m:oMathParaPr>
@@ -10419,7 +10501,7 @@
             </p:txBody>
           </p:sp>
         </mc:Choice>
-        <mc:Fallback>
+        <mc:Fallback xmlns="">
           <p:sp>
             <p:nvSpPr>
               <p:cNvPr id="4" name="テキスト ボックス 3">
@@ -10464,8 +10546,8 @@
           </p:sp>
         </mc:Fallback>
       </mc:AlternateContent>
-      <mc:AlternateContent xmlns:mc="http://schemas.openxmlformats.org/markup-compatibility/2006">
-        <mc:Choice xmlns:a14="http://schemas.microsoft.com/office/drawing/2010/main" Requires="a14">
+      <mc:AlternateContent xmlns:mc="http://schemas.openxmlformats.org/markup-compatibility/2006" xmlns:a14="http://schemas.microsoft.com/office/drawing/2010/main">
+        <mc:Choice Requires="a14">
           <p:sp>
             <p:nvSpPr>
               <p:cNvPr id="5" name="テキスト ボックス 4">
@@ -10494,6 +10576,7 @@
               </a:bodyPr>
               <a:lstStyle/>
               <a:p>
+                <a:pPr/>
                 <a14:m>
                   <m:oMathPara xmlns:m="http://schemas.openxmlformats.org/officeDocument/2006/math">
                     <m:oMathParaPr>
@@ -10632,7 +10715,7 @@
             </p:txBody>
           </p:sp>
         </mc:Choice>
-        <mc:Fallback>
+        <mc:Fallback xmlns="">
           <p:sp>
             <p:nvSpPr>
               <p:cNvPr id="5" name="テキスト ボックス 4">
@@ -10691,7 +10774,7 @@
         </p:nvSpPr>
         <p:spPr>
           <a:xfrm>
-            <a:off x="323849" y="1442279"/>
+            <a:off x="205068" y="1488542"/>
             <a:ext cx="1457325" cy="584775"/>
           </a:xfrm>
           <a:prstGeom prst="rect">
@@ -10716,8 +10799,8 @@
           </a:p>
         </p:txBody>
       </p:sp>
-      <mc:AlternateContent xmlns:mc="http://schemas.openxmlformats.org/markup-compatibility/2006">
-        <mc:Choice xmlns:a14="http://schemas.microsoft.com/office/drawing/2010/main" Requires="a14">
+      <mc:AlternateContent xmlns:mc="http://schemas.openxmlformats.org/markup-compatibility/2006" xmlns:a14="http://schemas.microsoft.com/office/drawing/2010/main">
+        <mc:Choice Requires="a14">
           <p:sp>
             <p:nvSpPr>
               <p:cNvPr id="9" name="コンテンツ プレースホルダー 2">
@@ -10954,7 +11037,7 @@
             </p:txBody>
           </p:sp>
         </mc:Choice>
-        <mc:Fallback>
+        <mc:Fallback xmlns="">
           <p:sp>
             <p:nvSpPr>
               <p:cNvPr id="9" name="コンテンツ プレースホルダー 2">
@@ -11055,8 +11138,8 @@
             </p:nvSpPr>
             <p:spPr>
               <a:xfrm>
-                <a:off x="8439544" y="5310551"/>
-                <a:ext cx="3676070" cy="902811"/>
+                <a:off x="7915362" y="5446929"/>
+                <a:ext cx="4200252" cy="1031949"/>
               </a:xfrm>
               <a:prstGeom prst="rect">
                 <a:avLst/>
@@ -11069,6 +11152,7 @@
               </a:bodyPr>
               <a:lstStyle/>
               <a:p>
+                <a:pPr/>
                 <a14:m>
                   <m:oMathPara xmlns:m="http://schemas.openxmlformats.org/officeDocument/2006/math">
                     <m:oMathParaPr>
@@ -11076,13 +11160,13 @@
                     </m:oMathParaPr>
                     <m:oMath xmlns:m="http://schemas.openxmlformats.org/officeDocument/2006/math">
                       <m:r>
-                        <a:rPr kumimoji="1" lang="en-US" altLang="ja-JP" sz="2800" b="0" i="1" smtClean="0">
+                        <a:rPr kumimoji="1" lang="en-US" altLang="ja-JP" sz="3200" b="0" i="1" smtClean="0">
                           <a:latin typeface="Cambria Math" panose="02040503050406030204" pitchFamily="18" charset="0"/>
                         </a:rPr>
                         <m:t>𝐹</m:t>
                       </m:r>
                       <m:r>
-                        <a:rPr kumimoji="1" lang="en-US" altLang="ja-JP" sz="2800" b="0" i="1" smtClean="0">
+                        <a:rPr kumimoji="1" lang="en-US" altLang="ja-JP" sz="3200" b="0" i="1" smtClean="0">
                           <a:latin typeface="Cambria Math" panose="02040503050406030204" pitchFamily="18" charset="0"/>
                         </a:rPr>
                         <m:t>=</m:t>
@@ -11090,46 +11174,48 @@
                       <m:f>
                         <m:fPr>
                           <m:ctrlPr>
-                            <a:rPr kumimoji="1" lang="en-US" altLang="ja-JP" sz="2800" b="1" i="1" smtClean="0">
+                            <a:rPr kumimoji="1" lang="en-US" altLang="ja-JP" sz="3200" b="1" i="1" smtClean="0">
                               <a:latin typeface="Cambria Math" panose="02040503050406030204" pitchFamily="18" charset="0"/>
                             </a:rPr>
                           </m:ctrlPr>
                         </m:fPr>
                         <m:num>
                           <m:r>
-                            <a:rPr lang="ja-JP" altLang="en-US" sz="2800" b="1" i="1">
+                            <m:rPr>
+                              <m:nor/>
+                            </m:rPr>
+                            <a:rPr lang="ja-JP" altLang="en-US" sz="3200" dirty="0"/>
+                            <m:t>水準の</m:t>
+                          </m:r>
+                          <m:r>
+                            <a:rPr lang="ja-JP" altLang="en-US" sz="3200" i="1" dirty="0" smtClean="0">
                               <a:latin typeface="Cambria Math" panose="02040503050406030204" pitchFamily="18" charset="0"/>
                             </a:rPr>
-                            <m:t>水準間の</m:t>
+                            <m:t>効果</m:t>
                           </m:r>
                           <m:r>
-                            <a:rPr lang="ja-JP" altLang="en-US" sz="2800" b="1" i="1" smtClean="0">
+                            <m:rPr>
+                              <m:nor/>
+                            </m:rPr>
+                            <a:rPr lang="ja-JP" altLang="en-US" sz="3200" dirty="0"/>
+                            <m:t>量</m:t>
+                          </m:r>
+                        </m:num>
+                        <m:den>
+                          <m:r>
+                            <a:rPr lang="ja-JP" altLang="en-US" sz="3200" b="1" i="1">
+                              <a:latin typeface="Cambria Math" panose="02040503050406030204" pitchFamily="18" charset="0"/>
+                            </a:rPr>
+                            <m:t>各水準内の</m:t>
+                          </m:r>
+                          <m:r>
+                            <a:rPr lang="ja-JP" altLang="en-US" sz="3200" b="1" i="1" smtClean="0">
                               <a:latin typeface="Cambria Math" panose="02040503050406030204" pitchFamily="18" charset="0"/>
                             </a:rPr>
                             <m:t>誤差</m:t>
                           </m:r>
                           <m:r>
-                            <a:rPr lang="ja-JP" altLang="en-US" sz="2800" b="1" i="1">
-                              <a:latin typeface="Cambria Math" panose="02040503050406030204" pitchFamily="18" charset="0"/>
-                            </a:rPr>
-                            <m:t>量</m:t>
-                          </m:r>
-                        </m:num>
-                        <m:den>
-                          <m:r>
-                            <a:rPr lang="ja-JP" altLang="en-US" sz="2800" b="1" i="1">
-                              <a:latin typeface="Cambria Math" panose="02040503050406030204" pitchFamily="18" charset="0"/>
-                            </a:rPr>
-                            <m:t>各水準内の</m:t>
-                          </m:r>
-                          <m:r>
-                            <a:rPr lang="ja-JP" altLang="en-US" sz="2800" b="1" i="1" smtClean="0">
-                              <a:latin typeface="Cambria Math" panose="02040503050406030204" pitchFamily="18" charset="0"/>
-                            </a:rPr>
-                            <m:t>誤差</m:t>
-                          </m:r>
-                          <m:r>
-                            <a:rPr lang="ja-JP" altLang="en-US" sz="2800" b="1" i="1">
+                            <a:rPr lang="ja-JP" altLang="en-US" sz="3200" b="1" i="1">
                               <a:latin typeface="Cambria Math" panose="02040503050406030204" pitchFamily="18" charset="0"/>
                             </a:rPr>
                             <m:t>量</m:t>
@@ -11139,7 +11225,7 @@
                     </m:oMath>
                   </m:oMathPara>
                 </a14:m>
-                <a:endParaRPr kumimoji="1" lang="ja-JP" altLang="en-US" sz="2800" b="1" dirty="0"/>
+                <a:endParaRPr kumimoji="1" lang="ja-JP" altLang="en-US" sz="3200" b="1" dirty="0"/>
               </a:p>
             </p:txBody>
           </p:sp>
@@ -11161,8 +11247,8 @@
             </p:nvSpPr>
             <p:spPr>
               <a:xfrm>
-                <a:off x="8439544" y="5310551"/>
-                <a:ext cx="3676070" cy="902811"/>
+                <a:off x="7915362" y="5446929"/>
+                <a:ext cx="4200252" cy="1031949"/>
               </a:xfrm>
               <a:prstGeom prst="rect">
                 <a:avLst/>
@@ -11218,23 +11304,23 @@
           <a:lstStyle/>
           <a:p>
             <a:r>
-              <a:rPr kumimoji="1" lang="ja-JP" altLang="en-US" sz="2800" dirty="0"/>
+              <a:rPr kumimoji="1" lang="ja-JP" altLang="en-US" sz="2800" b="1" dirty="0"/>
               <a:t>総誤差量 </a:t>
             </a:r>
             <a:r>
-              <a:rPr kumimoji="1" lang="en-US" altLang="ja-JP" sz="2800" dirty="0"/>
+              <a:rPr kumimoji="1" lang="en-US" altLang="ja-JP" sz="2800" b="1" dirty="0"/>
               <a:t>= </a:t>
             </a:r>
             <a:r>
-              <a:rPr kumimoji="1" lang="ja-JP" altLang="en-US" sz="2800" dirty="0"/>
-              <a:t>水準間の誤差量 </a:t>
+              <a:rPr kumimoji="1" lang="ja-JP" altLang="en-US" sz="2800" b="1" dirty="0"/>
+              <a:t>水準の効果量 </a:t>
             </a:r>
             <a:r>
-              <a:rPr kumimoji="1" lang="en-US" altLang="ja-JP" sz="2800" dirty="0"/>
+              <a:rPr kumimoji="1" lang="en-US" altLang="ja-JP" sz="2800" b="1" dirty="0"/>
               <a:t>+ </a:t>
             </a:r>
             <a:r>
-              <a:rPr kumimoji="1" lang="ja-JP" altLang="en-US" sz="2800" dirty="0"/>
+              <a:rPr kumimoji="1" lang="ja-JP" altLang="en-US" sz="2800" b="1" dirty="0"/>
               <a:t>各水準内の誤差量</a:t>
             </a:r>
           </a:p>
@@ -11269,6 +11355,7 @@
               </a:bodyPr>
               <a:lstStyle/>
               <a:p>
+                <a:pPr/>
                 <a14:m>
                   <m:oMathPara xmlns:m="http://schemas.openxmlformats.org/officeDocument/2006/math">
                     <m:oMathParaPr>
@@ -11314,6 +11401,11 @@
                       </m:r>
                       <m:r>
                         <a:rPr lang="en-US" altLang="ja-JP" sz="2800" b="1" i="1" smtClean="0">
+                          <a:solidFill>
+                            <a:schemeClr val="accent1">
+                              <a:lumMod val="75000"/>
+                            </a:schemeClr>
+                          </a:solidFill>
                           <a:latin typeface="Cambria Math" panose="02040503050406030204" pitchFamily="18" charset="0"/>
                         </a:rPr>
                         <m:t>+</m:t>
@@ -11322,6 +11414,11 @@
                         <m:sSubPr>
                           <m:ctrlPr>
                             <a:rPr lang="en-US" altLang="ja-JP" sz="2800" b="1" i="1">
+                              <a:solidFill>
+                                <a:schemeClr val="accent1">
+                                  <a:lumMod val="75000"/>
+                                </a:schemeClr>
+                              </a:solidFill>
                               <a:latin typeface="Cambria Math" panose="02040503050406030204" pitchFamily="18" charset="0"/>
                             </a:rPr>
                           </m:ctrlPr>
@@ -11329,6 +11426,11 @@
                         <m:e>
                           <m:r>
                             <a:rPr lang="ja-JP" altLang="en-US" sz="2800" b="1" i="1">
+                              <a:solidFill>
+                                <a:schemeClr val="accent1">
+                                  <a:lumMod val="75000"/>
+                                </a:schemeClr>
+                              </a:solidFill>
                               <a:latin typeface="Cambria Math" panose="02040503050406030204" pitchFamily="18" charset="0"/>
                             </a:rPr>
                             <m:t>𝜶</m:t>
@@ -11337,6 +11439,11 @@
                         <m:sub>
                           <m:r>
                             <a:rPr lang="en-US" altLang="ja-JP" sz="2800" b="1" i="1">
+                              <a:solidFill>
+                                <a:schemeClr val="accent1">
+                                  <a:lumMod val="75000"/>
+                                </a:schemeClr>
+                              </a:solidFill>
                               <a:latin typeface="Cambria Math" panose="02040503050406030204" pitchFamily="18" charset="0"/>
                             </a:rPr>
                             <m:t>𝒊</m:t>
@@ -11345,6 +11452,11 @@
                       </m:sSub>
                       <m:r>
                         <a:rPr lang="en-US" altLang="ja-JP" sz="2800" b="1" i="1">
+                          <a:solidFill>
+                            <a:schemeClr val="accent1">
+                              <a:lumMod val="75000"/>
+                            </a:schemeClr>
+                          </a:solidFill>
                           <a:latin typeface="Cambria Math" panose="02040503050406030204" pitchFamily="18" charset="0"/>
                         </a:rPr>
                         <m:t>+</m:t>
@@ -11354,7 +11466,9 @@
                           <m:ctrlPr>
                             <a:rPr lang="en-US" altLang="ja-JP" sz="2800" b="1" i="1" smtClean="0">
                               <a:solidFill>
-                                <a:schemeClr val="tx1"/>
+                                <a:schemeClr val="accent1">
+                                  <a:lumMod val="75000"/>
+                                </a:schemeClr>
                               </a:solidFill>
                               <a:latin typeface="Cambria Math" panose="02040503050406030204" pitchFamily="18" charset="0"/>
                             </a:rPr>
@@ -11364,7 +11478,9 @@
                           <m:r>
                             <a:rPr lang="ja-JP" altLang="en-US" sz="2800" b="1" i="1">
                               <a:solidFill>
-                                <a:schemeClr val="tx1"/>
+                                <a:schemeClr val="accent1">
+                                  <a:lumMod val="75000"/>
+                                </a:schemeClr>
                               </a:solidFill>
                               <a:latin typeface="Cambria Math" panose="02040503050406030204" pitchFamily="18" charset="0"/>
                             </a:rPr>
@@ -11375,7 +11491,9 @@
                           <m:r>
                             <a:rPr lang="en-US" altLang="ja-JP" sz="2800" b="1" i="1">
                               <a:solidFill>
-                                <a:schemeClr val="tx1"/>
+                                <a:schemeClr val="accent1">
+                                  <a:lumMod val="75000"/>
+                                </a:schemeClr>
                               </a:solidFill>
                               <a:latin typeface="Cambria Math" panose="02040503050406030204" pitchFamily="18" charset="0"/>
                             </a:rPr>
@@ -11470,17 +11588,34 @@
                   <a:t>共通の効果 </a:t>
                 </a:r>
                 <a:r>
-                  <a:rPr lang="en-US" altLang="ja-JP" sz="2000" b="1" dirty="0"/>
+                  <a:rPr lang="en-US" altLang="ja-JP" sz="2000" b="1" dirty="0">
+                    <a:solidFill>
+                      <a:schemeClr val="accent1">
+                        <a:lumMod val="75000"/>
+                      </a:schemeClr>
+                    </a:solidFill>
+                  </a:rPr>
                   <a:t>+ </a:t>
                 </a:r>
                 <a:r>
-                  <a:rPr lang="ja-JP" altLang="en-US" sz="2000" b="1" dirty="0"/>
+                  <a:rPr lang="ja-JP" altLang="en-US" sz="2000" b="1" dirty="0">
+                    <a:solidFill>
+                      <a:schemeClr val="accent1">
+                        <a:lumMod val="75000"/>
+                      </a:schemeClr>
+                    </a:solidFill>
+                  </a:rPr>
                   <a:t>第</a:t>
                 </a:r>
                 <a14:m>
                   <m:oMath xmlns:m="http://schemas.openxmlformats.org/officeDocument/2006/math">
                     <m:r>
                       <a:rPr lang="en-US" altLang="ja-JP" sz="2000" b="1" i="1">
+                        <a:solidFill>
+                          <a:schemeClr val="accent1">
+                            <a:lumMod val="75000"/>
+                          </a:schemeClr>
+                        </a:solidFill>
                         <a:latin typeface="Cambria Math" panose="02040503050406030204" pitchFamily="18" charset="0"/>
                       </a:rPr>
                       <m:t>𝐢</m:t>
@@ -11488,17 +11623,36 @@
                   </m:oMath>
                 </a14:m>
                 <a:r>
-                  <a:rPr lang="ja-JP" altLang="en-US" sz="2000" b="1" dirty="0"/>
+                  <a:rPr lang="ja-JP" altLang="en-US" sz="2000" b="1" dirty="0">
+                    <a:solidFill>
+                      <a:schemeClr val="accent1">
+                        <a:lumMod val="75000"/>
+                      </a:schemeClr>
+                    </a:solidFill>
+                  </a:rPr>
                   <a:t>水準の効果 </a:t>
                 </a:r>
                 <a:r>
-                  <a:rPr lang="en-US" altLang="ja-JP" sz="2000" b="1" dirty="0"/>
+                  <a:rPr lang="en-US" altLang="ja-JP" sz="2000" b="1" dirty="0">
+                    <a:solidFill>
+                      <a:schemeClr val="accent1">
+                        <a:lumMod val="75000"/>
+                      </a:schemeClr>
+                    </a:solidFill>
+                  </a:rPr>
                   <a:t>+ </a:t>
                 </a:r>
                 <a:r>
-                  <a:rPr lang="ja-JP" altLang="en-US" sz="2000" b="1" dirty="0"/>
+                  <a:rPr lang="ja-JP" altLang="en-US" sz="2000" b="1" dirty="0">
+                    <a:solidFill>
+                      <a:schemeClr val="accent1">
+                        <a:lumMod val="75000"/>
+                      </a:schemeClr>
+                    </a:solidFill>
+                  </a:rPr>
                   <a:t>それ以外の誤差</a:t>
                 </a:r>
+                <a:endParaRPr lang="ja-JP" altLang="en-US" sz="2000" b="1" dirty="0"/>
               </a:p>
             </p:txBody>
           </p:sp>
@@ -11562,7 +11716,7 @@
         </p:nvSpPr>
         <p:spPr>
           <a:xfrm>
-            <a:off x="9263133" y="4683862"/>
+            <a:off x="8954140" y="4863526"/>
             <a:ext cx="2646878" cy="461665"/>
           </a:xfrm>
           <a:prstGeom prst="rect">
@@ -11576,12 +11730,248 @@
           <a:lstStyle/>
           <a:p>
             <a:r>
-              <a:rPr lang="ja-JP" altLang="en-US" sz="2400" dirty="0"/>
+              <a:rPr lang="ja-JP" altLang="en-US" sz="2400" b="1" dirty="0">
+                <a:solidFill>
+                  <a:schemeClr val="accent1"/>
+                </a:solidFill>
+              </a:rPr>
               <a:t>こいつを評価する</a:t>
             </a:r>
           </a:p>
         </p:txBody>
       </p:sp>
+      <mc:AlternateContent xmlns:mc="http://schemas.openxmlformats.org/markup-compatibility/2006">
+        <mc:Choice xmlns:a14="http://schemas.microsoft.com/office/drawing/2010/main" Requires="a14">
+          <p:sp>
+            <p:nvSpPr>
+              <p:cNvPr id="17" name="正方形/長方形 16">
+                <a:extLst>
+                  <a:ext uri="{FF2B5EF4-FFF2-40B4-BE49-F238E27FC236}">
+                    <a16:creationId xmlns:a16="http://schemas.microsoft.com/office/drawing/2014/main" id="{979D0E8E-70B8-4347-85E9-6EC585429F43}"/>
+                  </a:ext>
+                </a:extLst>
+              </p:cNvPr>
+              <p:cNvSpPr/>
+              <p:nvPr/>
+            </p:nvSpPr>
+            <p:spPr>
+              <a:xfrm>
+                <a:off x="5836476" y="3155201"/>
+                <a:ext cx="1628907" cy="369332"/>
+              </a:xfrm>
+              <a:prstGeom prst="rect">
+                <a:avLst/>
+              </a:prstGeom>
+            </p:spPr>
+            <p:txBody>
+              <a:bodyPr wrap="none">
+                <a:spAutoFit/>
+              </a:bodyPr>
+              <a:lstStyle/>
+              <a:p>
+                <a14:m>
+                  <m:oMath xmlns:m="http://schemas.openxmlformats.org/officeDocument/2006/math">
+                    <m:sSub>
+                      <m:sSubPr>
+                        <m:ctrlPr>
+                          <a:rPr lang="en-US" altLang="ja-JP" b="1" i="1">
+                            <a:latin typeface="Cambria Math" panose="02040503050406030204" pitchFamily="18" charset="0"/>
+                          </a:rPr>
+                        </m:ctrlPr>
+                      </m:sSubPr>
+                      <m:e>
+                        <m:r>
+                          <a:rPr lang="en-US" altLang="ja-JP" b="1" i="1">
+                            <a:latin typeface="Cambria Math" panose="02040503050406030204" pitchFamily="18" charset="0"/>
+                          </a:rPr>
+                          <m:t>𝑨</m:t>
+                        </m:r>
+                      </m:e>
+                      <m:sub>
+                        <m:r>
+                          <a:rPr lang="en-US" altLang="ja-JP" b="1" i="1">
+                            <a:latin typeface="Cambria Math" panose="02040503050406030204" pitchFamily="18" charset="0"/>
+                          </a:rPr>
+                          <m:t>𝒊</m:t>
+                        </m:r>
+                      </m:sub>
+                    </m:sSub>
+                  </m:oMath>
+                </a14:m>
+                <a:r>
+                  <a:rPr lang="ja-JP" altLang="en-US" b="1" dirty="0"/>
+                  <a:t>水準の効果</a:t>
+                </a:r>
+                <a:r>
+                  <a:rPr lang="en-US" altLang="ja-JP" b="1" dirty="0"/>
+                  <a:t> </a:t>
+                </a:r>
+                <a:endParaRPr lang="ja-JP" altLang="en-US" dirty="0"/>
+              </a:p>
+            </p:txBody>
+          </p:sp>
+        </mc:Choice>
+        <mc:Fallback>
+          <p:sp>
+            <p:nvSpPr>
+              <p:cNvPr id="17" name="正方形/長方形 16">
+                <a:extLst>
+                  <a:ext uri="{FF2B5EF4-FFF2-40B4-BE49-F238E27FC236}">
+                    <a16:creationId xmlns:a16="http://schemas.microsoft.com/office/drawing/2014/main" id="{979D0E8E-70B8-4347-85E9-6EC585429F43}"/>
+                  </a:ext>
+                </a:extLst>
+              </p:cNvPr>
+              <p:cNvSpPr>
+                <a:spLocks noRot="1" noChangeAspect="1" noMove="1" noResize="1" noEditPoints="1" noAdjustHandles="1" noChangeArrowheads="1" noChangeShapeType="1" noTextEdit="1"/>
+              </p:cNvSpPr>
+              <p:nvPr/>
+            </p:nvSpPr>
+            <p:spPr>
+              <a:xfrm>
+                <a:off x="5836476" y="3155201"/>
+                <a:ext cx="1628907" cy="369332"/>
+              </a:xfrm>
+              <a:prstGeom prst="rect">
+                <a:avLst/>
+              </a:prstGeom>
+              <a:blipFill>
+                <a:blip r:embed="rId10"/>
+                <a:stretch>
+                  <a:fillRect t="-10000" b="-26667"/>
+                </a:stretch>
+              </a:blipFill>
+            </p:spPr>
+            <p:txBody>
+              <a:bodyPr/>
+              <a:lstStyle/>
+              <a:p>
+                <a:r>
+                  <a:rPr lang="ja-JP" altLang="en-US">
+                    <a:noFill/>
+                  </a:rPr>
+                  <a:t> </a:t>
+                </a:r>
+              </a:p>
+            </p:txBody>
+          </p:sp>
+        </mc:Fallback>
+      </mc:AlternateContent>
+      <mc:AlternateContent xmlns:mc="http://schemas.openxmlformats.org/markup-compatibility/2006">
+        <mc:Choice xmlns:a14="http://schemas.microsoft.com/office/drawing/2010/main" Requires="a14">
+          <p:sp>
+            <p:nvSpPr>
+              <p:cNvPr id="18" name="正方形/長方形 17">
+                <a:extLst>
+                  <a:ext uri="{FF2B5EF4-FFF2-40B4-BE49-F238E27FC236}">
+                    <a16:creationId xmlns:a16="http://schemas.microsoft.com/office/drawing/2014/main" id="{A84CFD06-491D-49E3-9AC2-2C5E1F6F551E}"/>
+                  </a:ext>
+                </a:extLst>
+              </p:cNvPr>
+              <p:cNvSpPr/>
+              <p:nvPr/>
+            </p:nvSpPr>
+            <p:spPr>
+              <a:xfrm>
+                <a:off x="5836476" y="2660237"/>
+                <a:ext cx="1628907" cy="369332"/>
+              </a:xfrm>
+              <a:prstGeom prst="rect">
+                <a:avLst/>
+              </a:prstGeom>
+            </p:spPr>
+            <p:txBody>
+              <a:bodyPr wrap="none">
+                <a:spAutoFit/>
+              </a:bodyPr>
+              <a:lstStyle/>
+              <a:p>
+                <a14:m>
+                  <m:oMath xmlns:m="http://schemas.openxmlformats.org/officeDocument/2006/math">
+                    <m:sSub>
+                      <m:sSubPr>
+                        <m:ctrlPr>
+                          <a:rPr lang="en-US" altLang="ja-JP" b="1" i="1">
+                            <a:latin typeface="Cambria Math" panose="02040503050406030204" pitchFamily="18" charset="0"/>
+                          </a:rPr>
+                        </m:ctrlPr>
+                      </m:sSubPr>
+                      <m:e>
+                        <m:r>
+                          <a:rPr lang="en-US" altLang="ja-JP" b="1" i="1">
+                            <a:latin typeface="Cambria Math" panose="02040503050406030204" pitchFamily="18" charset="0"/>
+                          </a:rPr>
+                          <m:t>𝑨</m:t>
+                        </m:r>
+                      </m:e>
+                      <m:sub>
+                        <m:r>
+                          <a:rPr lang="en-US" altLang="ja-JP" b="1" i="1">
+                            <a:latin typeface="Cambria Math" panose="02040503050406030204" pitchFamily="18" charset="0"/>
+                          </a:rPr>
+                          <m:t>𝒊</m:t>
+                        </m:r>
+                      </m:sub>
+                    </m:sSub>
+                  </m:oMath>
+                </a14:m>
+                <a:r>
+                  <a:rPr lang="ja-JP" altLang="en-US" b="1" dirty="0"/>
+                  <a:t>水準の平均</a:t>
+                </a:r>
+                <a:r>
+                  <a:rPr lang="en-US" altLang="ja-JP" b="1" dirty="0"/>
+                  <a:t> </a:t>
+                </a:r>
+                <a:endParaRPr lang="ja-JP" altLang="en-US" dirty="0"/>
+              </a:p>
+            </p:txBody>
+          </p:sp>
+        </mc:Choice>
+        <mc:Fallback>
+          <p:sp>
+            <p:nvSpPr>
+              <p:cNvPr id="18" name="正方形/長方形 17">
+                <a:extLst>
+                  <a:ext uri="{FF2B5EF4-FFF2-40B4-BE49-F238E27FC236}">
+                    <a16:creationId xmlns:a16="http://schemas.microsoft.com/office/drawing/2014/main" id="{A84CFD06-491D-49E3-9AC2-2C5E1F6F551E}"/>
+                  </a:ext>
+                </a:extLst>
+              </p:cNvPr>
+              <p:cNvSpPr>
+                <a:spLocks noRot="1" noChangeAspect="1" noMove="1" noResize="1" noEditPoints="1" noAdjustHandles="1" noChangeArrowheads="1" noChangeShapeType="1" noTextEdit="1"/>
+              </p:cNvSpPr>
+              <p:nvPr/>
+            </p:nvSpPr>
+            <p:spPr>
+              <a:xfrm>
+                <a:off x="5836476" y="2660237"/>
+                <a:ext cx="1628907" cy="369332"/>
+              </a:xfrm>
+              <a:prstGeom prst="rect">
+                <a:avLst/>
+              </a:prstGeom>
+              <a:blipFill>
+                <a:blip r:embed="rId11"/>
+                <a:stretch>
+                  <a:fillRect t="-8197" b="-24590"/>
+                </a:stretch>
+              </a:blipFill>
+            </p:spPr>
+            <p:txBody>
+              <a:bodyPr/>
+              <a:lstStyle/>
+              <a:p>
+                <a:r>
+                  <a:rPr lang="ja-JP" altLang="en-US">
+                    <a:noFill/>
+                  </a:rPr>
+                  <a:t> </a:t>
+                </a:r>
+              </a:p>
+            </p:txBody>
+          </p:sp>
+        </mc:Fallback>
+      </mc:AlternateContent>
     </p:spTree>
     <p:extLst>
       <p:ext uri="{BB962C8B-B14F-4D97-AF65-F5344CB8AC3E}">
@@ -11612,6 +12002,35 @@
           <a:chExt cx="0" cy="0"/>
         </a:xfrm>
       </p:grpSpPr>
+      <p:pic>
+        <p:nvPicPr>
+          <p:cNvPr id="19" name="図 18">
+            <a:extLst>
+              <a:ext uri="{FF2B5EF4-FFF2-40B4-BE49-F238E27FC236}">
+                <a16:creationId xmlns:a16="http://schemas.microsoft.com/office/drawing/2014/main" id="{56BB7EDC-C5C3-40E8-A9B3-213D9ECA2E91}"/>
+              </a:ext>
+            </a:extLst>
+          </p:cNvPr>
+          <p:cNvPicPr>
+            <a:picLocks noChangeAspect="1"/>
+          </p:cNvPicPr>
+          <p:nvPr/>
+        </p:nvPicPr>
+        <p:blipFill rotWithShape="1">
+          <a:blip r:embed="rId2"/>
+          <a:srcRect l="7075" t="10373" r="8167"/>
+          <a:stretch/>
+        </p:blipFill>
+        <p:spPr>
+          <a:xfrm>
+            <a:off x="2864805" y="2154191"/>
+            <a:ext cx="6462390" cy="4555782"/>
+          </a:xfrm>
+          <a:prstGeom prst="rect">
+            <a:avLst/>
+          </a:prstGeom>
+        </p:spPr>
+      </p:pic>
       <p:sp>
         <p:nvSpPr>
           <p:cNvPr id="2" name="タイトル 1">
@@ -11633,35 +12052,390 @@
           <a:bodyPr/>
           <a:lstStyle/>
           <a:p>
-            <a:endParaRPr kumimoji="1" lang="ja-JP" altLang="en-US"/>
+            <a:r>
+              <a:rPr kumimoji="1" lang="en-US" altLang="ja-JP" dirty="0"/>
+              <a:t>ANOVA</a:t>
+            </a:r>
+            <a:endParaRPr kumimoji="1" lang="ja-JP" altLang="en-US" dirty="0"/>
           </a:p>
         </p:txBody>
       </p:sp>
       <p:sp>
         <p:nvSpPr>
-          <p:cNvPr id="3" name="コンテンツ プレースホルダー 2">
+          <p:cNvPr id="5" name="テキスト ボックス 4">
             <a:extLst>
               <a:ext uri="{FF2B5EF4-FFF2-40B4-BE49-F238E27FC236}">
-                <a16:creationId xmlns:a16="http://schemas.microsoft.com/office/drawing/2014/main" id="{43ADF658-FA63-45B3-90D8-8B3DF4785094}"/>
+                <a16:creationId xmlns:a16="http://schemas.microsoft.com/office/drawing/2014/main" id="{914ADF22-E984-4940-BD6C-76243E6A8DE2}"/>
               </a:ext>
             </a:extLst>
           </p:cNvPr>
-          <p:cNvSpPr>
-            <a:spLocks noGrp="1"/>
-          </p:cNvSpPr>
-          <p:nvPr>
-            <p:ph idx="1"/>
-          </p:nvPr>
+          <p:cNvSpPr txBox="1"/>
+          <p:nvPr/>
         </p:nvSpPr>
-        <p:spPr/>
+        <p:spPr>
+          <a:xfrm>
+            <a:off x="333347" y="1496811"/>
+            <a:ext cx="8917143" cy="584775"/>
+          </a:xfrm>
+          <a:prstGeom prst="rect">
+            <a:avLst/>
+          </a:prstGeom>
+          <a:noFill/>
+          <a:ln>
+            <a:solidFill>
+              <a:schemeClr val="accent1">
+                <a:lumMod val="75000"/>
+              </a:schemeClr>
+            </a:solidFill>
+          </a:ln>
+        </p:spPr>
         <p:txBody>
-          <a:bodyPr/>
+          <a:bodyPr wrap="square" rtlCol="0">
+            <a:spAutoFit/>
+          </a:bodyPr>
           <a:lstStyle/>
           <a:p>
-            <a:endParaRPr kumimoji="1" lang="ja-JP" altLang="en-US"/>
+            <a:r>
+              <a:rPr lang="ja-JP" altLang="en-US" sz="3200" b="1" dirty="0"/>
+              <a:t>総誤差量</a:t>
+            </a:r>
+            <a:r>
+              <a:rPr kumimoji="1" lang="en-US" altLang="ja-JP" sz="3200" b="1" dirty="0"/>
+              <a:t>= </a:t>
+            </a:r>
+            <a:r>
+              <a:rPr kumimoji="1" lang="ja-JP" altLang="en-US" sz="3200" b="1" dirty="0">
+                <a:solidFill>
+                  <a:srgbClr val="FF0000"/>
+                </a:solidFill>
+              </a:rPr>
+              <a:t>水準の効果量 </a:t>
+            </a:r>
+            <a:r>
+              <a:rPr kumimoji="1" lang="en-US" altLang="ja-JP" sz="3200" b="1" dirty="0"/>
+              <a:t>+ </a:t>
+            </a:r>
+            <a:r>
+              <a:rPr kumimoji="1" lang="ja-JP" altLang="en-US" sz="3200" b="1" dirty="0">
+                <a:solidFill>
+                  <a:schemeClr val="accent1">
+                    <a:lumMod val="75000"/>
+                  </a:schemeClr>
+                </a:solidFill>
+              </a:rPr>
+              <a:t>各水準内の誤差量</a:t>
+            </a:r>
           </a:p>
         </p:txBody>
       </p:sp>
+      <p:cxnSp>
+        <p:nvCxnSpPr>
+          <p:cNvPr id="8" name="直線矢印コネクタ 7">
+            <a:extLst>
+              <a:ext uri="{FF2B5EF4-FFF2-40B4-BE49-F238E27FC236}">
+                <a16:creationId xmlns:a16="http://schemas.microsoft.com/office/drawing/2014/main" id="{4AB216B4-77BE-4601-84E8-55839E1E0C70}"/>
+              </a:ext>
+            </a:extLst>
+          </p:cNvPr>
+          <p:cNvCxnSpPr>
+            <a:cxnSpLocks/>
+          </p:cNvCxnSpPr>
+          <p:nvPr/>
+        </p:nvCxnSpPr>
+        <p:spPr>
+          <a:xfrm>
+            <a:off x="2604303" y="2338821"/>
+            <a:ext cx="0" cy="3567899"/>
+          </a:xfrm>
+          <a:prstGeom prst="straightConnector1">
+            <a:avLst/>
+          </a:prstGeom>
+          <a:ln w="57150">
+            <a:solidFill>
+              <a:schemeClr val="bg2">
+                <a:lumMod val="25000"/>
+              </a:schemeClr>
+            </a:solidFill>
+            <a:headEnd type="triangle"/>
+            <a:tailEnd type="triangle"/>
+          </a:ln>
+        </p:spPr>
+        <p:style>
+          <a:lnRef idx="1">
+            <a:schemeClr val="accent1"/>
+          </a:lnRef>
+          <a:fillRef idx="0">
+            <a:schemeClr val="accent1"/>
+          </a:fillRef>
+          <a:effectRef idx="0">
+            <a:schemeClr val="accent1"/>
+          </a:effectRef>
+          <a:fontRef idx="minor">
+            <a:schemeClr val="tx1"/>
+          </a:fontRef>
+        </p:style>
+      </p:cxnSp>
+      <p:cxnSp>
+        <p:nvCxnSpPr>
+          <p:cNvPr id="10" name="直線矢印コネクタ 9">
+            <a:extLst>
+              <a:ext uri="{FF2B5EF4-FFF2-40B4-BE49-F238E27FC236}">
+                <a16:creationId xmlns:a16="http://schemas.microsoft.com/office/drawing/2014/main" id="{08B369F0-D220-407A-9930-FCE4D576F00D}"/>
+              </a:ext>
+            </a:extLst>
+          </p:cNvPr>
+          <p:cNvCxnSpPr>
+            <a:cxnSpLocks/>
+          </p:cNvCxnSpPr>
+          <p:nvPr/>
+        </p:nvCxnSpPr>
+        <p:spPr>
+          <a:xfrm>
+            <a:off x="5418881" y="4247066"/>
+            <a:ext cx="0" cy="1645188"/>
+          </a:xfrm>
+          <a:prstGeom prst="straightConnector1">
+            <a:avLst/>
+          </a:prstGeom>
+          <a:ln w="57150">
+            <a:headEnd type="triangle"/>
+            <a:tailEnd type="triangle"/>
+          </a:ln>
+        </p:spPr>
+        <p:style>
+          <a:lnRef idx="1">
+            <a:schemeClr val="accent1"/>
+          </a:lnRef>
+          <a:fillRef idx="0">
+            <a:schemeClr val="accent1"/>
+          </a:fillRef>
+          <a:effectRef idx="0">
+            <a:schemeClr val="accent1"/>
+          </a:effectRef>
+          <a:fontRef idx="minor">
+            <a:schemeClr val="tx1"/>
+          </a:fontRef>
+        </p:style>
+      </p:cxnSp>
+      <p:cxnSp>
+        <p:nvCxnSpPr>
+          <p:cNvPr id="12" name="直線矢印コネクタ 11">
+            <a:extLst>
+              <a:ext uri="{FF2B5EF4-FFF2-40B4-BE49-F238E27FC236}">
+                <a16:creationId xmlns:a16="http://schemas.microsoft.com/office/drawing/2014/main" id="{3FEF8351-E233-4607-AEBD-0C57A622021D}"/>
+              </a:ext>
+            </a:extLst>
+          </p:cNvPr>
+          <p:cNvCxnSpPr>
+            <a:cxnSpLocks/>
+          </p:cNvCxnSpPr>
+          <p:nvPr/>
+        </p:nvCxnSpPr>
+        <p:spPr>
+          <a:xfrm>
+            <a:off x="6917802" y="2385121"/>
+            <a:ext cx="0" cy="2632253"/>
+          </a:xfrm>
+          <a:prstGeom prst="straightConnector1">
+            <a:avLst/>
+          </a:prstGeom>
+          <a:ln w="57150">
+            <a:headEnd type="triangle"/>
+            <a:tailEnd type="triangle"/>
+          </a:ln>
+        </p:spPr>
+        <p:style>
+          <a:lnRef idx="1">
+            <a:schemeClr val="accent1"/>
+          </a:lnRef>
+          <a:fillRef idx="0">
+            <a:schemeClr val="accent1"/>
+          </a:fillRef>
+          <a:effectRef idx="0">
+            <a:schemeClr val="accent1"/>
+          </a:effectRef>
+          <a:fontRef idx="minor">
+            <a:schemeClr val="tx1"/>
+          </a:fontRef>
+        </p:style>
+      </p:cxnSp>
+      <p:cxnSp>
+        <p:nvCxnSpPr>
+          <p:cNvPr id="15" name="直線矢印コネクタ 14">
+            <a:extLst>
+              <a:ext uri="{FF2B5EF4-FFF2-40B4-BE49-F238E27FC236}">
+                <a16:creationId xmlns:a16="http://schemas.microsoft.com/office/drawing/2014/main" id="{3944C968-446A-4A3F-AB0C-FCB3C616F9F0}"/>
+              </a:ext>
+            </a:extLst>
+          </p:cNvPr>
+          <p:cNvCxnSpPr>
+            <a:cxnSpLocks/>
+          </p:cNvCxnSpPr>
+          <p:nvPr/>
+        </p:nvCxnSpPr>
+        <p:spPr>
+          <a:xfrm>
+            <a:off x="8415572" y="3507128"/>
+            <a:ext cx="0" cy="2122599"/>
+          </a:xfrm>
+          <a:prstGeom prst="straightConnector1">
+            <a:avLst/>
+          </a:prstGeom>
+          <a:ln w="57150">
+            <a:headEnd type="triangle"/>
+            <a:tailEnd type="triangle"/>
+          </a:ln>
+        </p:spPr>
+        <p:style>
+          <a:lnRef idx="1">
+            <a:schemeClr val="accent1"/>
+          </a:lnRef>
+          <a:fillRef idx="0">
+            <a:schemeClr val="accent1"/>
+          </a:fillRef>
+          <a:effectRef idx="0">
+            <a:schemeClr val="accent1"/>
+          </a:effectRef>
+          <a:fontRef idx="minor">
+            <a:schemeClr val="tx1"/>
+          </a:fontRef>
+        </p:style>
+      </p:cxnSp>
+      <p:cxnSp>
+        <p:nvCxnSpPr>
+          <p:cNvPr id="26" name="直線矢印コネクタ 25">
+            <a:extLst>
+              <a:ext uri="{FF2B5EF4-FFF2-40B4-BE49-F238E27FC236}">
+                <a16:creationId xmlns:a16="http://schemas.microsoft.com/office/drawing/2014/main" id="{2DDD3AEA-58A9-485C-86BF-8210DC964CDD}"/>
+              </a:ext>
+            </a:extLst>
+          </p:cNvPr>
+          <p:cNvCxnSpPr>
+            <a:cxnSpLocks/>
+          </p:cNvCxnSpPr>
+          <p:nvPr/>
+        </p:nvCxnSpPr>
+        <p:spPr>
+          <a:xfrm>
+            <a:off x="4944318" y="4367062"/>
+            <a:ext cx="0" cy="702598"/>
+          </a:xfrm>
+          <a:prstGeom prst="straightConnector1">
+            <a:avLst/>
+          </a:prstGeom>
+          <a:ln w="57150">
+            <a:solidFill>
+              <a:srgbClr val="FF0000"/>
+            </a:solidFill>
+            <a:headEnd type="triangle"/>
+            <a:tailEnd type="triangle"/>
+          </a:ln>
+        </p:spPr>
+        <p:style>
+          <a:lnRef idx="1">
+            <a:schemeClr val="accent1"/>
+          </a:lnRef>
+          <a:fillRef idx="0">
+            <a:schemeClr val="accent1"/>
+          </a:fillRef>
+          <a:effectRef idx="0">
+            <a:schemeClr val="accent1"/>
+          </a:effectRef>
+          <a:fontRef idx="minor">
+            <a:schemeClr val="tx1"/>
+          </a:fontRef>
+        </p:style>
+      </p:cxnSp>
+      <p:cxnSp>
+        <p:nvCxnSpPr>
+          <p:cNvPr id="29" name="直線矢印コネクタ 28">
+            <a:extLst>
+              <a:ext uri="{FF2B5EF4-FFF2-40B4-BE49-F238E27FC236}">
+                <a16:creationId xmlns:a16="http://schemas.microsoft.com/office/drawing/2014/main" id="{1F8B4C91-D1DA-4856-B003-F4350EE9FFEC}"/>
+              </a:ext>
+            </a:extLst>
+          </p:cNvPr>
+          <p:cNvCxnSpPr>
+            <a:cxnSpLocks/>
+          </p:cNvCxnSpPr>
+          <p:nvPr/>
+        </p:nvCxnSpPr>
+        <p:spPr>
+          <a:xfrm>
+            <a:off x="6508830" y="3601957"/>
+            <a:ext cx="0" cy="748898"/>
+          </a:xfrm>
+          <a:prstGeom prst="straightConnector1">
+            <a:avLst/>
+          </a:prstGeom>
+          <a:ln w="57150">
+            <a:solidFill>
+              <a:srgbClr val="FF0000"/>
+            </a:solidFill>
+            <a:headEnd type="triangle"/>
+            <a:tailEnd type="triangle"/>
+          </a:ln>
+        </p:spPr>
+        <p:style>
+          <a:lnRef idx="1">
+            <a:schemeClr val="accent1"/>
+          </a:lnRef>
+          <a:fillRef idx="0">
+            <a:schemeClr val="accent1"/>
+          </a:fillRef>
+          <a:effectRef idx="0">
+            <a:schemeClr val="accent1"/>
+          </a:effectRef>
+          <a:fontRef idx="minor">
+            <a:schemeClr val="tx1"/>
+          </a:fontRef>
+        </p:style>
+      </p:cxnSp>
+      <p:cxnSp>
+        <p:nvCxnSpPr>
+          <p:cNvPr id="31" name="直線矢印コネクタ 30">
+            <a:extLst>
+              <a:ext uri="{FF2B5EF4-FFF2-40B4-BE49-F238E27FC236}">
+                <a16:creationId xmlns:a16="http://schemas.microsoft.com/office/drawing/2014/main" id="{39152F0A-C7C8-42DD-BC91-B60089B0FA56}"/>
+              </a:ext>
+            </a:extLst>
+          </p:cNvPr>
+          <p:cNvCxnSpPr>
+            <a:cxnSpLocks/>
+          </p:cNvCxnSpPr>
+          <p:nvPr/>
+        </p:nvCxnSpPr>
+        <p:spPr>
+          <a:xfrm>
+            <a:off x="8154365" y="4377615"/>
+            <a:ext cx="0" cy="283410"/>
+          </a:xfrm>
+          <a:prstGeom prst="straightConnector1">
+            <a:avLst/>
+          </a:prstGeom>
+          <a:ln w="28575">
+            <a:solidFill>
+              <a:srgbClr val="FF0000"/>
+            </a:solidFill>
+            <a:headEnd type="triangle"/>
+            <a:tailEnd type="triangle"/>
+          </a:ln>
+        </p:spPr>
+        <p:style>
+          <a:lnRef idx="1">
+            <a:schemeClr val="accent1"/>
+          </a:lnRef>
+          <a:fillRef idx="0">
+            <a:schemeClr val="accent1"/>
+          </a:fillRef>
+          <a:effectRef idx="0">
+            <a:schemeClr val="accent1"/>
+          </a:effectRef>
+          <a:fontRef idx="minor">
+            <a:schemeClr val="tx1"/>
+          </a:fontRef>
+        </p:style>
+      </p:cxnSp>
     </p:spTree>
     <p:extLst>
       <p:ext uri="{BB962C8B-B14F-4D97-AF65-F5344CB8AC3E}">
@@ -11676,6 +12450,1257 @@
 </file>
 
 <file path=ppt/slides/slide13.xml><?xml version="1.0" encoding="utf-8"?>
+<p:sld xmlns:a="http://schemas.openxmlformats.org/drawingml/2006/main" xmlns:r="http://schemas.openxmlformats.org/officeDocument/2006/relationships" xmlns:p="http://schemas.openxmlformats.org/presentationml/2006/main">
+  <p:cSld>
+    <p:spTree>
+      <p:nvGrpSpPr>
+        <p:cNvPr id="1" name=""/>
+        <p:cNvGrpSpPr/>
+        <p:nvPr/>
+      </p:nvGrpSpPr>
+      <p:grpSpPr>
+        <a:xfrm>
+          <a:off x="0" y="0"/>
+          <a:ext cx="0" cy="0"/>
+          <a:chOff x="0" y="0"/>
+          <a:chExt cx="0" cy="0"/>
+        </a:xfrm>
+      </p:grpSpPr>
+      <p:sp>
+        <p:nvSpPr>
+          <p:cNvPr id="2" name="タイトル 1">
+            <a:extLst>
+              <a:ext uri="{FF2B5EF4-FFF2-40B4-BE49-F238E27FC236}">
+                <a16:creationId xmlns:a16="http://schemas.microsoft.com/office/drawing/2014/main" id="{3D4E49B8-5939-4BD0-B9A5-65B7BED7D9D5}"/>
+              </a:ext>
+            </a:extLst>
+          </p:cNvPr>
+          <p:cNvSpPr>
+            <a:spLocks noGrp="1"/>
+          </p:cNvSpPr>
+          <p:nvPr>
+            <p:ph type="title"/>
+          </p:nvPr>
+        </p:nvSpPr>
+        <p:spPr/>
+        <p:txBody>
+          <a:bodyPr/>
+          <a:lstStyle/>
+          <a:p>
+            <a:r>
+              <a:rPr kumimoji="1" lang="en-US" altLang="ja-JP" dirty="0"/>
+              <a:t>ANOVA</a:t>
+            </a:r>
+            <a:endParaRPr kumimoji="1" lang="ja-JP" altLang="en-US" dirty="0"/>
+          </a:p>
+        </p:txBody>
+      </p:sp>
+      <p:sp>
+        <p:nvSpPr>
+          <p:cNvPr id="4" name="テキスト ボックス 3">
+            <a:extLst>
+              <a:ext uri="{FF2B5EF4-FFF2-40B4-BE49-F238E27FC236}">
+                <a16:creationId xmlns:a16="http://schemas.microsoft.com/office/drawing/2014/main" id="{A419D80E-2509-424F-9CE4-E5199C6415BB}"/>
+              </a:ext>
+            </a:extLst>
+          </p:cNvPr>
+          <p:cNvSpPr txBox="1"/>
+          <p:nvPr/>
+        </p:nvSpPr>
+        <p:spPr>
+          <a:xfrm>
+            <a:off x="3939188" y="1447396"/>
+            <a:ext cx="3935393" cy="461665"/>
+          </a:xfrm>
+          <a:prstGeom prst="rect">
+            <a:avLst/>
+          </a:prstGeom>
+          <a:noFill/>
+        </p:spPr>
+        <p:txBody>
+          <a:bodyPr wrap="square" rtlCol="0">
+            <a:spAutoFit/>
+          </a:bodyPr>
+          <a:lstStyle/>
+          <a:p>
+            <a:r>
+              <a:rPr lang="ja-JP" altLang="en-US" sz="2400" b="1" dirty="0"/>
+              <a:t>各</a:t>
+            </a:r>
+            <a:r>
+              <a:rPr kumimoji="1" lang="ja-JP" altLang="en-US" sz="2400" b="1" dirty="0"/>
+              <a:t>水準内の変動の大きさ</a:t>
+            </a:r>
+          </a:p>
+        </p:txBody>
+      </p:sp>
+      <p:sp>
+        <p:nvSpPr>
+          <p:cNvPr id="5" name="テキスト ボックス 4">
+            <a:extLst>
+              <a:ext uri="{FF2B5EF4-FFF2-40B4-BE49-F238E27FC236}">
+                <a16:creationId xmlns:a16="http://schemas.microsoft.com/office/drawing/2014/main" id="{20198F98-D34A-4574-98A7-D2797A89D2EF}"/>
+              </a:ext>
+            </a:extLst>
+          </p:cNvPr>
+          <p:cNvSpPr txBox="1"/>
+          <p:nvPr/>
+        </p:nvSpPr>
+        <p:spPr>
+          <a:xfrm>
+            <a:off x="98612" y="1452442"/>
+            <a:ext cx="3111660" cy="461665"/>
+          </a:xfrm>
+          <a:prstGeom prst="rect">
+            <a:avLst/>
+          </a:prstGeom>
+          <a:noFill/>
+        </p:spPr>
+        <p:txBody>
+          <a:bodyPr wrap="square" rtlCol="0">
+            <a:spAutoFit/>
+          </a:bodyPr>
+          <a:lstStyle/>
+          <a:p>
+            <a:r>
+              <a:rPr lang="ja-JP" altLang="en-US" sz="2400" b="1" dirty="0"/>
+              <a:t>全体の</a:t>
+            </a:r>
+            <a:r>
+              <a:rPr kumimoji="1" lang="ja-JP" altLang="en-US" sz="2400" b="1" dirty="0"/>
+              <a:t>変動の大きさ</a:t>
+            </a:r>
+          </a:p>
+        </p:txBody>
+      </p:sp>
+      <p:sp>
+        <p:nvSpPr>
+          <p:cNvPr id="6" name="テキスト ボックス 5">
+            <a:extLst>
+              <a:ext uri="{FF2B5EF4-FFF2-40B4-BE49-F238E27FC236}">
+                <a16:creationId xmlns:a16="http://schemas.microsoft.com/office/drawing/2014/main" id="{74A467E8-D3D2-4B56-BA5C-BA46E2BBA407}"/>
+              </a:ext>
+            </a:extLst>
+          </p:cNvPr>
+          <p:cNvSpPr txBox="1"/>
+          <p:nvPr/>
+        </p:nvSpPr>
+        <p:spPr>
+          <a:xfrm>
+            <a:off x="7799882" y="1444421"/>
+            <a:ext cx="4894162" cy="461665"/>
+          </a:xfrm>
+          <a:prstGeom prst="rect">
+            <a:avLst/>
+          </a:prstGeom>
+          <a:noFill/>
+        </p:spPr>
+        <p:txBody>
+          <a:bodyPr wrap="square" rtlCol="0">
+            <a:spAutoFit/>
+          </a:bodyPr>
+          <a:lstStyle/>
+          <a:p>
+            <a:r>
+              <a:rPr lang="ja-JP" altLang="en-US" sz="2400" b="1" dirty="0"/>
+              <a:t>水準の効果による変動の大きさ</a:t>
+            </a:r>
+            <a:endParaRPr kumimoji="1" lang="ja-JP" altLang="en-US" sz="2400" b="1" dirty="0"/>
+          </a:p>
+        </p:txBody>
+      </p:sp>
+      <mc:AlternateContent xmlns:mc="http://schemas.openxmlformats.org/markup-compatibility/2006">
+        <mc:Choice xmlns:a14="http://schemas.microsoft.com/office/drawing/2010/main" Requires="a14">
+          <p:sp>
+            <p:nvSpPr>
+              <p:cNvPr id="7" name="テキスト ボックス 6">
+                <a:extLst>
+                  <a:ext uri="{FF2B5EF4-FFF2-40B4-BE49-F238E27FC236}">
+                    <a16:creationId xmlns:a16="http://schemas.microsoft.com/office/drawing/2014/main" id="{13FE0E88-1C73-4F37-9E93-F455EA806A25}"/>
+                  </a:ext>
+                </a:extLst>
+              </p:cNvPr>
+              <p:cNvSpPr txBox="1"/>
+              <p:nvPr/>
+            </p:nvSpPr>
+            <p:spPr>
+              <a:xfrm>
+                <a:off x="3960138" y="1848544"/>
+                <a:ext cx="3621184" cy="1094339"/>
+              </a:xfrm>
+              <a:prstGeom prst="rect">
+                <a:avLst/>
+              </a:prstGeom>
+              <a:noFill/>
+            </p:spPr>
+            <p:txBody>
+              <a:bodyPr wrap="none" lIns="0" tIns="0" rIns="0" bIns="0" rtlCol="0">
+                <a:spAutoFit/>
+              </a:bodyPr>
+              <a:lstStyle/>
+              <a:p>
+                <a14:m>
+                  <m:oMathPara xmlns:m="http://schemas.openxmlformats.org/officeDocument/2006/math">
+                    <m:oMathParaPr>
+                      <m:jc m:val="centerGroup"/>
+                    </m:oMathParaPr>
+                    <m:oMath xmlns:m="http://schemas.openxmlformats.org/officeDocument/2006/math">
+                      <m:sSub>
+                        <m:sSubPr>
+                          <m:ctrlPr>
+                            <a:rPr kumimoji="1" lang="en-US" altLang="ja-JP" sz="2800" i="1" smtClean="0">
+                              <a:latin typeface="Cambria Math" panose="02040503050406030204" pitchFamily="18" charset="0"/>
+                            </a:rPr>
+                          </m:ctrlPr>
+                        </m:sSubPr>
+                        <m:e>
+                          <m:r>
+                            <a:rPr kumimoji="1" lang="en-US" altLang="ja-JP" sz="2800" b="0" i="1" smtClean="0">
+                              <a:latin typeface="Cambria Math" panose="02040503050406030204" pitchFamily="18" charset="0"/>
+                            </a:rPr>
+                            <m:t>𝑆</m:t>
+                          </m:r>
+                        </m:e>
+                        <m:sub>
+                          <m:r>
+                            <a:rPr kumimoji="1" lang="en-US" altLang="ja-JP" sz="2800" b="0" i="1" smtClean="0">
+                              <a:latin typeface="Cambria Math" panose="02040503050406030204" pitchFamily="18" charset="0"/>
+                            </a:rPr>
+                            <m:t>𝑒</m:t>
+                          </m:r>
+                        </m:sub>
+                      </m:sSub>
+                      <m:r>
+                        <a:rPr kumimoji="1" lang="en-US" altLang="ja-JP" sz="2800" b="0" i="1" smtClean="0">
+                          <a:latin typeface="Cambria Math" panose="02040503050406030204" pitchFamily="18" charset="0"/>
+                        </a:rPr>
+                        <m:t>=</m:t>
+                      </m:r>
+                      <m:nary>
+                        <m:naryPr>
+                          <m:chr m:val="∑"/>
+                          <m:supHide m:val="on"/>
+                          <m:ctrlPr>
+                            <a:rPr kumimoji="1" lang="en-US" altLang="ja-JP" sz="2800" b="0" i="1" smtClean="0">
+                              <a:latin typeface="Cambria Math" panose="02040503050406030204" pitchFamily="18" charset="0"/>
+                            </a:rPr>
+                          </m:ctrlPr>
+                        </m:naryPr>
+                        <m:sub>
+                          <m:r>
+                            <m:rPr>
+                              <m:brk m:alnAt="7"/>
+                            </m:rPr>
+                            <a:rPr kumimoji="1" lang="en-US" altLang="ja-JP" sz="2800" b="0" i="1" smtClean="0">
+                              <a:latin typeface="Cambria Math" panose="02040503050406030204" pitchFamily="18" charset="0"/>
+                            </a:rPr>
+                            <m:t>𝑖</m:t>
+                          </m:r>
+                        </m:sub>
+                        <m:sup/>
+                        <m:e>
+                          <m:nary>
+                            <m:naryPr>
+                              <m:chr m:val="∑"/>
+                              <m:supHide m:val="on"/>
+                              <m:ctrlPr>
+                                <a:rPr kumimoji="1" lang="en-US" altLang="ja-JP" sz="2800" b="0" i="1" smtClean="0">
+                                  <a:latin typeface="Cambria Math" panose="02040503050406030204" pitchFamily="18" charset="0"/>
+                                </a:rPr>
+                              </m:ctrlPr>
+                            </m:naryPr>
+                            <m:sub>
+                              <m:r>
+                                <m:rPr>
+                                  <m:brk m:alnAt="7"/>
+                                </m:rPr>
+                                <a:rPr kumimoji="1" lang="en-US" altLang="ja-JP" sz="2800" b="0" i="1" smtClean="0">
+                                  <a:latin typeface="Cambria Math" panose="02040503050406030204" pitchFamily="18" charset="0"/>
+                                </a:rPr>
+                                <m:t>𝑗</m:t>
+                              </m:r>
+                            </m:sub>
+                            <m:sup/>
+                            <m:e>
+                              <m:sSup>
+                                <m:sSupPr>
+                                  <m:ctrlPr>
+                                    <a:rPr kumimoji="1" lang="en-US" altLang="ja-JP" sz="2800" b="0" i="1" smtClean="0">
+                                      <a:latin typeface="Cambria Math" panose="02040503050406030204" pitchFamily="18" charset="0"/>
+                                    </a:rPr>
+                                  </m:ctrlPr>
+                                </m:sSupPr>
+                                <m:e>
+                                  <m:r>
+                                    <a:rPr kumimoji="1" lang="en-US" altLang="ja-JP" sz="2800" b="0" i="1" smtClean="0">
+                                      <a:latin typeface="Cambria Math" panose="02040503050406030204" pitchFamily="18" charset="0"/>
+                                    </a:rPr>
+                                    <m:t>(</m:t>
+                                  </m:r>
+                                  <m:sSub>
+                                    <m:sSubPr>
+                                      <m:ctrlPr>
+                                        <a:rPr lang="en-US" altLang="ja-JP" sz="2800" i="1">
+                                          <a:latin typeface="Cambria Math" panose="02040503050406030204" pitchFamily="18" charset="0"/>
+                                        </a:rPr>
+                                      </m:ctrlPr>
+                                    </m:sSubPr>
+                                    <m:e>
+                                      <m:r>
+                                        <a:rPr lang="en-US" altLang="ja-JP" sz="2800" i="1">
+                                          <a:latin typeface="Cambria Math" panose="02040503050406030204" pitchFamily="18" charset="0"/>
+                                        </a:rPr>
+                                        <m:t>𝑦</m:t>
+                                      </m:r>
+                                    </m:e>
+                                    <m:sub>
+                                      <m:r>
+                                        <a:rPr lang="en-US" altLang="ja-JP" sz="2800" i="1">
+                                          <a:latin typeface="Cambria Math" panose="02040503050406030204" pitchFamily="18" charset="0"/>
+                                        </a:rPr>
+                                        <m:t>𝑖</m:t>
+                                      </m:r>
+                                      <m:r>
+                                        <a:rPr lang="en-US" altLang="ja-JP" sz="2800" b="0" i="1" smtClean="0">
+                                          <a:latin typeface="Cambria Math" panose="02040503050406030204" pitchFamily="18" charset="0"/>
+                                        </a:rPr>
+                                        <m:t>𝑗</m:t>
+                                      </m:r>
+                                    </m:sub>
+                                  </m:sSub>
+                                  <m:r>
+                                    <a:rPr lang="en-US" altLang="ja-JP" sz="2800" b="0" i="1" smtClean="0">
+                                      <a:latin typeface="Cambria Math" panose="02040503050406030204" pitchFamily="18" charset="0"/>
+                                    </a:rPr>
+                                    <m:t>−</m:t>
+                                  </m:r>
+                                  <m:sSub>
+                                    <m:sSubPr>
+                                      <m:ctrlPr>
+                                        <a:rPr lang="en-US" altLang="ja-JP" sz="2800" i="1">
+                                          <a:latin typeface="Cambria Math" panose="02040503050406030204" pitchFamily="18" charset="0"/>
+                                        </a:rPr>
+                                      </m:ctrlPr>
+                                    </m:sSubPr>
+                                    <m:e>
+                                      <m:acc>
+                                        <m:accPr>
+                                          <m:chr m:val="̅"/>
+                                          <m:ctrlPr>
+                                            <a:rPr kumimoji="1" lang="en-US" altLang="ja-JP" sz="2800" i="1" smtClean="0">
+                                              <a:latin typeface="Cambria Math" panose="02040503050406030204" pitchFamily="18" charset="0"/>
+                                            </a:rPr>
+                                          </m:ctrlPr>
+                                        </m:accPr>
+                                        <m:e>
+                                          <m:r>
+                                            <a:rPr lang="en-US" altLang="ja-JP" sz="2800" i="1">
+                                              <a:latin typeface="Cambria Math" panose="02040503050406030204" pitchFamily="18" charset="0"/>
+                                            </a:rPr>
+                                            <m:t>𝑦</m:t>
+                                          </m:r>
+                                        </m:e>
+                                      </m:acc>
+                                    </m:e>
+                                    <m:sub>
+                                      <m:r>
+                                        <a:rPr lang="en-US" altLang="ja-JP" sz="2800" i="1">
+                                          <a:latin typeface="Cambria Math" panose="02040503050406030204" pitchFamily="18" charset="0"/>
+                                        </a:rPr>
+                                        <m:t>𝑖</m:t>
+                                      </m:r>
+                                      <m:r>
+                                        <a:rPr lang="en-US" altLang="ja-JP" sz="2800" i="1" smtClean="0">
+                                          <a:latin typeface="Cambria Math" panose="02040503050406030204" pitchFamily="18" charset="0"/>
+                                          <a:ea typeface="Cambria Math" panose="02040503050406030204" pitchFamily="18" charset="0"/>
+                                        </a:rPr>
+                                        <m:t>∙</m:t>
+                                      </m:r>
+                                    </m:sub>
+                                  </m:sSub>
+                                  <m:r>
+                                    <a:rPr kumimoji="1" lang="en-US" altLang="ja-JP" sz="2800" b="0" i="1" smtClean="0">
+                                      <a:latin typeface="Cambria Math" panose="02040503050406030204" pitchFamily="18" charset="0"/>
+                                    </a:rPr>
+                                    <m:t>)</m:t>
+                                  </m:r>
+                                </m:e>
+                                <m:sup>
+                                  <m:r>
+                                    <a:rPr kumimoji="1" lang="en-US" altLang="ja-JP" sz="2800" b="0" i="1" smtClean="0">
+                                      <a:latin typeface="Cambria Math" panose="02040503050406030204" pitchFamily="18" charset="0"/>
+                                    </a:rPr>
+                                    <m:t>2</m:t>
+                                  </m:r>
+                                </m:sup>
+                              </m:sSup>
+                            </m:e>
+                          </m:nary>
+                        </m:e>
+                      </m:nary>
+                    </m:oMath>
+                  </m:oMathPara>
+                </a14:m>
+                <a:endParaRPr kumimoji="1" lang="ja-JP" altLang="en-US" sz="2800" dirty="0"/>
+              </a:p>
+            </p:txBody>
+          </p:sp>
+        </mc:Choice>
+        <mc:Fallback>
+          <p:sp>
+            <p:nvSpPr>
+              <p:cNvPr id="7" name="テキスト ボックス 6">
+                <a:extLst>
+                  <a:ext uri="{FF2B5EF4-FFF2-40B4-BE49-F238E27FC236}">
+                    <a16:creationId xmlns:a16="http://schemas.microsoft.com/office/drawing/2014/main" id="{13FE0E88-1C73-4F37-9E93-F455EA806A25}"/>
+                  </a:ext>
+                </a:extLst>
+              </p:cNvPr>
+              <p:cNvSpPr txBox="1">
+                <a:spLocks noRot="1" noChangeAspect="1" noMove="1" noResize="1" noEditPoints="1" noAdjustHandles="1" noChangeArrowheads="1" noChangeShapeType="1" noTextEdit="1"/>
+              </p:cNvSpPr>
+              <p:nvPr/>
+            </p:nvSpPr>
+            <p:spPr>
+              <a:xfrm>
+                <a:off x="3960138" y="1848544"/>
+                <a:ext cx="3621184" cy="1094339"/>
+              </a:xfrm>
+              <a:prstGeom prst="rect">
+                <a:avLst/>
+              </a:prstGeom>
+              <a:blipFill>
+                <a:blip r:embed="rId2"/>
+                <a:stretch>
+                  <a:fillRect/>
+                </a:stretch>
+              </a:blipFill>
+            </p:spPr>
+            <p:txBody>
+              <a:bodyPr/>
+              <a:lstStyle/>
+              <a:p>
+                <a:r>
+                  <a:rPr lang="ja-JP" altLang="en-US">
+                    <a:noFill/>
+                  </a:rPr>
+                  <a:t> </a:t>
+                </a:r>
+              </a:p>
+            </p:txBody>
+          </p:sp>
+        </mc:Fallback>
+      </mc:AlternateContent>
+      <mc:AlternateContent xmlns:mc="http://schemas.openxmlformats.org/markup-compatibility/2006">
+        <mc:Choice xmlns:a14="http://schemas.microsoft.com/office/drawing/2010/main" Requires="a14">
+          <p:sp>
+            <p:nvSpPr>
+              <p:cNvPr id="10" name="テキスト ボックス 9">
+                <a:extLst>
+                  <a:ext uri="{FF2B5EF4-FFF2-40B4-BE49-F238E27FC236}">
+                    <a16:creationId xmlns:a16="http://schemas.microsoft.com/office/drawing/2014/main" id="{E2E469ED-1CE4-4EC3-B1EF-5726E2FF50C8}"/>
+                  </a:ext>
+                </a:extLst>
+              </p:cNvPr>
+              <p:cNvSpPr txBox="1"/>
+              <p:nvPr/>
+            </p:nvSpPr>
+            <p:spPr>
+              <a:xfrm>
+                <a:off x="137194" y="1929657"/>
+                <a:ext cx="3604384" cy="1094339"/>
+              </a:xfrm>
+              <a:prstGeom prst="rect">
+                <a:avLst/>
+              </a:prstGeom>
+              <a:noFill/>
+            </p:spPr>
+            <p:txBody>
+              <a:bodyPr wrap="none" lIns="0" tIns="0" rIns="0" bIns="0" rtlCol="0">
+                <a:spAutoFit/>
+              </a:bodyPr>
+              <a:lstStyle/>
+              <a:p>
+                <a14:m>
+                  <m:oMathPara xmlns:m="http://schemas.openxmlformats.org/officeDocument/2006/math">
+                    <m:oMathParaPr>
+                      <m:jc m:val="centerGroup"/>
+                    </m:oMathParaPr>
+                    <m:oMath xmlns:m="http://schemas.openxmlformats.org/officeDocument/2006/math">
+                      <m:sSub>
+                        <m:sSubPr>
+                          <m:ctrlPr>
+                            <a:rPr kumimoji="1" lang="en-US" altLang="ja-JP" sz="2800" i="1" smtClean="0">
+                              <a:latin typeface="Cambria Math" panose="02040503050406030204" pitchFamily="18" charset="0"/>
+                            </a:rPr>
+                          </m:ctrlPr>
+                        </m:sSubPr>
+                        <m:e>
+                          <m:r>
+                            <a:rPr kumimoji="1" lang="en-US" altLang="ja-JP" sz="2800" b="0" i="1" smtClean="0">
+                              <a:latin typeface="Cambria Math" panose="02040503050406030204" pitchFamily="18" charset="0"/>
+                            </a:rPr>
+                            <m:t>𝑆</m:t>
+                          </m:r>
+                        </m:e>
+                        <m:sub>
+                          <m:r>
+                            <a:rPr kumimoji="1" lang="en-US" altLang="ja-JP" sz="2800" b="0" i="1" smtClean="0">
+                              <a:latin typeface="Cambria Math" panose="02040503050406030204" pitchFamily="18" charset="0"/>
+                            </a:rPr>
+                            <m:t>𝑇</m:t>
+                          </m:r>
+                        </m:sub>
+                      </m:sSub>
+                      <m:r>
+                        <a:rPr kumimoji="1" lang="en-US" altLang="ja-JP" sz="2800" b="0" i="1" smtClean="0">
+                          <a:latin typeface="Cambria Math" panose="02040503050406030204" pitchFamily="18" charset="0"/>
+                        </a:rPr>
+                        <m:t>=</m:t>
+                      </m:r>
+                      <m:nary>
+                        <m:naryPr>
+                          <m:chr m:val="∑"/>
+                          <m:supHide m:val="on"/>
+                          <m:ctrlPr>
+                            <a:rPr kumimoji="1" lang="en-US" altLang="ja-JP" sz="2800" b="0" i="1" smtClean="0">
+                              <a:latin typeface="Cambria Math" panose="02040503050406030204" pitchFamily="18" charset="0"/>
+                            </a:rPr>
+                          </m:ctrlPr>
+                        </m:naryPr>
+                        <m:sub>
+                          <m:r>
+                            <m:rPr>
+                              <m:brk m:alnAt="7"/>
+                            </m:rPr>
+                            <a:rPr kumimoji="1" lang="en-US" altLang="ja-JP" sz="2800" b="0" i="1" smtClean="0">
+                              <a:latin typeface="Cambria Math" panose="02040503050406030204" pitchFamily="18" charset="0"/>
+                            </a:rPr>
+                            <m:t>𝑖</m:t>
+                          </m:r>
+                        </m:sub>
+                        <m:sup/>
+                        <m:e>
+                          <m:nary>
+                            <m:naryPr>
+                              <m:chr m:val="∑"/>
+                              <m:supHide m:val="on"/>
+                              <m:ctrlPr>
+                                <a:rPr kumimoji="1" lang="en-US" altLang="ja-JP" sz="2800" b="0" i="1" smtClean="0">
+                                  <a:latin typeface="Cambria Math" panose="02040503050406030204" pitchFamily="18" charset="0"/>
+                                </a:rPr>
+                              </m:ctrlPr>
+                            </m:naryPr>
+                            <m:sub>
+                              <m:r>
+                                <m:rPr>
+                                  <m:brk m:alnAt="7"/>
+                                </m:rPr>
+                                <a:rPr kumimoji="1" lang="en-US" altLang="ja-JP" sz="2800" b="0" i="1" smtClean="0">
+                                  <a:latin typeface="Cambria Math" panose="02040503050406030204" pitchFamily="18" charset="0"/>
+                                </a:rPr>
+                                <m:t>𝑗</m:t>
+                              </m:r>
+                            </m:sub>
+                            <m:sup/>
+                            <m:e>
+                              <m:sSup>
+                                <m:sSupPr>
+                                  <m:ctrlPr>
+                                    <a:rPr kumimoji="1" lang="en-US" altLang="ja-JP" sz="2800" b="0" i="1" smtClean="0">
+                                      <a:latin typeface="Cambria Math" panose="02040503050406030204" pitchFamily="18" charset="0"/>
+                                    </a:rPr>
+                                  </m:ctrlPr>
+                                </m:sSupPr>
+                                <m:e>
+                                  <m:r>
+                                    <a:rPr kumimoji="1" lang="en-US" altLang="ja-JP" sz="2800" b="0" i="1" smtClean="0">
+                                      <a:latin typeface="Cambria Math" panose="02040503050406030204" pitchFamily="18" charset="0"/>
+                                    </a:rPr>
+                                    <m:t>(</m:t>
+                                  </m:r>
+                                  <m:sSub>
+                                    <m:sSubPr>
+                                      <m:ctrlPr>
+                                        <a:rPr lang="en-US" altLang="ja-JP" sz="2800" i="1">
+                                          <a:latin typeface="Cambria Math" panose="02040503050406030204" pitchFamily="18" charset="0"/>
+                                        </a:rPr>
+                                      </m:ctrlPr>
+                                    </m:sSubPr>
+                                    <m:e>
+                                      <m:r>
+                                        <a:rPr lang="en-US" altLang="ja-JP" sz="2800" i="1">
+                                          <a:latin typeface="Cambria Math" panose="02040503050406030204" pitchFamily="18" charset="0"/>
+                                        </a:rPr>
+                                        <m:t>𝑦</m:t>
+                                      </m:r>
+                                    </m:e>
+                                    <m:sub>
+                                      <m:r>
+                                        <a:rPr lang="en-US" altLang="ja-JP" sz="2800" i="1">
+                                          <a:latin typeface="Cambria Math" panose="02040503050406030204" pitchFamily="18" charset="0"/>
+                                        </a:rPr>
+                                        <m:t>𝑖</m:t>
+                                      </m:r>
+                                      <m:r>
+                                        <a:rPr lang="en-US" altLang="ja-JP" sz="2800" b="0" i="1" smtClean="0">
+                                          <a:latin typeface="Cambria Math" panose="02040503050406030204" pitchFamily="18" charset="0"/>
+                                        </a:rPr>
+                                        <m:t>𝑗</m:t>
+                                      </m:r>
+                                    </m:sub>
+                                  </m:sSub>
+                                  <m:r>
+                                    <a:rPr lang="en-US" altLang="ja-JP" sz="2800" b="0" i="1" smtClean="0">
+                                      <a:latin typeface="Cambria Math" panose="02040503050406030204" pitchFamily="18" charset="0"/>
+                                    </a:rPr>
+                                    <m:t>−</m:t>
+                                  </m:r>
+                                  <m:sSub>
+                                    <m:sSubPr>
+                                      <m:ctrlPr>
+                                        <a:rPr lang="en-US" altLang="ja-JP" sz="2800" i="1">
+                                          <a:latin typeface="Cambria Math" panose="02040503050406030204" pitchFamily="18" charset="0"/>
+                                        </a:rPr>
+                                      </m:ctrlPr>
+                                    </m:sSubPr>
+                                    <m:e>
+                                      <m:acc>
+                                        <m:accPr>
+                                          <m:chr m:val="̅"/>
+                                          <m:ctrlPr>
+                                            <a:rPr kumimoji="1" lang="en-US" altLang="ja-JP" sz="2800" i="1" smtClean="0">
+                                              <a:latin typeface="Cambria Math" panose="02040503050406030204" pitchFamily="18" charset="0"/>
+                                            </a:rPr>
+                                          </m:ctrlPr>
+                                        </m:accPr>
+                                        <m:e>
+                                          <m:r>
+                                            <a:rPr lang="en-US" altLang="ja-JP" sz="2800" i="1">
+                                              <a:latin typeface="Cambria Math" panose="02040503050406030204" pitchFamily="18" charset="0"/>
+                                            </a:rPr>
+                                            <m:t>𝑦</m:t>
+                                          </m:r>
+                                        </m:e>
+                                      </m:acc>
+                                    </m:e>
+                                    <m:sub>
+                                      <m:r>
+                                        <a:rPr lang="en-US" altLang="ja-JP" sz="2800" i="1" smtClean="0">
+                                          <a:latin typeface="Cambria Math" panose="02040503050406030204" pitchFamily="18" charset="0"/>
+                                          <a:ea typeface="Cambria Math" panose="02040503050406030204" pitchFamily="18" charset="0"/>
+                                        </a:rPr>
+                                        <m:t>∙∙</m:t>
+                                      </m:r>
+                                    </m:sub>
+                                  </m:sSub>
+                                  <m:r>
+                                    <a:rPr kumimoji="1" lang="en-US" altLang="ja-JP" sz="2800" b="0" i="1" smtClean="0">
+                                      <a:latin typeface="Cambria Math" panose="02040503050406030204" pitchFamily="18" charset="0"/>
+                                    </a:rPr>
+                                    <m:t>)</m:t>
+                                  </m:r>
+                                </m:e>
+                                <m:sup>
+                                  <m:r>
+                                    <a:rPr kumimoji="1" lang="en-US" altLang="ja-JP" sz="2800" b="0" i="1" smtClean="0">
+                                      <a:latin typeface="Cambria Math" panose="02040503050406030204" pitchFamily="18" charset="0"/>
+                                    </a:rPr>
+                                    <m:t>2</m:t>
+                                  </m:r>
+                                </m:sup>
+                              </m:sSup>
+                            </m:e>
+                          </m:nary>
+                        </m:e>
+                      </m:nary>
+                    </m:oMath>
+                  </m:oMathPara>
+                </a14:m>
+                <a:endParaRPr kumimoji="1" lang="ja-JP" altLang="en-US" sz="2800" dirty="0"/>
+              </a:p>
+            </p:txBody>
+          </p:sp>
+        </mc:Choice>
+        <mc:Fallback>
+          <p:sp>
+            <p:nvSpPr>
+              <p:cNvPr id="10" name="テキスト ボックス 9">
+                <a:extLst>
+                  <a:ext uri="{FF2B5EF4-FFF2-40B4-BE49-F238E27FC236}">
+                    <a16:creationId xmlns:a16="http://schemas.microsoft.com/office/drawing/2014/main" id="{E2E469ED-1CE4-4EC3-B1EF-5726E2FF50C8}"/>
+                  </a:ext>
+                </a:extLst>
+              </p:cNvPr>
+              <p:cNvSpPr txBox="1">
+                <a:spLocks noRot="1" noChangeAspect="1" noMove="1" noResize="1" noEditPoints="1" noAdjustHandles="1" noChangeArrowheads="1" noChangeShapeType="1" noTextEdit="1"/>
+              </p:cNvSpPr>
+              <p:nvPr/>
+            </p:nvSpPr>
+            <p:spPr>
+              <a:xfrm>
+                <a:off x="137194" y="1929657"/>
+                <a:ext cx="3604384" cy="1094339"/>
+              </a:xfrm>
+              <a:prstGeom prst="rect">
+                <a:avLst/>
+              </a:prstGeom>
+              <a:blipFill>
+                <a:blip r:embed="rId3"/>
+                <a:stretch>
+                  <a:fillRect/>
+                </a:stretch>
+              </a:blipFill>
+            </p:spPr>
+            <p:txBody>
+              <a:bodyPr/>
+              <a:lstStyle/>
+              <a:p>
+                <a:r>
+                  <a:rPr lang="ja-JP" altLang="en-US">
+                    <a:noFill/>
+                  </a:rPr>
+                  <a:t> </a:t>
+                </a:r>
+              </a:p>
+            </p:txBody>
+          </p:sp>
+        </mc:Fallback>
+      </mc:AlternateContent>
+      <mc:AlternateContent xmlns:mc="http://schemas.openxmlformats.org/markup-compatibility/2006">
+        <mc:Choice xmlns:a14="http://schemas.microsoft.com/office/drawing/2010/main" Requires="a14">
+          <p:sp>
+            <p:nvSpPr>
+              <p:cNvPr id="11" name="テキスト ボックス 10">
+                <a:extLst>
+                  <a:ext uri="{FF2B5EF4-FFF2-40B4-BE49-F238E27FC236}">
+                    <a16:creationId xmlns:a16="http://schemas.microsoft.com/office/drawing/2014/main" id="{7DE42997-3C4A-4E8D-9E79-9B7F988E48E5}"/>
+                  </a:ext>
+                </a:extLst>
+              </p:cNvPr>
+              <p:cNvSpPr txBox="1"/>
+              <p:nvPr/>
+            </p:nvSpPr>
+            <p:spPr>
+              <a:xfrm>
+                <a:off x="7820832" y="1762885"/>
+                <a:ext cx="3302699" cy="1045543"/>
+              </a:xfrm>
+              <a:prstGeom prst="rect">
+                <a:avLst/>
+              </a:prstGeom>
+              <a:noFill/>
+            </p:spPr>
+            <p:txBody>
+              <a:bodyPr wrap="none" lIns="0" tIns="0" rIns="0" bIns="0" rtlCol="0">
+                <a:spAutoFit/>
+              </a:bodyPr>
+              <a:lstStyle/>
+              <a:p>
+                <a14:m>
+                  <m:oMathPara xmlns:m="http://schemas.openxmlformats.org/officeDocument/2006/math">
+                    <m:oMathParaPr>
+                      <m:jc m:val="centerGroup"/>
+                    </m:oMathParaPr>
+                    <m:oMath xmlns:m="http://schemas.openxmlformats.org/officeDocument/2006/math">
+                      <m:sSub>
+                        <m:sSubPr>
+                          <m:ctrlPr>
+                            <a:rPr kumimoji="1" lang="en-US" altLang="ja-JP" sz="2800" i="1" smtClean="0">
+                              <a:latin typeface="Cambria Math" panose="02040503050406030204" pitchFamily="18" charset="0"/>
+                            </a:rPr>
+                          </m:ctrlPr>
+                        </m:sSubPr>
+                        <m:e>
+                          <m:r>
+                            <a:rPr kumimoji="1" lang="en-US" altLang="ja-JP" sz="2800" b="0" i="1" smtClean="0">
+                              <a:latin typeface="Cambria Math" panose="02040503050406030204" pitchFamily="18" charset="0"/>
+                            </a:rPr>
+                            <m:t>𝑆</m:t>
+                          </m:r>
+                        </m:e>
+                        <m:sub>
+                          <m:r>
+                            <a:rPr kumimoji="1" lang="en-US" altLang="ja-JP" sz="2800" b="0" i="1" smtClean="0">
+                              <a:latin typeface="Cambria Math" panose="02040503050406030204" pitchFamily="18" charset="0"/>
+                            </a:rPr>
+                            <m:t>𝐴</m:t>
+                          </m:r>
+                        </m:sub>
+                      </m:sSub>
+                      <m:r>
+                        <a:rPr kumimoji="1" lang="en-US" altLang="ja-JP" sz="2800" b="0" i="1" smtClean="0">
+                          <a:latin typeface="Cambria Math" panose="02040503050406030204" pitchFamily="18" charset="0"/>
+                        </a:rPr>
+                        <m:t>=</m:t>
+                      </m:r>
+                      <m:nary>
+                        <m:naryPr>
+                          <m:chr m:val="∑"/>
+                          <m:supHide m:val="on"/>
+                          <m:ctrlPr>
+                            <a:rPr kumimoji="1" lang="en-US" altLang="ja-JP" sz="2800" b="0" i="1" smtClean="0">
+                              <a:latin typeface="Cambria Math" panose="02040503050406030204" pitchFamily="18" charset="0"/>
+                            </a:rPr>
+                          </m:ctrlPr>
+                        </m:naryPr>
+                        <m:sub>
+                          <m:r>
+                            <m:rPr>
+                              <m:brk m:alnAt="7"/>
+                            </m:rPr>
+                            <a:rPr kumimoji="1" lang="en-US" altLang="ja-JP" sz="2800" b="0" i="1" smtClean="0">
+                              <a:latin typeface="Cambria Math" panose="02040503050406030204" pitchFamily="18" charset="0"/>
+                            </a:rPr>
+                            <m:t>𝑖</m:t>
+                          </m:r>
+                        </m:sub>
+                        <m:sup/>
+                        <m:e>
+                          <m:sSub>
+                            <m:sSubPr>
+                              <m:ctrlPr>
+                                <a:rPr lang="en-US" altLang="ja-JP" sz="2800" i="1">
+                                  <a:latin typeface="Cambria Math" panose="02040503050406030204" pitchFamily="18" charset="0"/>
+                                </a:rPr>
+                              </m:ctrlPr>
+                            </m:sSubPr>
+                            <m:e>
+                              <m:r>
+                                <a:rPr lang="en-US" altLang="ja-JP" sz="2800">
+                                  <a:latin typeface="Cambria Math" panose="02040503050406030204" pitchFamily="18" charset="0"/>
+                                </a:rPr>
+                                <m:t>𝑟</m:t>
+                              </m:r>
+                            </m:e>
+                            <m:sub>
+                              <m:r>
+                                <a:rPr lang="en-US" altLang="ja-JP" sz="2800">
+                                  <a:latin typeface="Cambria Math" panose="02040503050406030204" pitchFamily="18" charset="0"/>
+                                </a:rPr>
+                                <m:t>𝑖</m:t>
+                              </m:r>
+                            </m:sub>
+                          </m:sSub>
+                          <m:sSup>
+                            <m:sSupPr>
+                              <m:ctrlPr>
+                                <a:rPr lang="en-US" altLang="ja-JP" sz="2800" i="1">
+                                  <a:latin typeface="Cambria Math" panose="02040503050406030204" pitchFamily="18" charset="0"/>
+                                </a:rPr>
+                              </m:ctrlPr>
+                            </m:sSupPr>
+                            <m:e>
+                              <m:r>
+                                <a:rPr lang="en-US" altLang="ja-JP" sz="2800" i="1">
+                                  <a:latin typeface="Cambria Math" panose="02040503050406030204" pitchFamily="18" charset="0"/>
+                                </a:rPr>
+                                <m:t>(</m:t>
+                              </m:r>
+                              <m:sSub>
+                                <m:sSubPr>
+                                  <m:ctrlPr>
+                                    <a:rPr lang="en-US" altLang="ja-JP" sz="2800" i="1">
+                                      <a:latin typeface="Cambria Math" panose="02040503050406030204" pitchFamily="18" charset="0"/>
+                                    </a:rPr>
+                                  </m:ctrlPr>
+                                </m:sSubPr>
+                                <m:e>
+                                  <m:acc>
+                                    <m:accPr>
+                                      <m:chr m:val="̅"/>
+                                      <m:ctrlPr>
+                                        <a:rPr lang="en-US" altLang="ja-JP" sz="2800" i="1">
+                                          <a:latin typeface="Cambria Math" panose="02040503050406030204" pitchFamily="18" charset="0"/>
+                                        </a:rPr>
+                                      </m:ctrlPr>
+                                    </m:accPr>
+                                    <m:e>
+                                      <m:r>
+                                        <a:rPr lang="en-US" altLang="ja-JP" sz="2800" i="1">
+                                          <a:latin typeface="Cambria Math" panose="02040503050406030204" pitchFamily="18" charset="0"/>
+                                        </a:rPr>
+                                        <m:t>𝑦</m:t>
+                                      </m:r>
+                                    </m:e>
+                                  </m:acc>
+                                </m:e>
+                                <m:sub>
+                                  <m:r>
+                                    <a:rPr lang="en-US" altLang="ja-JP" sz="2800" i="1">
+                                      <a:latin typeface="Cambria Math" panose="02040503050406030204" pitchFamily="18" charset="0"/>
+                                    </a:rPr>
+                                    <m:t>𝑖</m:t>
+                                  </m:r>
+                                  <m:r>
+                                    <a:rPr lang="en-US" altLang="ja-JP" sz="2800" i="1">
+                                      <a:latin typeface="Cambria Math" panose="02040503050406030204" pitchFamily="18" charset="0"/>
+                                      <a:ea typeface="Cambria Math" panose="02040503050406030204" pitchFamily="18" charset="0"/>
+                                    </a:rPr>
+                                    <m:t>∙</m:t>
+                                  </m:r>
+                                </m:sub>
+                              </m:sSub>
+                              <m:r>
+                                <a:rPr lang="en-US" altLang="ja-JP" sz="2800" i="1">
+                                  <a:latin typeface="Cambria Math" panose="02040503050406030204" pitchFamily="18" charset="0"/>
+                                  <a:ea typeface="Cambria Math" panose="02040503050406030204" pitchFamily="18" charset="0"/>
+                                </a:rPr>
+                                <m:t>−</m:t>
+                              </m:r>
+                              <m:sSub>
+                                <m:sSubPr>
+                                  <m:ctrlPr>
+                                    <a:rPr lang="en-US" altLang="ja-JP" sz="2800" i="1">
+                                      <a:latin typeface="Cambria Math" panose="02040503050406030204" pitchFamily="18" charset="0"/>
+                                    </a:rPr>
+                                  </m:ctrlPr>
+                                </m:sSubPr>
+                                <m:e>
+                                  <m:acc>
+                                    <m:accPr>
+                                      <m:chr m:val="̅"/>
+                                      <m:ctrlPr>
+                                        <a:rPr lang="en-US" altLang="ja-JP" sz="2800" i="1">
+                                          <a:latin typeface="Cambria Math" panose="02040503050406030204" pitchFamily="18" charset="0"/>
+                                        </a:rPr>
+                                      </m:ctrlPr>
+                                    </m:accPr>
+                                    <m:e>
+                                      <m:r>
+                                        <a:rPr lang="en-US" altLang="ja-JP" sz="2800" i="1">
+                                          <a:latin typeface="Cambria Math" panose="02040503050406030204" pitchFamily="18" charset="0"/>
+                                        </a:rPr>
+                                        <m:t>𝑦</m:t>
+                                      </m:r>
+                                    </m:e>
+                                  </m:acc>
+                                </m:e>
+                                <m:sub>
+                                  <m:r>
+                                    <a:rPr lang="en-US" altLang="ja-JP" sz="2800" i="1">
+                                      <a:latin typeface="Cambria Math" panose="02040503050406030204" pitchFamily="18" charset="0"/>
+                                      <a:ea typeface="Cambria Math" panose="02040503050406030204" pitchFamily="18" charset="0"/>
+                                    </a:rPr>
+                                    <m:t>∙∙</m:t>
+                                  </m:r>
+                                </m:sub>
+                              </m:sSub>
+                              <m:r>
+                                <a:rPr lang="en-US" altLang="ja-JP" sz="2800" i="1">
+                                  <a:latin typeface="Cambria Math" panose="02040503050406030204" pitchFamily="18" charset="0"/>
+                                </a:rPr>
+                                <m:t>)</m:t>
+                              </m:r>
+                            </m:e>
+                            <m:sup>
+                              <m:r>
+                                <a:rPr lang="en-US" altLang="ja-JP" sz="2800" i="1">
+                                  <a:latin typeface="Cambria Math" panose="02040503050406030204" pitchFamily="18" charset="0"/>
+                                </a:rPr>
+                                <m:t>2</m:t>
+                              </m:r>
+                            </m:sup>
+                          </m:sSup>
+                        </m:e>
+                      </m:nary>
+                    </m:oMath>
+                  </m:oMathPara>
+                </a14:m>
+                <a:endParaRPr kumimoji="1" lang="ja-JP" altLang="en-US" sz="2800" dirty="0"/>
+              </a:p>
+            </p:txBody>
+          </p:sp>
+        </mc:Choice>
+        <mc:Fallback>
+          <p:sp>
+            <p:nvSpPr>
+              <p:cNvPr id="11" name="テキスト ボックス 10">
+                <a:extLst>
+                  <a:ext uri="{FF2B5EF4-FFF2-40B4-BE49-F238E27FC236}">
+                    <a16:creationId xmlns:a16="http://schemas.microsoft.com/office/drawing/2014/main" id="{7DE42997-3C4A-4E8D-9E79-9B7F988E48E5}"/>
+                  </a:ext>
+                </a:extLst>
+              </p:cNvPr>
+              <p:cNvSpPr txBox="1">
+                <a:spLocks noRot="1" noChangeAspect="1" noMove="1" noResize="1" noEditPoints="1" noAdjustHandles="1" noChangeArrowheads="1" noChangeShapeType="1" noTextEdit="1"/>
+              </p:cNvSpPr>
+              <p:nvPr/>
+            </p:nvSpPr>
+            <p:spPr>
+              <a:xfrm>
+                <a:off x="7820832" y="1762885"/>
+                <a:ext cx="3302699" cy="1045543"/>
+              </a:xfrm>
+              <a:prstGeom prst="rect">
+                <a:avLst/>
+              </a:prstGeom>
+              <a:blipFill>
+                <a:blip r:embed="rId4"/>
+                <a:stretch>
+                  <a:fillRect/>
+                </a:stretch>
+              </a:blipFill>
+            </p:spPr>
+            <p:txBody>
+              <a:bodyPr/>
+              <a:lstStyle/>
+              <a:p>
+                <a:r>
+                  <a:rPr lang="ja-JP" altLang="en-US">
+                    <a:noFill/>
+                  </a:rPr>
+                  <a:t> </a:t>
+                </a:r>
+              </a:p>
+            </p:txBody>
+          </p:sp>
+        </mc:Fallback>
+      </mc:AlternateContent>
+      <mc:AlternateContent xmlns:mc="http://schemas.openxmlformats.org/markup-compatibility/2006">
+        <mc:Choice xmlns:a14="http://schemas.microsoft.com/office/drawing/2010/main" Requires="a14">
+          <p:sp>
+            <p:nvSpPr>
+              <p:cNvPr id="12" name="正方形/長方形 11">
+                <a:extLst>
+                  <a:ext uri="{FF2B5EF4-FFF2-40B4-BE49-F238E27FC236}">
+                    <a16:creationId xmlns:a16="http://schemas.microsoft.com/office/drawing/2014/main" id="{2554A5D6-BA85-48A8-B859-3BC9AE59286C}"/>
+                  </a:ext>
+                </a:extLst>
+              </p:cNvPr>
+              <p:cNvSpPr/>
+              <p:nvPr/>
+            </p:nvSpPr>
+            <p:spPr>
+              <a:xfrm>
+                <a:off x="1140550" y="3564112"/>
+                <a:ext cx="3412088" cy="769441"/>
+              </a:xfrm>
+              <a:prstGeom prst="rect">
+                <a:avLst/>
+              </a:prstGeom>
+            </p:spPr>
+            <p:txBody>
+              <a:bodyPr wrap="none">
+                <a:spAutoFit/>
+              </a:bodyPr>
+              <a:lstStyle/>
+              <a:p>
+                <a14:m>
+                  <m:oMathPara xmlns:m="http://schemas.openxmlformats.org/officeDocument/2006/math">
+                    <m:oMathParaPr>
+                      <m:jc m:val="centerGroup"/>
+                    </m:oMathParaPr>
+                    <m:oMath xmlns:m="http://schemas.openxmlformats.org/officeDocument/2006/math">
+                      <m:sSub>
+                        <m:sSubPr>
+                          <m:ctrlPr>
+                            <a:rPr lang="en-US" altLang="ja-JP" sz="4400" i="1" smtClean="0">
+                              <a:latin typeface="Cambria Math" panose="02040503050406030204" pitchFamily="18" charset="0"/>
+                            </a:rPr>
+                          </m:ctrlPr>
+                        </m:sSubPr>
+                        <m:e>
+                          <m:r>
+                            <a:rPr lang="en-US" altLang="ja-JP" sz="4400" i="1">
+                              <a:latin typeface="Cambria Math" panose="02040503050406030204" pitchFamily="18" charset="0"/>
+                            </a:rPr>
+                            <m:t>𝑆</m:t>
+                          </m:r>
+                        </m:e>
+                        <m:sub>
+                          <m:r>
+                            <a:rPr lang="en-US" altLang="ja-JP" sz="4400" i="1">
+                              <a:latin typeface="Cambria Math" panose="02040503050406030204" pitchFamily="18" charset="0"/>
+                            </a:rPr>
+                            <m:t>𝑇</m:t>
+                          </m:r>
+                        </m:sub>
+                      </m:sSub>
+                      <m:r>
+                        <a:rPr lang="en-US" altLang="ja-JP" sz="4400" b="0" i="1" smtClean="0">
+                          <a:latin typeface="Cambria Math" panose="02040503050406030204" pitchFamily="18" charset="0"/>
+                        </a:rPr>
+                        <m:t>=</m:t>
+                      </m:r>
+                      <m:sSub>
+                        <m:sSubPr>
+                          <m:ctrlPr>
+                            <a:rPr lang="en-US" altLang="ja-JP" sz="4400" i="1">
+                              <a:latin typeface="Cambria Math" panose="02040503050406030204" pitchFamily="18" charset="0"/>
+                            </a:rPr>
+                          </m:ctrlPr>
+                        </m:sSubPr>
+                        <m:e>
+                          <m:r>
+                            <a:rPr lang="en-US" altLang="ja-JP" sz="4400" i="1">
+                              <a:latin typeface="Cambria Math" panose="02040503050406030204" pitchFamily="18" charset="0"/>
+                            </a:rPr>
+                            <m:t>𝑆</m:t>
+                          </m:r>
+                        </m:e>
+                        <m:sub>
+                          <m:r>
+                            <a:rPr lang="en-US" altLang="ja-JP" sz="4400" i="1">
+                              <a:latin typeface="Cambria Math" panose="02040503050406030204" pitchFamily="18" charset="0"/>
+                            </a:rPr>
+                            <m:t>𝐴</m:t>
+                          </m:r>
+                        </m:sub>
+                      </m:sSub>
+                      <m:r>
+                        <a:rPr lang="en-US" altLang="ja-JP" sz="4400" b="0" i="1" smtClean="0">
+                          <a:latin typeface="Cambria Math" panose="02040503050406030204" pitchFamily="18" charset="0"/>
+                        </a:rPr>
+                        <m:t>+</m:t>
+                      </m:r>
+                      <m:sSub>
+                        <m:sSubPr>
+                          <m:ctrlPr>
+                            <a:rPr lang="en-US" altLang="ja-JP" sz="4400" i="1">
+                              <a:latin typeface="Cambria Math" panose="02040503050406030204" pitchFamily="18" charset="0"/>
+                            </a:rPr>
+                          </m:ctrlPr>
+                        </m:sSubPr>
+                        <m:e>
+                          <m:r>
+                            <a:rPr lang="en-US" altLang="ja-JP" sz="4400" i="1">
+                              <a:latin typeface="Cambria Math" panose="02040503050406030204" pitchFamily="18" charset="0"/>
+                            </a:rPr>
+                            <m:t>𝑆</m:t>
+                          </m:r>
+                        </m:e>
+                        <m:sub>
+                          <m:r>
+                            <a:rPr lang="en-US" altLang="ja-JP" sz="4400" i="1">
+                              <a:latin typeface="Cambria Math" panose="02040503050406030204" pitchFamily="18" charset="0"/>
+                            </a:rPr>
+                            <m:t>𝑒</m:t>
+                          </m:r>
+                        </m:sub>
+                      </m:sSub>
+                    </m:oMath>
+                  </m:oMathPara>
+                </a14:m>
+                <a:endParaRPr lang="ja-JP" altLang="en-US" sz="4400" dirty="0"/>
+              </a:p>
+            </p:txBody>
+          </p:sp>
+        </mc:Choice>
+        <mc:Fallback>
+          <p:sp>
+            <p:nvSpPr>
+              <p:cNvPr id="12" name="正方形/長方形 11">
+                <a:extLst>
+                  <a:ext uri="{FF2B5EF4-FFF2-40B4-BE49-F238E27FC236}">
+                    <a16:creationId xmlns:a16="http://schemas.microsoft.com/office/drawing/2014/main" id="{2554A5D6-BA85-48A8-B859-3BC9AE59286C}"/>
+                  </a:ext>
+                </a:extLst>
+              </p:cNvPr>
+              <p:cNvSpPr>
+                <a:spLocks noRot="1" noChangeAspect="1" noMove="1" noResize="1" noEditPoints="1" noAdjustHandles="1" noChangeArrowheads="1" noChangeShapeType="1" noTextEdit="1"/>
+              </p:cNvSpPr>
+              <p:nvPr/>
+            </p:nvSpPr>
+            <p:spPr>
+              <a:xfrm>
+                <a:off x="1140550" y="3564112"/>
+                <a:ext cx="3412088" cy="769441"/>
+              </a:xfrm>
+              <a:prstGeom prst="rect">
+                <a:avLst/>
+              </a:prstGeom>
+              <a:blipFill>
+                <a:blip r:embed="rId5"/>
+                <a:stretch>
+                  <a:fillRect/>
+                </a:stretch>
+              </a:blipFill>
+            </p:spPr>
+            <p:txBody>
+              <a:bodyPr/>
+              <a:lstStyle/>
+              <a:p>
+                <a:r>
+                  <a:rPr lang="ja-JP" altLang="en-US">
+                    <a:noFill/>
+                  </a:rPr>
+                  <a:t> </a:t>
+                </a:r>
+              </a:p>
+            </p:txBody>
+          </p:sp>
+        </mc:Fallback>
+      </mc:AlternateContent>
+      <p:sp>
+        <p:nvSpPr>
+          <p:cNvPr id="13" name="矢印: 右 12">
+            <a:extLst>
+              <a:ext uri="{FF2B5EF4-FFF2-40B4-BE49-F238E27FC236}">
+                <a16:creationId xmlns:a16="http://schemas.microsoft.com/office/drawing/2014/main" id="{2AE1C6EF-52E9-4253-BDC0-85750174A5FF}"/>
+              </a:ext>
+            </a:extLst>
+          </p:cNvPr>
+          <p:cNvSpPr/>
+          <p:nvPr/>
+        </p:nvSpPr>
+        <p:spPr>
+          <a:xfrm>
+            <a:off x="347240" y="3500595"/>
+            <a:ext cx="694481" cy="896477"/>
+          </a:xfrm>
+          <a:prstGeom prst="rightArrow">
+            <a:avLst/>
+          </a:prstGeom>
+          <a:solidFill>
+            <a:schemeClr val="accent5">
+              <a:lumMod val="60000"/>
+              <a:lumOff val="40000"/>
+            </a:schemeClr>
+          </a:solidFill>
+          <a:ln>
+            <a:noFill/>
+          </a:ln>
+        </p:spPr>
+        <p:style>
+          <a:lnRef idx="2">
+            <a:schemeClr val="accent1">
+              <a:shade val="50000"/>
+            </a:schemeClr>
+          </a:lnRef>
+          <a:fillRef idx="1">
+            <a:schemeClr val="accent1"/>
+          </a:fillRef>
+          <a:effectRef idx="0">
+            <a:schemeClr val="accent1"/>
+          </a:effectRef>
+          <a:fontRef idx="minor">
+            <a:schemeClr val="lt1"/>
+          </a:fontRef>
+        </p:style>
+        <p:txBody>
+          <a:bodyPr rtlCol="0" anchor="ctr"/>
+          <a:lstStyle/>
+          <a:p>
+            <a:pPr algn="ctr"/>
+            <a:endParaRPr kumimoji="1" lang="ja-JP" altLang="en-US"/>
+          </a:p>
+        </p:txBody>
+      </p:sp>
+    </p:spTree>
+    <p:extLst>
+      <p:ext uri="{BB962C8B-B14F-4D97-AF65-F5344CB8AC3E}">
+        <p14:creationId xmlns:p14="http://schemas.microsoft.com/office/powerpoint/2010/main" val="3321374968"/>
+      </p:ext>
+    </p:extLst>
+  </p:cSld>
+  <p:clrMapOvr>
+    <a:masterClrMapping/>
+  </p:clrMapOvr>
+</p:sld>
+</file>
+
+<file path=ppt/slides/slide14.xml><?xml version="1.0" encoding="utf-8"?>
 <p:sld xmlns:a="http://schemas.openxmlformats.org/drawingml/2006/main" xmlns:r="http://schemas.openxmlformats.org/officeDocument/2006/relationships" xmlns:p="http://schemas.openxmlformats.org/presentationml/2006/main">
   <p:cSld>
     <p:spTree>
@@ -16690,8 +18715,8 @@
           </a:p>
         </p:txBody>
       </p:sp>
-      <mc:AlternateContent xmlns:mc="http://schemas.openxmlformats.org/markup-compatibility/2006">
-        <mc:Choice xmlns:a14="http://schemas.microsoft.com/office/drawing/2010/main" Requires="a14">
+      <mc:AlternateContent xmlns:mc="http://schemas.openxmlformats.org/markup-compatibility/2006" xmlns:a14="http://schemas.microsoft.com/office/drawing/2010/main">
+        <mc:Choice Requires="a14">
           <p:sp>
             <p:nvSpPr>
               <p:cNvPr id="3" name="コンテンツ プレースホルダー 2">
@@ -16805,7 +18830,7 @@
             </p:txBody>
           </p:sp>
         </mc:Choice>
-        <mc:Fallback>
+        <mc:Fallback xmlns="">
           <p:sp>
             <p:nvSpPr>
               <p:cNvPr id="3" name="コンテンツ プレースホルダー 2">
@@ -16849,8 +18874,8 @@
           </p:sp>
         </mc:Fallback>
       </mc:AlternateContent>
-      <mc:AlternateContent xmlns:mc="http://schemas.openxmlformats.org/markup-compatibility/2006">
-        <mc:Choice xmlns:a14="http://schemas.microsoft.com/office/drawing/2010/main" Requires="a14">
+      <mc:AlternateContent xmlns:mc="http://schemas.openxmlformats.org/markup-compatibility/2006" xmlns:a14="http://schemas.microsoft.com/office/drawing/2010/main">
+        <mc:Choice Requires="a14">
           <p:sp>
             <p:nvSpPr>
               <p:cNvPr id="4" name="コンテンツ プレースホルダー 2">
@@ -17150,7 +19175,7 @@
             </p:txBody>
           </p:sp>
         </mc:Choice>
-        <mc:Fallback>
+        <mc:Fallback xmlns="">
           <p:sp>
             <p:nvSpPr>
               <p:cNvPr id="4" name="コンテンツ プレースホルダー 2">
@@ -17195,8 +19220,8 @@
           </p:sp>
         </mc:Fallback>
       </mc:AlternateContent>
-      <mc:AlternateContent xmlns:mc="http://schemas.openxmlformats.org/markup-compatibility/2006">
-        <mc:Choice xmlns:a14="http://schemas.microsoft.com/office/drawing/2010/main" Requires="a14">
+      <mc:AlternateContent xmlns:mc="http://schemas.openxmlformats.org/markup-compatibility/2006" xmlns:a14="http://schemas.microsoft.com/office/drawing/2010/main">
+        <mc:Choice Requires="a14">
           <p:sp>
             <p:nvSpPr>
               <p:cNvPr id="5" name="正方形/長方形 4">
@@ -17267,7 +19292,7 @@
             </p:txBody>
           </p:sp>
         </mc:Choice>
-        <mc:Fallback>
+        <mc:Fallback xmlns="">
           <p:sp>
             <p:nvSpPr>
               <p:cNvPr id="5" name="正方形/長方形 4">
@@ -17515,8 +19540,8 @@
           </a:p>
         </p:txBody>
       </p:sp>
-      <mc:AlternateContent xmlns:mc="http://schemas.openxmlformats.org/markup-compatibility/2006">
-        <mc:Choice xmlns:a14="http://schemas.microsoft.com/office/drawing/2010/main" Requires="a14">
+      <mc:AlternateContent xmlns:mc="http://schemas.openxmlformats.org/markup-compatibility/2006" xmlns:a14="http://schemas.microsoft.com/office/drawing/2010/main">
+        <mc:Choice Requires="a14">
           <p:graphicFrame>
             <p:nvGraphicFramePr>
               <p:cNvPr id="11" name="表 10">
@@ -19596,7 +21621,7 @@
             </a:graphic>
           </p:graphicFrame>
         </mc:Choice>
-        <mc:Fallback>
+        <mc:Fallback xmlns="">
           <p:graphicFrame>
             <p:nvGraphicFramePr>
               <p:cNvPr id="11" name="表 10">
@@ -21302,8 +23327,8 @@
           </p:graphicFrame>
         </mc:Fallback>
       </mc:AlternateContent>
-      <mc:AlternateContent xmlns:mc="http://schemas.openxmlformats.org/markup-compatibility/2006">
-        <mc:Choice xmlns:a14="http://schemas.microsoft.com/office/drawing/2010/main" Requires="a14">
+      <mc:AlternateContent xmlns:mc="http://schemas.openxmlformats.org/markup-compatibility/2006" xmlns:a14="http://schemas.microsoft.com/office/drawing/2010/main">
+        <mc:Choice Requires="a14">
           <p:sp>
             <p:nvSpPr>
               <p:cNvPr id="13" name="正方形/長方形 12">
@@ -21523,7 +23548,7 @@
             </p:txBody>
           </p:sp>
         </mc:Choice>
-        <mc:Fallback>
+        <mc:Fallback xmlns="">
           <p:sp>
             <p:nvSpPr>
               <p:cNvPr id="13" name="正方形/長方形 12">

--- a/statistics2.pptx
+++ b/statistics2.pptx
@@ -212,7 +212,7 @@
           <a:p>
             <a:fld id="{3547B168-95BD-490F-9552-ABD7EF41C397}" type="datetimeFigureOut">
               <a:rPr kumimoji="1" lang="ja-JP" altLang="en-US" smtClean="0"/>
-              <a:t>2019/10/19</a:t>
+              <a:t>2019/10/21</a:t>
             </a:fld>
             <a:endParaRPr kumimoji="1" lang="ja-JP" altLang="en-US"/>
           </a:p>
@@ -742,7 +742,7 @@
           <a:p>
             <a:fld id="{AF724A92-735E-BB4D-8C01-8917F1EF5381}" type="datetimeFigureOut">
               <a:rPr kumimoji="1" lang="ja-JP" altLang="en-US" smtClean="0"/>
-              <a:t>2019/10/19</a:t>
+              <a:t>2019/10/21</a:t>
             </a:fld>
             <a:endParaRPr kumimoji="1" lang="ja-JP" altLang="en-US"/>
           </a:p>
@@ -947,7 +947,7 @@
           <a:p>
             <a:fld id="{AF724A92-735E-BB4D-8C01-8917F1EF5381}" type="datetimeFigureOut">
               <a:rPr kumimoji="1" lang="ja-JP" altLang="en-US" smtClean="0"/>
-              <a:t>2019/10/19</a:t>
+              <a:t>2019/10/21</a:t>
             </a:fld>
             <a:endParaRPr kumimoji="1" lang="ja-JP" altLang="en-US"/>
           </a:p>
@@ -1162,7 +1162,7 @@
           <a:p>
             <a:fld id="{AF724A92-735E-BB4D-8C01-8917F1EF5381}" type="datetimeFigureOut">
               <a:rPr kumimoji="1" lang="ja-JP" altLang="en-US" smtClean="0"/>
-              <a:t>2019/10/19</a:t>
+              <a:t>2019/10/21</a:t>
             </a:fld>
             <a:endParaRPr kumimoji="1" lang="ja-JP" altLang="en-US"/>
           </a:p>
@@ -1377,7 +1377,7 @@
           <a:p>
             <a:fld id="{AF724A92-735E-BB4D-8C01-8917F1EF5381}" type="datetimeFigureOut">
               <a:rPr kumimoji="1" lang="ja-JP" altLang="en-US" smtClean="0"/>
-              <a:t>2019/10/19</a:t>
+              <a:t>2019/10/21</a:t>
             </a:fld>
             <a:endParaRPr kumimoji="1" lang="ja-JP" altLang="en-US"/>
           </a:p>
@@ -1699,7 +1699,7 @@
           <a:p>
             <a:fld id="{AF724A92-735E-BB4D-8C01-8917F1EF5381}" type="datetimeFigureOut">
               <a:rPr kumimoji="1" lang="ja-JP" altLang="en-US" smtClean="0"/>
-              <a:t>2019/10/19</a:t>
+              <a:t>2019/10/21</a:t>
             </a:fld>
             <a:endParaRPr kumimoji="1" lang="ja-JP" altLang="en-US"/>
           </a:p>
@@ -1978,7 +1978,7 @@
           <a:p>
             <a:fld id="{AF724A92-735E-BB4D-8C01-8917F1EF5381}" type="datetimeFigureOut">
               <a:rPr kumimoji="1" lang="ja-JP" altLang="en-US" smtClean="0"/>
-              <a:t>2019/10/19</a:t>
+              <a:t>2019/10/21</a:t>
             </a:fld>
             <a:endParaRPr kumimoji="1" lang="ja-JP" altLang="en-US"/>
           </a:p>
@@ -2474,7 +2474,7 @@
           <a:p>
             <a:fld id="{AF724A92-735E-BB4D-8C01-8917F1EF5381}" type="datetimeFigureOut">
               <a:rPr kumimoji="1" lang="ja-JP" altLang="en-US" smtClean="0"/>
-              <a:t>2019/10/19</a:t>
+              <a:t>2019/10/21</a:t>
             </a:fld>
             <a:endParaRPr kumimoji="1" lang="ja-JP" altLang="en-US"/>
           </a:p>
@@ -2615,7 +2615,7 @@
           <a:p>
             <a:fld id="{AF724A92-735E-BB4D-8C01-8917F1EF5381}" type="datetimeFigureOut">
               <a:rPr kumimoji="1" lang="ja-JP" altLang="en-US" smtClean="0"/>
-              <a:t>2019/10/19</a:t>
+              <a:t>2019/10/21</a:t>
             </a:fld>
             <a:endParaRPr kumimoji="1" lang="ja-JP" altLang="en-US"/>
           </a:p>
@@ -2728,7 +2728,7 @@
           <a:p>
             <a:fld id="{AF724A92-735E-BB4D-8C01-8917F1EF5381}" type="datetimeFigureOut">
               <a:rPr kumimoji="1" lang="ja-JP" altLang="en-US" smtClean="0"/>
-              <a:t>2019/10/19</a:t>
+              <a:t>2019/10/21</a:t>
             </a:fld>
             <a:endParaRPr kumimoji="1" lang="ja-JP" altLang="en-US"/>
           </a:p>
@@ -3081,7 +3081,7 @@
           <a:p>
             <a:fld id="{AF724A92-735E-BB4D-8C01-8917F1EF5381}" type="datetimeFigureOut">
               <a:rPr kumimoji="1" lang="ja-JP" altLang="en-US" smtClean="0"/>
-              <a:t>2019/10/19</a:t>
+              <a:t>2019/10/21</a:t>
             </a:fld>
             <a:endParaRPr kumimoji="1" lang="ja-JP" altLang="en-US"/>
           </a:p>
@@ -3404,7 +3404,7 @@
           <a:p>
             <a:fld id="{AF724A92-735E-BB4D-8C01-8917F1EF5381}" type="datetimeFigureOut">
               <a:rPr kumimoji="1" lang="ja-JP" altLang="en-US" smtClean="0"/>
-              <a:t>2019/10/19</a:t>
+              <a:t>2019/10/21</a:t>
             </a:fld>
             <a:endParaRPr kumimoji="1" lang="ja-JP" altLang="en-US"/>
           </a:p>
@@ -3652,7 +3652,7 @@
           <a:p>
             <a:fld id="{AF724A92-735E-BB4D-8C01-8917F1EF5381}" type="datetimeFigureOut">
               <a:rPr kumimoji="1" lang="ja-JP" altLang="en-US" smtClean="0"/>
-              <a:t>2019/10/19</a:t>
+              <a:t>2019/10/21</a:t>
             </a:fld>
             <a:endParaRPr kumimoji="1" lang="ja-JP" altLang="en-US"/>
           </a:p>
@@ -17641,8 +17641,8 @@
           </a:p>
         </p:txBody>
       </p:sp>
-      <mc:AlternateContent xmlns:mc="http://schemas.openxmlformats.org/markup-compatibility/2006">
-        <mc:Choice xmlns:a14="http://schemas.microsoft.com/office/drawing/2010/main" Requires="a14">
+      <mc:AlternateContent xmlns:mc="http://schemas.openxmlformats.org/markup-compatibility/2006" xmlns:a14="http://schemas.microsoft.com/office/drawing/2010/main">
+        <mc:Choice Requires="a14">
           <p:sp>
             <p:nvSpPr>
               <p:cNvPr id="7" name="テキスト ボックス 6">
@@ -17904,7 +17904,7 @@
             </p:txBody>
           </p:sp>
         </mc:Choice>
-        <mc:Fallback>
+        <mc:Fallback xmlns="">
           <p:sp>
             <p:nvSpPr>
               <p:cNvPr id="7" name="テキスト ボックス 6">
@@ -17949,8 +17949,8 @@
           </p:sp>
         </mc:Fallback>
       </mc:AlternateContent>
-      <mc:AlternateContent xmlns:mc="http://schemas.openxmlformats.org/markup-compatibility/2006">
-        <mc:Choice xmlns:a14="http://schemas.microsoft.com/office/drawing/2010/main" Requires="a14">
+      <mc:AlternateContent xmlns:mc="http://schemas.openxmlformats.org/markup-compatibility/2006" xmlns:a14="http://schemas.microsoft.com/office/drawing/2010/main">
+        <mc:Choice Requires="a14">
           <p:sp>
             <p:nvSpPr>
               <p:cNvPr id="10" name="テキスト ボックス 9">
@@ -18201,7 +18201,7 @@
             </p:txBody>
           </p:sp>
         </mc:Choice>
-        <mc:Fallback>
+        <mc:Fallback xmlns="">
           <p:sp>
             <p:nvSpPr>
               <p:cNvPr id="10" name="テキスト ボックス 9">
@@ -18246,8 +18246,8 @@
           </p:sp>
         </mc:Fallback>
       </mc:AlternateContent>
-      <mc:AlternateContent xmlns:mc="http://schemas.openxmlformats.org/markup-compatibility/2006">
-        <mc:Choice xmlns:a14="http://schemas.microsoft.com/office/drawing/2010/main" Requires="a14">
+      <mc:AlternateContent xmlns:mc="http://schemas.openxmlformats.org/markup-compatibility/2006" xmlns:a14="http://schemas.microsoft.com/office/drawing/2010/main">
+        <mc:Choice Requires="a14">
           <p:sp>
             <p:nvSpPr>
               <p:cNvPr id="11" name="テキスト ボックス 10">
@@ -18492,7 +18492,7 @@
             </p:txBody>
           </p:sp>
         </mc:Choice>
-        <mc:Fallback>
+        <mc:Fallback xmlns="">
           <p:sp>
             <p:nvSpPr>
               <p:cNvPr id="11" name="テキスト ボックス 10">
@@ -18537,8 +18537,8 @@
           </p:sp>
         </mc:Fallback>
       </mc:AlternateContent>
-      <mc:AlternateContent xmlns:mc="http://schemas.openxmlformats.org/markup-compatibility/2006">
-        <mc:Choice xmlns:a14="http://schemas.microsoft.com/office/drawing/2010/main" Requires="a14">
+      <mc:AlternateContent xmlns:mc="http://schemas.openxmlformats.org/markup-compatibility/2006" xmlns:a14="http://schemas.microsoft.com/office/drawing/2010/main">
+        <mc:Choice Requires="a14">
           <p:sp>
             <p:nvSpPr>
               <p:cNvPr id="12" name="正方形/長方形 11">
@@ -18668,7 +18668,7 @@
             </p:txBody>
           </p:sp>
         </mc:Choice>
-        <mc:Fallback>
+        <mc:Fallback xmlns="">
           <p:sp>
             <p:nvSpPr>
               <p:cNvPr id="12" name="正方形/長方形 11">
@@ -18768,8 +18768,8 @@
           </a:p>
         </p:txBody>
       </p:sp>
-      <mc:AlternateContent xmlns:mc="http://schemas.openxmlformats.org/markup-compatibility/2006">
-        <mc:Choice xmlns:a14="http://schemas.microsoft.com/office/drawing/2010/main" Requires="a14">
+      <mc:AlternateContent xmlns:mc="http://schemas.openxmlformats.org/markup-compatibility/2006" xmlns:a14="http://schemas.microsoft.com/office/drawing/2010/main">
+        <mc:Choice Requires="a14">
           <p:sp>
             <p:nvSpPr>
               <p:cNvPr id="8" name="テキスト ボックス 7">
@@ -18856,7 +18856,7 @@
             </p:txBody>
           </p:sp>
         </mc:Choice>
-        <mc:Fallback>
+        <mc:Fallback xmlns="">
           <p:sp>
             <p:nvSpPr>
               <p:cNvPr id="8" name="テキスト ボックス 7">
@@ -18901,8 +18901,8 @@
           </p:sp>
         </mc:Fallback>
       </mc:AlternateContent>
-      <mc:AlternateContent xmlns:mc="http://schemas.openxmlformats.org/markup-compatibility/2006">
-        <mc:Choice xmlns:a14="http://schemas.microsoft.com/office/drawing/2010/main" Requires="a14">
+      <mc:AlternateContent xmlns:mc="http://schemas.openxmlformats.org/markup-compatibility/2006" xmlns:a14="http://schemas.microsoft.com/office/drawing/2010/main">
+        <mc:Choice Requires="a14">
           <p:sp>
             <p:nvSpPr>
               <p:cNvPr id="9" name="テキスト ボックス 8">
@@ -18999,7 +18999,7 @@
             </p:txBody>
           </p:sp>
         </mc:Choice>
-        <mc:Fallback>
+        <mc:Fallback xmlns="">
           <p:sp>
             <p:nvSpPr>
               <p:cNvPr id="9" name="テキスト ボックス 8">
@@ -19044,8 +19044,8 @@
           </p:sp>
         </mc:Fallback>
       </mc:AlternateContent>
-      <mc:AlternateContent xmlns:mc="http://schemas.openxmlformats.org/markup-compatibility/2006">
-        <mc:Choice xmlns:a14="http://schemas.microsoft.com/office/drawing/2010/main" Requires="a14">
+      <mc:AlternateContent xmlns:mc="http://schemas.openxmlformats.org/markup-compatibility/2006" xmlns:a14="http://schemas.microsoft.com/office/drawing/2010/main">
+        <mc:Choice Requires="a14">
           <p:sp>
             <p:nvSpPr>
               <p:cNvPr id="16" name="正方形/長方形 15">
@@ -19356,7 +19356,7 @@
             </p:txBody>
           </p:sp>
         </mc:Choice>
-        <mc:Fallback>
+        <mc:Fallback xmlns="">
           <p:sp>
             <p:nvSpPr>
               <p:cNvPr id="16" name="正方形/長方形 15">
@@ -19402,8 +19402,8 @@
           </p:sp>
         </mc:Fallback>
       </mc:AlternateContent>
-      <mc:AlternateContent xmlns:mc="http://schemas.openxmlformats.org/markup-compatibility/2006">
-        <mc:Choice xmlns:a14="http://schemas.microsoft.com/office/drawing/2010/main" Requires="a14">
+      <mc:AlternateContent xmlns:mc="http://schemas.openxmlformats.org/markup-compatibility/2006" xmlns:a14="http://schemas.microsoft.com/office/drawing/2010/main">
+        <mc:Choice Requires="a14">
           <p:sp>
             <p:nvSpPr>
               <p:cNvPr id="17" name="テキスト ボックス 16">
@@ -19432,6 +19432,7 @@
               </a:bodyPr>
               <a:lstStyle/>
               <a:p>
+                <a:pPr/>
                 <a14:m>
                   <m:oMathPara xmlns:m="http://schemas.openxmlformats.org/officeDocument/2006/math">
                     <m:oMathParaPr>
@@ -19602,7 +19603,7 @@
             </p:txBody>
           </p:sp>
         </mc:Choice>
-        <mc:Fallback>
+        <mc:Fallback xmlns="">
           <p:sp>
             <p:nvSpPr>
               <p:cNvPr id="17" name="テキスト ボックス 16">
@@ -19647,8 +19648,8 @@
           </p:sp>
         </mc:Fallback>
       </mc:AlternateContent>
-      <mc:AlternateContent xmlns:mc="http://schemas.openxmlformats.org/markup-compatibility/2006">
-        <mc:Choice xmlns:a14="http://schemas.microsoft.com/office/drawing/2010/main" Requires="a14">
+      <mc:AlternateContent xmlns:mc="http://schemas.openxmlformats.org/markup-compatibility/2006" xmlns:a14="http://schemas.microsoft.com/office/drawing/2010/main">
+        <mc:Choice Requires="a14">
           <p:sp>
             <p:nvSpPr>
               <p:cNvPr id="18" name="正方形/長方形 17">
@@ -19713,7 +19714,7 @@
             </p:txBody>
           </p:sp>
         </mc:Choice>
-        <mc:Fallback>
+        <mc:Fallback xmlns="">
           <p:sp>
             <p:nvSpPr>
               <p:cNvPr id="18" name="正方形/長方形 17">
@@ -19758,8 +19759,8 @@
           </p:sp>
         </mc:Fallback>
       </mc:AlternateContent>
-      <mc:AlternateContent xmlns:mc="http://schemas.openxmlformats.org/markup-compatibility/2006">
-        <mc:Choice xmlns:a14="http://schemas.microsoft.com/office/drawing/2010/main" Requires="a14">
+      <mc:AlternateContent xmlns:mc="http://schemas.openxmlformats.org/markup-compatibility/2006" xmlns:a14="http://schemas.microsoft.com/office/drawing/2010/main">
+        <mc:Choice Requires="a14">
           <p:sp>
             <p:nvSpPr>
               <p:cNvPr id="19" name="正方形/長方形 18">
@@ -19876,7 +19877,7 @@
             </p:txBody>
           </p:sp>
         </mc:Choice>
-        <mc:Fallback>
+        <mc:Fallback xmlns="">
           <p:sp>
             <p:nvSpPr>
               <p:cNvPr id="19" name="正方形/長方形 18">
@@ -19921,8 +19922,8 @@
           </p:sp>
         </mc:Fallback>
       </mc:AlternateContent>
-      <mc:AlternateContent xmlns:mc="http://schemas.openxmlformats.org/markup-compatibility/2006">
-        <mc:Choice xmlns:a14="http://schemas.microsoft.com/office/drawing/2010/main" Requires="a14">
+      <mc:AlternateContent xmlns:mc="http://schemas.openxmlformats.org/markup-compatibility/2006" xmlns:a14="http://schemas.microsoft.com/office/drawing/2010/main">
+        <mc:Choice Requires="a14">
           <p:sp>
             <p:nvSpPr>
               <p:cNvPr id="21" name="テキスト ボックス 20">
@@ -19980,7 +19981,7 @@
             </p:txBody>
           </p:sp>
         </mc:Choice>
-        <mc:Fallback>
+        <mc:Fallback xmlns="">
           <p:sp>
             <p:nvSpPr>
               <p:cNvPr id="21" name="テキスト ボックス 20">
@@ -24979,8 +24980,8 @@
           </p:sp>
         </mc:Fallback>
       </mc:AlternateContent>
-      <mc:AlternateContent xmlns:mc="http://schemas.openxmlformats.org/markup-compatibility/2006">
-        <mc:Choice xmlns:a14="http://schemas.microsoft.com/office/drawing/2010/main" Requires="a14">
+      <mc:AlternateContent xmlns:mc="http://schemas.openxmlformats.org/markup-compatibility/2006" xmlns:a14="http://schemas.microsoft.com/office/drawing/2010/main">
+        <mc:Choice Requires="a14">
           <p:sp>
             <p:nvSpPr>
               <p:cNvPr id="14" name="テキスト ボックス 13">
@@ -25056,7 +25057,7 @@
             </p:txBody>
           </p:sp>
         </mc:Choice>
-        <mc:Fallback>
+        <mc:Fallback xmlns="">
           <p:sp>
             <p:nvSpPr>
               <p:cNvPr id="14" name="テキスト ボックス 13">

--- a/statistics2.pptx
+++ b/statistics2.pptx
@@ -212,7 +212,7 @@
           <a:p>
             <a:fld id="{3547B168-95BD-490F-9552-ABD7EF41C397}" type="datetimeFigureOut">
               <a:rPr kumimoji="1" lang="ja-JP" altLang="en-US" smtClean="0"/>
-              <a:t>2019/10/21</a:t>
+              <a:t>2019/10/23</a:t>
             </a:fld>
             <a:endParaRPr kumimoji="1" lang="ja-JP" altLang="en-US"/>
           </a:p>
@@ -742,7 +742,7 @@
           <a:p>
             <a:fld id="{AF724A92-735E-BB4D-8C01-8917F1EF5381}" type="datetimeFigureOut">
               <a:rPr kumimoji="1" lang="ja-JP" altLang="en-US" smtClean="0"/>
-              <a:t>2019/10/21</a:t>
+              <a:t>2019/10/23</a:t>
             </a:fld>
             <a:endParaRPr kumimoji="1" lang="ja-JP" altLang="en-US"/>
           </a:p>
@@ -947,7 +947,7 @@
           <a:p>
             <a:fld id="{AF724A92-735E-BB4D-8C01-8917F1EF5381}" type="datetimeFigureOut">
               <a:rPr kumimoji="1" lang="ja-JP" altLang="en-US" smtClean="0"/>
-              <a:t>2019/10/21</a:t>
+              <a:t>2019/10/23</a:t>
             </a:fld>
             <a:endParaRPr kumimoji="1" lang="ja-JP" altLang="en-US"/>
           </a:p>
@@ -1162,7 +1162,7 @@
           <a:p>
             <a:fld id="{AF724A92-735E-BB4D-8C01-8917F1EF5381}" type="datetimeFigureOut">
               <a:rPr kumimoji="1" lang="ja-JP" altLang="en-US" smtClean="0"/>
-              <a:t>2019/10/21</a:t>
+              <a:t>2019/10/23</a:t>
             </a:fld>
             <a:endParaRPr kumimoji="1" lang="ja-JP" altLang="en-US"/>
           </a:p>
@@ -1377,7 +1377,7 @@
           <a:p>
             <a:fld id="{AF724A92-735E-BB4D-8C01-8917F1EF5381}" type="datetimeFigureOut">
               <a:rPr kumimoji="1" lang="ja-JP" altLang="en-US" smtClean="0"/>
-              <a:t>2019/10/21</a:t>
+              <a:t>2019/10/23</a:t>
             </a:fld>
             <a:endParaRPr kumimoji="1" lang="ja-JP" altLang="en-US"/>
           </a:p>
@@ -1699,7 +1699,7 @@
           <a:p>
             <a:fld id="{AF724A92-735E-BB4D-8C01-8917F1EF5381}" type="datetimeFigureOut">
               <a:rPr kumimoji="1" lang="ja-JP" altLang="en-US" smtClean="0"/>
-              <a:t>2019/10/21</a:t>
+              <a:t>2019/10/23</a:t>
             </a:fld>
             <a:endParaRPr kumimoji="1" lang="ja-JP" altLang="en-US"/>
           </a:p>
@@ -1978,7 +1978,7 @@
           <a:p>
             <a:fld id="{AF724A92-735E-BB4D-8C01-8917F1EF5381}" type="datetimeFigureOut">
               <a:rPr kumimoji="1" lang="ja-JP" altLang="en-US" smtClean="0"/>
-              <a:t>2019/10/21</a:t>
+              <a:t>2019/10/23</a:t>
             </a:fld>
             <a:endParaRPr kumimoji="1" lang="ja-JP" altLang="en-US"/>
           </a:p>
@@ -2474,7 +2474,7 @@
           <a:p>
             <a:fld id="{AF724A92-735E-BB4D-8C01-8917F1EF5381}" type="datetimeFigureOut">
               <a:rPr kumimoji="1" lang="ja-JP" altLang="en-US" smtClean="0"/>
-              <a:t>2019/10/21</a:t>
+              <a:t>2019/10/23</a:t>
             </a:fld>
             <a:endParaRPr kumimoji="1" lang="ja-JP" altLang="en-US"/>
           </a:p>
@@ -2615,7 +2615,7 @@
           <a:p>
             <a:fld id="{AF724A92-735E-BB4D-8C01-8917F1EF5381}" type="datetimeFigureOut">
               <a:rPr kumimoji="1" lang="ja-JP" altLang="en-US" smtClean="0"/>
-              <a:t>2019/10/21</a:t>
+              <a:t>2019/10/23</a:t>
             </a:fld>
             <a:endParaRPr kumimoji="1" lang="ja-JP" altLang="en-US"/>
           </a:p>
@@ -2728,7 +2728,7 @@
           <a:p>
             <a:fld id="{AF724A92-735E-BB4D-8C01-8917F1EF5381}" type="datetimeFigureOut">
               <a:rPr kumimoji="1" lang="ja-JP" altLang="en-US" smtClean="0"/>
-              <a:t>2019/10/21</a:t>
+              <a:t>2019/10/23</a:t>
             </a:fld>
             <a:endParaRPr kumimoji="1" lang="ja-JP" altLang="en-US"/>
           </a:p>
@@ -3081,7 +3081,7 @@
           <a:p>
             <a:fld id="{AF724A92-735E-BB4D-8C01-8917F1EF5381}" type="datetimeFigureOut">
               <a:rPr kumimoji="1" lang="ja-JP" altLang="en-US" smtClean="0"/>
-              <a:t>2019/10/21</a:t>
+              <a:t>2019/10/23</a:t>
             </a:fld>
             <a:endParaRPr kumimoji="1" lang="ja-JP" altLang="en-US"/>
           </a:p>
@@ -3404,7 +3404,7 @@
           <a:p>
             <a:fld id="{AF724A92-735E-BB4D-8C01-8917F1EF5381}" type="datetimeFigureOut">
               <a:rPr kumimoji="1" lang="ja-JP" altLang="en-US" smtClean="0"/>
-              <a:t>2019/10/21</a:t>
+              <a:t>2019/10/23</a:t>
             </a:fld>
             <a:endParaRPr kumimoji="1" lang="ja-JP" altLang="en-US"/>
           </a:p>
@@ -3652,7 +3652,7 @@
           <a:p>
             <a:fld id="{AF724A92-735E-BB4D-8C01-8917F1EF5381}" type="datetimeFigureOut">
               <a:rPr kumimoji="1" lang="ja-JP" altLang="en-US" smtClean="0"/>
-              <a:t>2019/10/21</a:t>
+              <a:t>2019/10/23</a:t>
             </a:fld>
             <a:endParaRPr kumimoji="1" lang="ja-JP" altLang="en-US"/>
           </a:p>
@@ -13282,7 +13282,7 @@
             </p:nvGraphicFramePr>
             <p:xfrm>
               <a:off x="6524626" y="1556992"/>
-              <a:ext cx="5743574" cy="3006536"/>
+              <a:ext cx="5743574" cy="3006790"/>
             </p:xfrm>
             <a:graphic>
               <a:graphicData uri="http://schemas.openxmlformats.org/drawingml/2006/table">
@@ -20626,7 +20626,7 @@
               <a:t>1.1 </a:t>
             </a:r>
             <a:r>
-              <a:rPr kumimoji="1" lang="ja-JP" altLang="en-US"/>
+              <a:rPr kumimoji="1" lang="ja-JP" altLang="en-US" dirty="0"/>
               <a:t>線形モデルとは</a:t>
             </a:r>
             <a:endParaRPr kumimoji="1" lang="en-US" altLang="ja-JP" dirty="0"/>
@@ -20640,7 +20640,7 @@
               <a:t>1.2 </a:t>
             </a:r>
             <a:r>
-              <a:rPr lang="ja-JP" altLang="en-US"/>
+              <a:rPr lang="ja-JP" altLang="en-US" dirty="0"/>
               <a:t>行列とベクトルによるモデル表現</a:t>
             </a:r>
             <a:endParaRPr lang="en-US" altLang="ja-JP" dirty="0"/>
@@ -20654,9 +20654,24 @@
               <a:t>1.3 </a:t>
             </a:r>
             <a:r>
-              <a:rPr kumimoji="1" lang="ja-JP" altLang="en-US"/>
+              <a:rPr kumimoji="1" lang="ja-JP" altLang="en-US" dirty="0"/>
               <a:t>最小二乗法</a:t>
             </a:r>
+            <a:endParaRPr kumimoji="1" lang="en-US" altLang="ja-JP" dirty="0"/>
+          </a:p>
+          <a:p>
+            <a:pPr marL="0" indent="0">
+              <a:buNone/>
+            </a:pPr>
+            <a:r>
+              <a:rPr lang="en-US" altLang="ja-JP" dirty="0"/>
+              <a:t>1.4 </a:t>
+            </a:r>
+            <a:r>
+              <a:rPr lang="ja-JP" altLang="en-US" dirty="0"/>
+              <a:t>一般化線形モデル</a:t>
+            </a:r>
+            <a:endParaRPr kumimoji="1" lang="ja-JP" altLang="en-US" dirty="0"/>
           </a:p>
         </p:txBody>
       </p:sp>

--- a/statistics2.pptx
+++ b/statistics2.pptx
@@ -5,7 +5,7 @@
     <p:sldMasterId id="2147483648" r:id="rId1"/>
   </p:sldMasterIdLst>
   <p:notesMasterIdLst>
-    <p:notesMasterId r:id="rId18"/>
+    <p:notesMasterId r:id="rId24"/>
   </p:notesMasterIdLst>
   <p:sldIdLst>
     <p:sldId id="256" r:id="rId2"/>
@@ -16,14 +16,20 @@
     <p:sldId id="332" r:id="rId7"/>
     <p:sldId id="323" r:id="rId8"/>
     <p:sldId id="324" r:id="rId9"/>
-    <p:sldId id="325" r:id="rId10"/>
-    <p:sldId id="326" r:id="rId11"/>
-    <p:sldId id="328" r:id="rId12"/>
-    <p:sldId id="329" r:id="rId13"/>
-    <p:sldId id="330" r:id="rId14"/>
-    <p:sldId id="331" r:id="rId15"/>
-    <p:sldId id="333" r:id="rId16"/>
-    <p:sldId id="327" r:id="rId17"/>
+    <p:sldId id="341" r:id="rId10"/>
+    <p:sldId id="338" r:id="rId11"/>
+    <p:sldId id="339" r:id="rId12"/>
+    <p:sldId id="340" r:id="rId13"/>
+    <p:sldId id="337" r:id="rId14"/>
+    <p:sldId id="325" r:id="rId15"/>
+    <p:sldId id="336" r:id="rId16"/>
+    <p:sldId id="326" r:id="rId17"/>
+    <p:sldId id="328" r:id="rId18"/>
+    <p:sldId id="329" r:id="rId19"/>
+    <p:sldId id="330" r:id="rId20"/>
+    <p:sldId id="331" r:id="rId21"/>
+    <p:sldId id="333" r:id="rId22"/>
+    <p:sldId id="327" r:id="rId23"/>
   </p:sldIdLst>
   <p:sldSz cx="12192000" cy="6858000"/>
   <p:notesSz cx="6858000" cy="9144000"/>
@@ -212,7 +218,7 @@
           <a:p>
             <a:fld id="{3547B168-95BD-490F-9552-ABD7EF41C397}" type="datetimeFigureOut">
               <a:rPr kumimoji="1" lang="ja-JP" altLang="en-US" smtClean="0"/>
-              <a:t>2019/10/23</a:t>
+              <a:t>2019/10/27</a:t>
             </a:fld>
             <a:endParaRPr kumimoji="1" lang="ja-JP" altLang="en-US"/>
           </a:p>
@@ -576,7 +582,7 @@
           <a:p>
             <a:fld id="{E48C9063-2651-40A2-9747-5C49D0B271B7}" type="slidenum">
               <a:rPr kumimoji="1" lang="ja-JP" altLang="en-US" smtClean="0"/>
-              <a:t>12</a:t>
+              <a:t>18</a:t>
             </a:fld>
             <a:endParaRPr kumimoji="1" lang="ja-JP" altLang="en-US"/>
           </a:p>
@@ -742,7 +748,7 @@
           <a:p>
             <a:fld id="{AF724A92-735E-BB4D-8C01-8917F1EF5381}" type="datetimeFigureOut">
               <a:rPr kumimoji="1" lang="ja-JP" altLang="en-US" smtClean="0"/>
-              <a:t>2019/10/23</a:t>
+              <a:t>2019/10/27</a:t>
             </a:fld>
             <a:endParaRPr kumimoji="1" lang="ja-JP" altLang="en-US"/>
           </a:p>
@@ -947,7 +953,7 @@
           <a:p>
             <a:fld id="{AF724A92-735E-BB4D-8C01-8917F1EF5381}" type="datetimeFigureOut">
               <a:rPr kumimoji="1" lang="ja-JP" altLang="en-US" smtClean="0"/>
-              <a:t>2019/10/23</a:t>
+              <a:t>2019/10/27</a:t>
             </a:fld>
             <a:endParaRPr kumimoji="1" lang="ja-JP" altLang="en-US"/>
           </a:p>
@@ -1162,7 +1168,7 @@
           <a:p>
             <a:fld id="{AF724A92-735E-BB4D-8C01-8917F1EF5381}" type="datetimeFigureOut">
               <a:rPr kumimoji="1" lang="ja-JP" altLang="en-US" smtClean="0"/>
-              <a:t>2019/10/23</a:t>
+              <a:t>2019/10/27</a:t>
             </a:fld>
             <a:endParaRPr kumimoji="1" lang="ja-JP" altLang="en-US"/>
           </a:p>
@@ -1377,7 +1383,7 @@
           <a:p>
             <a:fld id="{AF724A92-735E-BB4D-8C01-8917F1EF5381}" type="datetimeFigureOut">
               <a:rPr kumimoji="1" lang="ja-JP" altLang="en-US" smtClean="0"/>
-              <a:t>2019/10/23</a:t>
+              <a:t>2019/10/27</a:t>
             </a:fld>
             <a:endParaRPr kumimoji="1" lang="ja-JP" altLang="en-US"/>
           </a:p>
@@ -1699,7 +1705,7 @@
           <a:p>
             <a:fld id="{AF724A92-735E-BB4D-8C01-8917F1EF5381}" type="datetimeFigureOut">
               <a:rPr kumimoji="1" lang="ja-JP" altLang="en-US" smtClean="0"/>
-              <a:t>2019/10/23</a:t>
+              <a:t>2019/10/27</a:t>
             </a:fld>
             <a:endParaRPr kumimoji="1" lang="ja-JP" altLang="en-US"/>
           </a:p>
@@ -1978,7 +1984,7 @@
           <a:p>
             <a:fld id="{AF724A92-735E-BB4D-8C01-8917F1EF5381}" type="datetimeFigureOut">
               <a:rPr kumimoji="1" lang="ja-JP" altLang="en-US" smtClean="0"/>
-              <a:t>2019/10/23</a:t>
+              <a:t>2019/10/27</a:t>
             </a:fld>
             <a:endParaRPr kumimoji="1" lang="ja-JP" altLang="en-US"/>
           </a:p>
@@ -2474,7 +2480,7 @@
           <a:p>
             <a:fld id="{AF724A92-735E-BB4D-8C01-8917F1EF5381}" type="datetimeFigureOut">
               <a:rPr kumimoji="1" lang="ja-JP" altLang="en-US" smtClean="0"/>
-              <a:t>2019/10/23</a:t>
+              <a:t>2019/10/27</a:t>
             </a:fld>
             <a:endParaRPr kumimoji="1" lang="ja-JP" altLang="en-US"/>
           </a:p>
@@ -2615,7 +2621,7 @@
           <a:p>
             <a:fld id="{AF724A92-735E-BB4D-8C01-8917F1EF5381}" type="datetimeFigureOut">
               <a:rPr kumimoji="1" lang="ja-JP" altLang="en-US" smtClean="0"/>
-              <a:t>2019/10/23</a:t>
+              <a:t>2019/10/27</a:t>
             </a:fld>
             <a:endParaRPr kumimoji="1" lang="ja-JP" altLang="en-US"/>
           </a:p>
@@ -2728,7 +2734,7 @@
           <a:p>
             <a:fld id="{AF724A92-735E-BB4D-8C01-8917F1EF5381}" type="datetimeFigureOut">
               <a:rPr kumimoji="1" lang="ja-JP" altLang="en-US" smtClean="0"/>
-              <a:t>2019/10/23</a:t>
+              <a:t>2019/10/27</a:t>
             </a:fld>
             <a:endParaRPr kumimoji="1" lang="ja-JP" altLang="en-US"/>
           </a:p>
@@ -3081,7 +3087,7 @@
           <a:p>
             <a:fld id="{AF724A92-735E-BB4D-8C01-8917F1EF5381}" type="datetimeFigureOut">
               <a:rPr kumimoji="1" lang="ja-JP" altLang="en-US" smtClean="0"/>
-              <a:t>2019/10/23</a:t>
+              <a:t>2019/10/27</a:t>
             </a:fld>
             <a:endParaRPr kumimoji="1" lang="ja-JP" altLang="en-US"/>
           </a:p>
@@ -3404,7 +3410,7 @@
           <a:p>
             <a:fld id="{AF724A92-735E-BB4D-8C01-8917F1EF5381}" type="datetimeFigureOut">
               <a:rPr kumimoji="1" lang="ja-JP" altLang="en-US" smtClean="0"/>
-              <a:t>2019/10/23</a:t>
+              <a:t>2019/10/27</a:t>
             </a:fld>
             <a:endParaRPr kumimoji="1" lang="ja-JP" altLang="en-US"/>
           </a:p>
@@ -3652,7 +3658,7 @@
           <a:p>
             <a:fld id="{AF724A92-735E-BB4D-8C01-8917F1EF5381}" type="datetimeFigureOut">
               <a:rPr kumimoji="1" lang="ja-JP" altLang="en-US" smtClean="0"/>
-              <a:t>2019/10/23</a:t>
+              <a:t>2019/10/27</a:t>
             </a:fld>
             <a:endParaRPr kumimoji="1" lang="ja-JP" altLang="en-US"/>
           </a:p>
@@ -4153,6 +4159,5079 @@
 </file>
 
 <file path=ppt/slides/slide10.xml><?xml version="1.0" encoding="utf-8"?>
+<p:sld xmlns:a="http://schemas.openxmlformats.org/drawingml/2006/main" xmlns:r="http://schemas.openxmlformats.org/officeDocument/2006/relationships" xmlns:p="http://schemas.openxmlformats.org/presentationml/2006/main">
+  <p:cSld>
+    <p:spTree>
+      <p:nvGrpSpPr>
+        <p:cNvPr id="1" name=""/>
+        <p:cNvGrpSpPr/>
+        <p:nvPr/>
+      </p:nvGrpSpPr>
+      <p:grpSpPr>
+        <a:xfrm>
+          <a:off x="0" y="0"/>
+          <a:ext cx="0" cy="0"/>
+          <a:chOff x="0" y="0"/>
+          <a:chExt cx="0" cy="0"/>
+        </a:xfrm>
+      </p:grpSpPr>
+      <p:sp>
+        <p:nvSpPr>
+          <p:cNvPr id="2" name="タイトル 1">
+            <a:extLst>
+              <a:ext uri="{FF2B5EF4-FFF2-40B4-BE49-F238E27FC236}">
+                <a16:creationId xmlns:a16="http://schemas.microsoft.com/office/drawing/2014/main" id="{EE0AD06A-2F8A-9A41-8A18-E4BE5F83242F}"/>
+              </a:ext>
+            </a:extLst>
+          </p:cNvPr>
+          <p:cNvSpPr>
+            <a:spLocks noGrp="1"/>
+          </p:cNvSpPr>
+          <p:nvPr>
+            <p:ph type="title"/>
+          </p:nvPr>
+        </p:nvSpPr>
+        <p:spPr/>
+        <p:txBody>
+          <a:bodyPr/>
+          <a:lstStyle/>
+          <a:p>
+            <a:r>
+              <a:rPr kumimoji="1" lang="ja-JP" altLang="en-US"/>
+              <a:t>ロジスティック回帰</a:t>
+            </a:r>
+          </a:p>
+        </p:txBody>
+      </p:sp>
+      <p:sp>
+        <p:nvSpPr>
+          <p:cNvPr id="3" name="コンテンツ プレースホルダー 2">
+            <a:extLst>
+              <a:ext uri="{FF2B5EF4-FFF2-40B4-BE49-F238E27FC236}">
+                <a16:creationId xmlns:a16="http://schemas.microsoft.com/office/drawing/2014/main" id="{2CDB7E5F-AD86-EB46-B09E-122D6798CF50}"/>
+              </a:ext>
+            </a:extLst>
+          </p:cNvPr>
+          <p:cNvSpPr>
+            <a:spLocks noGrp="1"/>
+          </p:cNvSpPr>
+          <p:nvPr>
+            <p:ph idx="1"/>
+          </p:nvPr>
+        </p:nvSpPr>
+        <p:spPr/>
+        <p:txBody>
+          <a:bodyPr/>
+          <a:lstStyle/>
+          <a:p>
+            <a:pPr marL="0" indent="0">
+              <a:buNone/>
+            </a:pPr>
+            <a:r>
+              <a:rPr lang="ja-JP" altLang="en-US"/>
+              <a:t>導入</a:t>
+            </a:r>
+            <a:endParaRPr lang="en-US" altLang="ja-JP" dirty="0"/>
+          </a:p>
+          <a:p>
+            <a:pPr marL="0" indent="0">
+              <a:buNone/>
+            </a:pPr>
+            <a:r>
+              <a:rPr lang="ja-JP" altLang="en-US"/>
+              <a:t>どういう時に使うのか，</a:t>
+            </a:r>
+            <a:endParaRPr lang="en-US" altLang="ja-JP" dirty="0"/>
+          </a:p>
+          <a:p>
+            <a:pPr marL="0" indent="0">
+              <a:buNone/>
+            </a:pPr>
+            <a:r>
+              <a:rPr lang="ja-JP" altLang="en-US"/>
+              <a:t>カウントデータ</a:t>
+            </a:r>
+            <a:endParaRPr lang="en-US" altLang="ja-JP" dirty="0"/>
+          </a:p>
+          <a:p>
+            <a:pPr marL="0" indent="0">
+              <a:buNone/>
+            </a:pPr>
+            <a:r>
+              <a:rPr lang="ja-JP" altLang="en-US"/>
+              <a:t>仮定する分布</a:t>
+            </a:r>
+          </a:p>
+          <a:p>
+            <a:pPr marL="0" indent="0">
+              <a:buNone/>
+            </a:pPr>
+            <a:endParaRPr kumimoji="1" lang="ja-JP" altLang="en-US"/>
+          </a:p>
+        </p:txBody>
+      </p:sp>
+    </p:spTree>
+    <p:extLst>
+      <p:ext uri="{BB962C8B-B14F-4D97-AF65-F5344CB8AC3E}">
+        <p14:creationId xmlns:p14="http://schemas.microsoft.com/office/powerpoint/2010/main" val="200943342"/>
+      </p:ext>
+    </p:extLst>
+  </p:cSld>
+  <p:clrMapOvr>
+    <a:masterClrMapping/>
+  </p:clrMapOvr>
+</p:sld>
+</file>
+
+<file path=ppt/slides/slide11.xml><?xml version="1.0" encoding="utf-8"?>
+<p:sld xmlns:a="http://schemas.openxmlformats.org/drawingml/2006/main" xmlns:r="http://schemas.openxmlformats.org/officeDocument/2006/relationships" xmlns:p="http://schemas.openxmlformats.org/presentationml/2006/main">
+  <p:cSld>
+    <p:spTree>
+      <p:nvGrpSpPr>
+        <p:cNvPr id="1" name=""/>
+        <p:cNvGrpSpPr/>
+        <p:nvPr/>
+      </p:nvGrpSpPr>
+      <p:grpSpPr>
+        <a:xfrm>
+          <a:off x="0" y="0"/>
+          <a:ext cx="0" cy="0"/>
+          <a:chOff x="0" y="0"/>
+          <a:chExt cx="0" cy="0"/>
+        </a:xfrm>
+      </p:grpSpPr>
+      <p:sp>
+        <p:nvSpPr>
+          <p:cNvPr id="2" name="タイトル 1">
+            <a:extLst>
+              <a:ext uri="{FF2B5EF4-FFF2-40B4-BE49-F238E27FC236}">
+                <a16:creationId xmlns:a16="http://schemas.microsoft.com/office/drawing/2014/main" id="{01908CC2-F258-804D-A65F-74316B10D376}"/>
+              </a:ext>
+            </a:extLst>
+          </p:cNvPr>
+          <p:cNvSpPr>
+            <a:spLocks noGrp="1"/>
+          </p:cNvSpPr>
+          <p:nvPr>
+            <p:ph type="title"/>
+          </p:nvPr>
+        </p:nvSpPr>
+        <p:spPr/>
+        <p:txBody>
+          <a:bodyPr/>
+          <a:lstStyle/>
+          <a:p>
+            <a:r>
+              <a:rPr kumimoji="1" lang="ja-JP" altLang="en-US"/>
+              <a:t>ロジスティック回帰</a:t>
+            </a:r>
+          </a:p>
+        </p:txBody>
+      </p:sp>
+      <mc:AlternateContent xmlns:mc="http://schemas.openxmlformats.org/markup-compatibility/2006">
+        <mc:Choice xmlns:a14="http://schemas.microsoft.com/office/drawing/2010/main" Requires="a14">
+          <p:sp>
+            <p:nvSpPr>
+              <p:cNvPr id="4" name="テキスト ボックス 3">
+                <a:extLst>
+                  <a:ext uri="{FF2B5EF4-FFF2-40B4-BE49-F238E27FC236}">
+                    <a16:creationId xmlns:a16="http://schemas.microsoft.com/office/drawing/2014/main" id="{05D17BF7-5A1D-7445-A2D1-FF57F00A6E9A}"/>
+                  </a:ext>
+                </a:extLst>
+              </p:cNvPr>
+              <p:cNvSpPr txBox="1"/>
+              <p:nvPr/>
+            </p:nvSpPr>
+            <p:spPr>
+              <a:xfrm>
+                <a:off x="411367" y="3243514"/>
+                <a:ext cx="8691162" cy="1569917"/>
+              </a:xfrm>
+              <a:prstGeom prst="rect">
+                <a:avLst/>
+              </a:prstGeom>
+              <a:noFill/>
+            </p:spPr>
+            <p:txBody>
+              <a:bodyPr wrap="none" rtlCol="0">
+                <a:spAutoFit/>
+              </a:bodyPr>
+              <a:lstStyle/>
+              <a:p>
+                <a14:m>
+                  <m:oMathPara xmlns:m="http://schemas.openxmlformats.org/officeDocument/2006/math">
+                    <m:oMathParaPr>
+                      <m:jc m:val="centerGroup"/>
+                    </m:oMathParaPr>
+                    <m:oMath xmlns:m="http://schemas.openxmlformats.org/officeDocument/2006/math">
+                      <m:r>
+                        <m:rPr>
+                          <m:sty m:val="p"/>
+                        </m:rPr>
+                        <a:rPr kumimoji="1" lang="en-US" altLang="ja-JP" sz="2800" b="0" i="0" smtClean="0">
+                          <a:latin typeface="Cambria Math" panose="02040503050406030204" pitchFamily="18" charset="0"/>
+                        </a:rPr>
+                        <m:t>log</m:t>
+                      </m:r>
+                      <m:f>
+                        <m:fPr>
+                          <m:ctrlPr>
+                            <a:rPr kumimoji="1" lang="en-US" altLang="ja-JP" sz="2800" b="0" i="1" smtClean="0">
+                              <a:latin typeface="Cambria Math" panose="02040503050406030204" pitchFamily="18" charset="0"/>
+                            </a:rPr>
+                          </m:ctrlPr>
+                        </m:fPr>
+                        <m:num>
+                          <m:sSub>
+                            <m:sSubPr>
+                              <m:ctrlPr>
+                                <a:rPr kumimoji="1" lang="en-US" altLang="ja-JP" sz="2800" b="0" i="1" smtClean="0">
+                                  <a:latin typeface="Cambria Math" panose="02040503050406030204" pitchFamily="18" charset="0"/>
+                                </a:rPr>
+                              </m:ctrlPr>
+                            </m:sSubPr>
+                            <m:e>
+                              <m:r>
+                                <a:rPr kumimoji="1" lang="en-US" altLang="ja-JP" sz="2800" b="0" i="1" smtClean="0">
+                                  <a:latin typeface="Cambria Math" panose="02040503050406030204" pitchFamily="18" charset="0"/>
+                                </a:rPr>
+                                <m:t>𝑝</m:t>
+                              </m:r>
+                            </m:e>
+                            <m:sub>
+                              <m:r>
+                                <a:rPr kumimoji="1" lang="en-US" altLang="ja-JP" sz="2800" b="0" i="1" smtClean="0">
+                                  <a:latin typeface="Cambria Math" panose="02040503050406030204" pitchFamily="18" charset="0"/>
+                                </a:rPr>
+                                <m:t>𝑖</m:t>
+                              </m:r>
+                            </m:sub>
+                          </m:sSub>
+                        </m:num>
+                        <m:den>
+                          <m:r>
+                            <a:rPr kumimoji="1" lang="en-US" altLang="ja-JP" sz="2800" b="0" i="1" smtClean="0">
+                              <a:latin typeface="Cambria Math" panose="02040503050406030204" pitchFamily="18" charset="0"/>
+                            </a:rPr>
+                            <m:t>1−</m:t>
+                          </m:r>
+                          <m:sSub>
+                            <m:sSubPr>
+                              <m:ctrlPr>
+                                <a:rPr lang="en-US" altLang="ja-JP" sz="2800" i="1">
+                                  <a:latin typeface="Cambria Math" panose="02040503050406030204" pitchFamily="18" charset="0"/>
+                                </a:rPr>
+                              </m:ctrlPr>
+                            </m:sSubPr>
+                            <m:e>
+                              <m:r>
+                                <a:rPr lang="en-US" altLang="ja-JP" sz="2800" i="1">
+                                  <a:latin typeface="Cambria Math" panose="02040503050406030204" pitchFamily="18" charset="0"/>
+                                </a:rPr>
+                                <m:t>𝑝</m:t>
+                              </m:r>
+                            </m:e>
+                            <m:sub>
+                              <m:r>
+                                <a:rPr lang="en-US" altLang="ja-JP" sz="2800" i="1">
+                                  <a:latin typeface="Cambria Math" panose="02040503050406030204" pitchFamily="18" charset="0"/>
+                                </a:rPr>
+                                <m:t>𝑖</m:t>
+                              </m:r>
+                            </m:sub>
+                          </m:sSub>
+                        </m:den>
+                      </m:f>
+                      <m:r>
+                        <m:rPr>
+                          <m:nor/>
+                        </m:rPr>
+                        <a:rPr lang="en-US" altLang="ja-JP" sz="2800" dirty="0"/>
+                        <m:t>=</m:t>
+                      </m:r>
+                      <m:sSub>
+                        <m:sSubPr>
+                          <m:ctrlPr>
+                            <a:rPr lang="en-US" altLang="ja-JP" sz="2800" i="1">
+                              <a:latin typeface="Cambria Math" panose="02040503050406030204" pitchFamily="18" charset="0"/>
+                            </a:rPr>
+                          </m:ctrlPr>
+                        </m:sSubPr>
+                        <m:e>
+                          <m:r>
+                            <a:rPr lang="en-US" altLang="ja-JP" sz="2800" i="1">
+                              <a:latin typeface="Cambria Math" panose="02040503050406030204" pitchFamily="18" charset="0"/>
+                            </a:rPr>
+                            <m:t>𝑋</m:t>
+                          </m:r>
+                        </m:e>
+                        <m:sub>
+                          <m:r>
+                            <a:rPr lang="en-US" altLang="ja-JP" sz="2800" i="1">
+                              <a:latin typeface="Cambria Math" panose="02040503050406030204" pitchFamily="18" charset="0"/>
+                            </a:rPr>
+                            <m:t>𝑖</m:t>
+                          </m:r>
+                        </m:sub>
+                      </m:sSub>
+                      <m:r>
+                        <a:rPr lang="ja-JP" altLang="en-US" sz="2800" i="1">
+                          <a:latin typeface="Cambria Math" panose="02040503050406030204" pitchFamily="18" charset="0"/>
+                        </a:rPr>
+                        <m:t>𝜃</m:t>
+                      </m:r>
+                      <m:r>
+                        <a:rPr kumimoji="1" lang="en-US" altLang="ja-JP" sz="2800" b="0" i="1" smtClean="0">
+                          <a:latin typeface="Cambria Math" panose="02040503050406030204" pitchFamily="18" charset="0"/>
+                        </a:rPr>
+                        <m:t>=</m:t>
+                      </m:r>
+                      <m:sSub>
+                        <m:sSubPr>
+                          <m:ctrlPr>
+                            <a:rPr lang="en-US" altLang="ja-JP" sz="2800" i="1">
+                              <a:latin typeface="Cambria Math" panose="02040503050406030204" pitchFamily="18" charset="0"/>
+                            </a:rPr>
+                          </m:ctrlPr>
+                        </m:sSubPr>
+                        <m:e>
+                          <m:r>
+                            <a:rPr lang="ja-JP" altLang="en-US" sz="2800" i="1">
+                              <a:latin typeface="Cambria Math" panose="02040503050406030204" pitchFamily="18" charset="0"/>
+                            </a:rPr>
+                            <m:t>𝜃</m:t>
+                          </m:r>
+                        </m:e>
+                        <m:sub>
+                          <m:r>
+                            <a:rPr lang="en-US" altLang="ja-JP" sz="2800" i="1">
+                              <a:latin typeface="Cambria Math" panose="02040503050406030204" pitchFamily="18" charset="0"/>
+                            </a:rPr>
+                            <m:t>1</m:t>
+                          </m:r>
+                        </m:sub>
+                      </m:sSub>
+                      <m:r>
+                        <a:rPr lang="en-US" altLang="ja-JP" sz="2800" b="0" i="1" smtClean="0">
+                          <a:latin typeface="Cambria Math" panose="02040503050406030204" pitchFamily="18" charset="0"/>
+                        </a:rPr>
+                        <m:t>+</m:t>
+                      </m:r>
+                      <m:sSub>
+                        <m:sSubPr>
+                          <m:ctrlPr>
+                            <a:rPr lang="en-US" altLang="ja-JP" sz="2800" i="1">
+                              <a:latin typeface="Cambria Math" panose="02040503050406030204" pitchFamily="18" charset="0"/>
+                            </a:rPr>
+                          </m:ctrlPr>
+                        </m:sSubPr>
+                        <m:e>
+                          <m:sSub>
+                            <m:sSubPr>
+                              <m:ctrlPr>
+                                <a:rPr lang="en-US" altLang="ja-JP" sz="2800" i="1">
+                                  <a:latin typeface="Cambria Math" panose="02040503050406030204" pitchFamily="18" charset="0"/>
+                                </a:rPr>
+                              </m:ctrlPr>
+                            </m:sSubPr>
+                            <m:e>
+                              <m:r>
+                                <a:rPr lang="ja-JP" altLang="en-US" sz="2800" i="1">
+                                  <a:latin typeface="Cambria Math" panose="02040503050406030204" pitchFamily="18" charset="0"/>
+                                </a:rPr>
+                                <m:t>𝜃</m:t>
+                              </m:r>
+                            </m:e>
+                            <m:sub>
+                              <m:r>
+                                <a:rPr lang="en-US" altLang="ja-JP" sz="2800" b="0" i="1" smtClean="0">
+                                  <a:latin typeface="Cambria Math" panose="02040503050406030204" pitchFamily="18" charset="0"/>
+                                </a:rPr>
+                                <m:t>2</m:t>
+                              </m:r>
+                            </m:sub>
+                          </m:sSub>
+                          <m:r>
+                            <a:rPr lang="en-US" altLang="ja-JP" sz="2800" i="1">
+                              <a:latin typeface="Cambria Math" panose="02040503050406030204" pitchFamily="18" charset="0"/>
+                            </a:rPr>
+                            <m:t>𝑥</m:t>
+                          </m:r>
+                        </m:e>
+                        <m:sub>
+                          <m:r>
+                            <a:rPr lang="en-US" altLang="ja-JP" sz="2800" b="0" i="1" smtClean="0">
+                              <a:latin typeface="Cambria Math" panose="02040503050406030204" pitchFamily="18" charset="0"/>
+                            </a:rPr>
+                            <m:t>𝑖</m:t>
+                          </m:r>
+                          <m:r>
+                            <a:rPr lang="en-US" altLang="ja-JP" sz="2800" i="1">
+                              <a:latin typeface="Cambria Math" panose="02040503050406030204" pitchFamily="18" charset="0"/>
+                            </a:rPr>
+                            <m:t>2</m:t>
+                          </m:r>
+                        </m:sub>
+                      </m:sSub>
+                      <m:r>
+                        <a:rPr lang="en-US" altLang="ja-JP" sz="2800" b="0" i="0" smtClean="0">
+                          <a:latin typeface="Cambria Math" panose="02040503050406030204" pitchFamily="18" charset="0"/>
+                        </a:rPr>
+                        <m:t>+</m:t>
+                      </m:r>
+                      <m:sSub>
+                        <m:sSubPr>
+                          <m:ctrlPr>
+                            <a:rPr lang="en-US" altLang="ja-JP" sz="2800" i="1">
+                              <a:latin typeface="Cambria Math" panose="02040503050406030204" pitchFamily="18" charset="0"/>
+                            </a:rPr>
+                          </m:ctrlPr>
+                        </m:sSubPr>
+                        <m:e>
+                          <m:sSub>
+                            <m:sSubPr>
+                              <m:ctrlPr>
+                                <a:rPr lang="en-US" altLang="ja-JP" sz="2800" i="1">
+                                  <a:latin typeface="Cambria Math" panose="02040503050406030204" pitchFamily="18" charset="0"/>
+                                </a:rPr>
+                              </m:ctrlPr>
+                            </m:sSubPr>
+                            <m:e>
+                              <m:r>
+                                <a:rPr lang="ja-JP" altLang="en-US" sz="2800" i="1">
+                                  <a:latin typeface="Cambria Math" panose="02040503050406030204" pitchFamily="18" charset="0"/>
+                                </a:rPr>
+                                <m:t>𝜃</m:t>
+                              </m:r>
+                            </m:e>
+                            <m:sub>
+                              <m:r>
+                                <a:rPr lang="en-US" altLang="ja-JP" sz="2800" b="0" i="1" smtClean="0">
+                                  <a:latin typeface="Cambria Math" panose="02040503050406030204" pitchFamily="18" charset="0"/>
+                                </a:rPr>
+                                <m:t>3</m:t>
+                              </m:r>
+                            </m:sub>
+                          </m:sSub>
+                          <m:r>
+                            <a:rPr lang="en-US" altLang="ja-JP" sz="2800" i="1">
+                              <a:latin typeface="Cambria Math" panose="02040503050406030204" pitchFamily="18" charset="0"/>
+                            </a:rPr>
+                            <m:t>𝑥</m:t>
+                          </m:r>
+                        </m:e>
+                        <m:sub>
+                          <m:r>
+                            <a:rPr lang="en-US" altLang="ja-JP" sz="2800" i="1">
+                              <a:latin typeface="Cambria Math" panose="02040503050406030204" pitchFamily="18" charset="0"/>
+                            </a:rPr>
+                            <m:t>𝑖</m:t>
+                          </m:r>
+                          <m:r>
+                            <a:rPr lang="en-US" altLang="ja-JP" sz="2800" b="0" i="1" smtClean="0">
+                              <a:latin typeface="Cambria Math" panose="02040503050406030204" pitchFamily="18" charset="0"/>
+                            </a:rPr>
+                            <m:t>3</m:t>
+                          </m:r>
+                        </m:sub>
+                      </m:sSub>
+                      <m:r>
+                        <a:rPr lang="en-US" altLang="ja-JP" sz="2800" b="0" i="1" smtClean="0">
+                          <a:latin typeface="Cambria Math" panose="02040503050406030204" pitchFamily="18" charset="0"/>
+                        </a:rPr>
+                        <m:t>+…+</m:t>
+                      </m:r>
+                      <m:sSub>
+                        <m:sSubPr>
+                          <m:ctrlPr>
+                            <a:rPr lang="en-US" altLang="ja-JP" sz="2800" i="1">
+                              <a:latin typeface="Cambria Math" panose="02040503050406030204" pitchFamily="18" charset="0"/>
+                            </a:rPr>
+                          </m:ctrlPr>
+                        </m:sSubPr>
+                        <m:e>
+                          <m:sSub>
+                            <m:sSubPr>
+                              <m:ctrlPr>
+                                <a:rPr lang="en-US" altLang="ja-JP" sz="2800" i="1">
+                                  <a:latin typeface="Cambria Math" panose="02040503050406030204" pitchFamily="18" charset="0"/>
+                                </a:rPr>
+                              </m:ctrlPr>
+                            </m:sSubPr>
+                            <m:e>
+                              <m:r>
+                                <a:rPr lang="ja-JP" altLang="en-US" sz="2800" i="1">
+                                  <a:latin typeface="Cambria Math" panose="02040503050406030204" pitchFamily="18" charset="0"/>
+                                </a:rPr>
+                                <m:t>𝜃</m:t>
+                              </m:r>
+                            </m:e>
+                            <m:sub>
+                              <m:r>
+                                <a:rPr lang="en-US" altLang="ja-JP" sz="2800" b="0" i="1" smtClean="0">
+                                  <a:latin typeface="Cambria Math" panose="02040503050406030204" pitchFamily="18" charset="0"/>
+                                </a:rPr>
+                                <m:t>𝑀</m:t>
+                              </m:r>
+                            </m:sub>
+                          </m:sSub>
+                          <m:r>
+                            <a:rPr lang="en-US" altLang="ja-JP" sz="2800" i="1">
+                              <a:latin typeface="Cambria Math" panose="02040503050406030204" pitchFamily="18" charset="0"/>
+                            </a:rPr>
+                            <m:t>𝑥</m:t>
+                          </m:r>
+                        </m:e>
+                        <m:sub>
+                          <m:r>
+                            <a:rPr lang="en-US" altLang="ja-JP" sz="2800" i="1">
+                              <a:latin typeface="Cambria Math" panose="02040503050406030204" pitchFamily="18" charset="0"/>
+                            </a:rPr>
+                            <m:t>𝑖</m:t>
+                          </m:r>
+                          <m:r>
+                            <a:rPr lang="en-US" altLang="ja-JP" sz="2800" b="0" i="1" smtClean="0">
+                              <a:latin typeface="Cambria Math" panose="02040503050406030204" pitchFamily="18" charset="0"/>
+                            </a:rPr>
+                            <m:t>𝑀</m:t>
+                          </m:r>
+                        </m:sub>
+                      </m:sSub>
+                    </m:oMath>
+                  </m:oMathPara>
+                </a14:m>
+                <a:endParaRPr lang="en-US" altLang="ja-JP" sz="2800" i="1" dirty="0">
+                  <a:latin typeface="Cambria Math" panose="02040503050406030204" pitchFamily="18" charset="0"/>
+                </a:endParaRPr>
+              </a:p>
+              <a:p>
+                <a:r>
+                  <a:rPr lang="en-US" altLang="ja-JP" sz="2800" dirty="0"/>
+                  <a:t>               </a:t>
+                </a:r>
+                <a14:m>
+                  <m:oMath xmlns:m="http://schemas.openxmlformats.org/officeDocument/2006/math">
+                    <m:sSub>
+                      <m:sSubPr>
+                        <m:ctrlPr>
+                          <a:rPr lang="en-US" altLang="ja-JP" sz="2800" i="1">
+                            <a:latin typeface="Cambria Math" panose="02040503050406030204" pitchFamily="18" charset="0"/>
+                          </a:rPr>
+                        </m:ctrlPr>
+                      </m:sSubPr>
+                      <m:e>
+                        <m:r>
+                          <a:rPr lang="en-US" altLang="ja-JP" sz="2800" i="1">
+                            <a:latin typeface="Cambria Math" panose="02040503050406030204" pitchFamily="18" charset="0"/>
+                          </a:rPr>
+                          <m:t>𝑝</m:t>
+                        </m:r>
+                      </m:e>
+                      <m:sub>
+                        <m:r>
+                          <a:rPr lang="en-US" altLang="ja-JP" sz="2800" i="1">
+                            <a:latin typeface="Cambria Math" panose="02040503050406030204" pitchFamily="18" charset="0"/>
+                          </a:rPr>
+                          <m:t>𝑖</m:t>
+                        </m:r>
+                      </m:sub>
+                    </m:sSub>
+                    <m:r>
+                      <a:rPr lang="en-US" altLang="ja-JP" sz="2800" b="0" i="0" smtClean="0">
+                        <a:latin typeface="Cambria Math" panose="02040503050406030204" pitchFamily="18" charset="0"/>
+                      </a:rPr>
+                      <m:t>=</m:t>
+                    </m:r>
+                    <m:f>
+                      <m:fPr>
+                        <m:ctrlPr>
+                          <a:rPr lang="en-US" altLang="ja-JP" sz="2800" b="0" i="1" smtClean="0">
+                            <a:latin typeface="Cambria Math" panose="02040503050406030204" pitchFamily="18" charset="0"/>
+                          </a:rPr>
+                        </m:ctrlPr>
+                      </m:fPr>
+                      <m:num>
+                        <m:r>
+                          <a:rPr lang="en-US" altLang="ja-JP" sz="2800" b="0" i="1" smtClean="0">
+                            <a:latin typeface="Cambria Math" panose="02040503050406030204" pitchFamily="18" charset="0"/>
+                          </a:rPr>
+                          <m:t>1</m:t>
+                        </m:r>
+                      </m:num>
+                      <m:den>
+                        <m:r>
+                          <a:rPr lang="en-US" altLang="ja-JP" sz="2800" b="0" i="1" smtClean="0">
+                            <a:latin typeface="Cambria Math" panose="02040503050406030204" pitchFamily="18" charset="0"/>
+                          </a:rPr>
+                          <m:t>1+</m:t>
+                        </m:r>
+                        <m:r>
+                          <m:rPr>
+                            <m:sty m:val="p"/>
+                          </m:rPr>
+                          <a:rPr lang="en-US" altLang="ja-JP" sz="2800">
+                            <a:latin typeface="Cambria Math" panose="02040503050406030204" pitchFamily="18" charset="0"/>
+                          </a:rPr>
+                          <m:t>exp</m:t>
+                        </m:r>
+                        <m:r>
+                          <a:rPr lang="en-US" altLang="ja-JP" sz="2800">
+                            <a:latin typeface="Cambria Math" panose="02040503050406030204" pitchFamily="18" charset="0"/>
+                          </a:rPr>
+                          <m:t>(−</m:t>
+                        </m:r>
+                        <m:sSub>
+                          <m:sSubPr>
+                            <m:ctrlPr>
+                              <a:rPr lang="en-US" altLang="ja-JP" sz="2800" i="1">
+                                <a:latin typeface="Cambria Math" panose="02040503050406030204" pitchFamily="18" charset="0"/>
+                              </a:rPr>
+                            </m:ctrlPr>
+                          </m:sSubPr>
+                          <m:e>
+                            <m:r>
+                              <a:rPr lang="en-US" altLang="ja-JP" sz="2800" i="1">
+                                <a:latin typeface="Cambria Math" panose="02040503050406030204" pitchFamily="18" charset="0"/>
+                              </a:rPr>
+                              <m:t>𝑋</m:t>
+                            </m:r>
+                          </m:e>
+                          <m:sub>
+                            <m:r>
+                              <a:rPr lang="en-US" altLang="ja-JP" sz="2800" i="1">
+                                <a:latin typeface="Cambria Math" panose="02040503050406030204" pitchFamily="18" charset="0"/>
+                              </a:rPr>
+                              <m:t>𝑖</m:t>
+                            </m:r>
+                          </m:sub>
+                        </m:sSub>
+                        <m:r>
+                          <a:rPr lang="ja-JP" altLang="en-US" sz="2800" i="1">
+                            <a:latin typeface="Cambria Math" panose="02040503050406030204" pitchFamily="18" charset="0"/>
+                          </a:rPr>
+                          <m:t>𝜃</m:t>
+                        </m:r>
+                        <m:r>
+                          <a:rPr lang="en-US" altLang="ja-JP" sz="2800">
+                            <a:latin typeface="Cambria Math" panose="02040503050406030204" pitchFamily="18" charset="0"/>
+                          </a:rPr>
+                          <m:t>)</m:t>
+                        </m:r>
+                      </m:den>
+                    </m:f>
+                  </m:oMath>
+                </a14:m>
+                <a:endParaRPr kumimoji="1" lang="ja-JP" altLang="en-US" sz="2800"/>
+              </a:p>
+            </p:txBody>
+          </p:sp>
+        </mc:Choice>
+        <mc:Fallback>
+          <p:sp>
+            <p:nvSpPr>
+              <p:cNvPr id="4" name="テキスト ボックス 3">
+                <a:extLst>
+                  <a:ext uri="{FF2B5EF4-FFF2-40B4-BE49-F238E27FC236}">
+                    <a16:creationId xmlns:a16="http://schemas.microsoft.com/office/drawing/2014/main" id="{05D17BF7-5A1D-7445-A2D1-FF57F00A6E9A}"/>
+                  </a:ext>
+                </a:extLst>
+              </p:cNvPr>
+              <p:cNvSpPr txBox="1">
+                <a:spLocks noRot="1" noChangeAspect="1" noMove="1" noResize="1" noEditPoints="1" noAdjustHandles="1" noChangeArrowheads="1" noChangeShapeType="1" noTextEdit="1"/>
+              </p:cNvSpPr>
+              <p:nvPr/>
+            </p:nvSpPr>
+            <p:spPr>
+              <a:xfrm>
+                <a:off x="411367" y="3243514"/>
+                <a:ext cx="8691162" cy="1569917"/>
+              </a:xfrm>
+              <a:prstGeom prst="rect">
+                <a:avLst/>
+              </a:prstGeom>
+              <a:blipFill>
+                <a:blip r:embed="rId2"/>
+                <a:stretch>
+                  <a:fillRect b="-4000"/>
+                </a:stretch>
+              </a:blipFill>
+            </p:spPr>
+            <p:txBody>
+              <a:bodyPr/>
+              <a:lstStyle/>
+              <a:p>
+                <a:r>
+                  <a:rPr lang="ja-JP" altLang="en-US">
+                    <a:noFill/>
+                  </a:rPr>
+                  <a:t> </a:t>
+                </a:r>
+              </a:p>
+            </p:txBody>
+          </p:sp>
+        </mc:Fallback>
+      </mc:AlternateContent>
+      <mc:AlternateContent xmlns:mc="http://schemas.openxmlformats.org/markup-compatibility/2006">
+        <mc:Choice xmlns:a14="http://schemas.microsoft.com/office/drawing/2010/main" Requires="a14">
+          <p:sp>
+            <p:nvSpPr>
+              <p:cNvPr id="6" name="正方形/長方形 5">
+                <a:extLst>
+                  <a:ext uri="{FF2B5EF4-FFF2-40B4-BE49-F238E27FC236}">
+                    <a16:creationId xmlns:a16="http://schemas.microsoft.com/office/drawing/2014/main" id="{087B4F74-26E8-9740-BF50-8E2213B31B20}"/>
+                  </a:ext>
+                </a:extLst>
+              </p:cNvPr>
+              <p:cNvSpPr/>
+              <p:nvPr/>
+            </p:nvSpPr>
+            <p:spPr>
+              <a:xfrm>
+                <a:off x="5950342" y="2068236"/>
+                <a:ext cx="5609228" cy="830227"/>
+              </a:xfrm>
+              <a:prstGeom prst="rect">
+                <a:avLst/>
+              </a:prstGeom>
+            </p:spPr>
+            <p:txBody>
+              <a:bodyPr wrap="none">
+                <a:spAutoFit/>
+              </a:bodyPr>
+              <a:lstStyle/>
+              <a:p>
+                <a14:m>
+                  <m:oMathPara xmlns:m="http://schemas.openxmlformats.org/officeDocument/2006/math">
+                    <m:oMathParaPr>
+                      <m:jc m:val="centerGroup"/>
+                    </m:oMathParaPr>
+                    <m:oMath xmlns:m="http://schemas.openxmlformats.org/officeDocument/2006/math">
+                      <m:r>
+                        <m:rPr>
+                          <m:sty m:val="p"/>
+                        </m:rPr>
+                        <a:rPr lang="en-US" altLang="ja-JP" sz="2800" b="0" i="0" smtClean="0">
+                          <a:latin typeface="Cambria Math" panose="02040503050406030204" pitchFamily="18" charset="0"/>
+                        </a:rPr>
+                        <m:t>PDF</m:t>
+                      </m:r>
+                      <m:d>
+                        <m:dPr>
+                          <m:ctrlPr>
+                            <a:rPr lang="en-US" altLang="ja-JP" sz="2800" b="0" i="0" smtClean="0">
+                              <a:latin typeface="Cambria Math" panose="02040503050406030204" pitchFamily="18" charset="0"/>
+                            </a:rPr>
+                          </m:ctrlPr>
+                        </m:dPr>
+                        <m:e>
+                          <m:r>
+                            <a:rPr lang="en-US" altLang="ja-JP" sz="2800" b="0" i="1" smtClean="0">
+                              <a:latin typeface="Cambria Math" panose="02040503050406030204" pitchFamily="18" charset="0"/>
+                            </a:rPr>
+                            <m:t>𝑛</m:t>
+                          </m:r>
+                          <m:r>
+                            <a:rPr lang="en-US" altLang="ja-JP" sz="2800" b="0" i="1" smtClean="0">
+                              <a:latin typeface="Cambria Math" panose="02040503050406030204" pitchFamily="18" charset="0"/>
+                            </a:rPr>
+                            <m:t>,</m:t>
+                          </m:r>
+                          <m:r>
+                            <a:rPr lang="en-US" altLang="ja-JP" sz="2800" b="0" i="1" smtClean="0">
+                              <a:latin typeface="Cambria Math" panose="02040503050406030204" pitchFamily="18" charset="0"/>
+                            </a:rPr>
+                            <m:t>𝑚</m:t>
+                          </m:r>
+                          <m:r>
+                            <a:rPr lang="en-US" altLang="ja-JP" sz="2800" b="0" i="1" smtClean="0">
+                              <a:latin typeface="Cambria Math" panose="02040503050406030204" pitchFamily="18" charset="0"/>
+                            </a:rPr>
+                            <m:t>|</m:t>
+                          </m:r>
+                          <m:r>
+                            <a:rPr lang="en-US" altLang="ja-JP" sz="2800" b="0" i="1" smtClean="0">
+                              <a:latin typeface="Cambria Math" panose="02040503050406030204" pitchFamily="18" charset="0"/>
+                            </a:rPr>
+                            <m:t>𝑝</m:t>
+                          </m:r>
+                        </m:e>
+                      </m:d>
+                      <m:r>
+                        <a:rPr lang="en-US" altLang="ja-JP" sz="2800" b="0" i="0" smtClean="0">
+                          <a:latin typeface="Cambria Math" panose="02040503050406030204" pitchFamily="18" charset="0"/>
+                        </a:rPr>
+                        <m:t>=</m:t>
+                      </m:r>
+                      <m:d>
+                        <m:dPr>
+                          <m:ctrlPr>
+                            <a:rPr lang="en-US" altLang="ja-JP" sz="2800" b="0" i="1" smtClean="0">
+                              <a:latin typeface="Cambria Math" panose="02040503050406030204" pitchFamily="18" charset="0"/>
+                            </a:rPr>
+                          </m:ctrlPr>
+                        </m:dPr>
+                        <m:e>
+                          <m:f>
+                            <m:fPr>
+                              <m:type m:val="noBar"/>
+                              <m:ctrlPr>
+                                <a:rPr lang="en-US" altLang="ja-JP" sz="2800" b="0" i="1" smtClean="0">
+                                  <a:latin typeface="Cambria Math" panose="02040503050406030204" pitchFamily="18" charset="0"/>
+                                </a:rPr>
+                              </m:ctrlPr>
+                            </m:fPr>
+                            <m:num>
+                              <m:r>
+                                <a:rPr lang="en-US" altLang="ja-JP" sz="2800" b="0" i="1" smtClean="0">
+                                  <a:latin typeface="Cambria Math" panose="02040503050406030204" pitchFamily="18" charset="0"/>
+                                </a:rPr>
+                                <m:t>𝑛</m:t>
+                              </m:r>
+                            </m:num>
+                            <m:den>
+                              <m:r>
+                                <a:rPr lang="en-US" altLang="ja-JP" sz="2800" b="0" i="1" smtClean="0">
+                                  <a:latin typeface="Cambria Math" panose="02040503050406030204" pitchFamily="18" charset="0"/>
+                                </a:rPr>
+                                <m:t>𝑚</m:t>
+                              </m:r>
+                            </m:den>
+                          </m:f>
+                        </m:e>
+                      </m:d>
+                      <m:sSup>
+                        <m:sSupPr>
+                          <m:ctrlPr>
+                            <a:rPr lang="en-US" altLang="ja-JP" sz="2800" b="0" i="1" smtClean="0">
+                              <a:latin typeface="Cambria Math" panose="02040503050406030204" pitchFamily="18" charset="0"/>
+                            </a:rPr>
+                          </m:ctrlPr>
+                        </m:sSupPr>
+                        <m:e>
+                          <m:r>
+                            <a:rPr lang="en-US" altLang="ja-JP" sz="2800" b="0" i="1" smtClean="0">
+                              <a:latin typeface="Cambria Math" panose="02040503050406030204" pitchFamily="18" charset="0"/>
+                            </a:rPr>
+                            <m:t>𝑝</m:t>
+                          </m:r>
+                        </m:e>
+                        <m:sup>
+                          <m:r>
+                            <a:rPr lang="en-US" altLang="ja-JP" sz="2800" b="0" i="1" smtClean="0">
+                              <a:latin typeface="Cambria Math" panose="02040503050406030204" pitchFamily="18" charset="0"/>
+                            </a:rPr>
+                            <m:t>𝑚</m:t>
+                          </m:r>
+                        </m:sup>
+                      </m:sSup>
+                      <m:sSup>
+                        <m:sSupPr>
+                          <m:ctrlPr>
+                            <a:rPr lang="en-US" altLang="ja-JP" sz="2800" b="0" i="1" smtClean="0">
+                              <a:latin typeface="Cambria Math" panose="02040503050406030204" pitchFamily="18" charset="0"/>
+                            </a:rPr>
+                          </m:ctrlPr>
+                        </m:sSupPr>
+                        <m:e>
+                          <m:r>
+                            <a:rPr lang="en-US" altLang="ja-JP" sz="2800" b="0" i="1" smtClean="0">
+                              <a:latin typeface="Cambria Math" panose="02040503050406030204" pitchFamily="18" charset="0"/>
+                            </a:rPr>
+                            <m:t>(1−</m:t>
+                          </m:r>
+                          <m:r>
+                            <a:rPr lang="en-US" altLang="ja-JP" sz="2800" b="0" i="1" smtClean="0">
+                              <a:latin typeface="Cambria Math" panose="02040503050406030204" pitchFamily="18" charset="0"/>
+                            </a:rPr>
+                            <m:t>𝑝</m:t>
+                          </m:r>
+                          <m:r>
+                            <a:rPr lang="en-US" altLang="ja-JP" sz="2800" b="0" i="1" smtClean="0">
+                              <a:latin typeface="Cambria Math" panose="02040503050406030204" pitchFamily="18" charset="0"/>
+                            </a:rPr>
+                            <m:t>)</m:t>
+                          </m:r>
+                        </m:e>
+                        <m:sup>
+                          <m:r>
+                            <a:rPr lang="en-US" altLang="ja-JP" sz="2800" b="0" i="1" smtClean="0">
+                              <a:latin typeface="Cambria Math" panose="02040503050406030204" pitchFamily="18" charset="0"/>
+                            </a:rPr>
+                            <m:t>𝑛</m:t>
+                          </m:r>
+                          <m:r>
+                            <a:rPr lang="en-US" altLang="ja-JP" sz="2800" b="0" i="1" smtClean="0">
+                              <a:latin typeface="Cambria Math" panose="02040503050406030204" pitchFamily="18" charset="0"/>
+                            </a:rPr>
+                            <m:t>−</m:t>
+                          </m:r>
+                          <m:r>
+                            <a:rPr lang="en-US" altLang="ja-JP" sz="2800" b="0" i="1" smtClean="0">
+                              <a:latin typeface="Cambria Math" panose="02040503050406030204" pitchFamily="18" charset="0"/>
+                            </a:rPr>
+                            <m:t>𝑚</m:t>
+                          </m:r>
+                        </m:sup>
+                      </m:sSup>
+                    </m:oMath>
+                  </m:oMathPara>
+                </a14:m>
+                <a:endParaRPr lang="ja-JP" altLang="en-US" sz="2800"/>
+              </a:p>
+            </p:txBody>
+          </p:sp>
+        </mc:Choice>
+        <mc:Fallback>
+          <p:sp>
+            <p:nvSpPr>
+              <p:cNvPr id="6" name="正方形/長方形 5">
+                <a:extLst>
+                  <a:ext uri="{FF2B5EF4-FFF2-40B4-BE49-F238E27FC236}">
+                    <a16:creationId xmlns:a16="http://schemas.microsoft.com/office/drawing/2014/main" id="{087B4F74-26E8-9740-BF50-8E2213B31B20}"/>
+                  </a:ext>
+                </a:extLst>
+              </p:cNvPr>
+              <p:cNvSpPr>
+                <a:spLocks noRot="1" noChangeAspect="1" noMove="1" noResize="1" noEditPoints="1" noAdjustHandles="1" noChangeArrowheads="1" noChangeShapeType="1" noTextEdit="1"/>
+              </p:cNvSpPr>
+              <p:nvPr/>
+            </p:nvSpPr>
+            <p:spPr>
+              <a:xfrm>
+                <a:off x="5950342" y="2068236"/>
+                <a:ext cx="5609228" cy="830227"/>
+              </a:xfrm>
+              <a:prstGeom prst="rect">
+                <a:avLst/>
+              </a:prstGeom>
+              <a:blipFill>
+                <a:blip r:embed="rId3"/>
+                <a:stretch>
+                  <a:fillRect b="-3030"/>
+                </a:stretch>
+              </a:blipFill>
+            </p:spPr>
+            <p:txBody>
+              <a:bodyPr/>
+              <a:lstStyle/>
+              <a:p>
+                <a:r>
+                  <a:rPr lang="ja-JP" altLang="en-US">
+                    <a:noFill/>
+                  </a:rPr>
+                  <a:t> </a:t>
+                </a:r>
+              </a:p>
+            </p:txBody>
+          </p:sp>
+        </mc:Fallback>
+      </mc:AlternateContent>
+      <mc:AlternateContent xmlns:mc="http://schemas.openxmlformats.org/markup-compatibility/2006">
+        <mc:Choice xmlns:a14="http://schemas.microsoft.com/office/drawing/2010/main" Requires="a14">
+          <p:sp>
+            <p:nvSpPr>
+              <p:cNvPr id="7" name="正方形/長方形 6">
+                <a:extLst>
+                  <a:ext uri="{FF2B5EF4-FFF2-40B4-BE49-F238E27FC236}">
+                    <a16:creationId xmlns:a16="http://schemas.microsoft.com/office/drawing/2014/main" id="{98FE0B83-AAA7-264A-8FB4-49B252B1DEAA}"/>
+                  </a:ext>
+                </a:extLst>
+              </p:cNvPr>
+              <p:cNvSpPr/>
+              <p:nvPr/>
+            </p:nvSpPr>
+            <p:spPr>
+              <a:xfrm>
+                <a:off x="282510" y="1398135"/>
+                <a:ext cx="4186006" cy="1175130"/>
+              </a:xfrm>
+              <a:prstGeom prst="rect">
+                <a:avLst/>
+              </a:prstGeom>
+            </p:spPr>
+            <p:txBody>
+              <a:bodyPr wrap="square">
+                <a:spAutoFit/>
+              </a:bodyPr>
+              <a:lstStyle/>
+              <a:p>
+                <a:pPr/>
+                <a14:m>
+                  <m:oMathPara xmlns:m="http://schemas.openxmlformats.org/officeDocument/2006/math">
+                    <m:oMathParaPr>
+                      <m:jc m:val="centerGroup"/>
+                    </m:oMathParaPr>
+                    <m:oMath xmlns:m="http://schemas.openxmlformats.org/officeDocument/2006/math">
+                      <m:r>
+                        <a:rPr lang="en-US" altLang="ja-JP" sz="2400" i="1" smtClean="0">
+                          <a:latin typeface="Cambria Math" panose="02040503050406030204" pitchFamily="18" charset="0"/>
+                        </a:rPr>
+                        <m:t>𝑋</m:t>
+                      </m:r>
+                      <m:r>
+                        <a:rPr lang="ja-JP" altLang="en-US" sz="2400" i="1">
+                          <a:latin typeface="Cambria Math" panose="02040503050406030204" pitchFamily="18" charset="0"/>
+                        </a:rPr>
+                        <m:t>𝜃</m:t>
+                      </m:r>
+                      <m:r>
+                        <a:rPr lang="en-US" altLang="ja-JP" sz="2400" b="0" i="1" smtClean="0">
+                          <a:latin typeface="Cambria Math" panose="02040503050406030204" pitchFamily="18" charset="0"/>
+                        </a:rPr>
+                        <m:t>=</m:t>
+                      </m:r>
+                      <m:d>
+                        <m:dPr>
+                          <m:begChr m:val="["/>
+                          <m:endChr m:val="]"/>
+                          <m:ctrlPr>
+                            <a:rPr lang="en-US" altLang="ja-JP" sz="2400" b="0" i="1" smtClean="0">
+                              <a:latin typeface="Cambria Math" panose="02040503050406030204" pitchFamily="18" charset="0"/>
+                            </a:rPr>
+                          </m:ctrlPr>
+                        </m:dPr>
+                        <m:e>
+                          <m:r>
+                            <a:rPr lang="en-US" altLang="ja-JP" sz="2400" b="0" i="1" smtClean="0">
+                              <a:latin typeface="Cambria Math" panose="02040503050406030204" pitchFamily="18" charset="0"/>
+                            </a:rPr>
+                            <m:t> </m:t>
+                          </m:r>
+                          <m:m>
+                            <m:mPr>
+                              <m:mcs>
+                                <m:mc>
+                                  <m:mcPr>
+                                    <m:count m:val="1"/>
+                                    <m:mcJc m:val="center"/>
+                                  </m:mcPr>
+                                </m:mc>
+                              </m:mcs>
+                              <m:ctrlPr>
+                                <a:rPr lang="en-US" altLang="ja-JP" sz="2400" b="0" i="1" smtClean="0">
+                                  <a:latin typeface="Cambria Math" panose="02040503050406030204" pitchFamily="18" charset="0"/>
+                                </a:rPr>
+                              </m:ctrlPr>
+                            </m:mPr>
+                            <m:mr>
+                              <m:e>
+                                <m:r>
+                                  <m:rPr>
+                                    <m:brk m:alnAt="7"/>
+                                  </m:rPr>
+                                  <a:rPr lang="en-US" altLang="ja-JP" sz="2400" b="0" i="1" smtClean="0">
+                                    <a:latin typeface="Cambria Math" panose="02040503050406030204" pitchFamily="18" charset="0"/>
+                                  </a:rPr>
+                                  <m:t>1</m:t>
+                                </m:r>
+                              </m:e>
+                            </m:mr>
+                            <m:mr>
+                              <m:e>
+                                <m:r>
+                                  <a:rPr lang="en-US" altLang="ja-JP" sz="2400" b="0" i="1" smtClean="0">
+                                    <a:latin typeface="Cambria Math" panose="02040503050406030204" pitchFamily="18" charset="0"/>
+                                  </a:rPr>
+                                  <m:t>⋮</m:t>
+                                </m:r>
+                              </m:e>
+                            </m:mr>
+                            <m:mr>
+                              <m:e>
+                                <m:r>
+                                  <a:rPr lang="en-US" altLang="ja-JP" sz="2400" b="0" i="1" smtClean="0">
+                                    <a:latin typeface="Cambria Math" panose="02040503050406030204" pitchFamily="18" charset="0"/>
+                                  </a:rPr>
+                                  <m:t>1</m:t>
+                                </m:r>
+                              </m:e>
+                            </m:mr>
+                          </m:m>
+                          <m:r>
+                            <a:rPr lang="en-US" altLang="ja-JP" sz="2400" b="0" i="1" smtClean="0">
+                              <a:latin typeface="Cambria Math" panose="02040503050406030204" pitchFamily="18" charset="0"/>
+                            </a:rPr>
+                            <m:t> </m:t>
+                          </m:r>
+                          <m:m>
+                            <m:mPr>
+                              <m:mcs>
+                                <m:mc>
+                                  <m:mcPr>
+                                    <m:count m:val="3"/>
+                                    <m:mcJc m:val="center"/>
+                                  </m:mcPr>
+                                </m:mc>
+                              </m:mcs>
+                              <m:ctrlPr>
+                                <a:rPr lang="en-US" altLang="ja-JP" sz="2400" b="0" i="1" smtClean="0">
+                                  <a:latin typeface="Cambria Math" panose="02040503050406030204" pitchFamily="18" charset="0"/>
+                                </a:rPr>
+                              </m:ctrlPr>
+                            </m:mPr>
+                            <m:mr>
+                              <m:e>
+                                <m:sSub>
+                                  <m:sSubPr>
+                                    <m:ctrlPr>
+                                      <a:rPr lang="en-US" altLang="ja-JP" sz="2400" b="0" i="1" smtClean="0">
+                                        <a:latin typeface="Cambria Math" panose="02040503050406030204" pitchFamily="18" charset="0"/>
+                                      </a:rPr>
+                                    </m:ctrlPr>
+                                  </m:sSubPr>
+                                  <m:e>
+                                    <m:r>
+                                      <a:rPr lang="en-US" altLang="ja-JP" sz="2400" b="0" i="1" smtClean="0">
+                                        <a:latin typeface="Cambria Math" panose="02040503050406030204" pitchFamily="18" charset="0"/>
+                                      </a:rPr>
+                                      <m:t>𝑥</m:t>
+                                    </m:r>
+                                  </m:e>
+                                  <m:sub>
+                                    <m:r>
+                                      <a:rPr lang="en-US" altLang="ja-JP" sz="2400" b="0" i="1" smtClean="0">
+                                        <a:latin typeface="Cambria Math" panose="02040503050406030204" pitchFamily="18" charset="0"/>
+                                      </a:rPr>
+                                      <m:t>12</m:t>
+                                    </m:r>
+                                  </m:sub>
+                                </m:sSub>
+                              </m:e>
+                              <m:e>
+                                <m:r>
+                                  <a:rPr lang="en-US" altLang="ja-JP" sz="2400" b="0" i="1" smtClean="0">
+                                    <a:latin typeface="Cambria Math" panose="02040503050406030204" pitchFamily="18" charset="0"/>
+                                  </a:rPr>
+                                  <m:t>⋯</m:t>
+                                </m:r>
+                              </m:e>
+                              <m:e>
+                                <m:sSub>
+                                  <m:sSubPr>
+                                    <m:ctrlPr>
+                                      <a:rPr lang="en-US" altLang="ja-JP" sz="2400" b="0" i="1" smtClean="0">
+                                        <a:latin typeface="Cambria Math" panose="02040503050406030204" pitchFamily="18" charset="0"/>
+                                      </a:rPr>
+                                    </m:ctrlPr>
+                                  </m:sSubPr>
+                                  <m:e>
+                                    <m:r>
+                                      <a:rPr lang="en-US" altLang="ja-JP" sz="2400" b="0" i="1" smtClean="0">
+                                        <a:latin typeface="Cambria Math" panose="02040503050406030204" pitchFamily="18" charset="0"/>
+                                      </a:rPr>
+                                      <m:t>𝑥</m:t>
+                                    </m:r>
+                                  </m:e>
+                                  <m:sub>
+                                    <m:r>
+                                      <a:rPr lang="en-US" altLang="ja-JP" sz="2400" b="0" i="1" smtClean="0">
+                                        <a:latin typeface="Cambria Math" panose="02040503050406030204" pitchFamily="18" charset="0"/>
+                                      </a:rPr>
+                                      <m:t>1</m:t>
+                                    </m:r>
+                                    <m:r>
+                                      <a:rPr lang="en-US" altLang="ja-JP" sz="2400" b="0" i="1" smtClean="0">
+                                        <a:latin typeface="Cambria Math" panose="02040503050406030204" pitchFamily="18" charset="0"/>
+                                      </a:rPr>
+                                      <m:t>𝑀</m:t>
+                                    </m:r>
+                                  </m:sub>
+                                </m:sSub>
+                              </m:e>
+                            </m:mr>
+                            <m:mr>
+                              <m:e>
+                                <m:r>
+                                  <a:rPr lang="en-US" altLang="ja-JP" sz="2400" b="0" i="1" smtClean="0">
+                                    <a:latin typeface="Cambria Math" panose="02040503050406030204" pitchFamily="18" charset="0"/>
+                                  </a:rPr>
+                                  <m:t>⋮</m:t>
+                                </m:r>
+                              </m:e>
+                              <m:e>
+                                <m:r>
+                                  <a:rPr lang="en-US" altLang="ja-JP" sz="2400" b="0" i="1" smtClean="0">
+                                    <a:latin typeface="Cambria Math" panose="02040503050406030204" pitchFamily="18" charset="0"/>
+                                  </a:rPr>
+                                  <m:t>⋱</m:t>
+                                </m:r>
+                              </m:e>
+                              <m:e>
+                                <m:r>
+                                  <a:rPr lang="en-US" altLang="ja-JP" sz="2400" b="0" i="1" smtClean="0">
+                                    <a:latin typeface="Cambria Math" panose="02040503050406030204" pitchFamily="18" charset="0"/>
+                                  </a:rPr>
+                                  <m:t>⋮</m:t>
+                                </m:r>
+                              </m:e>
+                            </m:mr>
+                            <m:mr>
+                              <m:e>
+                                <m:sSub>
+                                  <m:sSubPr>
+                                    <m:ctrlPr>
+                                      <a:rPr lang="en-US" altLang="ja-JP" sz="2400" b="0" i="1" smtClean="0">
+                                        <a:latin typeface="Cambria Math" panose="02040503050406030204" pitchFamily="18" charset="0"/>
+                                      </a:rPr>
+                                    </m:ctrlPr>
+                                  </m:sSubPr>
+                                  <m:e>
+                                    <m:r>
+                                      <a:rPr lang="en-US" altLang="ja-JP" sz="2400" b="0" i="1" smtClean="0">
+                                        <a:latin typeface="Cambria Math" panose="02040503050406030204" pitchFamily="18" charset="0"/>
+                                      </a:rPr>
+                                      <m:t>𝑥</m:t>
+                                    </m:r>
+                                  </m:e>
+                                  <m:sub>
+                                    <m:r>
+                                      <a:rPr lang="en-US" altLang="ja-JP" sz="2400" b="0" i="1" smtClean="0">
+                                        <a:latin typeface="Cambria Math" panose="02040503050406030204" pitchFamily="18" charset="0"/>
+                                      </a:rPr>
+                                      <m:t>𝑁</m:t>
+                                    </m:r>
+                                    <m:r>
+                                      <a:rPr lang="en-US" altLang="ja-JP" sz="2400" b="0" i="1" smtClean="0">
+                                        <a:latin typeface="Cambria Math" panose="02040503050406030204" pitchFamily="18" charset="0"/>
+                                      </a:rPr>
+                                      <m:t>2</m:t>
+                                    </m:r>
+                                  </m:sub>
+                                </m:sSub>
+                              </m:e>
+                              <m:e>
+                                <m:r>
+                                  <a:rPr lang="en-US" altLang="ja-JP" sz="2400" b="0" i="1" smtClean="0">
+                                    <a:latin typeface="Cambria Math" panose="02040503050406030204" pitchFamily="18" charset="0"/>
+                                  </a:rPr>
+                                  <m:t>⋯</m:t>
+                                </m:r>
+                              </m:e>
+                              <m:e>
+                                <m:sSub>
+                                  <m:sSubPr>
+                                    <m:ctrlPr>
+                                      <a:rPr lang="en-US" altLang="ja-JP" sz="2400" b="0" i="1" smtClean="0">
+                                        <a:latin typeface="Cambria Math" panose="02040503050406030204" pitchFamily="18" charset="0"/>
+                                      </a:rPr>
+                                    </m:ctrlPr>
+                                  </m:sSubPr>
+                                  <m:e>
+                                    <m:r>
+                                      <a:rPr lang="en-US" altLang="ja-JP" sz="2400" b="0" i="1" smtClean="0">
+                                        <a:latin typeface="Cambria Math" panose="02040503050406030204" pitchFamily="18" charset="0"/>
+                                      </a:rPr>
+                                      <m:t>𝑥</m:t>
+                                    </m:r>
+                                  </m:e>
+                                  <m:sub>
+                                    <m:r>
+                                      <a:rPr lang="en-US" altLang="ja-JP" sz="2400" b="0" i="1" smtClean="0">
+                                        <a:latin typeface="Cambria Math" panose="02040503050406030204" pitchFamily="18" charset="0"/>
+                                      </a:rPr>
+                                      <m:t>𝑁𝑀</m:t>
+                                    </m:r>
+                                  </m:sub>
+                                </m:sSub>
+                              </m:e>
+                            </m:mr>
+                          </m:m>
+                          <m:r>
+                            <a:rPr lang="en-US" altLang="ja-JP" sz="2400" b="0" i="1" smtClean="0">
+                              <a:latin typeface="Cambria Math" panose="02040503050406030204" pitchFamily="18" charset="0"/>
+                            </a:rPr>
+                            <m:t> </m:t>
+                          </m:r>
+                        </m:e>
+                      </m:d>
+                      <m:d>
+                        <m:dPr>
+                          <m:begChr m:val="["/>
+                          <m:endChr m:val="]"/>
+                          <m:ctrlPr>
+                            <a:rPr lang="en-US" altLang="ja-JP" sz="2400" b="0" i="1" smtClean="0">
+                              <a:latin typeface="Cambria Math" panose="02040503050406030204" pitchFamily="18" charset="0"/>
+                            </a:rPr>
+                          </m:ctrlPr>
+                        </m:dPr>
+                        <m:e>
+                          <m:m>
+                            <m:mPr>
+                              <m:mcs>
+                                <m:mc>
+                                  <m:mcPr>
+                                    <m:count m:val="1"/>
+                                    <m:mcJc m:val="center"/>
+                                  </m:mcPr>
+                                </m:mc>
+                              </m:mcs>
+                              <m:ctrlPr>
+                                <a:rPr lang="en-US" altLang="ja-JP" sz="2400" b="0" i="1" smtClean="0">
+                                  <a:latin typeface="Cambria Math" panose="02040503050406030204" pitchFamily="18" charset="0"/>
+                                </a:rPr>
+                              </m:ctrlPr>
+                            </m:mPr>
+                            <m:mr>
+                              <m:e>
+                                <m:sSub>
+                                  <m:sSubPr>
+                                    <m:ctrlPr>
+                                      <a:rPr lang="en-US" altLang="ja-JP" sz="2400" b="0" i="1" smtClean="0">
+                                        <a:latin typeface="Cambria Math" panose="02040503050406030204" pitchFamily="18" charset="0"/>
+                                      </a:rPr>
+                                    </m:ctrlPr>
+                                  </m:sSubPr>
+                                  <m:e>
+                                    <m:r>
+                                      <a:rPr lang="ja-JP" altLang="en-US" sz="2400" i="1">
+                                        <a:latin typeface="Cambria Math" panose="02040503050406030204" pitchFamily="18" charset="0"/>
+                                      </a:rPr>
+                                      <m:t>𝜃</m:t>
+                                    </m:r>
+                                  </m:e>
+                                  <m:sub>
+                                    <m:r>
+                                      <a:rPr lang="en-US" altLang="ja-JP" sz="2400" b="0" i="1" smtClean="0">
+                                        <a:latin typeface="Cambria Math" panose="02040503050406030204" pitchFamily="18" charset="0"/>
+                                      </a:rPr>
+                                      <m:t>1</m:t>
+                                    </m:r>
+                                  </m:sub>
+                                </m:sSub>
+                              </m:e>
+                            </m:mr>
+                            <m:mr>
+                              <m:e>
+                                <m:r>
+                                  <a:rPr lang="en-US" altLang="ja-JP" sz="2400" b="0" i="1" smtClean="0">
+                                    <a:latin typeface="Cambria Math" panose="02040503050406030204" pitchFamily="18" charset="0"/>
+                                  </a:rPr>
+                                  <m:t>⋮</m:t>
+                                </m:r>
+                              </m:e>
+                            </m:mr>
+                            <m:mr>
+                              <m:e>
+                                <m:sSub>
+                                  <m:sSubPr>
+                                    <m:ctrlPr>
+                                      <a:rPr lang="en-US" altLang="ja-JP" sz="2400" b="0" i="1" smtClean="0">
+                                        <a:latin typeface="Cambria Math" panose="02040503050406030204" pitchFamily="18" charset="0"/>
+                                      </a:rPr>
+                                    </m:ctrlPr>
+                                  </m:sSubPr>
+                                  <m:e>
+                                    <m:r>
+                                      <a:rPr lang="ja-JP" altLang="en-US" sz="2400" i="1">
+                                        <a:latin typeface="Cambria Math" panose="02040503050406030204" pitchFamily="18" charset="0"/>
+                                      </a:rPr>
+                                      <m:t>𝜃</m:t>
+                                    </m:r>
+                                  </m:e>
+                                  <m:sub>
+                                    <m:r>
+                                      <a:rPr lang="en-US" altLang="ja-JP" sz="2400" b="0" i="1" smtClean="0">
+                                        <a:latin typeface="Cambria Math" panose="02040503050406030204" pitchFamily="18" charset="0"/>
+                                      </a:rPr>
+                                      <m:t>𝑀</m:t>
+                                    </m:r>
+                                  </m:sub>
+                                </m:sSub>
+                              </m:e>
+                            </m:mr>
+                          </m:m>
+                        </m:e>
+                      </m:d>
+                    </m:oMath>
+                  </m:oMathPara>
+                </a14:m>
+                <a:endParaRPr lang="ja-JP" altLang="en-US" sz="2400" dirty="0"/>
+              </a:p>
+            </p:txBody>
+          </p:sp>
+        </mc:Choice>
+        <mc:Fallback>
+          <p:sp>
+            <p:nvSpPr>
+              <p:cNvPr id="7" name="正方形/長方形 6">
+                <a:extLst>
+                  <a:ext uri="{FF2B5EF4-FFF2-40B4-BE49-F238E27FC236}">
+                    <a16:creationId xmlns:a16="http://schemas.microsoft.com/office/drawing/2014/main" id="{98FE0B83-AAA7-264A-8FB4-49B252B1DEAA}"/>
+                  </a:ext>
+                </a:extLst>
+              </p:cNvPr>
+              <p:cNvSpPr>
+                <a:spLocks noRot="1" noChangeAspect="1" noMove="1" noResize="1" noEditPoints="1" noAdjustHandles="1" noChangeArrowheads="1" noChangeShapeType="1" noTextEdit="1"/>
+              </p:cNvSpPr>
+              <p:nvPr/>
+            </p:nvSpPr>
+            <p:spPr>
+              <a:xfrm>
+                <a:off x="282510" y="1398135"/>
+                <a:ext cx="4186006" cy="1175130"/>
+              </a:xfrm>
+              <a:prstGeom prst="rect">
+                <a:avLst/>
+              </a:prstGeom>
+              <a:blipFill>
+                <a:blip r:embed="rId4"/>
+                <a:stretch>
+                  <a:fillRect/>
+                </a:stretch>
+              </a:blipFill>
+            </p:spPr>
+            <p:txBody>
+              <a:bodyPr/>
+              <a:lstStyle/>
+              <a:p>
+                <a:r>
+                  <a:rPr lang="ja-JP" altLang="en-US">
+                    <a:noFill/>
+                  </a:rPr>
+                  <a:t> </a:t>
+                </a:r>
+              </a:p>
+            </p:txBody>
+          </p:sp>
+        </mc:Fallback>
+      </mc:AlternateContent>
+      <p:sp>
+        <p:nvSpPr>
+          <p:cNvPr id="8" name="テキスト ボックス 7">
+            <a:extLst>
+              <a:ext uri="{FF2B5EF4-FFF2-40B4-BE49-F238E27FC236}">
+                <a16:creationId xmlns:a16="http://schemas.microsoft.com/office/drawing/2014/main" id="{116D57A9-2B33-384C-9D97-059DB00E037F}"/>
+              </a:ext>
+            </a:extLst>
+          </p:cNvPr>
+          <p:cNvSpPr txBox="1"/>
+          <p:nvPr/>
+        </p:nvSpPr>
+        <p:spPr>
+          <a:xfrm>
+            <a:off x="982298" y="2787270"/>
+            <a:ext cx="1338828" cy="369332"/>
+          </a:xfrm>
+          <a:prstGeom prst="rect">
+            <a:avLst/>
+          </a:prstGeom>
+          <a:noFill/>
+        </p:spPr>
+        <p:txBody>
+          <a:bodyPr wrap="none" rtlCol="0">
+            <a:spAutoFit/>
+          </a:bodyPr>
+          <a:lstStyle/>
+          <a:p>
+            <a:r>
+              <a:rPr kumimoji="1" lang="ja-JP" altLang="en-US"/>
+              <a:t>リンク関数</a:t>
+            </a:r>
+          </a:p>
+        </p:txBody>
+      </p:sp>
+      <p:sp>
+        <p:nvSpPr>
+          <p:cNvPr id="9" name="テキスト ボックス 8">
+            <a:extLst>
+              <a:ext uri="{FF2B5EF4-FFF2-40B4-BE49-F238E27FC236}">
+                <a16:creationId xmlns:a16="http://schemas.microsoft.com/office/drawing/2014/main" id="{5D3545A4-8461-534C-916A-7FDFCA275761}"/>
+              </a:ext>
+            </a:extLst>
+          </p:cNvPr>
+          <p:cNvSpPr txBox="1"/>
+          <p:nvPr/>
+        </p:nvSpPr>
+        <p:spPr>
+          <a:xfrm>
+            <a:off x="2464542" y="2787270"/>
+            <a:ext cx="1338828" cy="369332"/>
+          </a:xfrm>
+          <a:prstGeom prst="rect">
+            <a:avLst/>
+          </a:prstGeom>
+          <a:noFill/>
+        </p:spPr>
+        <p:txBody>
+          <a:bodyPr wrap="none" rtlCol="0">
+            <a:spAutoFit/>
+          </a:bodyPr>
+          <a:lstStyle/>
+          <a:p>
+            <a:r>
+              <a:rPr kumimoji="1" lang="ja-JP" altLang="en-US"/>
+              <a:t>線形予測子</a:t>
+            </a:r>
+          </a:p>
+        </p:txBody>
+      </p:sp>
+      <p:sp>
+        <p:nvSpPr>
+          <p:cNvPr id="10" name="テキスト ボックス 9">
+            <a:extLst>
+              <a:ext uri="{FF2B5EF4-FFF2-40B4-BE49-F238E27FC236}">
+                <a16:creationId xmlns:a16="http://schemas.microsoft.com/office/drawing/2014/main" id="{BDBCADD4-A7A2-C94F-9E4A-0589E61D1115}"/>
+              </a:ext>
+            </a:extLst>
+          </p:cNvPr>
+          <p:cNvSpPr txBox="1"/>
+          <p:nvPr/>
+        </p:nvSpPr>
+        <p:spPr>
+          <a:xfrm>
+            <a:off x="146869" y="5085009"/>
+            <a:ext cx="1107996" cy="369332"/>
+          </a:xfrm>
+          <a:prstGeom prst="rect">
+            <a:avLst/>
+          </a:prstGeom>
+          <a:noFill/>
+        </p:spPr>
+        <p:txBody>
+          <a:bodyPr wrap="none" rtlCol="0">
+            <a:spAutoFit/>
+          </a:bodyPr>
+          <a:lstStyle/>
+          <a:p>
+            <a:r>
+              <a:rPr lang="ja-JP" altLang="en-US" b="1"/>
+              <a:t>尤度関数</a:t>
+            </a:r>
+            <a:endParaRPr kumimoji="1" lang="ja-JP" altLang="en-US"/>
+          </a:p>
+        </p:txBody>
+      </p:sp>
+      <p:sp>
+        <p:nvSpPr>
+          <p:cNvPr id="11" name="テキスト ボックス 10">
+            <a:extLst>
+              <a:ext uri="{FF2B5EF4-FFF2-40B4-BE49-F238E27FC236}">
+                <a16:creationId xmlns:a16="http://schemas.microsoft.com/office/drawing/2014/main" id="{8D41C52C-71C7-0C4A-82BD-21CFFFF7985C}"/>
+              </a:ext>
+            </a:extLst>
+          </p:cNvPr>
+          <p:cNvSpPr txBox="1"/>
+          <p:nvPr/>
+        </p:nvSpPr>
+        <p:spPr>
+          <a:xfrm>
+            <a:off x="98612" y="5725919"/>
+            <a:ext cx="1210588" cy="400110"/>
+          </a:xfrm>
+          <a:prstGeom prst="rect">
+            <a:avLst/>
+          </a:prstGeom>
+          <a:noFill/>
+        </p:spPr>
+        <p:txBody>
+          <a:bodyPr wrap="none" rtlCol="0">
+            <a:spAutoFit/>
+          </a:bodyPr>
+          <a:lstStyle/>
+          <a:p>
+            <a:r>
+              <a:rPr kumimoji="1" lang="ja-JP" altLang="en-US" sz="2000" b="1"/>
+              <a:t>対数尤度</a:t>
+            </a:r>
+          </a:p>
+        </p:txBody>
+      </p:sp>
+      <p:sp>
+        <p:nvSpPr>
+          <p:cNvPr id="12" name="テキスト ボックス 11">
+            <a:extLst>
+              <a:ext uri="{FF2B5EF4-FFF2-40B4-BE49-F238E27FC236}">
+                <a16:creationId xmlns:a16="http://schemas.microsoft.com/office/drawing/2014/main" id="{5C3F1E3B-5DDC-7E4E-8E88-C3A5439F73F0}"/>
+              </a:ext>
+            </a:extLst>
+          </p:cNvPr>
+          <p:cNvSpPr txBox="1"/>
+          <p:nvPr/>
+        </p:nvSpPr>
+        <p:spPr>
+          <a:xfrm>
+            <a:off x="5542002" y="1670613"/>
+            <a:ext cx="1415772" cy="461665"/>
+          </a:xfrm>
+          <a:prstGeom prst="rect">
+            <a:avLst/>
+          </a:prstGeom>
+          <a:noFill/>
+        </p:spPr>
+        <p:txBody>
+          <a:bodyPr wrap="none" rtlCol="0">
+            <a:spAutoFit/>
+          </a:bodyPr>
+          <a:lstStyle/>
+          <a:p>
+            <a:r>
+              <a:rPr kumimoji="1" lang="ja-JP" altLang="en-US" sz="2400"/>
+              <a:t>二項分布</a:t>
+            </a:r>
+          </a:p>
+        </p:txBody>
+      </p:sp>
+      <mc:AlternateContent xmlns:mc="http://schemas.openxmlformats.org/markup-compatibility/2006">
+        <mc:Choice xmlns:a14="http://schemas.microsoft.com/office/drawing/2010/main" Requires="a14">
+          <p:sp>
+            <p:nvSpPr>
+              <p:cNvPr id="13" name="テキスト ボックス 12">
+                <a:extLst>
+                  <a:ext uri="{FF2B5EF4-FFF2-40B4-BE49-F238E27FC236}">
+                    <a16:creationId xmlns:a16="http://schemas.microsoft.com/office/drawing/2014/main" id="{925F59DF-0010-BA40-BA42-53530A2D3920}"/>
+                  </a:ext>
+                </a:extLst>
+              </p:cNvPr>
+              <p:cNvSpPr txBox="1"/>
+              <p:nvPr/>
+            </p:nvSpPr>
+            <p:spPr>
+              <a:xfrm>
+                <a:off x="1158101" y="4833941"/>
+                <a:ext cx="8347991" cy="1880771"/>
+              </a:xfrm>
+              <a:prstGeom prst="rect">
+                <a:avLst/>
+              </a:prstGeom>
+              <a:noFill/>
+            </p:spPr>
+            <p:txBody>
+              <a:bodyPr wrap="none" rtlCol="0">
+                <a:spAutoFit/>
+              </a:bodyPr>
+              <a:lstStyle/>
+              <a:p>
+                <a14:m>
+                  <m:oMathPara xmlns:m="http://schemas.openxmlformats.org/officeDocument/2006/math">
+                    <m:oMathParaPr>
+                      <m:jc m:val="centerGroup"/>
+                    </m:oMathParaPr>
+                    <m:oMath xmlns:m="http://schemas.openxmlformats.org/officeDocument/2006/math">
+                      <m:r>
+                        <a:rPr lang="en-US" altLang="ja-JP" sz="2400" i="1" smtClean="0">
+                          <a:latin typeface="Cambria Math" panose="02040503050406030204" pitchFamily="18" charset="0"/>
+                        </a:rPr>
+                        <m:t>𝐿</m:t>
+                      </m:r>
+                      <m:d>
+                        <m:dPr>
+                          <m:ctrlPr>
+                            <a:rPr lang="en-US" altLang="ja-JP" sz="2400" i="1">
+                              <a:latin typeface="Cambria Math" panose="02040503050406030204" pitchFamily="18" charset="0"/>
+                            </a:rPr>
+                          </m:ctrlPr>
+                        </m:dPr>
+                        <m:e>
+                          <m:r>
+                            <a:rPr lang="en-US" altLang="ja-JP" sz="2400" i="1">
+                              <a:latin typeface="Cambria Math" panose="02040503050406030204" pitchFamily="18" charset="0"/>
+                              <a:ea typeface="Cambria Math" panose="02040503050406030204" pitchFamily="18" charset="0"/>
+                            </a:rPr>
+                            <m:t>𝜃</m:t>
+                          </m:r>
+                          <m:r>
+                            <a:rPr lang="en-US" altLang="ja-JP" sz="2400" i="1">
+                              <a:latin typeface="Cambria Math" panose="02040503050406030204" pitchFamily="18" charset="0"/>
+                              <a:ea typeface="Cambria Math" panose="02040503050406030204" pitchFamily="18" charset="0"/>
+                            </a:rPr>
+                            <m:t>|</m:t>
+                          </m:r>
+                          <m:r>
+                            <a:rPr lang="en-US" altLang="ja-JP" sz="2400" b="0" i="1" smtClean="0">
+                              <a:latin typeface="Cambria Math" panose="02040503050406030204" pitchFamily="18" charset="0"/>
+                              <a:ea typeface="Cambria Math" panose="02040503050406030204" pitchFamily="18" charset="0"/>
+                            </a:rPr>
+                            <m:t>𝑛</m:t>
+                          </m:r>
+                          <m:r>
+                            <a:rPr lang="en-US" altLang="ja-JP" sz="2400" b="0" i="1" smtClean="0">
+                              <a:latin typeface="Cambria Math" panose="02040503050406030204" pitchFamily="18" charset="0"/>
+                              <a:ea typeface="Cambria Math" panose="02040503050406030204" pitchFamily="18" charset="0"/>
+                            </a:rPr>
+                            <m:t>,</m:t>
+                          </m:r>
+                          <m:r>
+                            <a:rPr lang="en-US" altLang="ja-JP" sz="2400" b="0" i="1" smtClean="0">
+                              <a:latin typeface="Cambria Math" panose="02040503050406030204" pitchFamily="18" charset="0"/>
+                              <a:ea typeface="Cambria Math" panose="02040503050406030204" pitchFamily="18" charset="0"/>
+                            </a:rPr>
+                            <m:t>𝑚</m:t>
+                          </m:r>
+                        </m:e>
+                      </m:d>
+                      <m:r>
+                        <a:rPr lang="en-US" altLang="ja-JP" sz="2400">
+                          <a:latin typeface="Cambria Math" panose="02040503050406030204" pitchFamily="18" charset="0"/>
+                          <a:ea typeface="Cambria Math" panose="02040503050406030204" pitchFamily="18" charset="0"/>
+                        </a:rPr>
+                        <m:t>=</m:t>
+                      </m:r>
+                      <m:nary>
+                        <m:naryPr>
+                          <m:chr m:val="∏"/>
+                          <m:subHide m:val="on"/>
+                          <m:supHide m:val="on"/>
+                          <m:ctrlPr>
+                            <a:rPr lang="en-US" altLang="ja-JP" sz="2400" i="1">
+                              <a:latin typeface="Cambria Math" panose="02040503050406030204" pitchFamily="18" charset="0"/>
+                              <a:ea typeface="Cambria Math" panose="02040503050406030204" pitchFamily="18" charset="0"/>
+                            </a:rPr>
+                          </m:ctrlPr>
+                        </m:naryPr>
+                        <m:sub/>
+                        <m:sup/>
+                        <m:e>
+                          <m:r>
+                            <a:rPr lang="en-US" altLang="ja-JP" sz="2400" i="1">
+                              <a:latin typeface="Cambria Math" panose="02040503050406030204" pitchFamily="18" charset="0"/>
+                            </a:rPr>
+                            <m:t>𝑃𝐷𝐹</m:t>
+                          </m:r>
+                          <m:d>
+                            <m:dPr>
+                              <m:ctrlPr>
+                                <a:rPr lang="en-US" altLang="ja-JP" sz="2400" i="1">
+                                  <a:latin typeface="Cambria Math" panose="02040503050406030204" pitchFamily="18" charset="0"/>
+                                </a:rPr>
+                              </m:ctrlPr>
+                            </m:dPr>
+                            <m:e>
+                              <m:sSub>
+                                <m:sSubPr>
+                                  <m:ctrlPr>
+                                    <a:rPr lang="en-US" altLang="ja-JP" sz="2400" i="1">
+                                      <a:latin typeface="Cambria Math" panose="02040503050406030204" pitchFamily="18" charset="0"/>
+                                    </a:rPr>
+                                  </m:ctrlPr>
+                                </m:sSubPr>
+                                <m:e>
+                                  <m:r>
+                                    <a:rPr lang="en-US" altLang="ja-JP" sz="2400" b="0" i="1" smtClean="0">
+                                      <a:latin typeface="Cambria Math" panose="02040503050406030204" pitchFamily="18" charset="0"/>
+                                    </a:rPr>
+                                    <m:t>𝑛</m:t>
+                                  </m:r>
+                                </m:e>
+                                <m:sub>
+                                  <m:r>
+                                    <a:rPr lang="en-US" altLang="ja-JP" sz="2400" i="1">
+                                      <a:latin typeface="Cambria Math" panose="02040503050406030204" pitchFamily="18" charset="0"/>
+                                    </a:rPr>
+                                    <m:t>𝑖</m:t>
+                                  </m:r>
+                                </m:sub>
+                              </m:sSub>
+                              <m:r>
+                                <a:rPr lang="en-US" altLang="ja-JP" sz="2400" b="0" i="1" smtClean="0">
+                                  <a:latin typeface="Cambria Math" panose="02040503050406030204" pitchFamily="18" charset="0"/>
+                                </a:rPr>
+                                <m:t>,</m:t>
+                              </m:r>
+                              <m:sSub>
+                                <m:sSubPr>
+                                  <m:ctrlPr>
+                                    <a:rPr lang="en-US" altLang="ja-JP" sz="2400" i="1">
+                                      <a:latin typeface="Cambria Math" panose="02040503050406030204" pitchFamily="18" charset="0"/>
+                                    </a:rPr>
+                                  </m:ctrlPr>
+                                </m:sSubPr>
+                                <m:e>
+                                  <m:r>
+                                    <a:rPr lang="en-US" altLang="ja-JP" sz="2400" b="0" i="1" smtClean="0">
+                                      <a:latin typeface="Cambria Math" panose="02040503050406030204" pitchFamily="18" charset="0"/>
+                                    </a:rPr>
+                                    <m:t>𝑚</m:t>
+                                  </m:r>
+                                </m:e>
+                                <m:sub>
+                                  <m:r>
+                                    <a:rPr lang="en-US" altLang="ja-JP" sz="2400" i="1">
+                                      <a:latin typeface="Cambria Math" panose="02040503050406030204" pitchFamily="18" charset="0"/>
+                                    </a:rPr>
+                                    <m:t>𝑖</m:t>
+                                  </m:r>
+                                </m:sub>
+                              </m:sSub>
+                            </m:e>
+                            <m:e>
+                              <m:sSub>
+                                <m:sSubPr>
+                                  <m:ctrlPr>
+                                    <a:rPr lang="en-US" altLang="ja-JP" sz="2400" i="1">
+                                      <a:latin typeface="Cambria Math" panose="02040503050406030204" pitchFamily="18" charset="0"/>
+                                    </a:rPr>
+                                  </m:ctrlPr>
+                                </m:sSubPr>
+                                <m:e>
+                                  <m:r>
+                                    <a:rPr lang="en-US" altLang="ja-JP" sz="2400" b="0" i="1" smtClean="0">
+                                      <a:latin typeface="Cambria Math" panose="02040503050406030204" pitchFamily="18" charset="0"/>
+                                    </a:rPr>
+                                    <m:t>𝑝</m:t>
+                                  </m:r>
+                                </m:e>
+                                <m:sub>
+                                  <m:r>
+                                    <a:rPr lang="en-US" altLang="ja-JP" sz="2400" i="1">
+                                      <a:latin typeface="Cambria Math" panose="02040503050406030204" pitchFamily="18" charset="0"/>
+                                    </a:rPr>
+                                    <m:t>𝑖</m:t>
+                                  </m:r>
+                                </m:sub>
+                              </m:sSub>
+                            </m:e>
+                          </m:d>
+                          <m:r>
+                            <a:rPr lang="en-US" altLang="ja-JP" sz="2400" b="0" i="1" smtClean="0">
+                              <a:latin typeface="Cambria Math" panose="02040503050406030204" pitchFamily="18" charset="0"/>
+                            </a:rPr>
+                            <m:t>=</m:t>
+                          </m:r>
+                          <m:nary>
+                            <m:naryPr>
+                              <m:chr m:val="∏"/>
+                              <m:subHide m:val="on"/>
+                              <m:supHide m:val="on"/>
+                              <m:ctrlPr>
+                                <a:rPr lang="en-US" altLang="ja-JP" sz="2400" i="1">
+                                  <a:latin typeface="Cambria Math" panose="02040503050406030204" pitchFamily="18" charset="0"/>
+                                  <a:ea typeface="Cambria Math" panose="02040503050406030204" pitchFamily="18" charset="0"/>
+                                </a:rPr>
+                              </m:ctrlPr>
+                            </m:naryPr>
+                            <m:sub/>
+                            <m:sup/>
+                            <m:e>
+                              <m:d>
+                                <m:dPr>
+                                  <m:ctrlPr>
+                                    <a:rPr lang="en-US" altLang="ja-JP" sz="2400" i="1">
+                                      <a:latin typeface="Cambria Math" panose="02040503050406030204" pitchFamily="18" charset="0"/>
+                                    </a:rPr>
+                                  </m:ctrlPr>
+                                </m:dPr>
+                                <m:e>
+                                  <m:f>
+                                    <m:fPr>
+                                      <m:type m:val="noBar"/>
+                                      <m:ctrlPr>
+                                        <a:rPr lang="en-US" altLang="ja-JP" sz="2400" i="1">
+                                          <a:latin typeface="Cambria Math" panose="02040503050406030204" pitchFamily="18" charset="0"/>
+                                        </a:rPr>
+                                      </m:ctrlPr>
+                                    </m:fPr>
+                                    <m:num>
+                                      <m:sSub>
+                                        <m:sSubPr>
+                                          <m:ctrlPr>
+                                            <a:rPr lang="en-US" altLang="ja-JP" sz="2400" i="1">
+                                              <a:latin typeface="Cambria Math" panose="02040503050406030204" pitchFamily="18" charset="0"/>
+                                            </a:rPr>
+                                          </m:ctrlPr>
+                                        </m:sSubPr>
+                                        <m:e>
+                                          <m:r>
+                                            <a:rPr lang="en-US" altLang="ja-JP" sz="2400" i="1">
+                                              <a:latin typeface="Cambria Math" panose="02040503050406030204" pitchFamily="18" charset="0"/>
+                                            </a:rPr>
+                                            <m:t>𝑛</m:t>
+                                          </m:r>
+                                        </m:e>
+                                        <m:sub>
+                                          <m:r>
+                                            <a:rPr lang="en-US" altLang="ja-JP" sz="2400" i="1">
+                                              <a:latin typeface="Cambria Math" panose="02040503050406030204" pitchFamily="18" charset="0"/>
+                                            </a:rPr>
+                                            <m:t>𝑖</m:t>
+                                          </m:r>
+                                        </m:sub>
+                                      </m:sSub>
+                                    </m:num>
+                                    <m:den>
+                                      <m:sSub>
+                                        <m:sSubPr>
+                                          <m:ctrlPr>
+                                            <a:rPr lang="en-US" altLang="ja-JP" sz="2400" i="1">
+                                              <a:latin typeface="Cambria Math" panose="02040503050406030204" pitchFamily="18" charset="0"/>
+                                            </a:rPr>
+                                          </m:ctrlPr>
+                                        </m:sSubPr>
+                                        <m:e>
+                                          <m:r>
+                                            <a:rPr lang="en-US" altLang="ja-JP" sz="2400" i="1">
+                                              <a:latin typeface="Cambria Math" panose="02040503050406030204" pitchFamily="18" charset="0"/>
+                                            </a:rPr>
+                                            <m:t>𝑚</m:t>
+                                          </m:r>
+                                        </m:e>
+                                        <m:sub>
+                                          <m:r>
+                                            <a:rPr lang="en-US" altLang="ja-JP" sz="2400" i="1">
+                                              <a:latin typeface="Cambria Math" panose="02040503050406030204" pitchFamily="18" charset="0"/>
+                                            </a:rPr>
+                                            <m:t>𝑖</m:t>
+                                          </m:r>
+                                        </m:sub>
+                                      </m:sSub>
+                                    </m:den>
+                                  </m:f>
+                                </m:e>
+                              </m:d>
+                              <m:sSup>
+                                <m:sSupPr>
+                                  <m:ctrlPr>
+                                    <a:rPr lang="en-US" altLang="ja-JP" sz="2400" i="1">
+                                      <a:latin typeface="Cambria Math" panose="02040503050406030204" pitchFamily="18" charset="0"/>
+                                    </a:rPr>
+                                  </m:ctrlPr>
+                                </m:sSupPr>
+                                <m:e>
+                                  <m:sSub>
+                                    <m:sSubPr>
+                                      <m:ctrlPr>
+                                        <a:rPr lang="en-US" altLang="ja-JP" sz="2400" i="1">
+                                          <a:latin typeface="Cambria Math" panose="02040503050406030204" pitchFamily="18" charset="0"/>
+                                        </a:rPr>
+                                      </m:ctrlPr>
+                                    </m:sSubPr>
+                                    <m:e>
+                                      <m:r>
+                                        <a:rPr lang="en-US" altLang="ja-JP" sz="2400" i="1">
+                                          <a:latin typeface="Cambria Math" panose="02040503050406030204" pitchFamily="18" charset="0"/>
+                                        </a:rPr>
+                                        <m:t>𝑝</m:t>
+                                      </m:r>
+                                    </m:e>
+                                    <m:sub>
+                                      <m:r>
+                                        <a:rPr lang="en-US" altLang="ja-JP" sz="2400" i="1">
+                                          <a:latin typeface="Cambria Math" panose="02040503050406030204" pitchFamily="18" charset="0"/>
+                                        </a:rPr>
+                                        <m:t>𝑖</m:t>
+                                      </m:r>
+                                    </m:sub>
+                                  </m:sSub>
+                                </m:e>
+                                <m:sup>
+                                  <m:sSub>
+                                    <m:sSubPr>
+                                      <m:ctrlPr>
+                                        <a:rPr lang="en-US" altLang="ja-JP" sz="2400" i="1">
+                                          <a:latin typeface="Cambria Math" panose="02040503050406030204" pitchFamily="18" charset="0"/>
+                                        </a:rPr>
+                                      </m:ctrlPr>
+                                    </m:sSubPr>
+                                    <m:e>
+                                      <m:r>
+                                        <a:rPr lang="en-US" altLang="ja-JP" sz="2400" i="1">
+                                          <a:latin typeface="Cambria Math" panose="02040503050406030204" pitchFamily="18" charset="0"/>
+                                        </a:rPr>
+                                        <m:t>𝑚</m:t>
+                                      </m:r>
+                                    </m:e>
+                                    <m:sub>
+                                      <m:r>
+                                        <a:rPr lang="en-US" altLang="ja-JP" sz="2400" i="1">
+                                          <a:latin typeface="Cambria Math" panose="02040503050406030204" pitchFamily="18" charset="0"/>
+                                        </a:rPr>
+                                        <m:t>𝑖</m:t>
+                                      </m:r>
+                                    </m:sub>
+                                  </m:sSub>
+                                </m:sup>
+                              </m:sSup>
+                              <m:sSup>
+                                <m:sSupPr>
+                                  <m:ctrlPr>
+                                    <a:rPr lang="en-US" altLang="ja-JP" sz="2400" i="1">
+                                      <a:latin typeface="Cambria Math" panose="02040503050406030204" pitchFamily="18" charset="0"/>
+                                    </a:rPr>
+                                  </m:ctrlPr>
+                                </m:sSupPr>
+                                <m:e>
+                                  <m:r>
+                                    <a:rPr lang="en-US" altLang="ja-JP" sz="2400" i="1">
+                                      <a:latin typeface="Cambria Math" panose="02040503050406030204" pitchFamily="18" charset="0"/>
+                                    </a:rPr>
+                                    <m:t>(1−</m:t>
+                                  </m:r>
+                                  <m:sSub>
+                                    <m:sSubPr>
+                                      <m:ctrlPr>
+                                        <a:rPr lang="en-US" altLang="ja-JP" sz="2400" i="1">
+                                          <a:latin typeface="Cambria Math" panose="02040503050406030204" pitchFamily="18" charset="0"/>
+                                        </a:rPr>
+                                      </m:ctrlPr>
+                                    </m:sSubPr>
+                                    <m:e>
+                                      <m:r>
+                                        <a:rPr lang="en-US" altLang="ja-JP" sz="2400" i="1">
+                                          <a:latin typeface="Cambria Math" panose="02040503050406030204" pitchFamily="18" charset="0"/>
+                                        </a:rPr>
+                                        <m:t>𝑝</m:t>
+                                      </m:r>
+                                    </m:e>
+                                    <m:sub>
+                                      <m:r>
+                                        <a:rPr lang="en-US" altLang="ja-JP" sz="2400" i="1">
+                                          <a:latin typeface="Cambria Math" panose="02040503050406030204" pitchFamily="18" charset="0"/>
+                                        </a:rPr>
+                                        <m:t>𝑖</m:t>
+                                      </m:r>
+                                    </m:sub>
+                                  </m:sSub>
+                                  <m:r>
+                                    <a:rPr lang="en-US" altLang="ja-JP" sz="2400" i="1">
+                                      <a:latin typeface="Cambria Math" panose="02040503050406030204" pitchFamily="18" charset="0"/>
+                                    </a:rPr>
+                                    <m:t>)</m:t>
+                                  </m:r>
+                                </m:e>
+                                <m:sup>
+                                  <m:sSub>
+                                    <m:sSubPr>
+                                      <m:ctrlPr>
+                                        <a:rPr lang="en-US" altLang="ja-JP" sz="2400" i="1">
+                                          <a:latin typeface="Cambria Math" panose="02040503050406030204" pitchFamily="18" charset="0"/>
+                                        </a:rPr>
+                                      </m:ctrlPr>
+                                    </m:sSubPr>
+                                    <m:e>
+                                      <m:r>
+                                        <a:rPr lang="en-US" altLang="ja-JP" sz="2400" i="1">
+                                          <a:latin typeface="Cambria Math" panose="02040503050406030204" pitchFamily="18" charset="0"/>
+                                        </a:rPr>
+                                        <m:t>𝑛</m:t>
+                                      </m:r>
+                                    </m:e>
+                                    <m:sub>
+                                      <m:r>
+                                        <a:rPr lang="en-US" altLang="ja-JP" sz="2400" i="1">
+                                          <a:latin typeface="Cambria Math" panose="02040503050406030204" pitchFamily="18" charset="0"/>
+                                        </a:rPr>
+                                        <m:t>𝑖</m:t>
+                                      </m:r>
+                                    </m:sub>
+                                  </m:sSub>
+                                  <m:r>
+                                    <a:rPr lang="en-US" altLang="ja-JP" sz="2400" i="1">
+                                      <a:latin typeface="Cambria Math" panose="02040503050406030204" pitchFamily="18" charset="0"/>
+                                    </a:rPr>
+                                    <m:t>−</m:t>
+                                  </m:r>
+                                  <m:sSub>
+                                    <m:sSubPr>
+                                      <m:ctrlPr>
+                                        <a:rPr lang="en-US" altLang="ja-JP" sz="2400" i="1">
+                                          <a:latin typeface="Cambria Math" panose="02040503050406030204" pitchFamily="18" charset="0"/>
+                                        </a:rPr>
+                                      </m:ctrlPr>
+                                    </m:sSubPr>
+                                    <m:e>
+                                      <m:r>
+                                        <a:rPr lang="en-US" altLang="ja-JP" sz="2400" i="1">
+                                          <a:latin typeface="Cambria Math" panose="02040503050406030204" pitchFamily="18" charset="0"/>
+                                        </a:rPr>
+                                        <m:t>𝑚</m:t>
+                                      </m:r>
+                                    </m:e>
+                                    <m:sub>
+                                      <m:r>
+                                        <a:rPr lang="en-US" altLang="ja-JP" sz="2400" i="1">
+                                          <a:latin typeface="Cambria Math" panose="02040503050406030204" pitchFamily="18" charset="0"/>
+                                        </a:rPr>
+                                        <m:t>𝑖</m:t>
+                                      </m:r>
+                                    </m:sub>
+                                  </m:sSub>
+                                </m:sup>
+                              </m:sSup>
+                            </m:e>
+                          </m:nary>
+                        </m:e>
+                      </m:nary>
+                    </m:oMath>
+                  </m:oMathPara>
+                </a14:m>
+                <a:endParaRPr lang="en-US" altLang="ja-JP" sz="2400" dirty="0"/>
+              </a:p>
+              <a:p>
+                <a14:m>
+                  <m:oMathPara xmlns:m="http://schemas.openxmlformats.org/officeDocument/2006/math">
+                    <m:oMathParaPr>
+                      <m:jc m:val="centerGroup"/>
+                    </m:oMathParaPr>
+                    <m:oMath xmlns:m="http://schemas.openxmlformats.org/officeDocument/2006/math">
+                      <m:r>
+                        <m:rPr>
+                          <m:sty m:val="p"/>
+                        </m:rPr>
+                        <a:rPr lang="en-US" altLang="ja-JP" sz="2400" b="0" i="0" smtClean="0">
+                          <a:latin typeface="Cambria Math" panose="02040503050406030204" pitchFamily="18" charset="0"/>
+                        </a:rPr>
+                        <m:t>log</m:t>
+                      </m:r>
+                      <m:r>
+                        <a:rPr lang="en-US" altLang="ja-JP" sz="2400" b="0" i="1" smtClean="0">
+                          <a:latin typeface="Cambria Math" panose="02040503050406030204" pitchFamily="18" charset="0"/>
+                        </a:rPr>
+                        <m:t>𝐿</m:t>
+                      </m:r>
+                      <m:d>
+                        <m:dPr>
+                          <m:ctrlPr>
+                            <a:rPr lang="en-US" altLang="ja-JP" sz="2400" i="1">
+                              <a:latin typeface="Cambria Math" panose="02040503050406030204" pitchFamily="18" charset="0"/>
+                            </a:rPr>
+                          </m:ctrlPr>
+                        </m:dPr>
+                        <m:e>
+                          <m:r>
+                            <a:rPr lang="en-US" altLang="ja-JP" sz="2400" i="1">
+                              <a:latin typeface="Cambria Math" panose="02040503050406030204" pitchFamily="18" charset="0"/>
+                              <a:ea typeface="Cambria Math" panose="02040503050406030204" pitchFamily="18" charset="0"/>
+                            </a:rPr>
+                            <m:t>𝜃</m:t>
+                          </m:r>
+                          <m:r>
+                            <a:rPr lang="en-US" altLang="ja-JP" sz="2400" i="1">
+                              <a:latin typeface="Cambria Math" panose="02040503050406030204" pitchFamily="18" charset="0"/>
+                              <a:ea typeface="Cambria Math" panose="02040503050406030204" pitchFamily="18" charset="0"/>
+                            </a:rPr>
+                            <m:t>|</m:t>
+                          </m:r>
+                          <m:r>
+                            <a:rPr lang="en-US" altLang="ja-JP" sz="2400" i="1">
+                              <a:latin typeface="Cambria Math" panose="02040503050406030204" pitchFamily="18" charset="0"/>
+                              <a:ea typeface="Cambria Math" panose="02040503050406030204" pitchFamily="18" charset="0"/>
+                            </a:rPr>
+                            <m:t>𝑛</m:t>
+                          </m:r>
+                          <m:r>
+                            <a:rPr lang="en-US" altLang="ja-JP" sz="2400" i="1">
+                              <a:latin typeface="Cambria Math" panose="02040503050406030204" pitchFamily="18" charset="0"/>
+                              <a:ea typeface="Cambria Math" panose="02040503050406030204" pitchFamily="18" charset="0"/>
+                            </a:rPr>
+                            <m:t>,</m:t>
+                          </m:r>
+                          <m:r>
+                            <a:rPr lang="en-US" altLang="ja-JP" sz="2400" i="1">
+                              <a:latin typeface="Cambria Math" panose="02040503050406030204" pitchFamily="18" charset="0"/>
+                              <a:ea typeface="Cambria Math" panose="02040503050406030204" pitchFamily="18" charset="0"/>
+                            </a:rPr>
+                            <m:t>𝑚</m:t>
+                          </m:r>
+                        </m:e>
+                      </m:d>
+                      <m:r>
+                        <a:rPr lang="en-US" altLang="ja-JP" sz="2400">
+                          <a:latin typeface="Cambria Math" panose="02040503050406030204" pitchFamily="18" charset="0"/>
+                          <a:ea typeface="Cambria Math" panose="02040503050406030204" pitchFamily="18" charset="0"/>
+                        </a:rPr>
+                        <m:t>=</m:t>
+                      </m:r>
+                      <m:nary>
+                        <m:naryPr>
+                          <m:chr m:val="∑"/>
+                          <m:subHide m:val="on"/>
+                          <m:supHide m:val="on"/>
+                          <m:ctrlPr>
+                            <a:rPr lang="en-US" altLang="ja-JP" sz="2400" i="1" smtClean="0">
+                              <a:latin typeface="Cambria Math" panose="02040503050406030204" pitchFamily="18" charset="0"/>
+                              <a:ea typeface="Cambria Math" panose="02040503050406030204" pitchFamily="18" charset="0"/>
+                            </a:rPr>
+                          </m:ctrlPr>
+                        </m:naryPr>
+                        <m:sub/>
+                        <m:sup/>
+                        <m:e>
+                          <m:r>
+                            <m:rPr>
+                              <m:sty m:val="p"/>
+                            </m:rPr>
+                            <a:rPr lang="en-US" altLang="ja-JP" sz="2400">
+                              <a:latin typeface="Cambria Math" panose="02040503050406030204" pitchFamily="18" charset="0"/>
+                              <a:ea typeface="Cambria Math" panose="02040503050406030204" pitchFamily="18" charset="0"/>
+                            </a:rPr>
+                            <m:t>log</m:t>
+                          </m:r>
+                          <m:d>
+                            <m:dPr>
+                              <m:begChr m:val="{"/>
+                              <m:endChr m:val="}"/>
+                              <m:ctrlPr>
+                                <a:rPr lang="en-US" altLang="ja-JP" sz="2400" i="1" smtClean="0">
+                                  <a:latin typeface="Cambria Math" panose="02040503050406030204" pitchFamily="18" charset="0"/>
+                                  <a:ea typeface="Cambria Math" panose="02040503050406030204" pitchFamily="18" charset="0"/>
+                                </a:rPr>
+                              </m:ctrlPr>
+                            </m:dPr>
+                            <m:e>
+                              <m:d>
+                                <m:dPr>
+                                  <m:ctrlPr>
+                                    <a:rPr lang="en-US" altLang="ja-JP" sz="2400" i="1">
+                                      <a:latin typeface="Cambria Math" panose="02040503050406030204" pitchFamily="18" charset="0"/>
+                                    </a:rPr>
+                                  </m:ctrlPr>
+                                </m:dPr>
+                                <m:e>
+                                  <m:f>
+                                    <m:fPr>
+                                      <m:type m:val="noBar"/>
+                                      <m:ctrlPr>
+                                        <a:rPr lang="en-US" altLang="ja-JP" sz="2400" i="1">
+                                          <a:latin typeface="Cambria Math" panose="02040503050406030204" pitchFamily="18" charset="0"/>
+                                        </a:rPr>
+                                      </m:ctrlPr>
+                                    </m:fPr>
+                                    <m:num>
+                                      <m:sSub>
+                                        <m:sSubPr>
+                                          <m:ctrlPr>
+                                            <a:rPr lang="en-US" altLang="ja-JP" sz="2400" i="1">
+                                              <a:latin typeface="Cambria Math" panose="02040503050406030204" pitchFamily="18" charset="0"/>
+                                            </a:rPr>
+                                          </m:ctrlPr>
+                                        </m:sSubPr>
+                                        <m:e>
+                                          <m:r>
+                                            <a:rPr lang="en-US" altLang="ja-JP" sz="2400" i="1">
+                                              <a:latin typeface="Cambria Math" panose="02040503050406030204" pitchFamily="18" charset="0"/>
+                                            </a:rPr>
+                                            <m:t>𝑛</m:t>
+                                          </m:r>
+                                        </m:e>
+                                        <m:sub>
+                                          <m:r>
+                                            <a:rPr lang="en-US" altLang="ja-JP" sz="2400" i="1">
+                                              <a:latin typeface="Cambria Math" panose="02040503050406030204" pitchFamily="18" charset="0"/>
+                                            </a:rPr>
+                                            <m:t>𝑖</m:t>
+                                          </m:r>
+                                        </m:sub>
+                                      </m:sSub>
+                                    </m:num>
+                                    <m:den>
+                                      <m:sSub>
+                                        <m:sSubPr>
+                                          <m:ctrlPr>
+                                            <a:rPr lang="en-US" altLang="ja-JP" sz="2400" i="1">
+                                              <a:latin typeface="Cambria Math" panose="02040503050406030204" pitchFamily="18" charset="0"/>
+                                            </a:rPr>
+                                          </m:ctrlPr>
+                                        </m:sSubPr>
+                                        <m:e>
+                                          <m:r>
+                                            <a:rPr lang="en-US" altLang="ja-JP" sz="2400" i="1">
+                                              <a:latin typeface="Cambria Math" panose="02040503050406030204" pitchFamily="18" charset="0"/>
+                                            </a:rPr>
+                                            <m:t>𝑚</m:t>
+                                          </m:r>
+                                        </m:e>
+                                        <m:sub>
+                                          <m:r>
+                                            <a:rPr lang="en-US" altLang="ja-JP" sz="2400" i="1">
+                                              <a:latin typeface="Cambria Math" panose="02040503050406030204" pitchFamily="18" charset="0"/>
+                                            </a:rPr>
+                                            <m:t>𝑖</m:t>
+                                          </m:r>
+                                        </m:sub>
+                                      </m:sSub>
+                                    </m:den>
+                                  </m:f>
+                                </m:e>
+                              </m:d>
+                              <m:sSup>
+                                <m:sSupPr>
+                                  <m:ctrlPr>
+                                    <a:rPr lang="en-US" altLang="ja-JP" sz="2400" i="1">
+                                      <a:latin typeface="Cambria Math" panose="02040503050406030204" pitchFamily="18" charset="0"/>
+                                    </a:rPr>
+                                  </m:ctrlPr>
+                                </m:sSupPr>
+                                <m:e>
+                                  <m:sSub>
+                                    <m:sSubPr>
+                                      <m:ctrlPr>
+                                        <a:rPr lang="en-US" altLang="ja-JP" sz="2400" i="1">
+                                          <a:latin typeface="Cambria Math" panose="02040503050406030204" pitchFamily="18" charset="0"/>
+                                        </a:rPr>
+                                      </m:ctrlPr>
+                                    </m:sSubPr>
+                                    <m:e>
+                                      <m:r>
+                                        <a:rPr lang="en-US" altLang="ja-JP" sz="2400" i="1">
+                                          <a:latin typeface="Cambria Math" panose="02040503050406030204" pitchFamily="18" charset="0"/>
+                                        </a:rPr>
+                                        <m:t>𝑝</m:t>
+                                      </m:r>
+                                    </m:e>
+                                    <m:sub>
+                                      <m:r>
+                                        <a:rPr lang="en-US" altLang="ja-JP" sz="2400" i="1">
+                                          <a:latin typeface="Cambria Math" panose="02040503050406030204" pitchFamily="18" charset="0"/>
+                                        </a:rPr>
+                                        <m:t>𝑖</m:t>
+                                      </m:r>
+                                    </m:sub>
+                                  </m:sSub>
+                                </m:e>
+                                <m:sup>
+                                  <m:sSub>
+                                    <m:sSubPr>
+                                      <m:ctrlPr>
+                                        <a:rPr lang="en-US" altLang="ja-JP" sz="2400" i="1">
+                                          <a:latin typeface="Cambria Math" panose="02040503050406030204" pitchFamily="18" charset="0"/>
+                                        </a:rPr>
+                                      </m:ctrlPr>
+                                    </m:sSubPr>
+                                    <m:e>
+                                      <m:r>
+                                        <a:rPr lang="en-US" altLang="ja-JP" sz="2400" i="1">
+                                          <a:latin typeface="Cambria Math" panose="02040503050406030204" pitchFamily="18" charset="0"/>
+                                        </a:rPr>
+                                        <m:t>𝑚</m:t>
+                                      </m:r>
+                                    </m:e>
+                                    <m:sub>
+                                      <m:r>
+                                        <a:rPr lang="en-US" altLang="ja-JP" sz="2400" i="1">
+                                          <a:latin typeface="Cambria Math" panose="02040503050406030204" pitchFamily="18" charset="0"/>
+                                        </a:rPr>
+                                        <m:t>𝑖</m:t>
+                                      </m:r>
+                                    </m:sub>
+                                  </m:sSub>
+                                </m:sup>
+                              </m:sSup>
+                              <m:sSup>
+                                <m:sSupPr>
+                                  <m:ctrlPr>
+                                    <a:rPr lang="en-US" altLang="ja-JP" sz="2400" i="1">
+                                      <a:latin typeface="Cambria Math" panose="02040503050406030204" pitchFamily="18" charset="0"/>
+                                    </a:rPr>
+                                  </m:ctrlPr>
+                                </m:sSupPr>
+                                <m:e>
+                                  <m:r>
+                                    <a:rPr lang="en-US" altLang="ja-JP" sz="2400" i="1">
+                                      <a:latin typeface="Cambria Math" panose="02040503050406030204" pitchFamily="18" charset="0"/>
+                                    </a:rPr>
+                                    <m:t>(1−</m:t>
+                                  </m:r>
+                                  <m:sSub>
+                                    <m:sSubPr>
+                                      <m:ctrlPr>
+                                        <a:rPr lang="en-US" altLang="ja-JP" sz="2400" i="1">
+                                          <a:latin typeface="Cambria Math" panose="02040503050406030204" pitchFamily="18" charset="0"/>
+                                        </a:rPr>
+                                      </m:ctrlPr>
+                                    </m:sSubPr>
+                                    <m:e>
+                                      <m:r>
+                                        <a:rPr lang="en-US" altLang="ja-JP" sz="2400" i="1">
+                                          <a:latin typeface="Cambria Math" panose="02040503050406030204" pitchFamily="18" charset="0"/>
+                                        </a:rPr>
+                                        <m:t>𝑝</m:t>
+                                      </m:r>
+                                    </m:e>
+                                    <m:sub>
+                                      <m:r>
+                                        <a:rPr lang="en-US" altLang="ja-JP" sz="2400" i="1">
+                                          <a:latin typeface="Cambria Math" panose="02040503050406030204" pitchFamily="18" charset="0"/>
+                                        </a:rPr>
+                                        <m:t>𝑖</m:t>
+                                      </m:r>
+                                    </m:sub>
+                                  </m:sSub>
+                                  <m:r>
+                                    <a:rPr lang="en-US" altLang="ja-JP" sz="2400" i="1">
+                                      <a:latin typeface="Cambria Math" panose="02040503050406030204" pitchFamily="18" charset="0"/>
+                                    </a:rPr>
+                                    <m:t>)</m:t>
+                                  </m:r>
+                                </m:e>
+                                <m:sup>
+                                  <m:sSub>
+                                    <m:sSubPr>
+                                      <m:ctrlPr>
+                                        <a:rPr lang="en-US" altLang="ja-JP" sz="2400" i="1">
+                                          <a:latin typeface="Cambria Math" panose="02040503050406030204" pitchFamily="18" charset="0"/>
+                                        </a:rPr>
+                                      </m:ctrlPr>
+                                    </m:sSubPr>
+                                    <m:e>
+                                      <m:r>
+                                        <a:rPr lang="en-US" altLang="ja-JP" sz="2400" i="1">
+                                          <a:latin typeface="Cambria Math" panose="02040503050406030204" pitchFamily="18" charset="0"/>
+                                        </a:rPr>
+                                        <m:t>𝑛</m:t>
+                                      </m:r>
+                                    </m:e>
+                                    <m:sub>
+                                      <m:r>
+                                        <a:rPr lang="en-US" altLang="ja-JP" sz="2400" i="1">
+                                          <a:latin typeface="Cambria Math" panose="02040503050406030204" pitchFamily="18" charset="0"/>
+                                        </a:rPr>
+                                        <m:t>𝑖</m:t>
+                                      </m:r>
+                                    </m:sub>
+                                  </m:sSub>
+                                  <m:r>
+                                    <a:rPr lang="en-US" altLang="ja-JP" sz="2400" i="1">
+                                      <a:latin typeface="Cambria Math" panose="02040503050406030204" pitchFamily="18" charset="0"/>
+                                    </a:rPr>
+                                    <m:t>−</m:t>
+                                  </m:r>
+                                  <m:sSub>
+                                    <m:sSubPr>
+                                      <m:ctrlPr>
+                                        <a:rPr lang="en-US" altLang="ja-JP" sz="2400" i="1">
+                                          <a:latin typeface="Cambria Math" panose="02040503050406030204" pitchFamily="18" charset="0"/>
+                                        </a:rPr>
+                                      </m:ctrlPr>
+                                    </m:sSubPr>
+                                    <m:e>
+                                      <m:r>
+                                        <a:rPr lang="en-US" altLang="ja-JP" sz="2400" i="1">
+                                          <a:latin typeface="Cambria Math" panose="02040503050406030204" pitchFamily="18" charset="0"/>
+                                        </a:rPr>
+                                        <m:t>𝑚</m:t>
+                                      </m:r>
+                                    </m:e>
+                                    <m:sub>
+                                      <m:r>
+                                        <a:rPr lang="en-US" altLang="ja-JP" sz="2400" i="1">
+                                          <a:latin typeface="Cambria Math" panose="02040503050406030204" pitchFamily="18" charset="0"/>
+                                        </a:rPr>
+                                        <m:t>𝑖</m:t>
+                                      </m:r>
+                                    </m:sub>
+                                  </m:sSub>
+                                </m:sup>
+                              </m:sSup>
+                            </m:e>
+                          </m:d>
+                        </m:e>
+                      </m:nary>
+                    </m:oMath>
+                  </m:oMathPara>
+                </a14:m>
+                <a:endParaRPr lang="en-US" altLang="ja-JP" sz="2400" dirty="0"/>
+              </a:p>
+            </p:txBody>
+          </p:sp>
+        </mc:Choice>
+        <mc:Fallback>
+          <p:sp>
+            <p:nvSpPr>
+              <p:cNvPr id="13" name="テキスト ボックス 12">
+                <a:extLst>
+                  <a:ext uri="{FF2B5EF4-FFF2-40B4-BE49-F238E27FC236}">
+                    <a16:creationId xmlns:a16="http://schemas.microsoft.com/office/drawing/2014/main" id="{925F59DF-0010-BA40-BA42-53530A2D3920}"/>
+                  </a:ext>
+                </a:extLst>
+              </p:cNvPr>
+              <p:cNvSpPr txBox="1">
+                <a:spLocks noRot="1" noChangeAspect="1" noMove="1" noResize="1" noEditPoints="1" noAdjustHandles="1" noChangeArrowheads="1" noChangeShapeType="1" noTextEdit="1"/>
+              </p:cNvSpPr>
+              <p:nvPr/>
+            </p:nvSpPr>
+            <p:spPr>
+              <a:xfrm>
+                <a:off x="1158101" y="4833941"/>
+                <a:ext cx="8347991" cy="1880771"/>
+              </a:xfrm>
+              <a:prstGeom prst="rect">
+                <a:avLst/>
+              </a:prstGeom>
+              <a:blipFill>
+                <a:blip r:embed="rId5"/>
+                <a:stretch>
+                  <a:fillRect t="-69128" b="-94631"/>
+                </a:stretch>
+              </a:blipFill>
+            </p:spPr>
+            <p:txBody>
+              <a:bodyPr/>
+              <a:lstStyle/>
+              <a:p>
+                <a:r>
+                  <a:rPr lang="ja-JP" altLang="en-US">
+                    <a:noFill/>
+                  </a:rPr>
+                  <a:t> </a:t>
+                </a:r>
+              </a:p>
+            </p:txBody>
+          </p:sp>
+        </mc:Fallback>
+      </mc:AlternateContent>
+      <mc:AlternateContent xmlns:mc="http://schemas.openxmlformats.org/markup-compatibility/2006">
+        <mc:Choice xmlns:a14="http://schemas.microsoft.com/office/drawing/2010/main" Requires="a14">
+          <p:sp>
+            <p:nvSpPr>
+              <p:cNvPr id="14" name="正方形/長方形 13">
+                <a:extLst>
+                  <a:ext uri="{FF2B5EF4-FFF2-40B4-BE49-F238E27FC236}">
+                    <a16:creationId xmlns:a16="http://schemas.microsoft.com/office/drawing/2014/main" id="{4E3AA4D5-91DA-4D4D-8564-0E08F932D98A}"/>
+                  </a:ext>
+                </a:extLst>
+              </p:cNvPr>
+              <p:cNvSpPr/>
+              <p:nvPr/>
+            </p:nvSpPr>
+            <p:spPr>
+              <a:xfrm>
+                <a:off x="9061829" y="5774326"/>
+                <a:ext cx="2910989" cy="794576"/>
+              </a:xfrm>
+              <a:prstGeom prst="rect">
+                <a:avLst/>
+              </a:prstGeom>
+            </p:spPr>
+            <p:txBody>
+              <a:bodyPr wrap="none">
+                <a:spAutoFit/>
+              </a:bodyPr>
+              <a:lstStyle/>
+              <a:p>
+                <a14:m>
+                  <m:oMathPara xmlns:m="http://schemas.openxmlformats.org/officeDocument/2006/math">
+                    <m:oMathParaPr>
+                      <m:jc m:val="centerGroup"/>
+                    </m:oMathParaPr>
+                    <m:oMath xmlns:m="http://schemas.openxmlformats.org/officeDocument/2006/math">
+                      <m:f>
+                        <m:fPr>
+                          <m:ctrlPr>
+                            <a:rPr lang="en-US" altLang="ja-JP" sz="2400" i="1" smtClean="0">
+                              <a:latin typeface="Cambria Math" panose="02040503050406030204" pitchFamily="18" charset="0"/>
+                            </a:rPr>
+                          </m:ctrlPr>
+                        </m:fPr>
+                        <m:num>
+                          <m:r>
+                            <a:rPr lang="en-US" altLang="ja-JP" sz="2400" i="1">
+                              <a:latin typeface="Cambria Math" panose="02040503050406030204" pitchFamily="18" charset="0"/>
+                              <a:ea typeface="Cambria Math" panose="02040503050406030204" pitchFamily="18" charset="0"/>
+                            </a:rPr>
+                            <m:t>𝜕</m:t>
+                          </m:r>
+                        </m:num>
+                        <m:den>
+                          <m:r>
+                            <a:rPr lang="en-US" altLang="ja-JP" sz="2400" i="1">
+                              <a:latin typeface="Cambria Math" panose="02040503050406030204" pitchFamily="18" charset="0"/>
+                              <a:ea typeface="Cambria Math" panose="02040503050406030204" pitchFamily="18" charset="0"/>
+                            </a:rPr>
+                            <m:t>𝜕</m:t>
+                          </m:r>
+                          <m:r>
+                            <a:rPr lang="en-US" altLang="ja-JP" sz="2400" i="1">
+                              <a:latin typeface="Cambria Math" panose="02040503050406030204" pitchFamily="18" charset="0"/>
+                              <a:ea typeface="Cambria Math" panose="02040503050406030204" pitchFamily="18" charset="0"/>
+                            </a:rPr>
+                            <m:t>𝜃</m:t>
+                          </m:r>
+                        </m:den>
+                      </m:f>
+                      <m:r>
+                        <m:rPr>
+                          <m:sty m:val="p"/>
+                        </m:rPr>
+                        <a:rPr lang="en-US" altLang="ja-JP" sz="2400">
+                          <a:latin typeface="Cambria Math" panose="02040503050406030204" pitchFamily="18" charset="0"/>
+                        </a:rPr>
+                        <m:t>log</m:t>
+                      </m:r>
+                      <m:r>
+                        <a:rPr lang="en-US" altLang="ja-JP" sz="2400" i="1">
+                          <a:latin typeface="Cambria Math" panose="02040503050406030204" pitchFamily="18" charset="0"/>
+                        </a:rPr>
+                        <m:t>𝐿</m:t>
+                      </m:r>
+                      <m:d>
+                        <m:dPr>
+                          <m:ctrlPr>
+                            <a:rPr lang="en-US" altLang="ja-JP" sz="2400" i="1">
+                              <a:latin typeface="Cambria Math" panose="02040503050406030204" pitchFamily="18" charset="0"/>
+                            </a:rPr>
+                          </m:ctrlPr>
+                        </m:dPr>
+                        <m:e>
+                          <m:r>
+                            <a:rPr lang="en-US" altLang="ja-JP" sz="2400" i="1">
+                              <a:latin typeface="Cambria Math" panose="02040503050406030204" pitchFamily="18" charset="0"/>
+                              <a:ea typeface="Cambria Math" panose="02040503050406030204" pitchFamily="18" charset="0"/>
+                            </a:rPr>
+                            <m:t>𝜃</m:t>
+                          </m:r>
+                          <m:r>
+                            <a:rPr lang="en-US" altLang="ja-JP" sz="2400" i="1">
+                              <a:latin typeface="Cambria Math" panose="02040503050406030204" pitchFamily="18" charset="0"/>
+                              <a:ea typeface="Cambria Math" panose="02040503050406030204" pitchFamily="18" charset="0"/>
+                            </a:rPr>
+                            <m:t>|</m:t>
+                          </m:r>
+                          <m:r>
+                            <a:rPr lang="en-US" altLang="ja-JP" sz="2400" i="1">
+                              <a:latin typeface="Cambria Math" panose="02040503050406030204" pitchFamily="18" charset="0"/>
+                              <a:ea typeface="Cambria Math" panose="02040503050406030204" pitchFamily="18" charset="0"/>
+                            </a:rPr>
+                            <m:t>𝑛</m:t>
+                          </m:r>
+                          <m:r>
+                            <a:rPr lang="en-US" altLang="ja-JP" sz="2400" i="1">
+                              <a:latin typeface="Cambria Math" panose="02040503050406030204" pitchFamily="18" charset="0"/>
+                              <a:ea typeface="Cambria Math" panose="02040503050406030204" pitchFamily="18" charset="0"/>
+                            </a:rPr>
+                            <m:t>,</m:t>
+                          </m:r>
+                          <m:r>
+                            <a:rPr lang="en-US" altLang="ja-JP" sz="2400" i="1">
+                              <a:latin typeface="Cambria Math" panose="02040503050406030204" pitchFamily="18" charset="0"/>
+                              <a:ea typeface="Cambria Math" panose="02040503050406030204" pitchFamily="18" charset="0"/>
+                            </a:rPr>
+                            <m:t>𝑚</m:t>
+                          </m:r>
+                        </m:e>
+                      </m:d>
+                      <m:r>
+                        <a:rPr lang="en-US" altLang="ja-JP" sz="2400">
+                          <a:latin typeface="Cambria Math" panose="02040503050406030204" pitchFamily="18" charset="0"/>
+                        </a:rPr>
+                        <m:t>=0</m:t>
+                      </m:r>
+                    </m:oMath>
+                  </m:oMathPara>
+                </a14:m>
+                <a:endParaRPr lang="ja-JP" altLang="en-US" sz="2400"/>
+              </a:p>
+            </p:txBody>
+          </p:sp>
+        </mc:Choice>
+        <mc:Fallback>
+          <p:sp>
+            <p:nvSpPr>
+              <p:cNvPr id="14" name="正方形/長方形 13">
+                <a:extLst>
+                  <a:ext uri="{FF2B5EF4-FFF2-40B4-BE49-F238E27FC236}">
+                    <a16:creationId xmlns:a16="http://schemas.microsoft.com/office/drawing/2014/main" id="{4E3AA4D5-91DA-4D4D-8564-0E08F932D98A}"/>
+                  </a:ext>
+                </a:extLst>
+              </p:cNvPr>
+              <p:cNvSpPr>
+                <a:spLocks noRot="1" noChangeAspect="1" noMove="1" noResize="1" noEditPoints="1" noAdjustHandles="1" noChangeArrowheads="1" noChangeShapeType="1" noTextEdit="1"/>
+              </p:cNvSpPr>
+              <p:nvPr/>
+            </p:nvSpPr>
+            <p:spPr>
+              <a:xfrm>
+                <a:off x="9061829" y="5774326"/>
+                <a:ext cx="2910989" cy="794576"/>
+              </a:xfrm>
+              <a:prstGeom prst="rect">
+                <a:avLst/>
+              </a:prstGeom>
+              <a:blipFill>
+                <a:blip r:embed="rId6"/>
+                <a:stretch>
+                  <a:fillRect b="-7937"/>
+                </a:stretch>
+              </a:blipFill>
+            </p:spPr>
+            <p:txBody>
+              <a:bodyPr/>
+              <a:lstStyle/>
+              <a:p>
+                <a:r>
+                  <a:rPr lang="ja-JP" altLang="en-US">
+                    <a:noFill/>
+                  </a:rPr>
+                  <a:t> </a:t>
+                </a:r>
+              </a:p>
+            </p:txBody>
+          </p:sp>
+        </mc:Fallback>
+      </mc:AlternateContent>
+    </p:spTree>
+    <p:extLst>
+      <p:ext uri="{BB962C8B-B14F-4D97-AF65-F5344CB8AC3E}">
+        <p14:creationId xmlns:p14="http://schemas.microsoft.com/office/powerpoint/2010/main" val="992258548"/>
+      </p:ext>
+    </p:extLst>
+  </p:cSld>
+  <p:clrMapOvr>
+    <a:masterClrMapping/>
+  </p:clrMapOvr>
+</p:sld>
+</file>
+
+<file path=ppt/slides/slide12.xml><?xml version="1.0" encoding="utf-8"?>
+<p:sld xmlns:a="http://schemas.openxmlformats.org/drawingml/2006/main" xmlns:r="http://schemas.openxmlformats.org/officeDocument/2006/relationships" xmlns:p="http://schemas.openxmlformats.org/presentationml/2006/main">
+  <p:cSld>
+    <p:spTree>
+      <p:nvGrpSpPr>
+        <p:cNvPr id="1" name=""/>
+        <p:cNvGrpSpPr/>
+        <p:nvPr/>
+      </p:nvGrpSpPr>
+      <p:grpSpPr>
+        <a:xfrm>
+          <a:off x="0" y="0"/>
+          <a:ext cx="0" cy="0"/>
+          <a:chOff x="0" y="0"/>
+          <a:chExt cx="0" cy="0"/>
+        </a:xfrm>
+      </p:grpSpPr>
+      <p:sp>
+        <p:nvSpPr>
+          <p:cNvPr id="2" name="タイトル 1">
+            <a:extLst>
+              <a:ext uri="{FF2B5EF4-FFF2-40B4-BE49-F238E27FC236}">
+                <a16:creationId xmlns:a16="http://schemas.microsoft.com/office/drawing/2014/main" id="{89A6BE35-D567-6E44-9400-89E50B3833D8}"/>
+              </a:ext>
+            </a:extLst>
+          </p:cNvPr>
+          <p:cNvSpPr>
+            <a:spLocks noGrp="1"/>
+          </p:cNvSpPr>
+          <p:nvPr>
+            <p:ph type="title"/>
+          </p:nvPr>
+        </p:nvSpPr>
+        <p:spPr/>
+        <p:txBody>
+          <a:bodyPr/>
+          <a:lstStyle/>
+          <a:p>
+            <a:r>
+              <a:rPr kumimoji="1" lang="ja-JP" altLang="en-US"/>
+              <a:t>ロジス</a:t>
+            </a:r>
+          </a:p>
+        </p:txBody>
+      </p:sp>
+      <p:sp>
+        <p:nvSpPr>
+          <p:cNvPr id="3" name="コンテンツ プレースホルダー 2">
+            <a:extLst>
+              <a:ext uri="{FF2B5EF4-FFF2-40B4-BE49-F238E27FC236}">
+                <a16:creationId xmlns:a16="http://schemas.microsoft.com/office/drawing/2014/main" id="{B0A4E865-7E09-8E4A-96AC-9379FAF73E49}"/>
+              </a:ext>
+            </a:extLst>
+          </p:cNvPr>
+          <p:cNvSpPr>
+            <a:spLocks noGrp="1"/>
+          </p:cNvSpPr>
+          <p:nvPr>
+            <p:ph idx="1"/>
+          </p:nvPr>
+        </p:nvSpPr>
+        <p:spPr/>
+        <p:txBody>
+          <a:bodyPr/>
+          <a:lstStyle/>
+          <a:p>
+            <a:pPr marL="0" indent="0">
+              <a:buNone/>
+            </a:pPr>
+            <a:r>
+              <a:rPr lang="ja-JP" altLang="en-US"/>
+              <a:t>例：テストの合格率</a:t>
+            </a:r>
+            <a:endParaRPr lang="en-US" altLang="ja-JP" dirty="0"/>
+          </a:p>
+          <a:p>
+            <a:pPr marL="0" indent="0">
+              <a:buNone/>
+            </a:pPr>
+            <a:r>
+              <a:rPr lang="ja-JP" altLang="en-US"/>
+              <a:t>モデルの解釈</a:t>
+            </a:r>
+          </a:p>
+          <a:p>
+            <a:pPr marL="0" indent="0">
+              <a:buNone/>
+            </a:pPr>
+            <a:endParaRPr kumimoji="1" lang="ja-JP" altLang="en-US"/>
+          </a:p>
+        </p:txBody>
+      </p:sp>
+      <p:pic>
+        <p:nvPicPr>
+          <p:cNvPr id="5" name="図 4">
+            <a:extLst>
+              <a:ext uri="{FF2B5EF4-FFF2-40B4-BE49-F238E27FC236}">
+                <a16:creationId xmlns:a16="http://schemas.microsoft.com/office/drawing/2014/main" id="{D669C461-30EC-B847-A1FD-67CEBA8BFB49}"/>
+              </a:ext>
+            </a:extLst>
+          </p:cNvPr>
+          <p:cNvPicPr>
+            <a:picLocks noChangeAspect="1"/>
+          </p:cNvPicPr>
+          <p:nvPr/>
+        </p:nvPicPr>
+        <p:blipFill>
+          <a:blip r:embed="rId2"/>
+          <a:stretch>
+            <a:fillRect/>
+          </a:stretch>
+        </p:blipFill>
+        <p:spPr>
+          <a:xfrm>
+            <a:off x="3810000" y="1143000"/>
+            <a:ext cx="4572000" cy="4572000"/>
+          </a:xfrm>
+          <a:prstGeom prst="rect">
+            <a:avLst/>
+          </a:prstGeom>
+        </p:spPr>
+      </p:pic>
+    </p:spTree>
+    <p:extLst>
+      <p:ext uri="{BB962C8B-B14F-4D97-AF65-F5344CB8AC3E}">
+        <p14:creationId xmlns:p14="http://schemas.microsoft.com/office/powerpoint/2010/main" val="26314370"/>
+      </p:ext>
+    </p:extLst>
+  </p:cSld>
+  <p:clrMapOvr>
+    <a:masterClrMapping/>
+  </p:clrMapOvr>
+</p:sld>
+</file>
+
+<file path=ppt/slides/slide13.xml><?xml version="1.0" encoding="utf-8"?>
+<p:sld xmlns:a="http://schemas.openxmlformats.org/drawingml/2006/main" xmlns:r="http://schemas.openxmlformats.org/officeDocument/2006/relationships" xmlns:p="http://schemas.openxmlformats.org/presentationml/2006/main">
+  <p:cSld>
+    <p:spTree>
+      <p:nvGrpSpPr>
+        <p:cNvPr id="1" name=""/>
+        <p:cNvGrpSpPr/>
+        <p:nvPr/>
+      </p:nvGrpSpPr>
+      <p:grpSpPr>
+        <a:xfrm>
+          <a:off x="0" y="0"/>
+          <a:ext cx="0" cy="0"/>
+          <a:chOff x="0" y="0"/>
+          <a:chExt cx="0" cy="0"/>
+        </a:xfrm>
+      </p:grpSpPr>
+      <p:sp>
+        <p:nvSpPr>
+          <p:cNvPr id="2" name="タイトル 1">
+            <a:extLst>
+              <a:ext uri="{FF2B5EF4-FFF2-40B4-BE49-F238E27FC236}">
+                <a16:creationId xmlns:a16="http://schemas.microsoft.com/office/drawing/2014/main" id="{0EBBF458-8DA0-C247-A3DB-3803184086CC}"/>
+              </a:ext>
+            </a:extLst>
+          </p:cNvPr>
+          <p:cNvSpPr>
+            <a:spLocks noGrp="1"/>
+          </p:cNvSpPr>
+          <p:nvPr>
+            <p:ph type="title"/>
+          </p:nvPr>
+        </p:nvSpPr>
+        <p:spPr/>
+        <p:txBody>
+          <a:bodyPr/>
+          <a:lstStyle/>
+          <a:p>
+            <a:r>
+              <a:rPr lang="ja-JP" altLang="en-US"/>
+              <a:t>ポアソン回帰</a:t>
+            </a:r>
+            <a:endParaRPr kumimoji="1" lang="ja-JP" altLang="en-US"/>
+          </a:p>
+        </p:txBody>
+      </p:sp>
+      <p:sp>
+        <p:nvSpPr>
+          <p:cNvPr id="3" name="コンテンツ プレースホルダー 2">
+            <a:extLst>
+              <a:ext uri="{FF2B5EF4-FFF2-40B4-BE49-F238E27FC236}">
+                <a16:creationId xmlns:a16="http://schemas.microsoft.com/office/drawing/2014/main" id="{6FD26A73-5B9F-3743-BC5F-5D4A65284B0D}"/>
+              </a:ext>
+            </a:extLst>
+          </p:cNvPr>
+          <p:cNvSpPr>
+            <a:spLocks noGrp="1"/>
+          </p:cNvSpPr>
+          <p:nvPr>
+            <p:ph idx="1"/>
+          </p:nvPr>
+        </p:nvSpPr>
+        <p:spPr>
+          <a:xfrm>
+            <a:off x="98612" y="1556684"/>
+            <a:ext cx="8209365" cy="1970287"/>
+          </a:xfrm>
+        </p:spPr>
+        <p:txBody>
+          <a:bodyPr>
+            <a:normAutofit lnSpcReduction="10000"/>
+          </a:bodyPr>
+          <a:lstStyle/>
+          <a:p>
+            <a:pPr marL="0" indent="0">
+              <a:buNone/>
+            </a:pPr>
+            <a:r>
+              <a:rPr lang="ja-JP" altLang="en-US"/>
+              <a:t>導入</a:t>
+            </a:r>
+            <a:endParaRPr lang="en-US" altLang="ja-JP" dirty="0"/>
+          </a:p>
+          <a:p>
+            <a:pPr marL="0" indent="0">
+              <a:buNone/>
+            </a:pPr>
+            <a:r>
+              <a:rPr lang="ja-JP" altLang="en-US"/>
+              <a:t>どういう時に使うのか，</a:t>
+            </a:r>
+            <a:endParaRPr lang="en-US" altLang="ja-JP" dirty="0"/>
+          </a:p>
+          <a:p>
+            <a:pPr marL="0" indent="0">
+              <a:buNone/>
+            </a:pPr>
+            <a:r>
+              <a:rPr lang="ja-JP" altLang="en-US"/>
+              <a:t>カウントデータ</a:t>
+            </a:r>
+            <a:endParaRPr lang="en-US" altLang="ja-JP" dirty="0"/>
+          </a:p>
+          <a:p>
+            <a:pPr marL="0" indent="0">
+              <a:buNone/>
+            </a:pPr>
+            <a:r>
+              <a:rPr lang="ja-JP" altLang="en-US"/>
+              <a:t>仮定する分布</a:t>
+            </a:r>
+          </a:p>
+          <a:p>
+            <a:pPr marL="0" indent="0">
+              <a:buNone/>
+            </a:pPr>
+            <a:endParaRPr kumimoji="1" lang="ja-JP" altLang="en-US"/>
+          </a:p>
+        </p:txBody>
+      </p:sp>
+    </p:spTree>
+    <p:extLst>
+      <p:ext uri="{BB962C8B-B14F-4D97-AF65-F5344CB8AC3E}">
+        <p14:creationId xmlns:p14="http://schemas.microsoft.com/office/powerpoint/2010/main" val="3033373"/>
+      </p:ext>
+    </p:extLst>
+  </p:cSld>
+  <p:clrMapOvr>
+    <a:masterClrMapping/>
+  </p:clrMapOvr>
+</p:sld>
+</file>
+
+<file path=ppt/slides/slide14.xml><?xml version="1.0" encoding="utf-8"?>
+<p:sld xmlns:a="http://schemas.openxmlformats.org/drawingml/2006/main" xmlns:r="http://schemas.openxmlformats.org/officeDocument/2006/relationships" xmlns:p="http://schemas.openxmlformats.org/presentationml/2006/main">
+  <p:cSld>
+    <p:spTree>
+      <p:nvGrpSpPr>
+        <p:cNvPr id="1" name=""/>
+        <p:cNvGrpSpPr/>
+        <p:nvPr/>
+      </p:nvGrpSpPr>
+      <p:grpSpPr>
+        <a:xfrm>
+          <a:off x="0" y="0"/>
+          <a:ext cx="0" cy="0"/>
+          <a:chOff x="0" y="0"/>
+          <a:chExt cx="0" cy="0"/>
+        </a:xfrm>
+      </p:grpSpPr>
+      <p:sp>
+        <p:nvSpPr>
+          <p:cNvPr id="2" name="タイトル 1">
+            <a:extLst>
+              <a:ext uri="{FF2B5EF4-FFF2-40B4-BE49-F238E27FC236}">
+                <a16:creationId xmlns:a16="http://schemas.microsoft.com/office/drawing/2014/main" id="{42F05FDF-ABAB-7E48-9F1B-AEC731BAD4C6}"/>
+              </a:ext>
+            </a:extLst>
+          </p:cNvPr>
+          <p:cNvSpPr>
+            <a:spLocks noGrp="1"/>
+          </p:cNvSpPr>
+          <p:nvPr>
+            <p:ph type="title"/>
+          </p:nvPr>
+        </p:nvSpPr>
+        <p:spPr/>
+        <p:txBody>
+          <a:bodyPr/>
+          <a:lstStyle/>
+          <a:p>
+            <a:r>
+              <a:rPr kumimoji="1" lang="ja-JP" altLang="en-US"/>
+              <a:t>ポアソン回帰</a:t>
+            </a:r>
+          </a:p>
+        </p:txBody>
+      </p:sp>
+      <mc:AlternateContent xmlns:mc="http://schemas.openxmlformats.org/markup-compatibility/2006">
+        <mc:Choice xmlns:a14="http://schemas.microsoft.com/office/drawing/2010/main" Requires="a14">
+          <p:sp>
+            <p:nvSpPr>
+              <p:cNvPr id="4" name="正方形/長方形 3">
+                <a:extLst>
+                  <a:ext uri="{FF2B5EF4-FFF2-40B4-BE49-F238E27FC236}">
+                    <a16:creationId xmlns:a16="http://schemas.microsoft.com/office/drawing/2014/main" id="{9EC7B6A7-C6F7-F142-A8C3-547CD51D0227}"/>
+                  </a:ext>
+                </a:extLst>
+              </p:cNvPr>
+              <p:cNvSpPr/>
+              <p:nvPr/>
+            </p:nvSpPr>
+            <p:spPr>
+              <a:xfrm>
+                <a:off x="282092" y="1436315"/>
+                <a:ext cx="4186006" cy="1175130"/>
+              </a:xfrm>
+              <a:prstGeom prst="rect">
+                <a:avLst/>
+              </a:prstGeom>
+            </p:spPr>
+            <p:txBody>
+              <a:bodyPr wrap="square">
+                <a:spAutoFit/>
+              </a:bodyPr>
+              <a:lstStyle/>
+              <a:p>
+                <a:pPr/>
+                <a14:m>
+                  <m:oMathPara xmlns:m="http://schemas.openxmlformats.org/officeDocument/2006/math">
+                    <m:oMathParaPr>
+                      <m:jc m:val="centerGroup"/>
+                    </m:oMathParaPr>
+                    <m:oMath xmlns:m="http://schemas.openxmlformats.org/officeDocument/2006/math">
+                      <m:r>
+                        <a:rPr lang="en-US" altLang="ja-JP" sz="2400" i="1" smtClean="0">
+                          <a:latin typeface="Cambria Math" panose="02040503050406030204" pitchFamily="18" charset="0"/>
+                        </a:rPr>
+                        <m:t>𝑋</m:t>
+                      </m:r>
+                      <m:r>
+                        <a:rPr lang="ja-JP" altLang="en-US" sz="2400" i="1">
+                          <a:latin typeface="Cambria Math" panose="02040503050406030204" pitchFamily="18" charset="0"/>
+                        </a:rPr>
+                        <m:t>𝜃</m:t>
+                      </m:r>
+                      <m:r>
+                        <a:rPr lang="en-US" altLang="ja-JP" sz="2400" b="0" i="1" smtClean="0">
+                          <a:latin typeface="Cambria Math" panose="02040503050406030204" pitchFamily="18" charset="0"/>
+                        </a:rPr>
+                        <m:t>=</m:t>
+                      </m:r>
+                      <m:d>
+                        <m:dPr>
+                          <m:begChr m:val="["/>
+                          <m:endChr m:val="]"/>
+                          <m:ctrlPr>
+                            <a:rPr lang="en-US" altLang="ja-JP" sz="2400" b="0" i="1" smtClean="0">
+                              <a:latin typeface="Cambria Math" panose="02040503050406030204" pitchFamily="18" charset="0"/>
+                            </a:rPr>
+                          </m:ctrlPr>
+                        </m:dPr>
+                        <m:e>
+                          <m:r>
+                            <a:rPr lang="en-US" altLang="ja-JP" sz="2400" b="0" i="1" smtClean="0">
+                              <a:latin typeface="Cambria Math" panose="02040503050406030204" pitchFamily="18" charset="0"/>
+                            </a:rPr>
+                            <m:t> </m:t>
+                          </m:r>
+                          <m:m>
+                            <m:mPr>
+                              <m:mcs>
+                                <m:mc>
+                                  <m:mcPr>
+                                    <m:count m:val="1"/>
+                                    <m:mcJc m:val="center"/>
+                                  </m:mcPr>
+                                </m:mc>
+                              </m:mcs>
+                              <m:ctrlPr>
+                                <a:rPr lang="en-US" altLang="ja-JP" sz="2400" b="0" i="1" smtClean="0">
+                                  <a:latin typeface="Cambria Math" panose="02040503050406030204" pitchFamily="18" charset="0"/>
+                                </a:rPr>
+                              </m:ctrlPr>
+                            </m:mPr>
+                            <m:mr>
+                              <m:e>
+                                <m:r>
+                                  <m:rPr>
+                                    <m:brk m:alnAt="7"/>
+                                  </m:rPr>
+                                  <a:rPr lang="en-US" altLang="ja-JP" sz="2400" b="0" i="1" smtClean="0">
+                                    <a:latin typeface="Cambria Math" panose="02040503050406030204" pitchFamily="18" charset="0"/>
+                                  </a:rPr>
+                                  <m:t>1</m:t>
+                                </m:r>
+                              </m:e>
+                            </m:mr>
+                            <m:mr>
+                              <m:e>
+                                <m:r>
+                                  <a:rPr lang="en-US" altLang="ja-JP" sz="2400" b="0" i="1" smtClean="0">
+                                    <a:latin typeface="Cambria Math" panose="02040503050406030204" pitchFamily="18" charset="0"/>
+                                  </a:rPr>
+                                  <m:t>⋮</m:t>
+                                </m:r>
+                              </m:e>
+                            </m:mr>
+                            <m:mr>
+                              <m:e>
+                                <m:r>
+                                  <a:rPr lang="en-US" altLang="ja-JP" sz="2400" b="0" i="1" smtClean="0">
+                                    <a:latin typeface="Cambria Math" panose="02040503050406030204" pitchFamily="18" charset="0"/>
+                                  </a:rPr>
+                                  <m:t>1</m:t>
+                                </m:r>
+                              </m:e>
+                            </m:mr>
+                          </m:m>
+                          <m:r>
+                            <a:rPr lang="en-US" altLang="ja-JP" sz="2400" b="0" i="1" smtClean="0">
+                              <a:latin typeface="Cambria Math" panose="02040503050406030204" pitchFamily="18" charset="0"/>
+                            </a:rPr>
+                            <m:t> </m:t>
+                          </m:r>
+                          <m:m>
+                            <m:mPr>
+                              <m:mcs>
+                                <m:mc>
+                                  <m:mcPr>
+                                    <m:count m:val="3"/>
+                                    <m:mcJc m:val="center"/>
+                                  </m:mcPr>
+                                </m:mc>
+                              </m:mcs>
+                              <m:ctrlPr>
+                                <a:rPr lang="en-US" altLang="ja-JP" sz="2400" b="0" i="1" smtClean="0">
+                                  <a:latin typeface="Cambria Math" panose="02040503050406030204" pitchFamily="18" charset="0"/>
+                                </a:rPr>
+                              </m:ctrlPr>
+                            </m:mPr>
+                            <m:mr>
+                              <m:e>
+                                <m:sSub>
+                                  <m:sSubPr>
+                                    <m:ctrlPr>
+                                      <a:rPr lang="en-US" altLang="ja-JP" sz="2400" b="0" i="1" smtClean="0">
+                                        <a:latin typeface="Cambria Math" panose="02040503050406030204" pitchFamily="18" charset="0"/>
+                                      </a:rPr>
+                                    </m:ctrlPr>
+                                  </m:sSubPr>
+                                  <m:e>
+                                    <m:r>
+                                      <a:rPr lang="en-US" altLang="ja-JP" sz="2400" b="0" i="1" smtClean="0">
+                                        <a:latin typeface="Cambria Math" panose="02040503050406030204" pitchFamily="18" charset="0"/>
+                                      </a:rPr>
+                                      <m:t>𝑥</m:t>
+                                    </m:r>
+                                  </m:e>
+                                  <m:sub>
+                                    <m:r>
+                                      <a:rPr lang="en-US" altLang="ja-JP" sz="2400" b="0" i="1" smtClean="0">
+                                        <a:latin typeface="Cambria Math" panose="02040503050406030204" pitchFamily="18" charset="0"/>
+                                      </a:rPr>
+                                      <m:t>12</m:t>
+                                    </m:r>
+                                  </m:sub>
+                                </m:sSub>
+                              </m:e>
+                              <m:e>
+                                <m:r>
+                                  <a:rPr lang="en-US" altLang="ja-JP" sz="2400" b="0" i="1" smtClean="0">
+                                    <a:latin typeface="Cambria Math" panose="02040503050406030204" pitchFamily="18" charset="0"/>
+                                  </a:rPr>
+                                  <m:t>⋯</m:t>
+                                </m:r>
+                              </m:e>
+                              <m:e>
+                                <m:sSub>
+                                  <m:sSubPr>
+                                    <m:ctrlPr>
+                                      <a:rPr lang="en-US" altLang="ja-JP" sz="2400" b="0" i="1" smtClean="0">
+                                        <a:latin typeface="Cambria Math" panose="02040503050406030204" pitchFamily="18" charset="0"/>
+                                      </a:rPr>
+                                    </m:ctrlPr>
+                                  </m:sSubPr>
+                                  <m:e>
+                                    <m:r>
+                                      <a:rPr lang="en-US" altLang="ja-JP" sz="2400" b="0" i="1" smtClean="0">
+                                        <a:latin typeface="Cambria Math" panose="02040503050406030204" pitchFamily="18" charset="0"/>
+                                      </a:rPr>
+                                      <m:t>𝑥</m:t>
+                                    </m:r>
+                                  </m:e>
+                                  <m:sub>
+                                    <m:r>
+                                      <a:rPr lang="en-US" altLang="ja-JP" sz="2400" b="0" i="1" smtClean="0">
+                                        <a:latin typeface="Cambria Math" panose="02040503050406030204" pitchFamily="18" charset="0"/>
+                                      </a:rPr>
+                                      <m:t>1</m:t>
+                                    </m:r>
+                                    <m:r>
+                                      <a:rPr lang="en-US" altLang="ja-JP" sz="2400" b="0" i="1" smtClean="0">
+                                        <a:latin typeface="Cambria Math" panose="02040503050406030204" pitchFamily="18" charset="0"/>
+                                      </a:rPr>
+                                      <m:t>𝑀</m:t>
+                                    </m:r>
+                                  </m:sub>
+                                </m:sSub>
+                              </m:e>
+                            </m:mr>
+                            <m:mr>
+                              <m:e>
+                                <m:r>
+                                  <a:rPr lang="en-US" altLang="ja-JP" sz="2400" b="0" i="1" smtClean="0">
+                                    <a:latin typeface="Cambria Math" panose="02040503050406030204" pitchFamily="18" charset="0"/>
+                                  </a:rPr>
+                                  <m:t>⋮</m:t>
+                                </m:r>
+                              </m:e>
+                              <m:e>
+                                <m:r>
+                                  <a:rPr lang="en-US" altLang="ja-JP" sz="2400" b="0" i="1" smtClean="0">
+                                    <a:latin typeface="Cambria Math" panose="02040503050406030204" pitchFamily="18" charset="0"/>
+                                  </a:rPr>
+                                  <m:t>⋱</m:t>
+                                </m:r>
+                              </m:e>
+                              <m:e>
+                                <m:r>
+                                  <a:rPr lang="en-US" altLang="ja-JP" sz="2400" b="0" i="1" smtClean="0">
+                                    <a:latin typeface="Cambria Math" panose="02040503050406030204" pitchFamily="18" charset="0"/>
+                                  </a:rPr>
+                                  <m:t>⋮</m:t>
+                                </m:r>
+                              </m:e>
+                            </m:mr>
+                            <m:mr>
+                              <m:e>
+                                <m:sSub>
+                                  <m:sSubPr>
+                                    <m:ctrlPr>
+                                      <a:rPr lang="en-US" altLang="ja-JP" sz="2400" b="0" i="1" smtClean="0">
+                                        <a:latin typeface="Cambria Math" panose="02040503050406030204" pitchFamily="18" charset="0"/>
+                                      </a:rPr>
+                                    </m:ctrlPr>
+                                  </m:sSubPr>
+                                  <m:e>
+                                    <m:r>
+                                      <a:rPr lang="en-US" altLang="ja-JP" sz="2400" b="0" i="1" smtClean="0">
+                                        <a:latin typeface="Cambria Math" panose="02040503050406030204" pitchFamily="18" charset="0"/>
+                                      </a:rPr>
+                                      <m:t>𝑥</m:t>
+                                    </m:r>
+                                  </m:e>
+                                  <m:sub>
+                                    <m:r>
+                                      <a:rPr lang="en-US" altLang="ja-JP" sz="2400" b="0" i="1" smtClean="0">
+                                        <a:latin typeface="Cambria Math" panose="02040503050406030204" pitchFamily="18" charset="0"/>
+                                      </a:rPr>
+                                      <m:t>𝑁</m:t>
+                                    </m:r>
+                                    <m:r>
+                                      <a:rPr lang="en-US" altLang="ja-JP" sz="2400" b="0" i="1" smtClean="0">
+                                        <a:latin typeface="Cambria Math" panose="02040503050406030204" pitchFamily="18" charset="0"/>
+                                      </a:rPr>
+                                      <m:t>2</m:t>
+                                    </m:r>
+                                  </m:sub>
+                                </m:sSub>
+                              </m:e>
+                              <m:e>
+                                <m:r>
+                                  <a:rPr lang="en-US" altLang="ja-JP" sz="2400" b="0" i="1" smtClean="0">
+                                    <a:latin typeface="Cambria Math" panose="02040503050406030204" pitchFamily="18" charset="0"/>
+                                  </a:rPr>
+                                  <m:t>⋯</m:t>
+                                </m:r>
+                              </m:e>
+                              <m:e>
+                                <m:sSub>
+                                  <m:sSubPr>
+                                    <m:ctrlPr>
+                                      <a:rPr lang="en-US" altLang="ja-JP" sz="2400" b="0" i="1" smtClean="0">
+                                        <a:latin typeface="Cambria Math" panose="02040503050406030204" pitchFamily="18" charset="0"/>
+                                      </a:rPr>
+                                    </m:ctrlPr>
+                                  </m:sSubPr>
+                                  <m:e>
+                                    <m:r>
+                                      <a:rPr lang="en-US" altLang="ja-JP" sz="2400" b="0" i="1" smtClean="0">
+                                        <a:latin typeface="Cambria Math" panose="02040503050406030204" pitchFamily="18" charset="0"/>
+                                      </a:rPr>
+                                      <m:t>𝑥</m:t>
+                                    </m:r>
+                                  </m:e>
+                                  <m:sub>
+                                    <m:r>
+                                      <a:rPr lang="en-US" altLang="ja-JP" sz="2400" b="0" i="1" smtClean="0">
+                                        <a:latin typeface="Cambria Math" panose="02040503050406030204" pitchFamily="18" charset="0"/>
+                                      </a:rPr>
+                                      <m:t>𝑁𝑀</m:t>
+                                    </m:r>
+                                  </m:sub>
+                                </m:sSub>
+                              </m:e>
+                            </m:mr>
+                          </m:m>
+                          <m:r>
+                            <a:rPr lang="en-US" altLang="ja-JP" sz="2400" b="0" i="1" smtClean="0">
+                              <a:latin typeface="Cambria Math" panose="02040503050406030204" pitchFamily="18" charset="0"/>
+                            </a:rPr>
+                            <m:t> </m:t>
+                          </m:r>
+                        </m:e>
+                      </m:d>
+                      <m:d>
+                        <m:dPr>
+                          <m:begChr m:val="["/>
+                          <m:endChr m:val="]"/>
+                          <m:ctrlPr>
+                            <a:rPr lang="en-US" altLang="ja-JP" sz="2400" b="0" i="1" smtClean="0">
+                              <a:latin typeface="Cambria Math" panose="02040503050406030204" pitchFamily="18" charset="0"/>
+                            </a:rPr>
+                          </m:ctrlPr>
+                        </m:dPr>
+                        <m:e>
+                          <m:m>
+                            <m:mPr>
+                              <m:mcs>
+                                <m:mc>
+                                  <m:mcPr>
+                                    <m:count m:val="1"/>
+                                    <m:mcJc m:val="center"/>
+                                  </m:mcPr>
+                                </m:mc>
+                              </m:mcs>
+                              <m:ctrlPr>
+                                <a:rPr lang="en-US" altLang="ja-JP" sz="2400" b="0" i="1" smtClean="0">
+                                  <a:latin typeface="Cambria Math" panose="02040503050406030204" pitchFamily="18" charset="0"/>
+                                </a:rPr>
+                              </m:ctrlPr>
+                            </m:mPr>
+                            <m:mr>
+                              <m:e>
+                                <m:sSub>
+                                  <m:sSubPr>
+                                    <m:ctrlPr>
+                                      <a:rPr lang="en-US" altLang="ja-JP" sz="2400" b="0" i="1" smtClean="0">
+                                        <a:latin typeface="Cambria Math" panose="02040503050406030204" pitchFamily="18" charset="0"/>
+                                      </a:rPr>
+                                    </m:ctrlPr>
+                                  </m:sSubPr>
+                                  <m:e>
+                                    <m:r>
+                                      <a:rPr lang="ja-JP" altLang="en-US" sz="2400" i="1">
+                                        <a:latin typeface="Cambria Math" panose="02040503050406030204" pitchFamily="18" charset="0"/>
+                                      </a:rPr>
+                                      <m:t>𝜃</m:t>
+                                    </m:r>
+                                  </m:e>
+                                  <m:sub>
+                                    <m:r>
+                                      <a:rPr lang="en-US" altLang="ja-JP" sz="2400" b="0" i="1" smtClean="0">
+                                        <a:latin typeface="Cambria Math" panose="02040503050406030204" pitchFamily="18" charset="0"/>
+                                      </a:rPr>
+                                      <m:t>1</m:t>
+                                    </m:r>
+                                  </m:sub>
+                                </m:sSub>
+                              </m:e>
+                            </m:mr>
+                            <m:mr>
+                              <m:e>
+                                <m:r>
+                                  <a:rPr lang="en-US" altLang="ja-JP" sz="2400" b="0" i="1" smtClean="0">
+                                    <a:latin typeface="Cambria Math" panose="02040503050406030204" pitchFamily="18" charset="0"/>
+                                  </a:rPr>
+                                  <m:t>⋮</m:t>
+                                </m:r>
+                              </m:e>
+                            </m:mr>
+                            <m:mr>
+                              <m:e>
+                                <m:sSub>
+                                  <m:sSubPr>
+                                    <m:ctrlPr>
+                                      <a:rPr lang="en-US" altLang="ja-JP" sz="2400" b="0" i="1" smtClean="0">
+                                        <a:latin typeface="Cambria Math" panose="02040503050406030204" pitchFamily="18" charset="0"/>
+                                      </a:rPr>
+                                    </m:ctrlPr>
+                                  </m:sSubPr>
+                                  <m:e>
+                                    <m:r>
+                                      <a:rPr lang="ja-JP" altLang="en-US" sz="2400" i="1">
+                                        <a:latin typeface="Cambria Math" panose="02040503050406030204" pitchFamily="18" charset="0"/>
+                                      </a:rPr>
+                                      <m:t>𝜃</m:t>
+                                    </m:r>
+                                  </m:e>
+                                  <m:sub>
+                                    <m:r>
+                                      <a:rPr lang="en-US" altLang="ja-JP" sz="2400" b="0" i="1" smtClean="0">
+                                        <a:latin typeface="Cambria Math" panose="02040503050406030204" pitchFamily="18" charset="0"/>
+                                      </a:rPr>
+                                      <m:t>𝑀</m:t>
+                                    </m:r>
+                                  </m:sub>
+                                </m:sSub>
+                              </m:e>
+                            </m:mr>
+                          </m:m>
+                        </m:e>
+                      </m:d>
+                    </m:oMath>
+                  </m:oMathPara>
+                </a14:m>
+                <a:endParaRPr lang="ja-JP" altLang="en-US" sz="2400" dirty="0"/>
+              </a:p>
+            </p:txBody>
+          </p:sp>
+        </mc:Choice>
+        <mc:Fallback>
+          <p:sp>
+            <p:nvSpPr>
+              <p:cNvPr id="4" name="正方形/長方形 3">
+                <a:extLst>
+                  <a:ext uri="{FF2B5EF4-FFF2-40B4-BE49-F238E27FC236}">
+                    <a16:creationId xmlns:a16="http://schemas.microsoft.com/office/drawing/2014/main" id="{9EC7B6A7-C6F7-F142-A8C3-547CD51D0227}"/>
+                  </a:ext>
+                </a:extLst>
+              </p:cNvPr>
+              <p:cNvSpPr>
+                <a:spLocks noRot="1" noChangeAspect="1" noMove="1" noResize="1" noEditPoints="1" noAdjustHandles="1" noChangeArrowheads="1" noChangeShapeType="1" noTextEdit="1"/>
+              </p:cNvSpPr>
+              <p:nvPr/>
+            </p:nvSpPr>
+            <p:spPr>
+              <a:xfrm>
+                <a:off x="282092" y="1436315"/>
+                <a:ext cx="4186006" cy="1175130"/>
+              </a:xfrm>
+              <a:prstGeom prst="rect">
+                <a:avLst/>
+              </a:prstGeom>
+              <a:blipFill>
+                <a:blip r:embed="rId2"/>
+                <a:stretch>
+                  <a:fillRect/>
+                </a:stretch>
+              </a:blipFill>
+            </p:spPr>
+            <p:txBody>
+              <a:bodyPr/>
+              <a:lstStyle/>
+              <a:p>
+                <a:r>
+                  <a:rPr lang="ja-JP" altLang="en-US">
+                    <a:noFill/>
+                  </a:rPr>
+                  <a:t> </a:t>
+                </a:r>
+              </a:p>
+            </p:txBody>
+          </p:sp>
+        </mc:Fallback>
+      </mc:AlternateContent>
+      <p:sp>
+        <p:nvSpPr>
+          <p:cNvPr id="5" name="テキスト ボックス 4">
+            <a:extLst>
+              <a:ext uri="{FF2B5EF4-FFF2-40B4-BE49-F238E27FC236}">
+                <a16:creationId xmlns:a16="http://schemas.microsoft.com/office/drawing/2014/main" id="{57D1A45B-D753-0644-8621-F17359FAD8C2}"/>
+              </a:ext>
+            </a:extLst>
+          </p:cNvPr>
+          <p:cNvSpPr txBox="1"/>
+          <p:nvPr/>
+        </p:nvSpPr>
+        <p:spPr>
+          <a:xfrm>
+            <a:off x="5264332" y="1882824"/>
+            <a:ext cx="2031325" cy="461665"/>
+          </a:xfrm>
+          <a:prstGeom prst="rect">
+            <a:avLst/>
+          </a:prstGeom>
+          <a:noFill/>
+        </p:spPr>
+        <p:txBody>
+          <a:bodyPr wrap="none" rtlCol="0">
+            <a:spAutoFit/>
+          </a:bodyPr>
+          <a:lstStyle/>
+          <a:p>
+            <a:r>
+              <a:rPr kumimoji="1" lang="ja-JP" altLang="en-US" sz="2400"/>
+              <a:t>ポアソン分布</a:t>
+            </a:r>
+          </a:p>
+        </p:txBody>
+      </p:sp>
+      <mc:AlternateContent xmlns:mc="http://schemas.openxmlformats.org/markup-compatibility/2006">
+        <mc:Choice xmlns:a14="http://schemas.microsoft.com/office/drawing/2010/main" Requires="a14">
+          <p:sp>
+            <p:nvSpPr>
+              <p:cNvPr id="6" name="テキスト ボックス 5">
+                <a:extLst>
+                  <a:ext uri="{FF2B5EF4-FFF2-40B4-BE49-F238E27FC236}">
+                    <a16:creationId xmlns:a16="http://schemas.microsoft.com/office/drawing/2014/main" id="{8F6D09AD-43CD-1B49-B5AB-E2567949B6C9}"/>
+                  </a:ext>
+                </a:extLst>
+              </p:cNvPr>
+              <p:cNvSpPr txBox="1"/>
+              <p:nvPr/>
+            </p:nvSpPr>
+            <p:spPr>
+              <a:xfrm>
+                <a:off x="7295657" y="1580019"/>
+                <a:ext cx="3266151" cy="995465"/>
+              </a:xfrm>
+              <a:prstGeom prst="rect">
+                <a:avLst/>
+              </a:prstGeom>
+              <a:noFill/>
+            </p:spPr>
+            <p:txBody>
+              <a:bodyPr wrap="none" rtlCol="0">
+                <a:spAutoFit/>
+              </a:bodyPr>
+              <a:lstStyle/>
+              <a:p>
+                <a14:m>
+                  <m:oMathPara xmlns:m="http://schemas.openxmlformats.org/officeDocument/2006/math">
+                    <m:oMathParaPr>
+                      <m:jc m:val="centerGroup"/>
+                    </m:oMathParaPr>
+                    <m:oMath xmlns:m="http://schemas.openxmlformats.org/officeDocument/2006/math">
+                      <m:r>
+                        <m:rPr>
+                          <m:sty m:val="p"/>
+                        </m:rPr>
+                        <a:rPr lang="en-US" altLang="ja-JP" sz="2800" b="0" i="0" smtClean="0">
+                          <a:latin typeface="Cambria Math" panose="02040503050406030204" pitchFamily="18" charset="0"/>
+                        </a:rPr>
+                        <m:t>PDF</m:t>
+                      </m:r>
+                      <m:d>
+                        <m:dPr>
+                          <m:ctrlPr>
+                            <a:rPr lang="en-US" altLang="ja-JP" sz="2800" b="0" i="1" smtClean="0">
+                              <a:latin typeface="Cambria Math" panose="02040503050406030204" pitchFamily="18" charset="0"/>
+                            </a:rPr>
+                          </m:ctrlPr>
+                        </m:dPr>
+                        <m:e>
+                          <m:r>
+                            <a:rPr lang="en-US" altLang="ja-JP" sz="2800" b="0" i="1" smtClean="0">
+                              <a:latin typeface="Cambria Math" panose="02040503050406030204" pitchFamily="18" charset="0"/>
+                            </a:rPr>
+                            <m:t>𝑦</m:t>
+                          </m:r>
+                        </m:e>
+                        <m:e>
+                          <m:r>
+                            <a:rPr lang="en-US" altLang="ja-JP" sz="2800" b="0" i="1" smtClean="0">
+                              <a:latin typeface="Cambria Math" panose="02040503050406030204" pitchFamily="18" charset="0"/>
+                              <a:ea typeface="Cambria Math" panose="02040503050406030204" pitchFamily="18" charset="0"/>
+                            </a:rPr>
+                            <m:t>𝜆</m:t>
+                          </m:r>
+                        </m:e>
+                      </m:d>
+                      <m:r>
+                        <a:rPr lang="en-US" altLang="ja-JP" sz="2800" b="0" i="1" smtClean="0">
+                          <a:latin typeface="Cambria Math" panose="02040503050406030204" pitchFamily="18" charset="0"/>
+                        </a:rPr>
+                        <m:t>=</m:t>
+                      </m:r>
+                      <m:sSup>
+                        <m:sSupPr>
+                          <m:ctrlPr>
+                            <a:rPr lang="en-US" altLang="ja-JP" sz="2800" b="0" i="1" smtClean="0">
+                              <a:latin typeface="Cambria Math" panose="02040503050406030204" pitchFamily="18" charset="0"/>
+                            </a:rPr>
+                          </m:ctrlPr>
+                        </m:sSupPr>
+                        <m:e>
+                          <m:r>
+                            <a:rPr lang="en-US" altLang="ja-JP" sz="2800" b="0" i="1" smtClean="0">
+                              <a:latin typeface="Cambria Math" panose="02040503050406030204" pitchFamily="18" charset="0"/>
+                            </a:rPr>
+                            <m:t>𝑒</m:t>
+                          </m:r>
+                        </m:e>
+                        <m:sup>
+                          <m:r>
+                            <a:rPr lang="en-US" altLang="ja-JP" sz="2800" b="0" i="1" smtClean="0">
+                              <a:latin typeface="Cambria Math" panose="02040503050406030204" pitchFamily="18" charset="0"/>
+                            </a:rPr>
+                            <m:t>−</m:t>
+                          </m:r>
+                          <m:r>
+                            <a:rPr lang="en-US" altLang="ja-JP" sz="2800" b="0" i="1" smtClean="0">
+                              <a:latin typeface="Cambria Math" panose="02040503050406030204" pitchFamily="18" charset="0"/>
+                              <a:ea typeface="Cambria Math" panose="02040503050406030204" pitchFamily="18" charset="0"/>
+                            </a:rPr>
+                            <m:t>𝜆</m:t>
+                          </m:r>
+                        </m:sup>
+                      </m:sSup>
+                      <m:f>
+                        <m:fPr>
+                          <m:ctrlPr>
+                            <a:rPr lang="en-US" altLang="ja-JP" sz="2800" b="0" i="1" smtClean="0">
+                              <a:latin typeface="Cambria Math" panose="02040503050406030204" pitchFamily="18" charset="0"/>
+                            </a:rPr>
+                          </m:ctrlPr>
+                        </m:fPr>
+                        <m:num>
+                          <m:sSup>
+                            <m:sSupPr>
+                              <m:ctrlPr>
+                                <a:rPr lang="en-US" altLang="ja-JP" sz="2800" b="0" i="1" smtClean="0">
+                                  <a:latin typeface="Cambria Math" panose="02040503050406030204" pitchFamily="18" charset="0"/>
+                                  <a:ea typeface="Cambria Math" panose="02040503050406030204" pitchFamily="18" charset="0"/>
+                                </a:rPr>
+                              </m:ctrlPr>
+                            </m:sSupPr>
+                            <m:e>
+                              <m:r>
+                                <a:rPr lang="en-US" altLang="ja-JP" sz="2800" i="1">
+                                  <a:latin typeface="Cambria Math" panose="02040503050406030204" pitchFamily="18" charset="0"/>
+                                  <a:ea typeface="Cambria Math" panose="02040503050406030204" pitchFamily="18" charset="0"/>
+                                </a:rPr>
+                                <m:t>𝜆</m:t>
+                              </m:r>
+                            </m:e>
+                            <m:sup>
+                              <m:r>
+                                <a:rPr lang="en-US" altLang="ja-JP" sz="2800" b="0" i="1" smtClean="0">
+                                  <a:latin typeface="Cambria Math" panose="02040503050406030204" pitchFamily="18" charset="0"/>
+                                  <a:ea typeface="Cambria Math" panose="02040503050406030204" pitchFamily="18" charset="0"/>
+                                </a:rPr>
+                                <m:t>𝑦</m:t>
+                              </m:r>
+                            </m:sup>
+                          </m:sSup>
+                        </m:num>
+                        <m:den>
+                          <m:r>
+                            <a:rPr lang="en-US" altLang="ja-JP" sz="2800" b="0" i="1" smtClean="0">
+                              <a:latin typeface="Cambria Math" panose="02040503050406030204" pitchFamily="18" charset="0"/>
+                            </a:rPr>
+                            <m:t>𝑦</m:t>
+                          </m:r>
+                          <m:r>
+                            <a:rPr lang="en-US" altLang="ja-JP" sz="2800" b="0" i="1" smtClean="0">
+                              <a:latin typeface="Cambria Math" panose="02040503050406030204" pitchFamily="18" charset="0"/>
+                              <a:ea typeface="Cambria Math" panose="02040503050406030204" pitchFamily="18" charset="0"/>
+                            </a:rPr>
+                            <m:t>!</m:t>
+                          </m:r>
+                        </m:den>
+                      </m:f>
+                    </m:oMath>
+                  </m:oMathPara>
+                </a14:m>
+                <a:endParaRPr kumimoji="1" lang="ja-JP" altLang="en-US" sz="2800"/>
+              </a:p>
+            </p:txBody>
+          </p:sp>
+        </mc:Choice>
+        <mc:Fallback>
+          <p:sp>
+            <p:nvSpPr>
+              <p:cNvPr id="6" name="テキスト ボックス 5">
+                <a:extLst>
+                  <a:ext uri="{FF2B5EF4-FFF2-40B4-BE49-F238E27FC236}">
+                    <a16:creationId xmlns:a16="http://schemas.microsoft.com/office/drawing/2014/main" id="{8F6D09AD-43CD-1B49-B5AB-E2567949B6C9}"/>
+                  </a:ext>
+                </a:extLst>
+              </p:cNvPr>
+              <p:cNvSpPr txBox="1">
+                <a:spLocks noRot="1" noChangeAspect="1" noMove="1" noResize="1" noEditPoints="1" noAdjustHandles="1" noChangeArrowheads="1" noChangeShapeType="1" noTextEdit="1"/>
+              </p:cNvSpPr>
+              <p:nvPr/>
+            </p:nvSpPr>
+            <p:spPr>
+              <a:xfrm>
+                <a:off x="7295657" y="1580019"/>
+                <a:ext cx="3266151" cy="995465"/>
+              </a:xfrm>
+              <a:prstGeom prst="rect">
+                <a:avLst/>
+              </a:prstGeom>
+              <a:blipFill>
+                <a:blip r:embed="rId3"/>
+                <a:stretch>
+                  <a:fillRect b="-6250"/>
+                </a:stretch>
+              </a:blipFill>
+            </p:spPr>
+            <p:txBody>
+              <a:bodyPr/>
+              <a:lstStyle/>
+              <a:p>
+                <a:r>
+                  <a:rPr lang="ja-JP" altLang="en-US">
+                    <a:noFill/>
+                  </a:rPr>
+                  <a:t> </a:t>
+                </a:r>
+              </a:p>
+            </p:txBody>
+          </p:sp>
+        </mc:Fallback>
+      </mc:AlternateContent>
+      <mc:AlternateContent xmlns:mc="http://schemas.openxmlformats.org/markup-compatibility/2006">
+        <mc:Choice xmlns:a14="http://schemas.microsoft.com/office/drawing/2010/main" Requires="a14">
+          <p:sp>
+            <p:nvSpPr>
+              <p:cNvPr id="7" name="テキスト ボックス 6">
+                <a:extLst>
+                  <a:ext uri="{FF2B5EF4-FFF2-40B4-BE49-F238E27FC236}">
+                    <a16:creationId xmlns:a16="http://schemas.microsoft.com/office/drawing/2014/main" id="{6714AC6C-AF17-3F4E-A74F-FC1896440528}"/>
+                  </a:ext>
+                </a:extLst>
+              </p:cNvPr>
+              <p:cNvSpPr txBox="1"/>
+              <p:nvPr/>
+            </p:nvSpPr>
+            <p:spPr>
+              <a:xfrm>
+                <a:off x="528933" y="3632707"/>
+                <a:ext cx="8315610" cy="1077218"/>
+              </a:xfrm>
+              <a:prstGeom prst="rect">
+                <a:avLst/>
+              </a:prstGeom>
+              <a:noFill/>
+            </p:spPr>
+            <p:txBody>
+              <a:bodyPr wrap="none" rtlCol="0">
+                <a:spAutoFit/>
+              </a:bodyPr>
+              <a:lstStyle/>
+              <a:p>
+                <a14:m>
+                  <m:oMathPara xmlns:m="http://schemas.openxmlformats.org/officeDocument/2006/math">
+                    <m:oMathParaPr>
+                      <m:jc m:val="centerGroup"/>
+                    </m:oMathParaPr>
+                    <m:oMath xmlns:m="http://schemas.openxmlformats.org/officeDocument/2006/math">
+                      <m:r>
+                        <m:rPr>
+                          <m:sty m:val="p"/>
+                        </m:rPr>
+                        <a:rPr kumimoji="1" lang="en-US" altLang="ja-JP" sz="3200" b="0" i="0" smtClean="0">
+                          <a:latin typeface="Cambria Math" panose="02040503050406030204" pitchFamily="18" charset="0"/>
+                        </a:rPr>
+                        <m:t>log</m:t>
+                      </m:r>
+                      <m:sSub>
+                        <m:sSubPr>
+                          <m:ctrlPr>
+                            <a:rPr kumimoji="1" lang="en-US" altLang="ja-JP" sz="3200" i="1" smtClean="0">
+                              <a:latin typeface="Cambria Math" panose="02040503050406030204" pitchFamily="18" charset="0"/>
+                            </a:rPr>
+                          </m:ctrlPr>
+                        </m:sSubPr>
+                        <m:e>
+                          <m:r>
+                            <a:rPr lang="en-US" altLang="ja-JP" sz="3200" i="1">
+                              <a:latin typeface="Cambria Math" panose="02040503050406030204" pitchFamily="18" charset="0"/>
+                              <a:ea typeface="Cambria Math" panose="02040503050406030204" pitchFamily="18" charset="0"/>
+                            </a:rPr>
+                            <m:t>𝜆</m:t>
+                          </m:r>
+                        </m:e>
+                        <m:sub>
+                          <m:r>
+                            <a:rPr kumimoji="1" lang="en-US" altLang="ja-JP" sz="3200" b="0" i="1" smtClean="0">
+                              <a:latin typeface="Cambria Math" panose="02040503050406030204" pitchFamily="18" charset="0"/>
+                            </a:rPr>
+                            <m:t>𝑖</m:t>
+                          </m:r>
+                        </m:sub>
+                      </m:sSub>
+                      <m:r>
+                        <m:rPr>
+                          <m:nor/>
+                        </m:rPr>
+                        <a:rPr lang="en-US" altLang="ja-JP" sz="3200" dirty="0"/>
+                        <m:t>=</m:t>
+                      </m:r>
+                      <m:sSub>
+                        <m:sSubPr>
+                          <m:ctrlPr>
+                            <a:rPr lang="en-US" altLang="ja-JP" sz="3200" i="1">
+                              <a:latin typeface="Cambria Math" panose="02040503050406030204" pitchFamily="18" charset="0"/>
+                            </a:rPr>
+                          </m:ctrlPr>
+                        </m:sSubPr>
+                        <m:e>
+                          <m:r>
+                            <a:rPr lang="en-US" altLang="ja-JP" sz="3200" i="1">
+                              <a:latin typeface="Cambria Math" panose="02040503050406030204" pitchFamily="18" charset="0"/>
+                            </a:rPr>
+                            <m:t>𝑋</m:t>
+                          </m:r>
+                        </m:e>
+                        <m:sub>
+                          <m:r>
+                            <a:rPr lang="en-US" altLang="ja-JP" sz="3200" i="1">
+                              <a:latin typeface="Cambria Math" panose="02040503050406030204" pitchFamily="18" charset="0"/>
+                            </a:rPr>
+                            <m:t>𝑖</m:t>
+                          </m:r>
+                        </m:sub>
+                      </m:sSub>
+                      <m:r>
+                        <a:rPr lang="ja-JP" altLang="en-US" sz="3200" i="1">
+                          <a:latin typeface="Cambria Math" panose="02040503050406030204" pitchFamily="18" charset="0"/>
+                        </a:rPr>
+                        <m:t>𝜃</m:t>
+                      </m:r>
+                      <m:r>
+                        <a:rPr kumimoji="1" lang="en-US" altLang="ja-JP" sz="3200" b="0" i="1" smtClean="0">
+                          <a:latin typeface="Cambria Math" panose="02040503050406030204" pitchFamily="18" charset="0"/>
+                        </a:rPr>
+                        <m:t>=</m:t>
+                      </m:r>
+                      <m:sSub>
+                        <m:sSubPr>
+                          <m:ctrlPr>
+                            <a:rPr lang="en-US" altLang="ja-JP" sz="3200" i="1">
+                              <a:latin typeface="Cambria Math" panose="02040503050406030204" pitchFamily="18" charset="0"/>
+                            </a:rPr>
+                          </m:ctrlPr>
+                        </m:sSubPr>
+                        <m:e>
+                          <m:r>
+                            <a:rPr lang="ja-JP" altLang="en-US" sz="3200" i="1">
+                              <a:latin typeface="Cambria Math" panose="02040503050406030204" pitchFamily="18" charset="0"/>
+                            </a:rPr>
+                            <m:t>𝜃</m:t>
+                          </m:r>
+                        </m:e>
+                        <m:sub>
+                          <m:r>
+                            <a:rPr lang="en-US" altLang="ja-JP" sz="3200" i="1">
+                              <a:latin typeface="Cambria Math" panose="02040503050406030204" pitchFamily="18" charset="0"/>
+                            </a:rPr>
+                            <m:t>1</m:t>
+                          </m:r>
+                        </m:sub>
+                      </m:sSub>
+                      <m:r>
+                        <a:rPr lang="en-US" altLang="ja-JP" sz="3200" b="0" i="1" smtClean="0">
+                          <a:latin typeface="Cambria Math" panose="02040503050406030204" pitchFamily="18" charset="0"/>
+                        </a:rPr>
+                        <m:t>+</m:t>
+                      </m:r>
+                      <m:sSub>
+                        <m:sSubPr>
+                          <m:ctrlPr>
+                            <a:rPr lang="en-US" altLang="ja-JP" sz="3200" i="1">
+                              <a:latin typeface="Cambria Math" panose="02040503050406030204" pitchFamily="18" charset="0"/>
+                            </a:rPr>
+                          </m:ctrlPr>
+                        </m:sSubPr>
+                        <m:e>
+                          <m:sSub>
+                            <m:sSubPr>
+                              <m:ctrlPr>
+                                <a:rPr lang="en-US" altLang="ja-JP" sz="3200" i="1">
+                                  <a:latin typeface="Cambria Math" panose="02040503050406030204" pitchFamily="18" charset="0"/>
+                                </a:rPr>
+                              </m:ctrlPr>
+                            </m:sSubPr>
+                            <m:e>
+                              <m:r>
+                                <a:rPr lang="ja-JP" altLang="en-US" sz="3200" i="1">
+                                  <a:latin typeface="Cambria Math" panose="02040503050406030204" pitchFamily="18" charset="0"/>
+                                </a:rPr>
+                                <m:t>𝜃</m:t>
+                              </m:r>
+                            </m:e>
+                            <m:sub>
+                              <m:r>
+                                <a:rPr lang="en-US" altLang="ja-JP" sz="3200" b="0" i="1" smtClean="0">
+                                  <a:latin typeface="Cambria Math" panose="02040503050406030204" pitchFamily="18" charset="0"/>
+                                </a:rPr>
+                                <m:t>2</m:t>
+                              </m:r>
+                            </m:sub>
+                          </m:sSub>
+                          <m:r>
+                            <a:rPr lang="en-US" altLang="ja-JP" sz="3200" i="1">
+                              <a:latin typeface="Cambria Math" panose="02040503050406030204" pitchFamily="18" charset="0"/>
+                            </a:rPr>
+                            <m:t>𝑥</m:t>
+                          </m:r>
+                        </m:e>
+                        <m:sub>
+                          <m:r>
+                            <a:rPr lang="en-US" altLang="ja-JP" sz="3200" b="0" i="1" smtClean="0">
+                              <a:latin typeface="Cambria Math" panose="02040503050406030204" pitchFamily="18" charset="0"/>
+                            </a:rPr>
+                            <m:t>𝑖</m:t>
+                          </m:r>
+                          <m:r>
+                            <a:rPr lang="en-US" altLang="ja-JP" sz="3200" i="1">
+                              <a:latin typeface="Cambria Math" panose="02040503050406030204" pitchFamily="18" charset="0"/>
+                            </a:rPr>
+                            <m:t>2</m:t>
+                          </m:r>
+                        </m:sub>
+                      </m:sSub>
+                      <m:r>
+                        <a:rPr lang="en-US" altLang="ja-JP" sz="3200" b="0" i="0" smtClean="0">
+                          <a:latin typeface="Cambria Math" panose="02040503050406030204" pitchFamily="18" charset="0"/>
+                        </a:rPr>
+                        <m:t>+</m:t>
+                      </m:r>
+                      <m:sSub>
+                        <m:sSubPr>
+                          <m:ctrlPr>
+                            <a:rPr lang="en-US" altLang="ja-JP" sz="3200" i="1">
+                              <a:latin typeface="Cambria Math" panose="02040503050406030204" pitchFamily="18" charset="0"/>
+                            </a:rPr>
+                          </m:ctrlPr>
+                        </m:sSubPr>
+                        <m:e>
+                          <m:sSub>
+                            <m:sSubPr>
+                              <m:ctrlPr>
+                                <a:rPr lang="en-US" altLang="ja-JP" sz="3200" i="1">
+                                  <a:latin typeface="Cambria Math" panose="02040503050406030204" pitchFamily="18" charset="0"/>
+                                </a:rPr>
+                              </m:ctrlPr>
+                            </m:sSubPr>
+                            <m:e>
+                              <m:r>
+                                <a:rPr lang="ja-JP" altLang="en-US" sz="3200" i="1">
+                                  <a:latin typeface="Cambria Math" panose="02040503050406030204" pitchFamily="18" charset="0"/>
+                                </a:rPr>
+                                <m:t>𝜃</m:t>
+                              </m:r>
+                            </m:e>
+                            <m:sub>
+                              <m:r>
+                                <a:rPr lang="en-US" altLang="ja-JP" sz="3200" b="0" i="1" smtClean="0">
+                                  <a:latin typeface="Cambria Math" panose="02040503050406030204" pitchFamily="18" charset="0"/>
+                                </a:rPr>
+                                <m:t>3</m:t>
+                              </m:r>
+                            </m:sub>
+                          </m:sSub>
+                          <m:r>
+                            <a:rPr lang="en-US" altLang="ja-JP" sz="3200" i="1">
+                              <a:latin typeface="Cambria Math" panose="02040503050406030204" pitchFamily="18" charset="0"/>
+                            </a:rPr>
+                            <m:t>𝑥</m:t>
+                          </m:r>
+                        </m:e>
+                        <m:sub>
+                          <m:r>
+                            <a:rPr lang="en-US" altLang="ja-JP" sz="3200" i="1">
+                              <a:latin typeface="Cambria Math" panose="02040503050406030204" pitchFamily="18" charset="0"/>
+                            </a:rPr>
+                            <m:t>𝑖</m:t>
+                          </m:r>
+                          <m:r>
+                            <a:rPr lang="en-US" altLang="ja-JP" sz="3200" b="0" i="1" smtClean="0">
+                              <a:latin typeface="Cambria Math" panose="02040503050406030204" pitchFamily="18" charset="0"/>
+                            </a:rPr>
+                            <m:t>3</m:t>
+                          </m:r>
+                        </m:sub>
+                      </m:sSub>
+                      <m:r>
+                        <a:rPr lang="en-US" altLang="ja-JP" sz="3200" b="0" i="1" smtClean="0">
+                          <a:latin typeface="Cambria Math" panose="02040503050406030204" pitchFamily="18" charset="0"/>
+                        </a:rPr>
+                        <m:t>+…+</m:t>
+                      </m:r>
+                      <m:sSub>
+                        <m:sSubPr>
+                          <m:ctrlPr>
+                            <a:rPr lang="en-US" altLang="ja-JP" sz="3200" i="1">
+                              <a:latin typeface="Cambria Math" panose="02040503050406030204" pitchFamily="18" charset="0"/>
+                            </a:rPr>
+                          </m:ctrlPr>
+                        </m:sSubPr>
+                        <m:e>
+                          <m:sSub>
+                            <m:sSubPr>
+                              <m:ctrlPr>
+                                <a:rPr lang="en-US" altLang="ja-JP" sz="3200" i="1">
+                                  <a:latin typeface="Cambria Math" panose="02040503050406030204" pitchFamily="18" charset="0"/>
+                                </a:rPr>
+                              </m:ctrlPr>
+                            </m:sSubPr>
+                            <m:e>
+                              <m:r>
+                                <a:rPr lang="ja-JP" altLang="en-US" sz="3200" i="1">
+                                  <a:latin typeface="Cambria Math" panose="02040503050406030204" pitchFamily="18" charset="0"/>
+                                </a:rPr>
+                                <m:t>𝜃</m:t>
+                              </m:r>
+                            </m:e>
+                            <m:sub>
+                              <m:r>
+                                <a:rPr lang="en-US" altLang="ja-JP" sz="3200" b="0" i="1" smtClean="0">
+                                  <a:latin typeface="Cambria Math" panose="02040503050406030204" pitchFamily="18" charset="0"/>
+                                </a:rPr>
+                                <m:t>𝑀</m:t>
+                              </m:r>
+                            </m:sub>
+                          </m:sSub>
+                          <m:r>
+                            <a:rPr lang="en-US" altLang="ja-JP" sz="3200" i="1">
+                              <a:latin typeface="Cambria Math" panose="02040503050406030204" pitchFamily="18" charset="0"/>
+                            </a:rPr>
+                            <m:t>𝑥</m:t>
+                          </m:r>
+                        </m:e>
+                        <m:sub>
+                          <m:r>
+                            <a:rPr lang="en-US" altLang="ja-JP" sz="3200" i="1">
+                              <a:latin typeface="Cambria Math" panose="02040503050406030204" pitchFamily="18" charset="0"/>
+                            </a:rPr>
+                            <m:t>𝑖</m:t>
+                          </m:r>
+                          <m:r>
+                            <a:rPr lang="en-US" altLang="ja-JP" sz="3200" b="0" i="1" smtClean="0">
+                              <a:latin typeface="Cambria Math" panose="02040503050406030204" pitchFamily="18" charset="0"/>
+                            </a:rPr>
+                            <m:t>𝑀</m:t>
+                          </m:r>
+                        </m:sub>
+                      </m:sSub>
+                    </m:oMath>
+                  </m:oMathPara>
+                </a14:m>
+                <a:endParaRPr lang="en-US" altLang="ja-JP" sz="3200" i="1" dirty="0">
+                  <a:latin typeface="Cambria Math" panose="02040503050406030204" pitchFamily="18" charset="0"/>
+                </a:endParaRPr>
+              </a:p>
+              <a:p>
+                <a:r>
+                  <a:rPr lang="en-US" altLang="ja-JP" sz="3200" dirty="0"/>
+                  <a:t>     </a:t>
+                </a:r>
+                <a14:m>
+                  <m:oMath xmlns:m="http://schemas.openxmlformats.org/officeDocument/2006/math">
+                    <m:sSub>
+                      <m:sSubPr>
+                        <m:ctrlPr>
+                          <a:rPr lang="en-US" altLang="ja-JP" sz="3200" i="1">
+                            <a:latin typeface="Cambria Math" panose="02040503050406030204" pitchFamily="18" charset="0"/>
+                          </a:rPr>
+                        </m:ctrlPr>
+                      </m:sSubPr>
+                      <m:e>
+                        <m:r>
+                          <a:rPr lang="en-US" altLang="ja-JP" sz="3200" i="1">
+                            <a:latin typeface="Cambria Math" panose="02040503050406030204" pitchFamily="18" charset="0"/>
+                            <a:ea typeface="Cambria Math" panose="02040503050406030204" pitchFamily="18" charset="0"/>
+                          </a:rPr>
+                          <m:t>𝜆</m:t>
+                        </m:r>
+                      </m:e>
+                      <m:sub>
+                        <m:r>
+                          <a:rPr lang="en-US" altLang="ja-JP" sz="3200" i="1">
+                            <a:latin typeface="Cambria Math" panose="02040503050406030204" pitchFamily="18" charset="0"/>
+                          </a:rPr>
+                          <m:t>𝑖</m:t>
+                        </m:r>
+                      </m:sub>
+                    </m:sSub>
+                    <m:r>
+                      <a:rPr lang="en-US" altLang="ja-JP" sz="3200" b="0" i="0" smtClean="0">
+                        <a:latin typeface="Cambria Math" panose="02040503050406030204" pitchFamily="18" charset="0"/>
+                      </a:rPr>
+                      <m:t>=</m:t>
+                    </m:r>
+                    <m:r>
+                      <m:rPr>
+                        <m:sty m:val="p"/>
+                      </m:rPr>
+                      <a:rPr lang="en-US" altLang="ja-JP" sz="3200" b="0" i="0" smtClean="0">
+                        <a:latin typeface="Cambria Math" panose="02040503050406030204" pitchFamily="18" charset="0"/>
+                      </a:rPr>
+                      <m:t>exp</m:t>
+                    </m:r>
+                    <m:r>
+                      <a:rPr lang="en-US" altLang="ja-JP" sz="3200" b="0" i="0" smtClean="0">
+                        <a:latin typeface="Cambria Math" panose="02040503050406030204" pitchFamily="18" charset="0"/>
+                      </a:rPr>
+                      <m:t>(</m:t>
+                    </m:r>
+                    <m:sSub>
+                      <m:sSubPr>
+                        <m:ctrlPr>
+                          <a:rPr lang="en-US" altLang="ja-JP" sz="3200" i="1">
+                            <a:latin typeface="Cambria Math" panose="02040503050406030204" pitchFamily="18" charset="0"/>
+                          </a:rPr>
+                        </m:ctrlPr>
+                      </m:sSubPr>
+                      <m:e>
+                        <m:r>
+                          <a:rPr lang="en-US" altLang="ja-JP" sz="3200" i="1">
+                            <a:latin typeface="Cambria Math" panose="02040503050406030204" pitchFamily="18" charset="0"/>
+                          </a:rPr>
+                          <m:t>𝑋</m:t>
+                        </m:r>
+                      </m:e>
+                      <m:sub>
+                        <m:r>
+                          <a:rPr lang="en-US" altLang="ja-JP" sz="3200" i="1">
+                            <a:latin typeface="Cambria Math" panose="02040503050406030204" pitchFamily="18" charset="0"/>
+                          </a:rPr>
+                          <m:t>𝑖</m:t>
+                        </m:r>
+                      </m:sub>
+                    </m:sSub>
+                    <m:r>
+                      <a:rPr lang="ja-JP" altLang="en-US" sz="3200" i="1">
+                        <a:latin typeface="Cambria Math" panose="02040503050406030204" pitchFamily="18" charset="0"/>
+                      </a:rPr>
+                      <m:t>𝜃</m:t>
+                    </m:r>
+                    <m:r>
+                      <a:rPr lang="en-US" altLang="ja-JP" sz="3200" b="0" i="0" smtClean="0">
+                        <a:latin typeface="Cambria Math" panose="02040503050406030204" pitchFamily="18" charset="0"/>
+                      </a:rPr>
+                      <m:t>)</m:t>
+                    </m:r>
+                  </m:oMath>
+                </a14:m>
+                <a:endParaRPr kumimoji="1" lang="ja-JP" altLang="en-US" sz="3200"/>
+              </a:p>
+            </p:txBody>
+          </p:sp>
+        </mc:Choice>
+        <mc:Fallback>
+          <p:sp>
+            <p:nvSpPr>
+              <p:cNvPr id="7" name="テキスト ボックス 6">
+                <a:extLst>
+                  <a:ext uri="{FF2B5EF4-FFF2-40B4-BE49-F238E27FC236}">
+                    <a16:creationId xmlns:a16="http://schemas.microsoft.com/office/drawing/2014/main" id="{6714AC6C-AF17-3F4E-A74F-FC1896440528}"/>
+                  </a:ext>
+                </a:extLst>
+              </p:cNvPr>
+              <p:cNvSpPr txBox="1">
+                <a:spLocks noRot="1" noChangeAspect="1" noMove="1" noResize="1" noEditPoints="1" noAdjustHandles="1" noChangeArrowheads="1" noChangeShapeType="1" noTextEdit="1"/>
+              </p:cNvSpPr>
+              <p:nvPr/>
+            </p:nvSpPr>
+            <p:spPr>
+              <a:xfrm>
+                <a:off x="528933" y="3632707"/>
+                <a:ext cx="8315610" cy="1077218"/>
+              </a:xfrm>
+              <a:prstGeom prst="rect">
+                <a:avLst/>
+              </a:prstGeom>
+              <a:blipFill>
+                <a:blip r:embed="rId4"/>
+                <a:stretch>
+                  <a:fillRect b="-9302"/>
+                </a:stretch>
+              </a:blipFill>
+            </p:spPr>
+            <p:txBody>
+              <a:bodyPr/>
+              <a:lstStyle/>
+              <a:p>
+                <a:r>
+                  <a:rPr lang="ja-JP" altLang="en-US">
+                    <a:noFill/>
+                  </a:rPr>
+                  <a:t> </a:t>
+                </a:r>
+              </a:p>
+            </p:txBody>
+          </p:sp>
+        </mc:Fallback>
+      </mc:AlternateContent>
+      <p:sp>
+        <p:nvSpPr>
+          <p:cNvPr id="8" name="テキスト ボックス 7">
+            <a:extLst>
+              <a:ext uri="{FF2B5EF4-FFF2-40B4-BE49-F238E27FC236}">
+                <a16:creationId xmlns:a16="http://schemas.microsoft.com/office/drawing/2014/main" id="{DEDA3F40-D50C-3A4C-99B0-8B887E2EA60E}"/>
+              </a:ext>
+            </a:extLst>
+          </p:cNvPr>
+          <p:cNvSpPr txBox="1"/>
+          <p:nvPr/>
+        </p:nvSpPr>
+        <p:spPr>
+          <a:xfrm>
+            <a:off x="396712" y="3174427"/>
+            <a:ext cx="1338828" cy="369332"/>
+          </a:xfrm>
+          <a:prstGeom prst="rect">
+            <a:avLst/>
+          </a:prstGeom>
+          <a:noFill/>
+        </p:spPr>
+        <p:txBody>
+          <a:bodyPr wrap="none" rtlCol="0">
+            <a:spAutoFit/>
+          </a:bodyPr>
+          <a:lstStyle/>
+          <a:p>
+            <a:r>
+              <a:rPr kumimoji="1" lang="ja-JP" altLang="en-US"/>
+              <a:t>リンク関数</a:t>
+            </a:r>
+          </a:p>
+        </p:txBody>
+      </p:sp>
+      <p:sp>
+        <p:nvSpPr>
+          <p:cNvPr id="9" name="テキスト ボックス 8">
+            <a:extLst>
+              <a:ext uri="{FF2B5EF4-FFF2-40B4-BE49-F238E27FC236}">
+                <a16:creationId xmlns:a16="http://schemas.microsoft.com/office/drawing/2014/main" id="{654377E3-CBEE-5944-8699-44299A1D5B28}"/>
+              </a:ext>
+            </a:extLst>
+          </p:cNvPr>
+          <p:cNvSpPr txBox="1"/>
+          <p:nvPr/>
+        </p:nvSpPr>
+        <p:spPr>
+          <a:xfrm>
+            <a:off x="2375095" y="3145444"/>
+            <a:ext cx="1338828" cy="369332"/>
+          </a:xfrm>
+          <a:prstGeom prst="rect">
+            <a:avLst/>
+          </a:prstGeom>
+          <a:noFill/>
+        </p:spPr>
+        <p:txBody>
+          <a:bodyPr wrap="none" rtlCol="0">
+            <a:spAutoFit/>
+          </a:bodyPr>
+          <a:lstStyle/>
+          <a:p>
+            <a:r>
+              <a:rPr kumimoji="1" lang="ja-JP" altLang="en-US"/>
+              <a:t>線形予測子</a:t>
+            </a:r>
+          </a:p>
+        </p:txBody>
+      </p:sp>
+      <p:sp>
+        <p:nvSpPr>
+          <p:cNvPr id="10" name="テキスト ボックス 9">
+            <a:extLst>
+              <a:ext uri="{FF2B5EF4-FFF2-40B4-BE49-F238E27FC236}">
+                <a16:creationId xmlns:a16="http://schemas.microsoft.com/office/drawing/2014/main" id="{FC4948A6-7F40-3C4C-B7E7-94C1496B12CB}"/>
+              </a:ext>
+            </a:extLst>
+          </p:cNvPr>
+          <p:cNvSpPr txBox="1"/>
+          <p:nvPr/>
+        </p:nvSpPr>
+        <p:spPr>
+          <a:xfrm>
+            <a:off x="1735540" y="5236981"/>
+            <a:ext cx="1107996" cy="369332"/>
+          </a:xfrm>
+          <a:prstGeom prst="rect">
+            <a:avLst/>
+          </a:prstGeom>
+          <a:noFill/>
+        </p:spPr>
+        <p:txBody>
+          <a:bodyPr wrap="none" rtlCol="0">
+            <a:spAutoFit/>
+          </a:bodyPr>
+          <a:lstStyle/>
+          <a:p>
+            <a:r>
+              <a:rPr lang="ja-JP" altLang="en-US" b="1"/>
+              <a:t>尤度関数</a:t>
+            </a:r>
+            <a:endParaRPr kumimoji="1" lang="ja-JP" altLang="en-US"/>
+          </a:p>
+        </p:txBody>
+      </p:sp>
+      <mc:AlternateContent xmlns:mc="http://schemas.openxmlformats.org/markup-compatibility/2006">
+        <mc:Choice xmlns:a14="http://schemas.microsoft.com/office/drawing/2010/main" Requires="a14">
+          <p:sp>
+            <p:nvSpPr>
+              <p:cNvPr id="11" name="正方形/長方形 10">
+                <a:extLst>
+                  <a:ext uri="{FF2B5EF4-FFF2-40B4-BE49-F238E27FC236}">
+                    <a16:creationId xmlns:a16="http://schemas.microsoft.com/office/drawing/2014/main" id="{FC15163E-1C61-B24B-B7D7-350CED76E898}"/>
+                  </a:ext>
+                </a:extLst>
+              </p:cNvPr>
+              <p:cNvSpPr/>
+              <p:nvPr/>
+            </p:nvSpPr>
+            <p:spPr>
+              <a:xfrm>
+                <a:off x="3308270" y="5362753"/>
+                <a:ext cx="4755854" cy="954107"/>
+              </a:xfrm>
+              <a:prstGeom prst="rect">
+                <a:avLst/>
+              </a:prstGeom>
+            </p:spPr>
+            <p:txBody>
+              <a:bodyPr wrap="none">
+                <a:spAutoFit/>
+              </a:bodyPr>
+              <a:lstStyle/>
+              <a:p>
+                <a:r>
+                  <a:rPr lang="en-US" altLang="ja-JP" sz="2800" b="1" dirty="0"/>
+                  <a:t> </a:t>
+                </a:r>
+                <a14:m>
+                  <m:oMath xmlns:m="http://schemas.openxmlformats.org/officeDocument/2006/math">
+                    <m:r>
+                      <a:rPr lang="en-US" altLang="ja-JP" sz="2800" b="0" i="1" smtClean="0">
+                        <a:latin typeface="Cambria Math" panose="02040503050406030204" pitchFamily="18" charset="0"/>
+                      </a:rPr>
+                      <m:t>𝐿</m:t>
+                    </m:r>
+                    <m:d>
+                      <m:dPr>
+                        <m:ctrlPr>
+                          <a:rPr lang="en-US" altLang="ja-JP" sz="2800" i="1">
+                            <a:latin typeface="Cambria Math" panose="02040503050406030204" pitchFamily="18" charset="0"/>
+                          </a:rPr>
+                        </m:ctrlPr>
+                      </m:dPr>
+                      <m:e>
+                        <m:r>
+                          <a:rPr lang="en-US" altLang="ja-JP" sz="2800" b="0" i="1">
+                            <a:latin typeface="Cambria Math" panose="02040503050406030204" pitchFamily="18" charset="0"/>
+                            <a:ea typeface="Cambria Math" panose="02040503050406030204" pitchFamily="18" charset="0"/>
+                          </a:rPr>
+                          <m:t>𝜃</m:t>
+                        </m:r>
+                        <m:r>
+                          <a:rPr lang="en-US" altLang="ja-JP" sz="2800" b="0" i="1" smtClean="0">
+                            <a:latin typeface="Cambria Math" panose="02040503050406030204" pitchFamily="18" charset="0"/>
+                            <a:ea typeface="Cambria Math" panose="02040503050406030204" pitchFamily="18" charset="0"/>
+                          </a:rPr>
+                          <m:t>|</m:t>
+                        </m:r>
+                        <m:r>
+                          <a:rPr lang="en-US" altLang="ja-JP" sz="2800" b="0" i="1" smtClean="0">
+                            <a:latin typeface="Cambria Math" panose="02040503050406030204" pitchFamily="18" charset="0"/>
+                            <a:ea typeface="Cambria Math" panose="02040503050406030204" pitchFamily="18" charset="0"/>
+                          </a:rPr>
+                          <m:t>𝑦</m:t>
+                        </m:r>
+                      </m:e>
+                    </m:d>
+                    <m:r>
+                      <a:rPr lang="en-US" altLang="ja-JP" sz="2800" b="0" i="0" smtClean="0">
+                        <a:latin typeface="Cambria Math" panose="02040503050406030204" pitchFamily="18" charset="0"/>
+                        <a:ea typeface="Cambria Math" panose="02040503050406030204" pitchFamily="18" charset="0"/>
+                      </a:rPr>
+                      <m:t>=</m:t>
+                    </m:r>
+                    <m:nary>
+                      <m:naryPr>
+                        <m:chr m:val="∏"/>
+                        <m:subHide m:val="on"/>
+                        <m:supHide m:val="on"/>
+                        <m:ctrlPr>
+                          <a:rPr lang="en-US" altLang="ja-JP" sz="2800" i="1">
+                            <a:latin typeface="Cambria Math" panose="02040503050406030204" pitchFamily="18" charset="0"/>
+                            <a:ea typeface="Cambria Math" panose="02040503050406030204" pitchFamily="18" charset="0"/>
+                          </a:rPr>
+                        </m:ctrlPr>
+                      </m:naryPr>
+                      <m:sub/>
+                      <m:sup/>
+                      <m:e>
+                        <m:r>
+                          <a:rPr lang="en-US" altLang="ja-JP" sz="2800" i="1">
+                            <a:latin typeface="Cambria Math" panose="02040503050406030204" pitchFamily="18" charset="0"/>
+                          </a:rPr>
+                          <m:t>𝑃𝐷𝐹</m:t>
+                        </m:r>
+                        <m:d>
+                          <m:dPr>
+                            <m:ctrlPr>
+                              <a:rPr lang="en-US" altLang="ja-JP" sz="2800" i="1">
+                                <a:latin typeface="Cambria Math" panose="02040503050406030204" pitchFamily="18" charset="0"/>
+                              </a:rPr>
+                            </m:ctrlPr>
+                          </m:dPr>
+                          <m:e>
+                            <m:sSub>
+                              <m:sSubPr>
+                                <m:ctrlPr>
+                                  <a:rPr lang="en-US" altLang="ja-JP" sz="2800" i="1">
+                                    <a:latin typeface="Cambria Math" panose="02040503050406030204" pitchFamily="18" charset="0"/>
+                                  </a:rPr>
+                                </m:ctrlPr>
+                              </m:sSubPr>
+                              <m:e>
+                                <m:r>
+                                  <a:rPr lang="en-US" altLang="ja-JP" sz="2800" b="0" i="1" smtClean="0">
+                                    <a:latin typeface="Cambria Math" panose="02040503050406030204" pitchFamily="18" charset="0"/>
+                                  </a:rPr>
+                                  <m:t>𝑦</m:t>
+                                </m:r>
+                              </m:e>
+                              <m:sub>
+                                <m:r>
+                                  <a:rPr lang="en-US" altLang="ja-JP" sz="2800" i="1">
+                                    <a:latin typeface="Cambria Math" panose="02040503050406030204" pitchFamily="18" charset="0"/>
+                                  </a:rPr>
+                                  <m:t>𝑖</m:t>
+                                </m:r>
+                              </m:sub>
+                            </m:sSub>
+                          </m:e>
+                          <m:e>
+                            <m:sSub>
+                              <m:sSubPr>
+                                <m:ctrlPr>
+                                  <a:rPr lang="en-US" altLang="ja-JP" sz="2800" i="1" smtClean="0">
+                                    <a:latin typeface="Cambria Math" panose="02040503050406030204" pitchFamily="18" charset="0"/>
+                                  </a:rPr>
+                                </m:ctrlPr>
+                              </m:sSubPr>
+                              <m:e>
+                                <m:r>
+                                  <a:rPr lang="en-US" altLang="ja-JP" sz="2800" i="1">
+                                    <a:latin typeface="Cambria Math" panose="02040503050406030204" pitchFamily="18" charset="0"/>
+                                    <a:ea typeface="Cambria Math" panose="02040503050406030204" pitchFamily="18" charset="0"/>
+                                  </a:rPr>
+                                  <m:t>𝜆</m:t>
+                                </m:r>
+                              </m:e>
+                              <m:sub>
+                                <m:r>
+                                  <a:rPr lang="en-US" altLang="ja-JP" sz="2800" b="0" i="1" smtClean="0">
+                                    <a:latin typeface="Cambria Math" panose="02040503050406030204" pitchFamily="18" charset="0"/>
+                                  </a:rPr>
+                                  <m:t>𝑖</m:t>
+                                </m:r>
+                              </m:sub>
+                            </m:sSub>
+                          </m:e>
+                        </m:d>
+                      </m:e>
+                    </m:nary>
+                  </m:oMath>
+                </a14:m>
+                <a:endParaRPr lang="en-US" altLang="ja-JP" sz="2800" dirty="0">
+                  <a:ea typeface="Cambria Math" panose="02040503050406030204" pitchFamily="18" charset="0"/>
+                </a:endParaRPr>
+              </a:p>
+              <a:p>
+                <a:r>
+                  <a:rPr lang="en-US" altLang="ja-JP" sz="2800" dirty="0"/>
+                  <a:t> </a:t>
+                </a:r>
+                <a14:m>
+                  <m:oMath xmlns:m="http://schemas.openxmlformats.org/officeDocument/2006/math">
+                    <m:r>
+                      <m:rPr>
+                        <m:sty m:val="p"/>
+                      </m:rPr>
+                      <a:rPr lang="en-US" altLang="ja-JP" sz="2800" b="0" i="0" smtClean="0">
+                        <a:latin typeface="Cambria Math" panose="02040503050406030204" pitchFamily="18" charset="0"/>
+                      </a:rPr>
+                      <m:t>log</m:t>
+                    </m:r>
+                    <m:r>
+                      <a:rPr lang="en-US" altLang="ja-JP" sz="2800" i="1">
+                        <a:latin typeface="Cambria Math" panose="02040503050406030204" pitchFamily="18" charset="0"/>
+                      </a:rPr>
+                      <m:t>𝐿</m:t>
+                    </m:r>
+                    <m:d>
+                      <m:dPr>
+                        <m:ctrlPr>
+                          <a:rPr lang="en-US" altLang="ja-JP" sz="2800" i="1">
+                            <a:latin typeface="Cambria Math" panose="02040503050406030204" pitchFamily="18" charset="0"/>
+                          </a:rPr>
+                        </m:ctrlPr>
+                      </m:dPr>
+                      <m:e>
+                        <m:r>
+                          <a:rPr lang="en-US" altLang="ja-JP" sz="2800" i="1">
+                            <a:latin typeface="Cambria Math" panose="02040503050406030204" pitchFamily="18" charset="0"/>
+                            <a:ea typeface="Cambria Math" panose="02040503050406030204" pitchFamily="18" charset="0"/>
+                          </a:rPr>
+                          <m:t>𝜃</m:t>
+                        </m:r>
+                        <m:r>
+                          <a:rPr lang="en-US" altLang="ja-JP" sz="2800" i="1">
+                            <a:latin typeface="Cambria Math" panose="02040503050406030204" pitchFamily="18" charset="0"/>
+                            <a:ea typeface="Cambria Math" panose="02040503050406030204" pitchFamily="18" charset="0"/>
+                          </a:rPr>
+                          <m:t>|</m:t>
+                        </m:r>
+                        <m:r>
+                          <a:rPr lang="en-US" altLang="ja-JP" sz="2800" i="1">
+                            <a:latin typeface="Cambria Math" panose="02040503050406030204" pitchFamily="18" charset="0"/>
+                            <a:ea typeface="Cambria Math" panose="02040503050406030204" pitchFamily="18" charset="0"/>
+                          </a:rPr>
+                          <m:t>𝑦</m:t>
+                        </m:r>
+                      </m:e>
+                    </m:d>
+                    <m:r>
+                      <a:rPr lang="en-US" altLang="ja-JP" sz="2800">
+                        <a:latin typeface="Cambria Math" panose="02040503050406030204" pitchFamily="18" charset="0"/>
+                        <a:ea typeface="Cambria Math" panose="02040503050406030204" pitchFamily="18" charset="0"/>
+                      </a:rPr>
+                      <m:t>=</m:t>
+                    </m:r>
+                  </m:oMath>
+                </a14:m>
+                <a:r>
+                  <a:rPr lang="en-US" altLang="ja-JP" sz="2800" dirty="0">
+                    <a:ea typeface="Cambria Math" panose="02040503050406030204" pitchFamily="18" charset="0"/>
+                  </a:rPr>
+                  <a:t> </a:t>
+                </a:r>
+                <a14:m>
+                  <m:oMath xmlns:m="http://schemas.openxmlformats.org/officeDocument/2006/math">
+                    <m:nary>
+                      <m:naryPr>
+                        <m:chr m:val="∑"/>
+                        <m:subHide m:val="on"/>
+                        <m:supHide m:val="on"/>
+                        <m:ctrlPr>
+                          <a:rPr lang="en-US" altLang="ja-JP" sz="2800" i="1">
+                            <a:latin typeface="Cambria Math" panose="02040503050406030204" pitchFamily="18" charset="0"/>
+                            <a:ea typeface="Cambria Math" panose="02040503050406030204" pitchFamily="18" charset="0"/>
+                          </a:rPr>
+                        </m:ctrlPr>
+                      </m:naryPr>
+                      <m:sub/>
+                      <m:sup/>
+                      <m:e>
+                        <m:r>
+                          <m:rPr>
+                            <m:sty m:val="p"/>
+                          </m:rPr>
+                          <a:rPr lang="en-US" altLang="ja-JP" sz="2800">
+                            <a:latin typeface="Cambria Math" panose="02040503050406030204" pitchFamily="18" charset="0"/>
+                            <a:ea typeface="Cambria Math" panose="02040503050406030204" pitchFamily="18" charset="0"/>
+                          </a:rPr>
+                          <m:t>log</m:t>
+                        </m:r>
+                        <m:r>
+                          <a:rPr lang="en-US" altLang="ja-JP" sz="2800" i="1">
+                            <a:latin typeface="Cambria Math" panose="02040503050406030204" pitchFamily="18" charset="0"/>
+                          </a:rPr>
+                          <m:t>𝑃𝐷𝐹</m:t>
+                        </m:r>
+                        <m:d>
+                          <m:dPr>
+                            <m:ctrlPr>
+                              <a:rPr lang="en-US" altLang="ja-JP" sz="2800" i="1">
+                                <a:latin typeface="Cambria Math" panose="02040503050406030204" pitchFamily="18" charset="0"/>
+                              </a:rPr>
+                            </m:ctrlPr>
+                          </m:dPr>
+                          <m:e>
+                            <m:sSub>
+                              <m:sSubPr>
+                                <m:ctrlPr>
+                                  <a:rPr lang="en-US" altLang="ja-JP" sz="2800" i="1">
+                                    <a:latin typeface="Cambria Math" panose="02040503050406030204" pitchFamily="18" charset="0"/>
+                                  </a:rPr>
+                                </m:ctrlPr>
+                              </m:sSubPr>
+                              <m:e>
+                                <m:r>
+                                  <a:rPr lang="en-US" altLang="ja-JP" sz="2800" i="1">
+                                    <a:latin typeface="Cambria Math" panose="02040503050406030204" pitchFamily="18" charset="0"/>
+                                  </a:rPr>
+                                  <m:t>𝑦</m:t>
+                                </m:r>
+                              </m:e>
+                              <m:sub>
+                                <m:r>
+                                  <a:rPr lang="en-US" altLang="ja-JP" sz="2800" i="1">
+                                    <a:latin typeface="Cambria Math" panose="02040503050406030204" pitchFamily="18" charset="0"/>
+                                  </a:rPr>
+                                  <m:t>𝑖</m:t>
+                                </m:r>
+                              </m:sub>
+                            </m:sSub>
+                          </m:e>
+                          <m:e>
+                            <m:sSub>
+                              <m:sSubPr>
+                                <m:ctrlPr>
+                                  <a:rPr lang="en-US" altLang="ja-JP" sz="2800" i="1">
+                                    <a:latin typeface="Cambria Math" panose="02040503050406030204" pitchFamily="18" charset="0"/>
+                                  </a:rPr>
+                                </m:ctrlPr>
+                              </m:sSubPr>
+                              <m:e>
+                                <m:r>
+                                  <a:rPr lang="en-US" altLang="ja-JP" sz="2800" i="1">
+                                    <a:latin typeface="Cambria Math" panose="02040503050406030204" pitchFamily="18" charset="0"/>
+                                    <a:ea typeface="Cambria Math" panose="02040503050406030204" pitchFamily="18" charset="0"/>
+                                  </a:rPr>
+                                  <m:t>𝜆</m:t>
+                                </m:r>
+                              </m:e>
+                              <m:sub>
+                                <m:r>
+                                  <a:rPr lang="en-US" altLang="ja-JP" sz="2800" i="1">
+                                    <a:latin typeface="Cambria Math" panose="02040503050406030204" pitchFamily="18" charset="0"/>
+                                  </a:rPr>
+                                  <m:t>𝑖</m:t>
+                                </m:r>
+                              </m:sub>
+                            </m:sSub>
+                          </m:e>
+                        </m:d>
+                      </m:e>
+                    </m:nary>
+                  </m:oMath>
+                </a14:m>
+                <a:endParaRPr lang="ja-JP" altLang="en-US" sz="2800"/>
+              </a:p>
+            </p:txBody>
+          </p:sp>
+        </mc:Choice>
+        <mc:Fallback>
+          <p:sp>
+            <p:nvSpPr>
+              <p:cNvPr id="11" name="正方形/長方形 10">
+                <a:extLst>
+                  <a:ext uri="{FF2B5EF4-FFF2-40B4-BE49-F238E27FC236}">
+                    <a16:creationId xmlns:a16="http://schemas.microsoft.com/office/drawing/2014/main" id="{FC15163E-1C61-B24B-B7D7-350CED76E898}"/>
+                  </a:ext>
+                </a:extLst>
+              </p:cNvPr>
+              <p:cNvSpPr>
+                <a:spLocks noRot="1" noChangeAspect="1" noMove="1" noResize="1" noEditPoints="1" noAdjustHandles="1" noChangeArrowheads="1" noChangeShapeType="1" noTextEdit="1"/>
+              </p:cNvSpPr>
+              <p:nvPr/>
+            </p:nvSpPr>
+            <p:spPr>
+              <a:xfrm>
+                <a:off x="3308270" y="5362753"/>
+                <a:ext cx="4755854" cy="954107"/>
+              </a:xfrm>
+              <a:prstGeom prst="rect">
+                <a:avLst/>
+              </a:prstGeom>
+              <a:blipFill>
+                <a:blip r:embed="rId5"/>
+                <a:stretch>
+                  <a:fillRect t="-69737" b="-105263"/>
+                </a:stretch>
+              </a:blipFill>
+            </p:spPr>
+            <p:txBody>
+              <a:bodyPr/>
+              <a:lstStyle/>
+              <a:p>
+                <a:r>
+                  <a:rPr lang="ja-JP" altLang="en-US">
+                    <a:noFill/>
+                  </a:rPr>
+                  <a:t> </a:t>
+                </a:r>
+              </a:p>
+            </p:txBody>
+          </p:sp>
+        </mc:Fallback>
+      </mc:AlternateContent>
+      <mc:AlternateContent xmlns:mc="http://schemas.openxmlformats.org/markup-compatibility/2006">
+        <mc:Choice xmlns:a14="http://schemas.microsoft.com/office/drawing/2010/main" Requires="a14">
+          <p:sp>
+            <p:nvSpPr>
+              <p:cNvPr id="12" name="正方形/長方形 11">
+                <a:extLst>
+                  <a:ext uri="{FF2B5EF4-FFF2-40B4-BE49-F238E27FC236}">
+                    <a16:creationId xmlns:a16="http://schemas.microsoft.com/office/drawing/2014/main" id="{C2F75DCF-2FAE-5447-B259-844DB728CB6A}"/>
+                  </a:ext>
+                </a:extLst>
+              </p:cNvPr>
+              <p:cNvSpPr/>
+              <p:nvPr/>
+            </p:nvSpPr>
+            <p:spPr>
+              <a:xfrm>
+                <a:off x="8844543" y="5421647"/>
+                <a:ext cx="2529026" cy="794576"/>
+              </a:xfrm>
+              <a:prstGeom prst="rect">
+                <a:avLst/>
+              </a:prstGeom>
+            </p:spPr>
+            <p:txBody>
+              <a:bodyPr wrap="none">
+                <a:spAutoFit/>
+              </a:bodyPr>
+              <a:lstStyle/>
+              <a:p>
+                <a14:m>
+                  <m:oMathPara xmlns:m="http://schemas.openxmlformats.org/officeDocument/2006/math">
+                    <m:oMathParaPr>
+                      <m:jc m:val="centerGroup"/>
+                    </m:oMathParaPr>
+                    <m:oMath xmlns:m="http://schemas.openxmlformats.org/officeDocument/2006/math">
+                      <m:f>
+                        <m:fPr>
+                          <m:ctrlPr>
+                            <a:rPr lang="en-US" altLang="ja-JP" sz="2400" i="1" smtClean="0">
+                              <a:latin typeface="Cambria Math" panose="02040503050406030204" pitchFamily="18" charset="0"/>
+                            </a:rPr>
+                          </m:ctrlPr>
+                        </m:fPr>
+                        <m:num>
+                          <m:r>
+                            <a:rPr lang="en-US" altLang="ja-JP" sz="2400" i="1">
+                              <a:latin typeface="Cambria Math" panose="02040503050406030204" pitchFamily="18" charset="0"/>
+                              <a:ea typeface="Cambria Math" panose="02040503050406030204" pitchFamily="18" charset="0"/>
+                            </a:rPr>
+                            <m:t>𝜕</m:t>
+                          </m:r>
+                        </m:num>
+                        <m:den>
+                          <m:r>
+                            <a:rPr lang="en-US" altLang="ja-JP" sz="2400" i="1">
+                              <a:latin typeface="Cambria Math" panose="02040503050406030204" pitchFamily="18" charset="0"/>
+                              <a:ea typeface="Cambria Math" panose="02040503050406030204" pitchFamily="18" charset="0"/>
+                            </a:rPr>
+                            <m:t>𝜕</m:t>
+                          </m:r>
+                          <m:r>
+                            <a:rPr lang="en-US" altLang="ja-JP" sz="2400" i="1">
+                              <a:latin typeface="Cambria Math" panose="02040503050406030204" pitchFamily="18" charset="0"/>
+                              <a:ea typeface="Cambria Math" panose="02040503050406030204" pitchFamily="18" charset="0"/>
+                            </a:rPr>
+                            <m:t>𝜃</m:t>
+                          </m:r>
+                        </m:den>
+                      </m:f>
+                      <m:r>
+                        <m:rPr>
+                          <m:sty m:val="p"/>
+                        </m:rPr>
+                        <a:rPr lang="en-US" altLang="ja-JP" sz="2400">
+                          <a:latin typeface="Cambria Math" panose="02040503050406030204" pitchFamily="18" charset="0"/>
+                        </a:rPr>
+                        <m:t>log</m:t>
+                      </m:r>
+                      <m:r>
+                        <a:rPr lang="en-US" altLang="ja-JP" sz="2400" i="1">
+                          <a:latin typeface="Cambria Math" panose="02040503050406030204" pitchFamily="18" charset="0"/>
+                        </a:rPr>
+                        <m:t>𝐿</m:t>
+                      </m:r>
+                      <m:d>
+                        <m:dPr>
+                          <m:ctrlPr>
+                            <a:rPr lang="en-US" altLang="ja-JP" sz="2400" i="1">
+                              <a:latin typeface="Cambria Math" panose="02040503050406030204" pitchFamily="18" charset="0"/>
+                            </a:rPr>
+                          </m:ctrlPr>
+                        </m:dPr>
+                        <m:e>
+                          <m:r>
+                            <a:rPr lang="en-US" altLang="ja-JP" sz="2400" i="1">
+                              <a:latin typeface="Cambria Math" panose="02040503050406030204" pitchFamily="18" charset="0"/>
+                              <a:ea typeface="Cambria Math" panose="02040503050406030204" pitchFamily="18" charset="0"/>
+                            </a:rPr>
+                            <m:t>𝜃</m:t>
+                          </m:r>
+                          <m:r>
+                            <a:rPr lang="en-US" altLang="ja-JP" sz="2400" b="0" i="1" smtClean="0">
+                              <a:latin typeface="Cambria Math" panose="02040503050406030204" pitchFamily="18" charset="0"/>
+                              <a:ea typeface="Cambria Math" panose="02040503050406030204" pitchFamily="18" charset="0"/>
+                            </a:rPr>
+                            <m:t>|</m:t>
+                          </m:r>
+                          <m:r>
+                            <a:rPr lang="en-US" altLang="ja-JP" sz="2400" b="0" i="1" smtClean="0">
+                              <a:latin typeface="Cambria Math" panose="02040503050406030204" pitchFamily="18" charset="0"/>
+                              <a:ea typeface="Cambria Math" panose="02040503050406030204" pitchFamily="18" charset="0"/>
+                            </a:rPr>
+                            <m:t>𝑦</m:t>
+                          </m:r>
+                        </m:e>
+                      </m:d>
+                      <m:r>
+                        <a:rPr lang="en-US" altLang="ja-JP" sz="2400">
+                          <a:latin typeface="Cambria Math" panose="02040503050406030204" pitchFamily="18" charset="0"/>
+                        </a:rPr>
+                        <m:t>=0</m:t>
+                      </m:r>
+                    </m:oMath>
+                  </m:oMathPara>
+                </a14:m>
+                <a:endParaRPr lang="ja-JP" altLang="en-US" sz="2400"/>
+              </a:p>
+            </p:txBody>
+          </p:sp>
+        </mc:Choice>
+        <mc:Fallback>
+          <p:sp>
+            <p:nvSpPr>
+              <p:cNvPr id="12" name="正方形/長方形 11">
+                <a:extLst>
+                  <a:ext uri="{FF2B5EF4-FFF2-40B4-BE49-F238E27FC236}">
+                    <a16:creationId xmlns:a16="http://schemas.microsoft.com/office/drawing/2014/main" id="{C2F75DCF-2FAE-5447-B259-844DB728CB6A}"/>
+                  </a:ext>
+                </a:extLst>
+              </p:cNvPr>
+              <p:cNvSpPr>
+                <a:spLocks noRot="1" noChangeAspect="1" noMove="1" noResize="1" noEditPoints="1" noAdjustHandles="1" noChangeArrowheads="1" noChangeShapeType="1" noTextEdit="1"/>
+              </p:cNvSpPr>
+              <p:nvPr/>
+            </p:nvSpPr>
+            <p:spPr>
+              <a:xfrm>
+                <a:off x="8844543" y="5421647"/>
+                <a:ext cx="2529026" cy="794576"/>
+              </a:xfrm>
+              <a:prstGeom prst="rect">
+                <a:avLst/>
+              </a:prstGeom>
+              <a:blipFill>
+                <a:blip r:embed="rId6"/>
+                <a:stretch>
+                  <a:fillRect b="-7937"/>
+                </a:stretch>
+              </a:blipFill>
+            </p:spPr>
+            <p:txBody>
+              <a:bodyPr/>
+              <a:lstStyle/>
+              <a:p>
+                <a:r>
+                  <a:rPr lang="ja-JP" altLang="en-US">
+                    <a:noFill/>
+                  </a:rPr>
+                  <a:t> </a:t>
+                </a:r>
+              </a:p>
+            </p:txBody>
+          </p:sp>
+        </mc:Fallback>
+      </mc:AlternateContent>
+      <p:sp>
+        <p:nvSpPr>
+          <p:cNvPr id="13" name="テキスト ボックス 12">
+            <a:extLst>
+              <a:ext uri="{FF2B5EF4-FFF2-40B4-BE49-F238E27FC236}">
+                <a16:creationId xmlns:a16="http://schemas.microsoft.com/office/drawing/2014/main" id="{297E5679-1C0B-F54F-8585-B0043F86ABD3}"/>
+              </a:ext>
+            </a:extLst>
+          </p:cNvPr>
+          <p:cNvSpPr txBox="1"/>
+          <p:nvPr/>
+        </p:nvSpPr>
+        <p:spPr>
+          <a:xfrm>
+            <a:off x="1632948" y="5916750"/>
+            <a:ext cx="1210588" cy="400110"/>
+          </a:xfrm>
+          <a:prstGeom prst="rect">
+            <a:avLst/>
+          </a:prstGeom>
+          <a:noFill/>
+        </p:spPr>
+        <p:txBody>
+          <a:bodyPr wrap="none" rtlCol="0">
+            <a:spAutoFit/>
+          </a:bodyPr>
+          <a:lstStyle/>
+          <a:p>
+            <a:r>
+              <a:rPr kumimoji="1" lang="ja-JP" altLang="en-US" sz="2000" b="1"/>
+              <a:t>対数尤度</a:t>
+            </a:r>
+          </a:p>
+        </p:txBody>
+      </p:sp>
+    </p:spTree>
+    <p:extLst>
+      <p:ext uri="{BB962C8B-B14F-4D97-AF65-F5344CB8AC3E}">
+        <p14:creationId xmlns:p14="http://schemas.microsoft.com/office/powerpoint/2010/main" val="2494445635"/>
+      </p:ext>
+    </p:extLst>
+  </p:cSld>
+  <p:clrMapOvr>
+    <a:masterClrMapping/>
+  </p:clrMapOvr>
+</p:sld>
+</file>
+
+<file path=ppt/slides/slide15.xml><?xml version="1.0" encoding="utf-8"?>
+<p:sld xmlns:a="http://schemas.openxmlformats.org/drawingml/2006/main" xmlns:r="http://schemas.openxmlformats.org/officeDocument/2006/relationships" xmlns:p="http://schemas.openxmlformats.org/presentationml/2006/main">
+  <p:cSld>
+    <p:spTree>
+      <p:nvGrpSpPr>
+        <p:cNvPr id="1" name=""/>
+        <p:cNvGrpSpPr/>
+        <p:nvPr/>
+      </p:nvGrpSpPr>
+      <p:grpSpPr>
+        <a:xfrm>
+          <a:off x="0" y="0"/>
+          <a:ext cx="0" cy="0"/>
+          <a:chOff x="0" y="0"/>
+          <a:chExt cx="0" cy="0"/>
+        </a:xfrm>
+      </p:grpSpPr>
+      <p:sp>
+        <p:nvSpPr>
+          <p:cNvPr id="2" name="タイトル 1">
+            <a:extLst>
+              <a:ext uri="{FF2B5EF4-FFF2-40B4-BE49-F238E27FC236}">
+                <a16:creationId xmlns:a16="http://schemas.microsoft.com/office/drawing/2014/main" id="{5B20F1E3-6F78-744C-B548-1DE8141D7188}"/>
+              </a:ext>
+            </a:extLst>
+          </p:cNvPr>
+          <p:cNvSpPr>
+            <a:spLocks noGrp="1"/>
+          </p:cNvSpPr>
+          <p:nvPr>
+            <p:ph type="title"/>
+          </p:nvPr>
+        </p:nvSpPr>
+        <p:spPr/>
+        <p:txBody>
+          <a:bodyPr/>
+          <a:lstStyle/>
+          <a:p>
+            <a:r>
+              <a:rPr lang="ja-JP" altLang="en-US"/>
+              <a:t>ポアソン回帰</a:t>
+            </a:r>
+            <a:endParaRPr kumimoji="1" lang="ja-JP" altLang="en-US"/>
+          </a:p>
+        </p:txBody>
+      </p:sp>
+      <p:sp>
+        <p:nvSpPr>
+          <p:cNvPr id="3" name="コンテンツ プレースホルダー 2">
+            <a:extLst>
+              <a:ext uri="{FF2B5EF4-FFF2-40B4-BE49-F238E27FC236}">
+                <a16:creationId xmlns:a16="http://schemas.microsoft.com/office/drawing/2014/main" id="{B4EDC547-AB10-214F-93F9-0CD8B4E72209}"/>
+              </a:ext>
+            </a:extLst>
+          </p:cNvPr>
+          <p:cNvSpPr>
+            <a:spLocks noGrp="1"/>
+          </p:cNvSpPr>
+          <p:nvPr>
+            <p:ph idx="1"/>
+          </p:nvPr>
+        </p:nvSpPr>
+        <p:spPr/>
+        <p:txBody>
+          <a:bodyPr/>
+          <a:lstStyle/>
+          <a:p>
+            <a:pPr marL="0" indent="0">
+              <a:buNone/>
+            </a:pPr>
+            <a:r>
+              <a:rPr kumimoji="1" lang="ja-JP" altLang="en-US"/>
+              <a:t>例：ビールの売り上げ</a:t>
+            </a:r>
+            <a:endParaRPr kumimoji="1" lang="en-US" altLang="ja-JP" dirty="0"/>
+          </a:p>
+          <a:p>
+            <a:pPr marL="0" indent="0">
+              <a:buNone/>
+            </a:pPr>
+            <a:r>
+              <a:rPr kumimoji="1" lang="ja-JP" altLang="en-US"/>
+              <a:t>モデルの解釈</a:t>
+            </a:r>
+          </a:p>
+        </p:txBody>
+      </p:sp>
+      <p:pic>
+        <p:nvPicPr>
+          <p:cNvPr id="4" name="図 3">
+            <a:extLst>
+              <a:ext uri="{FF2B5EF4-FFF2-40B4-BE49-F238E27FC236}">
+                <a16:creationId xmlns:a16="http://schemas.microsoft.com/office/drawing/2014/main" id="{7C26DC7D-502D-AB43-A0BB-C6FCAD484643}"/>
+              </a:ext>
+            </a:extLst>
+          </p:cNvPr>
+          <p:cNvPicPr>
+            <a:picLocks noChangeAspect="1"/>
+          </p:cNvPicPr>
+          <p:nvPr/>
+        </p:nvPicPr>
+        <p:blipFill>
+          <a:blip r:embed="rId2"/>
+          <a:stretch>
+            <a:fillRect/>
+          </a:stretch>
+        </p:blipFill>
+        <p:spPr>
+          <a:xfrm>
+            <a:off x="3992881" y="2232797"/>
+            <a:ext cx="5486400" cy="3657600"/>
+          </a:xfrm>
+          <a:prstGeom prst="rect">
+            <a:avLst/>
+          </a:prstGeom>
+        </p:spPr>
+      </p:pic>
+    </p:spTree>
+    <p:extLst>
+      <p:ext uri="{BB962C8B-B14F-4D97-AF65-F5344CB8AC3E}">
+        <p14:creationId xmlns:p14="http://schemas.microsoft.com/office/powerpoint/2010/main" val="1550084821"/>
+      </p:ext>
+    </p:extLst>
+  </p:cSld>
+  <p:clrMapOvr>
+    <a:masterClrMapping/>
+  </p:clrMapOvr>
+</p:sld>
+</file>
+
+<file path=ppt/slides/slide16.xml><?xml version="1.0" encoding="utf-8"?>
 <p:sld xmlns:a="http://schemas.openxmlformats.org/drawingml/2006/main" xmlns:r="http://schemas.openxmlformats.org/officeDocument/2006/relationships" xmlns:p="http://schemas.openxmlformats.org/presentationml/2006/main">
   <p:cSld>
     <p:spTree>
@@ -9143,7 +14222,7 @@
 </p:sld>
 </file>
 
-<file path=ppt/slides/slide11.xml><?xml version="1.0" encoding="utf-8"?>
+<file path=ppt/slides/slide17.xml><?xml version="1.0" encoding="utf-8"?>
 <p:sld xmlns:a="http://schemas.openxmlformats.org/drawingml/2006/main" xmlns:r="http://schemas.openxmlformats.org/officeDocument/2006/relationships" xmlns:p="http://schemas.openxmlformats.org/presentationml/2006/main">
   <p:cSld>
     <p:spTree>
@@ -13282,7 +18361,7 @@
             </p:nvGraphicFramePr>
             <p:xfrm>
               <a:off x="6524626" y="1556992"/>
-              <a:ext cx="5743574" cy="3006790"/>
+              <a:ext cx="5743574" cy="3006536"/>
             </p:xfrm>
             <a:graphic>
               <a:graphicData uri="http://schemas.openxmlformats.org/drawingml/2006/table">
@@ -15119,7 +20198,7 @@
 </p:sld>
 </file>
 
-<file path=ppt/slides/slide12.xml><?xml version="1.0" encoding="utf-8"?>
+<file path=ppt/slides/slide18.xml><?xml version="1.0" encoding="utf-8"?>
 <p:sld xmlns:a="http://schemas.openxmlformats.org/drawingml/2006/main" xmlns:r="http://schemas.openxmlformats.org/officeDocument/2006/relationships" xmlns:p="http://schemas.openxmlformats.org/presentationml/2006/main">
   <p:cSld>
     <p:spTree>
@@ -16978,7 +22057,7 @@
 </p:sld>
 </file>
 
-<file path=ppt/slides/slide13.xml><?xml version="1.0" encoding="utf-8"?>
+<file path=ppt/slides/slide19.xml><?xml version="1.0" encoding="utf-8"?>
 <p:sld xmlns:a="http://schemas.openxmlformats.org/drawingml/2006/main" xmlns:r="http://schemas.openxmlformats.org/officeDocument/2006/relationships" xmlns:p="http://schemas.openxmlformats.org/presentationml/2006/main">
   <p:cSld>
     <p:spTree>
@@ -17481,7 +22560,196 @@
 </p:sld>
 </file>
 
-<file path=ppt/slides/slide14.xml><?xml version="1.0" encoding="utf-8"?>
+<file path=ppt/slides/slide2.xml><?xml version="1.0" encoding="utf-8"?>
+<p:sld xmlns:a="http://schemas.openxmlformats.org/drawingml/2006/main" xmlns:r="http://schemas.openxmlformats.org/officeDocument/2006/relationships" xmlns:p="http://schemas.openxmlformats.org/presentationml/2006/main">
+  <p:cSld>
+    <p:spTree>
+      <p:nvGrpSpPr>
+        <p:cNvPr id="1" name=""/>
+        <p:cNvGrpSpPr/>
+        <p:nvPr/>
+      </p:nvGrpSpPr>
+      <p:grpSpPr>
+        <a:xfrm>
+          <a:off x="0" y="0"/>
+          <a:ext cx="0" cy="0"/>
+          <a:chOff x="0" y="0"/>
+          <a:chExt cx="0" cy="0"/>
+        </a:xfrm>
+      </p:grpSpPr>
+      <p:sp>
+        <p:nvSpPr>
+          <p:cNvPr id="2" name="タイトル 1">
+            <a:extLst>
+              <a:ext uri="{FF2B5EF4-FFF2-40B4-BE49-F238E27FC236}">
+                <a16:creationId xmlns:a16="http://schemas.microsoft.com/office/drawing/2014/main" id="{31EC185B-606D-E14B-987B-3997B39043B5}"/>
+              </a:ext>
+            </a:extLst>
+          </p:cNvPr>
+          <p:cNvSpPr>
+            <a:spLocks noGrp="1"/>
+          </p:cNvSpPr>
+          <p:nvPr>
+            <p:ph type="title"/>
+          </p:nvPr>
+        </p:nvSpPr>
+        <p:spPr/>
+        <p:txBody>
+          <a:bodyPr/>
+          <a:lstStyle/>
+          <a:p>
+            <a:r>
+              <a:rPr kumimoji="1" lang="ja-JP" altLang="en-US"/>
+              <a:t>目次</a:t>
+            </a:r>
+          </a:p>
+        </p:txBody>
+      </p:sp>
+      <p:sp>
+        <p:nvSpPr>
+          <p:cNvPr id="3" name="コンテンツ プレースホルダー 2">
+            <a:extLst>
+              <a:ext uri="{FF2B5EF4-FFF2-40B4-BE49-F238E27FC236}">
+                <a16:creationId xmlns:a16="http://schemas.microsoft.com/office/drawing/2014/main" id="{38617F64-B558-234B-A68A-61B637E23D46}"/>
+              </a:ext>
+            </a:extLst>
+          </p:cNvPr>
+          <p:cNvSpPr>
+            <a:spLocks noGrp="1"/>
+          </p:cNvSpPr>
+          <p:nvPr>
+            <p:ph idx="1"/>
+          </p:nvPr>
+        </p:nvSpPr>
+        <p:spPr/>
+        <p:txBody>
+          <a:bodyPr/>
+          <a:lstStyle/>
+          <a:p>
+            <a:pPr marL="0" indent="0">
+              <a:buNone/>
+            </a:pPr>
+            <a:r>
+              <a:rPr kumimoji="1" lang="en-US" altLang="ja-JP" dirty="0"/>
+              <a:t>1 </a:t>
+            </a:r>
+            <a:r>
+              <a:rPr kumimoji="1" lang="ja-JP" altLang="en-US" dirty="0"/>
+              <a:t>線形モデル</a:t>
+            </a:r>
+            <a:endParaRPr kumimoji="1" lang="en-US" altLang="ja-JP" dirty="0"/>
+          </a:p>
+          <a:p>
+            <a:pPr marL="0" indent="0">
+              <a:buNone/>
+            </a:pPr>
+            <a:r>
+              <a:rPr kumimoji="1" lang="ja-JP" altLang="en-US" dirty="0"/>
+              <a:t>最尤法</a:t>
+            </a:r>
+            <a:endParaRPr lang="en-US" altLang="ja-JP" sz="2000" dirty="0"/>
+          </a:p>
+          <a:p>
+            <a:pPr marL="0" indent="0">
+              <a:buNone/>
+            </a:pPr>
+            <a:r>
+              <a:rPr lang="en-US" altLang="ja-JP" sz="2000" dirty="0"/>
+              <a:t>ANOVA</a:t>
+            </a:r>
+          </a:p>
+          <a:p>
+            <a:pPr marL="0" indent="0">
+              <a:buNone/>
+            </a:pPr>
+            <a:r>
+              <a:rPr lang="en-US" altLang="ja-JP" sz="2000" dirty="0"/>
+              <a:t>7.3 </a:t>
+            </a:r>
+            <a:r>
+              <a:rPr lang="ja-JP" altLang="en-US" sz="2000" dirty="0"/>
+              <a:t>一般化線形モデル</a:t>
+            </a:r>
+            <a:endParaRPr lang="en-US" altLang="ja-JP" sz="2000" dirty="0"/>
+          </a:p>
+          <a:p>
+            <a:pPr marL="0" indent="0">
+              <a:buNone/>
+            </a:pPr>
+            <a:r>
+              <a:rPr lang="en-US" altLang="ja-JP" sz="1800" dirty="0"/>
+              <a:t>7.3.1 </a:t>
+            </a:r>
+            <a:r>
+              <a:rPr lang="ja-JP" altLang="en-US" sz="1800" dirty="0"/>
+              <a:t>ロジスティック回帰</a:t>
+            </a:r>
+            <a:endParaRPr lang="en-US" altLang="ja-JP" sz="1800" dirty="0"/>
+          </a:p>
+          <a:p>
+            <a:pPr marL="0" indent="0">
+              <a:buNone/>
+            </a:pPr>
+            <a:r>
+              <a:rPr lang="en-US" altLang="ja-JP" sz="1800" dirty="0"/>
+              <a:t>7.3.2 </a:t>
+            </a:r>
+            <a:r>
+              <a:rPr lang="ja-JP" altLang="en-US" sz="1800" dirty="0"/>
+              <a:t>ポアソン回帰</a:t>
+            </a:r>
+            <a:endParaRPr lang="en-US" altLang="ja-JP" sz="1800" dirty="0"/>
+          </a:p>
+          <a:p>
+            <a:pPr marL="0" indent="0">
+              <a:buNone/>
+            </a:pPr>
+            <a:r>
+              <a:rPr lang="ja-JP" altLang="en-US" dirty="0"/>
+              <a:t>ベイズ決定</a:t>
+            </a:r>
+            <a:endParaRPr lang="en-US" altLang="ja-JP" dirty="0"/>
+          </a:p>
+          <a:p>
+            <a:pPr marL="0" indent="0">
+              <a:buNone/>
+            </a:pPr>
+            <a:r>
+              <a:rPr kumimoji="1" lang="ja-JP" altLang="en-US" dirty="0"/>
+              <a:t>確率過程論</a:t>
+            </a:r>
+            <a:endParaRPr kumimoji="1" lang="en-US" altLang="ja-JP" dirty="0"/>
+          </a:p>
+          <a:p>
+            <a:pPr marL="0" indent="0">
+              <a:buNone/>
+            </a:pPr>
+            <a:r>
+              <a:rPr lang="en-US" altLang="ja-JP" dirty="0"/>
+              <a:t>   </a:t>
+            </a:r>
+            <a:r>
+              <a:rPr lang="ja-JP" altLang="en-US" dirty="0"/>
+              <a:t>カーネル密度推定</a:t>
+            </a:r>
+            <a:endParaRPr kumimoji="1" lang="ja-JP" altLang="en-US" dirty="0"/>
+          </a:p>
+        </p:txBody>
+      </p:sp>
+    </p:spTree>
+    <p:extLst>
+      <p:ext uri="{BB962C8B-B14F-4D97-AF65-F5344CB8AC3E}">
+        <p14:creationId xmlns:p14="http://schemas.microsoft.com/office/powerpoint/2010/main" val="2472025075"/>
+      </p:ext>
+    </p:extLst>
+  </p:cSld>
+  <p:clrMapOvr>
+    <a:masterClrMapping/>
+  </p:clrMapOvr>
+</p:sld>
+</file>
+
+<file path=ppt/slides/slide20.xml><?xml version="1.0" encoding="utf-8"?>
 <p:sld xmlns:a="http://schemas.openxmlformats.org/drawingml/2006/main" xmlns:r="http://schemas.openxmlformats.org/officeDocument/2006/relationships" xmlns:p="http://schemas.openxmlformats.org/presentationml/2006/main">
   <p:cSld>
     <p:spTree>
@@ -20179,7 +25447,7 @@
 </p:sld>
 </file>
 
-<file path=ppt/slides/slide15.xml><?xml version="1.0" encoding="utf-8"?>
+<file path=ppt/slides/slide21.xml><?xml version="1.0" encoding="utf-8"?>
 <p:sld xmlns:a="http://schemas.openxmlformats.org/drawingml/2006/main" xmlns:r="http://schemas.openxmlformats.org/officeDocument/2006/relationships" xmlns:p="http://schemas.openxmlformats.org/presentationml/2006/main">
   <p:cSld>
     <p:spTree>
@@ -20259,7 +25527,7 @@
 </p:sld>
 </file>
 
-<file path=ppt/slides/slide16.xml><?xml version="1.0" encoding="utf-8"?>
+<file path=ppt/slides/slide22.xml><?xml version="1.0" encoding="utf-8"?>
 <p:sld xmlns:a="http://schemas.openxmlformats.org/drawingml/2006/main" xmlns:r="http://schemas.openxmlformats.org/officeDocument/2006/relationships" xmlns:p="http://schemas.openxmlformats.org/presentationml/2006/main">
   <p:cSld>
     <p:spTree>
@@ -20350,195 +25618,6 @@
     <p:extLst>
       <p:ext uri="{BB962C8B-B14F-4D97-AF65-F5344CB8AC3E}">
         <p14:creationId xmlns:p14="http://schemas.microsoft.com/office/powerpoint/2010/main" val="1475842323"/>
-      </p:ext>
-    </p:extLst>
-  </p:cSld>
-  <p:clrMapOvr>
-    <a:masterClrMapping/>
-  </p:clrMapOvr>
-</p:sld>
-</file>
-
-<file path=ppt/slides/slide2.xml><?xml version="1.0" encoding="utf-8"?>
-<p:sld xmlns:a="http://schemas.openxmlformats.org/drawingml/2006/main" xmlns:r="http://schemas.openxmlformats.org/officeDocument/2006/relationships" xmlns:p="http://schemas.openxmlformats.org/presentationml/2006/main">
-  <p:cSld>
-    <p:spTree>
-      <p:nvGrpSpPr>
-        <p:cNvPr id="1" name=""/>
-        <p:cNvGrpSpPr/>
-        <p:nvPr/>
-      </p:nvGrpSpPr>
-      <p:grpSpPr>
-        <a:xfrm>
-          <a:off x="0" y="0"/>
-          <a:ext cx="0" cy="0"/>
-          <a:chOff x="0" y="0"/>
-          <a:chExt cx="0" cy="0"/>
-        </a:xfrm>
-      </p:grpSpPr>
-      <p:sp>
-        <p:nvSpPr>
-          <p:cNvPr id="2" name="タイトル 1">
-            <a:extLst>
-              <a:ext uri="{FF2B5EF4-FFF2-40B4-BE49-F238E27FC236}">
-                <a16:creationId xmlns:a16="http://schemas.microsoft.com/office/drawing/2014/main" id="{31EC185B-606D-E14B-987B-3997B39043B5}"/>
-              </a:ext>
-            </a:extLst>
-          </p:cNvPr>
-          <p:cNvSpPr>
-            <a:spLocks noGrp="1"/>
-          </p:cNvSpPr>
-          <p:nvPr>
-            <p:ph type="title"/>
-          </p:nvPr>
-        </p:nvSpPr>
-        <p:spPr/>
-        <p:txBody>
-          <a:bodyPr/>
-          <a:lstStyle/>
-          <a:p>
-            <a:r>
-              <a:rPr kumimoji="1" lang="ja-JP" altLang="en-US"/>
-              <a:t>目次</a:t>
-            </a:r>
-          </a:p>
-        </p:txBody>
-      </p:sp>
-      <p:sp>
-        <p:nvSpPr>
-          <p:cNvPr id="3" name="コンテンツ プレースホルダー 2">
-            <a:extLst>
-              <a:ext uri="{FF2B5EF4-FFF2-40B4-BE49-F238E27FC236}">
-                <a16:creationId xmlns:a16="http://schemas.microsoft.com/office/drawing/2014/main" id="{38617F64-B558-234B-A68A-61B637E23D46}"/>
-              </a:ext>
-            </a:extLst>
-          </p:cNvPr>
-          <p:cNvSpPr>
-            <a:spLocks noGrp="1"/>
-          </p:cNvSpPr>
-          <p:nvPr>
-            <p:ph idx="1"/>
-          </p:nvPr>
-        </p:nvSpPr>
-        <p:spPr/>
-        <p:txBody>
-          <a:bodyPr/>
-          <a:lstStyle/>
-          <a:p>
-            <a:pPr marL="0" indent="0">
-              <a:buNone/>
-            </a:pPr>
-            <a:r>
-              <a:rPr kumimoji="1" lang="en-US" altLang="ja-JP" dirty="0"/>
-              <a:t>1 </a:t>
-            </a:r>
-            <a:r>
-              <a:rPr kumimoji="1" lang="ja-JP" altLang="en-US" dirty="0"/>
-              <a:t>線形モデル</a:t>
-            </a:r>
-            <a:endParaRPr kumimoji="1" lang="en-US" altLang="ja-JP" dirty="0"/>
-          </a:p>
-          <a:p>
-            <a:pPr marL="0" indent="0">
-              <a:buNone/>
-            </a:pPr>
-            <a:r>
-              <a:rPr kumimoji="1" lang="ja-JP" altLang="en-US" dirty="0"/>
-              <a:t>最尤法</a:t>
-            </a:r>
-            <a:endParaRPr lang="en-US" altLang="ja-JP" sz="2000" dirty="0"/>
-          </a:p>
-          <a:p>
-            <a:pPr marL="0" indent="0">
-              <a:buNone/>
-            </a:pPr>
-            <a:r>
-              <a:rPr lang="en-US" altLang="ja-JP" sz="2000" dirty="0"/>
-              <a:t>ANOVA</a:t>
-            </a:r>
-          </a:p>
-          <a:p>
-            <a:pPr marL="0" indent="0">
-              <a:buNone/>
-            </a:pPr>
-            <a:r>
-              <a:rPr lang="en-US" altLang="ja-JP" sz="2000" dirty="0"/>
-              <a:t>7.3 </a:t>
-            </a:r>
-            <a:r>
-              <a:rPr lang="ja-JP" altLang="en-US" sz="2000" dirty="0"/>
-              <a:t>一般化線形モデル</a:t>
-            </a:r>
-            <a:endParaRPr lang="en-US" altLang="ja-JP" sz="2000" dirty="0"/>
-          </a:p>
-          <a:p>
-            <a:pPr marL="0" indent="0">
-              <a:buNone/>
-            </a:pPr>
-            <a:r>
-              <a:rPr lang="en-US" altLang="ja-JP" sz="1800" dirty="0"/>
-              <a:t>7.3.1 </a:t>
-            </a:r>
-            <a:r>
-              <a:rPr lang="ja-JP" altLang="en-US" sz="1800" dirty="0"/>
-              <a:t>ロジスティック回帰</a:t>
-            </a:r>
-            <a:endParaRPr lang="en-US" altLang="ja-JP" sz="1800" dirty="0"/>
-          </a:p>
-          <a:p>
-            <a:pPr marL="0" indent="0">
-              <a:buNone/>
-            </a:pPr>
-            <a:r>
-              <a:rPr lang="en-US" altLang="ja-JP" sz="1800" dirty="0"/>
-              <a:t>7.3.2 </a:t>
-            </a:r>
-            <a:r>
-              <a:rPr lang="ja-JP" altLang="en-US" sz="1800" dirty="0"/>
-              <a:t>ポアソン回帰</a:t>
-            </a:r>
-            <a:endParaRPr lang="en-US" altLang="ja-JP" sz="1800" dirty="0"/>
-          </a:p>
-          <a:p>
-            <a:pPr marL="0" indent="0">
-              <a:buNone/>
-            </a:pPr>
-            <a:r>
-              <a:rPr lang="ja-JP" altLang="en-US" dirty="0"/>
-              <a:t>ベイズ決定</a:t>
-            </a:r>
-            <a:endParaRPr lang="en-US" altLang="ja-JP" dirty="0"/>
-          </a:p>
-          <a:p>
-            <a:pPr marL="0" indent="0">
-              <a:buNone/>
-            </a:pPr>
-            <a:r>
-              <a:rPr kumimoji="1" lang="ja-JP" altLang="en-US" dirty="0"/>
-              <a:t>確率過程論</a:t>
-            </a:r>
-            <a:endParaRPr kumimoji="1" lang="en-US" altLang="ja-JP" dirty="0"/>
-          </a:p>
-          <a:p>
-            <a:pPr marL="0" indent="0">
-              <a:buNone/>
-            </a:pPr>
-            <a:r>
-              <a:rPr lang="en-US" altLang="ja-JP" dirty="0"/>
-              <a:t>   </a:t>
-            </a:r>
-            <a:r>
-              <a:rPr lang="ja-JP" altLang="en-US" dirty="0"/>
-              <a:t>カーネル密度推定</a:t>
-            </a:r>
-            <a:endParaRPr kumimoji="1" lang="ja-JP" altLang="en-US" dirty="0"/>
-          </a:p>
-        </p:txBody>
-      </p:sp>
-    </p:spTree>
-    <p:extLst>
-      <p:ext uri="{BB962C8B-B14F-4D97-AF65-F5344CB8AC3E}">
-        <p14:creationId xmlns:p14="http://schemas.microsoft.com/office/powerpoint/2010/main" val="2472025075"/>
       </p:ext>
     </p:extLst>
   </p:cSld>
@@ -20833,7 +25912,12 @@
             <p:ph idx="1"/>
           </p:nvPr>
         </p:nvSpPr>
-        <p:spPr/>
+        <p:spPr>
+          <a:xfrm>
+            <a:off x="98612" y="1556684"/>
+            <a:ext cx="11753625" cy="1657485"/>
+          </a:xfrm>
+        </p:spPr>
         <p:txBody>
           <a:bodyPr/>
           <a:lstStyle/>
@@ -20883,6 +25967,816 @@
           </a:p>
         </p:txBody>
       </p:sp>
+      <p:sp>
+        <p:nvSpPr>
+          <p:cNvPr id="6" name="テキスト ボックス 5">
+            <a:extLst>
+              <a:ext uri="{FF2B5EF4-FFF2-40B4-BE49-F238E27FC236}">
+                <a16:creationId xmlns:a16="http://schemas.microsoft.com/office/drawing/2014/main" id="{FB5FA92D-CA99-1143-A2FF-2B563ACEDB61}"/>
+              </a:ext>
+            </a:extLst>
+          </p:cNvPr>
+          <p:cNvSpPr txBox="1"/>
+          <p:nvPr/>
+        </p:nvSpPr>
+        <p:spPr>
+          <a:xfrm>
+            <a:off x="1045029" y="3429000"/>
+            <a:ext cx="1980029" cy="523220"/>
+          </a:xfrm>
+          <a:prstGeom prst="rect">
+            <a:avLst/>
+          </a:prstGeom>
+          <a:noFill/>
+        </p:spPr>
+        <p:txBody>
+          <a:bodyPr wrap="none" rtlCol="0">
+            <a:spAutoFit/>
+          </a:bodyPr>
+          <a:lstStyle/>
+          <a:p>
+            <a:r>
+              <a:rPr kumimoji="1" lang="ja-JP" altLang="en-US" sz="2800" b="1"/>
+              <a:t>線形予測子</a:t>
+            </a:r>
+          </a:p>
+        </p:txBody>
+      </p:sp>
+      <p:graphicFrame>
+        <p:nvGraphicFramePr>
+          <p:cNvPr id="7" name="表 6">
+            <a:extLst>
+              <a:ext uri="{FF2B5EF4-FFF2-40B4-BE49-F238E27FC236}">
+                <a16:creationId xmlns:a16="http://schemas.microsoft.com/office/drawing/2014/main" id="{2F0AAE0F-3D01-F84F-8E1A-81EBDC150DC9}"/>
+              </a:ext>
+            </a:extLst>
+          </p:cNvPr>
+          <p:cNvGraphicFramePr>
+            <a:graphicFrameLocks noGrp="1"/>
+          </p:cNvGraphicFramePr>
+          <p:nvPr>
+            <p:extLst>
+              <p:ext uri="{D42A27DB-BD31-4B8C-83A1-F6EECF244321}">
+                <p14:modId xmlns:p14="http://schemas.microsoft.com/office/powerpoint/2010/main" val="2851753661"/>
+              </p:ext>
+            </p:extLst>
+          </p:nvPr>
+        </p:nvGraphicFramePr>
+        <p:xfrm>
+          <a:off x="5673634" y="3553097"/>
+          <a:ext cx="6178603" cy="2560319"/>
+        </p:xfrm>
+        <a:graphic>
+          <a:graphicData uri="http://schemas.openxmlformats.org/drawingml/2006/table">
+            <a:tbl>
+              <a:tblPr firstRow="1" bandRow="1">
+                <a:tableStyleId>{5940675A-B579-460E-94D1-54222C63F5DA}</a:tableStyleId>
+              </a:tblPr>
+              <a:tblGrid>
+                <a:gridCol w="1900083">
+                  <a:extLst>
+                    <a:ext uri="{9D8B030D-6E8A-4147-A177-3AD203B41FA5}">
+                      <a16:colId xmlns:a16="http://schemas.microsoft.com/office/drawing/2014/main" val="116420783"/>
+                    </a:ext>
+                  </a:extLst>
+                </a:gridCol>
+                <a:gridCol w="1766594">
+                  <a:extLst>
+                    <a:ext uri="{9D8B030D-6E8A-4147-A177-3AD203B41FA5}">
+                      <a16:colId xmlns:a16="http://schemas.microsoft.com/office/drawing/2014/main" val="1039104119"/>
+                    </a:ext>
+                  </a:extLst>
+                </a:gridCol>
+                <a:gridCol w="2511926">
+                  <a:extLst>
+                    <a:ext uri="{9D8B030D-6E8A-4147-A177-3AD203B41FA5}">
+                      <a16:colId xmlns:a16="http://schemas.microsoft.com/office/drawing/2014/main" val="1550583008"/>
+                    </a:ext>
+                  </a:extLst>
+                </a:gridCol>
+              </a:tblGrid>
+              <a:tr h="479891">
+                <a:tc>
+                  <a:txBody>
+                    <a:bodyPr/>
+                    <a:lstStyle/>
+                    <a:p>
+                      <a:pPr algn="ctr"/>
+                      <a:r>
+                        <a:rPr kumimoji="1" lang="ja-JP" altLang="en-US" b="1"/>
+                        <a:t>仮定する分布</a:t>
+                      </a:r>
+                    </a:p>
+                  </a:txBody>
+                  <a:tcPr>
+                    <a:solidFill>
+                      <a:schemeClr val="accent5">
+                        <a:lumMod val="20000"/>
+                        <a:lumOff val="80000"/>
+                      </a:schemeClr>
+                    </a:solidFill>
+                  </a:tcPr>
+                </a:tc>
+                <a:tc>
+                  <a:txBody>
+                    <a:bodyPr/>
+                    <a:lstStyle/>
+                    <a:p>
+                      <a:pPr algn="ctr"/>
+                      <a:r>
+                        <a:rPr kumimoji="1" lang="ja-JP" altLang="en-US" b="1"/>
+                        <a:t>リンク関数</a:t>
+                      </a:r>
+                    </a:p>
+                  </a:txBody>
+                  <a:tcPr>
+                    <a:solidFill>
+                      <a:schemeClr val="accent5">
+                        <a:lumMod val="20000"/>
+                        <a:lumOff val="80000"/>
+                      </a:schemeClr>
+                    </a:solidFill>
+                  </a:tcPr>
+                </a:tc>
+                <a:tc>
+                  <a:txBody>
+                    <a:bodyPr/>
+                    <a:lstStyle/>
+                    <a:p>
+                      <a:pPr algn="ctr"/>
+                      <a:r>
+                        <a:rPr kumimoji="1" lang="ja-JP" altLang="en-US" b="1"/>
+                        <a:t>一般化線形モデル</a:t>
+                      </a:r>
+                    </a:p>
+                  </a:txBody>
+                  <a:tcPr>
+                    <a:solidFill>
+                      <a:schemeClr val="accent5">
+                        <a:lumMod val="20000"/>
+                        <a:lumOff val="80000"/>
+                      </a:schemeClr>
+                    </a:solidFill>
+                  </a:tcPr>
+                </a:tc>
+                <a:extLst>
+                  <a:ext uri="{0D108BD9-81ED-4DB2-BD59-A6C34878D82A}">
+                    <a16:rowId xmlns:a16="http://schemas.microsoft.com/office/drawing/2014/main" val="1419909988"/>
+                  </a:ext>
+                </a:extLst>
+              </a:tr>
+              <a:tr h="479891">
+                <a:tc>
+                  <a:txBody>
+                    <a:bodyPr/>
+                    <a:lstStyle/>
+                    <a:p>
+                      <a:r>
+                        <a:rPr kumimoji="1" lang="ja-JP" altLang="en-US"/>
+                        <a:t>正規分布</a:t>
+                      </a:r>
+                    </a:p>
+                  </a:txBody>
+                  <a:tcPr/>
+                </a:tc>
+                <a:tc>
+                  <a:txBody>
+                    <a:bodyPr/>
+                    <a:lstStyle/>
+                    <a:p>
+                      <a:r>
+                        <a:rPr kumimoji="1" lang="ja-JP" altLang="en-US"/>
+                        <a:t>高等関数</a:t>
+                      </a:r>
+                    </a:p>
+                  </a:txBody>
+                  <a:tcPr/>
+                </a:tc>
+                <a:tc>
+                  <a:txBody>
+                    <a:bodyPr/>
+                    <a:lstStyle/>
+                    <a:p>
+                      <a:r>
+                        <a:rPr kumimoji="1" lang="ja-JP" altLang="en-US"/>
+                        <a:t>正規線形モデル</a:t>
+                      </a:r>
+                    </a:p>
+                  </a:txBody>
+                  <a:tcPr/>
+                </a:tc>
+                <a:extLst>
+                  <a:ext uri="{0D108BD9-81ED-4DB2-BD59-A6C34878D82A}">
+                    <a16:rowId xmlns:a16="http://schemas.microsoft.com/office/drawing/2014/main" val="561745524"/>
+                  </a:ext>
+                </a:extLst>
+              </a:tr>
+              <a:tr h="479891">
+                <a:tc>
+                  <a:txBody>
+                    <a:bodyPr/>
+                    <a:lstStyle/>
+                    <a:p>
+                      <a:r>
+                        <a:rPr kumimoji="1" lang="ja-JP" altLang="en-US"/>
+                        <a:t>二項分布</a:t>
+                      </a:r>
+                    </a:p>
+                  </a:txBody>
+                  <a:tcPr/>
+                </a:tc>
+                <a:tc>
+                  <a:txBody>
+                    <a:bodyPr/>
+                    <a:lstStyle/>
+                    <a:p>
+                      <a:r>
+                        <a:rPr kumimoji="1" lang="ja-JP" altLang="en-US"/>
+                        <a:t>ロジット関数</a:t>
+                      </a:r>
+                    </a:p>
+                  </a:txBody>
+                  <a:tcPr/>
+                </a:tc>
+                <a:tc>
+                  <a:txBody>
+                    <a:bodyPr/>
+                    <a:lstStyle/>
+                    <a:p>
+                      <a:r>
+                        <a:rPr kumimoji="1" lang="ja-JP" altLang="en-US"/>
+                        <a:t>ロジスティック回帰</a:t>
+                      </a:r>
+                    </a:p>
+                  </a:txBody>
+                  <a:tcPr/>
+                </a:tc>
+                <a:extLst>
+                  <a:ext uri="{0D108BD9-81ED-4DB2-BD59-A6C34878D82A}">
+                    <a16:rowId xmlns:a16="http://schemas.microsoft.com/office/drawing/2014/main" val="3893514270"/>
+                  </a:ext>
+                </a:extLst>
+              </a:tr>
+              <a:tr h="640755">
+                <a:tc>
+                  <a:txBody>
+                    <a:bodyPr/>
+                    <a:lstStyle/>
+                    <a:p>
+                      <a:r>
+                        <a:rPr kumimoji="1" lang="ja-JP" altLang="en-US"/>
+                        <a:t>ポアソン分布</a:t>
+                      </a:r>
+                    </a:p>
+                  </a:txBody>
+                  <a:tcPr/>
+                </a:tc>
+                <a:tc>
+                  <a:txBody>
+                    <a:bodyPr/>
+                    <a:lstStyle/>
+                    <a:p>
+                      <a:r>
+                        <a:rPr kumimoji="1" lang="ja-JP" altLang="en-US"/>
+                        <a:t>対数関数</a:t>
+                      </a:r>
+                    </a:p>
+                  </a:txBody>
+                  <a:tcPr/>
+                </a:tc>
+                <a:tc>
+                  <a:txBody>
+                    <a:bodyPr/>
+                    <a:lstStyle/>
+                    <a:p>
+                      <a:r>
+                        <a:rPr kumimoji="1" lang="ja-JP" altLang="en-US"/>
+                        <a:t>ポアソン回帰</a:t>
+                      </a:r>
+                      <a:endParaRPr kumimoji="1" lang="en-US" altLang="ja-JP" dirty="0"/>
+                    </a:p>
+                    <a:p>
+                      <a:endParaRPr kumimoji="1" lang="ja-JP" altLang="en-US"/>
+                    </a:p>
+                  </a:txBody>
+                  <a:tcPr/>
+                </a:tc>
+                <a:extLst>
+                  <a:ext uri="{0D108BD9-81ED-4DB2-BD59-A6C34878D82A}">
+                    <a16:rowId xmlns:a16="http://schemas.microsoft.com/office/drawing/2014/main" val="3981415720"/>
+                  </a:ext>
+                </a:extLst>
+              </a:tr>
+              <a:tr h="479891">
+                <a:tc>
+                  <a:txBody>
+                    <a:bodyPr/>
+                    <a:lstStyle/>
+                    <a:p>
+                      <a:endParaRPr kumimoji="1" lang="ja-JP" altLang="en-US"/>
+                    </a:p>
+                  </a:txBody>
+                  <a:tcPr/>
+                </a:tc>
+                <a:tc>
+                  <a:txBody>
+                    <a:bodyPr/>
+                    <a:lstStyle/>
+                    <a:p>
+                      <a:endParaRPr kumimoji="1" lang="ja-JP" altLang="en-US"/>
+                    </a:p>
+                  </a:txBody>
+                  <a:tcPr/>
+                </a:tc>
+                <a:tc>
+                  <a:txBody>
+                    <a:bodyPr/>
+                    <a:lstStyle/>
+                    <a:p>
+                      <a:endParaRPr kumimoji="1" lang="ja-JP" altLang="en-US"/>
+                    </a:p>
+                  </a:txBody>
+                  <a:tcPr/>
+                </a:tc>
+                <a:extLst>
+                  <a:ext uri="{0D108BD9-81ED-4DB2-BD59-A6C34878D82A}">
+                    <a16:rowId xmlns:a16="http://schemas.microsoft.com/office/drawing/2014/main" val="3963315906"/>
+                  </a:ext>
+                </a:extLst>
+              </a:tr>
+            </a:tbl>
+          </a:graphicData>
+        </a:graphic>
+      </p:graphicFrame>
+      <mc:AlternateContent xmlns:mc="http://schemas.openxmlformats.org/markup-compatibility/2006">
+        <mc:Choice xmlns:a14="http://schemas.microsoft.com/office/drawing/2010/main" Requires="a14">
+          <p:sp>
+            <p:nvSpPr>
+              <p:cNvPr id="8" name="正方形/長方形 7">
+                <a:extLst>
+                  <a:ext uri="{FF2B5EF4-FFF2-40B4-BE49-F238E27FC236}">
+                    <a16:creationId xmlns:a16="http://schemas.microsoft.com/office/drawing/2014/main" id="{95C1800B-D9B4-9E44-923D-90B9061348A8}"/>
+                  </a:ext>
+                </a:extLst>
+              </p:cNvPr>
+              <p:cNvSpPr/>
+              <p:nvPr/>
+            </p:nvSpPr>
+            <p:spPr>
+              <a:xfrm>
+                <a:off x="0" y="4180288"/>
+                <a:ext cx="5631629" cy="1479316"/>
+              </a:xfrm>
+              <a:prstGeom prst="rect">
+                <a:avLst/>
+              </a:prstGeom>
+            </p:spPr>
+            <p:txBody>
+              <a:bodyPr wrap="square">
+                <a:spAutoFit/>
+              </a:bodyPr>
+              <a:lstStyle/>
+              <a:p>
+                <a:pPr/>
+                <a14:m>
+                  <m:oMathPara xmlns:m="http://schemas.openxmlformats.org/officeDocument/2006/math">
+                    <m:oMathParaPr>
+                      <m:jc m:val="centerGroup"/>
+                    </m:oMathParaPr>
+                    <m:oMath xmlns:m="http://schemas.openxmlformats.org/officeDocument/2006/math">
+                      <m:r>
+                        <a:rPr lang="en-US" altLang="ja-JP" sz="3200" i="1" smtClean="0">
+                          <a:latin typeface="Cambria Math" panose="02040503050406030204" pitchFamily="18" charset="0"/>
+                        </a:rPr>
+                        <m:t>𝑋</m:t>
+                      </m:r>
+                      <m:r>
+                        <a:rPr lang="ja-JP" altLang="en-US" sz="3200" i="1">
+                          <a:latin typeface="Cambria Math" panose="02040503050406030204" pitchFamily="18" charset="0"/>
+                        </a:rPr>
+                        <m:t>𝜃</m:t>
+                      </m:r>
+                      <m:r>
+                        <a:rPr lang="en-US" altLang="ja-JP" sz="3200" b="0" i="1" smtClean="0">
+                          <a:latin typeface="Cambria Math" panose="02040503050406030204" pitchFamily="18" charset="0"/>
+                        </a:rPr>
+                        <m:t>=</m:t>
+                      </m:r>
+                      <m:d>
+                        <m:dPr>
+                          <m:begChr m:val="["/>
+                          <m:endChr m:val="]"/>
+                          <m:ctrlPr>
+                            <a:rPr lang="en-US" altLang="ja-JP" sz="3200" b="0" i="1" smtClean="0">
+                              <a:latin typeface="Cambria Math" panose="02040503050406030204" pitchFamily="18" charset="0"/>
+                            </a:rPr>
+                          </m:ctrlPr>
+                        </m:dPr>
+                        <m:e>
+                          <m:r>
+                            <a:rPr lang="en-US" altLang="ja-JP" sz="3200" b="0" i="1" smtClean="0">
+                              <a:latin typeface="Cambria Math" panose="02040503050406030204" pitchFamily="18" charset="0"/>
+                            </a:rPr>
+                            <m:t> </m:t>
+                          </m:r>
+                          <m:m>
+                            <m:mPr>
+                              <m:mcs>
+                                <m:mc>
+                                  <m:mcPr>
+                                    <m:count m:val="1"/>
+                                    <m:mcJc m:val="center"/>
+                                  </m:mcPr>
+                                </m:mc>
+                              </m:mcs>
+                              <m:ctrlPr>
+                                <a:rPr lang="en-US" altLang="ja-JP" sz="3200" b="0" i="1" smtClean="0">
+                                  <a:latin typeface="Cambria Math" panose="02040503050406030204" pitchFamily="18" charset="0"/>
+                                </a:rPr>
+                              </m:ctrlPr>
+                            </m:mPr>
+                            <m:mr>
+                              <m:e>
+                                <m:r>
+                                  <m:rPr>
+                                    <m:brk m:alnAt="7"/>
+                                  </m:rPr>
+                                  <a:rPr lang="en-US" altLang="ja-JP" sz="3200" b="0" i="1" smtClean="0">
+                                    <a:latin typeface="Cambria Math" panose="02040503050406030204" pitchFamily="18" charset="0"/>
+                                  </a:rPr>
+                                  <m:t>1</m:t>
+                                </m:r>
+                              </m:e>
+                            </m:mr>
+                            <m:mr>
+                              <m:e>
+                                <m:r>
+                                  <a:rPr lang="en-US" altLang="ja-JP" sz="3200" b="0" i="1" smtClean="0">
+                                    <a:latin typeface="Cambria Math" panose="02040503050406030204" pitchFamily="18" charset="0"/>
+                                  </a:rPr>
+                                  <m:t>⋮</m:t>
+                                </m:r>
+                              </m:e>
+                            </m:mr>
+                            <m:mr>
+                              <m:e>
+                                <m:r>
+                                  <a:rPr lang="en-US" altLang="ja-JP" sz="3200" b="0" i="1" smtClean="0">
+                                    <a:latin typeface="Cambria Math" panose="02040503050406030204" pitchFamily="18" charset="0"/>
+                                  </a:rPr>
+                                  <m:t>1</m:t>
+                                </m:r>
+                              </m:e>
+                            </m:mr>
+                          </m:m>
+                          <m:r>
+                            <a:rPr lang="en-US" altLang="ja-JP" sz="3200" b="0" i="1" smtClean="0">
+                              <a:latin typeface="Cambria Math" panose="02040503050406030204" pitchFamily="18" charset="0"/>
+                            </a:rPr>
+                            <m:t> </m:t>
+                          </m:r>
+                          <m:m>
+                            <m:mPr>
+                              <m:mcs>
+                                <m:mc>
+                                  <m:mcPr>
+                                    <m:count m:val="3"/>
+                                    <m:mcJc m:val="center"/>
+                                  </m:mcPr>
+                                </m:mc>
+                              </m:mcs>
+                              <m:ctrlPr>
+                                <a:rPr lang="en-US" altLang="ja-JP" sz="3200" b="0" i="1" smtClean="0">
+                                  <a:latin typeface="Cambria Math" panose="02040503050406030204" pitchFamily="18" charset="0"/>
+                                </a:rPr>
+                              </m:ctrlPr>
+                            </m:mPr>
+                            <m:mr>
+                              <m:e>
+                                <m:sSub>
+                                  <m:sSubPr>
+                                    <m:ctrlPr>
+                                      <a:rPr lang="en-US" altLang="ja-JP" sz="3200" b="0" i="1" smtClean="0">
+                                        <a:latin typeface="Cambria Math" panose="02040503050406030204" pitchFamily="18" charset="0"/>
+                                      </a:rPr>
+                                    </m:ctrlPr>
+                                  </m:sSubPr>
+                                  <m:e>
+                                    <m:r>
+                                      <a:rPr lang="en-US" altLang="ja-JP" sz="3200" b="0" i="1" smtClean="0">
+                                        <a:latin typeface="Cambria Math" panose="02040503050406030204" pitchFamily="18" charset="0"/>
+                                      </a:rPr>
+                                      <m:t>𝑥</m:t>
+                                    </m:r>
+                                  </m:e>
+                                  <m:sub>
+                                    <m:r>
+                                      <a:rPr lang="en-US" altLang="ja-JP" sz="3200" b="0" i="1" smtClean="0">
+                                        <a:latin typeface="Cambria Math" panose="02040503050406030204" pitchFamily="18" charset="0"/>
+                                      </a:rPr>
+                                      <m:t>12</m:t>
+                                    </m:r>
+                                  </m:sub>
+                                </m:sSub>
+                              </m:e>
+                              <m:e>
+                                <m:r>
+                                  <a:rPr lang="en-US" altLang="ja-JP" sz="3200" b="0" i="1" smtClean="0">
+                                    <a:latin typeface="Cambria Math" panose="02040503050406030204" pitchFamily="18" charset="0"/>
+                                  </a:rPr>
+                                  <m:t>⋯</m:t>
+                                </m:r>
+                              </m:e>
+                              <m:e>
+                                <m:sSub>
+                                  <m:sSubPr>
+                                    <m:ctrlPr>
+                                      <a:rPr lang="en-US" altLang="ja-JP" sz="3200" b="0" i="1" smtClean="0">
+                                        <a:latin typeface="Cambria Math" panose="02040503050406030204" pitchFamily="18" charset="0"/>
+                                      </a:rPr>
+                                    </m:ctrlPr>
+                                  </m:sSubPr>
+                                  <m:e>
+                                    <m:r>
+                                      <a:rPr lang="en-US" altLang="ja-JP" sz="3200" b="0" i="1" smtClean="0">
+                                        <a:latin typeface="Cambria Math" panose="02040503050406030204" pitchFamily="18" charset="0"/>
+                                      </a:rPr>
+                                      <m:t>𝑥</m:t>
+                                    </m:r>
+                                  </m:e>
+                                  <m:sub>
+                                    <m:r>
+                                      <a:rPr lang="en-US" altLang="ja-JP" sz="3200" b="0" i="1" smtClean="0">
+                                        <a:latin typeface="Cambria Math" panose="02040503050406030204" pitchFamily="18" charset="0"/>
+                                      </a:rPr>
+                                      <m:t>1</m:t>
+                                    </m:r>
+                                    <m:r>
+                                      <a:rPr lang="en-US" altLang="ja-JP" sz="3200" b="0" i="1" smtClean="0">
+                                        <a:latin typeface="Cambria Math" panose="02040503050406030204" pitchFamily="18" charset="0"/>
+                                      </a:rPr>
+                                      <m:t>𝑀</m:t>
+                                    </m:r>
+                                  </m:sub>
+                                </m:sSub>
+                              </m:e>
+                            </m:mr>
+                            <m:mr>
+                              <m:e>
+                                <m:r>
+                                  <a:rPr lang="en-US" altLang="ja-JP" sz="3200" b="0" i="1" smtClean="0">
+                                    <a:latin typeface="Cambria Math" panose="02040503050406030204" pitchFamily="18" charset="0"/>
+                                  </a:rPr>
+                                  <m:t>⋮</m:t>
+                                </m:r>
+                              </m:e>
+                              <m:e>
+                                <m:r>
+                                  <a:rPr lang="en-US" altLang="ja-JP" sz="3200" b="0" i="1" smtClean="0">
+                                    <a:latin typeface="Cambria Math" panose="02040503050406030204" pitchFamily="18" charset="0"/>
+                                  </a:rPr>
+                                  <m:t>⋱</m:t>
+                                </m:r>
+                              </m:e>
+                              <m:e>
+                                <m:r>
+                                  <a:rPr lang="en-US" altLang="ja-JP" sz="3200" b="0" i="1" smtClean="0">
+                                    <a:latin typeface="Cambria Math" panose="02040503050406030204" pitchFamily="18" charset="0"/>
+                                  </a:rPr>
+                                  <m:t>⋮</m:t>
+                                </m:r>
+                              </m:e>
+                            </m:mr>
+                            <m:mr>
+                              <m:e>
+                                <m:sSub>
+                                  <m:sSubPr>
+                                    <m:ctrlPr>
+                                      <a:rPr lang="en-US" altLang="ja-JP" sz="3200" b="0" i="1" smtClean="0">
+                                        <a:latin typeface="Cambria Math" panose="02040503050406030204" pitchFamily="18" charset="0"/>
+                                      </a:rPr>
+                                    </m:ctrlPr>
+                                  </m:sSubPr>
+                                  <m:e>
+                                    <m:r>
+                                      <a:rPr lang="en-US" altLang="ja-JP" sz="3200" b="0" i="1" smtClean="0">
+                                        <a:latin typeface="Cambria Math" panose="02040503050406030204" pitchFamily="18" charset="0"/>
+                                      </a:rPr>
+                                      <m:t>𝑥</m:t>
+                                    </m:r>
+                                  </m:e>
+                                  <m:sub>
+                                    <m:r>
+                                      <a:rPr lang="en-US" altLang="ja-JP" sz="3200" b="0" i="1" smtClean="0">
+                                        <a:latin typeface="Cambria Math" panose="02040503050406030204" pitchFamily="18" charset="0"/>
+                                      </a:rPr>
+                                      <m:t>𝑁</m:t>
+                                    </m:r>
+                                    <m:r>
+                                      <a:rPr lang="en-US" altLang="ja-JP" sz="3200" b="0" i="1" smtClean="0">
+                                        <a:latin typeface="Cambria Math" panose="02040503050406030204" pitchFamily="18" charset="0"/>
+                                      </a:rPr>
+                                      <m:t>2</m:t>
+                                    </m:r>
+                                  </m:sub>
+                                </m:sSub>
+                              </m:e>
+                              <m:e>
+                                <m:r>
+                                  <a:rPr lang="en-US" altLang="ja-JP" sz="3200" b="0" i="1" smtClean="0">
+                                    <a:latin typeface="Cambria Math" panose="02040503050406030204" pitchFamily="18" charset="0"/>
+                                  </a:rPr>
+                                  <m:t>⋯</m:t>
+                                </m:r>
+                              </m:e>
+                              <m:e>
+                                <m:sSub>
+                                  <m:sSubPr>
+                                    <m:ctrlPr>
+                                      <a:rPr lang="en-US" altLang="ja-JP" sz="3200" b="0" i="1" smtClean="0">
+                                        <a:latin typeface="Cambria Math" panose="02040503050406030204" pitchFamily="18" charset="0"/>
+                                      </a:rPr>
+                                    </m:ctrlPr>
+                                  </m:sSubPr>
+                                  <m:e>
+                                    <m:r>
+                                      <a:rPr lang="en-US" altLang="ja-JP" sz="3200" b="0" i="1" smtClean="0">
+                                        <a:latin typeface="Cambria Math" panose="02040503050406030204" pitchFamily="18" charset="0"/>
+                                      </a:rPr>
+                                      <m:t>𝑥</m:t>
+                                    </m:r>
+                                  </m:e>
+                                  <m:sub>
+                                    <m:r>
+                                      <a:rPr lang="en-US" altLang="ja-JP" sz="3200" b="0" i="1" smtClean="0">
+                                        <a:latin typeface="Cambria Math" panose="02040503050406030204" pitchFamily="18" charset="0"/>
+                                      </a:rPr>
+                                      <m:t>𝑁𝑀</m:t>
+                                    </m:r>
+                                  </m:sub>
+                                </m:sSub>
+                              </m:e>
+                            </m:mr>
+                          </m:m>
+                          <m:r>
+                            <a:rPr lang="en-US" altLang="ja-JP" sz="3200" b="0" i="1" smtClean="0">
+                              <a:latin typeface="Cambria Math" panose="02040503050406030204" pitchFamily="18" charset="0"/>
+                            </a:rPr>
+                            <m:t> </m:t>
+                          </m:r>
+                        </m:e>
+                      </m:d>
+                      <m:d>
+                        <m:dPr>
+                          <m:begChr m:val="["/>
+                          <m:endChr m:val="]"/>
+                          <m:ctrlPr>
+                            <a:rPr lang="en-US" altLang="ja-JP" sz="3200" b="0" i="1" smtClean="0">
+                              <a:latin typeface="Cambria Math" panose="02040503050406030204" pitchFamily="18" charset="0"/>
+                            </a:rPr>
+                          </m:ctrlPr>
+                        </m:dPr>
+                        <m:e>
+                          <m:m>
+                            <m:mPr>
+                              <m:mcs>
+                                <m:mc>
+                                  <m:mcPr>
+                                    <m:count m:val="1"/>
+                                    <m:mcJc m:val="center"/>
+                                  </m:mcPr>
+                                </m:mc>
+                              </m:mcs>
+                              <m:ctrlPr>
+                                <a:rPr lang="en-US" altLang="ja-JP" sz="3200" b="0" i="1" smtClean="0">
+                                  <a:latin typeface="Cambria Math" panose="02040503050406030204" pitchFamily="18" charset="0"/>
+                                </a:rPr>
+                              </m:ctrlPr>
+                            </m:mPr>
+                            <m:mr>
+                              <m:e>
+                                <m:sSub>
+                                  <m:sSubPr>
+                                    <m:ctrlPr>
+                                      <a:rPr lang="en-US" altLang="ja-JP" sz="3200" b="0" i="1" smtClean="0">
+                                        <a:latin typeface="Cambria Math" panose="02040503050406030204" pitchFamily="18" charset="0"/>
+                                      </a:rPr>
+                                    </m:ctrlPr>
+                                  </m:sSubPr>
+                                  <m:e>
+                                    <m:r>
+                                      <a:rPr lang="ja-JP" altLang="en-US" sz="3200" i="1">
+                                        <a:latin typeface="Cambria Math" panose="02040503050406030204" pitchFamily="18" charset="0"/>
+                                      </a:rPr>
+                                      <m:t>𝜃</m:t>
+                                    </m:r>
+                                  </m:e>
+                                  <m:sub>
+                                    <m:r>
+                                      <a:rPr lang="en-US" altLang="ja-JP" sz="3200" b="0" i="1" smtClean="0">
+                                        <a:latin typeface="Cambria Math" panose="02040503050406030204" pitchFamily="18" charset="0"/>
+                                      </a:rPr>
+                                      <m:t>1</m:t>
+                                    </m:r>
+                                  </m:sub>
+                                </m:sSub>
+                              </m:e>
+                            </m:mr>
+                            <m:mr>
+                              <m:e>
+                                <m:r>
+                                  <a:rPr lang="en-US" altLang="ja-JP" sz="3200" b="0" i="1" smtClean="0">
+                                    <a:latin typeface="Cambria Math" panose="02040503050406030204" pitchFamily="18" charset="0"/>
+                                  </a:rPr>
+                                  <m:t>⋮</m:t>
+                                </m:r>
+                              </m:e>
+                            </m:mr>
+                            <m:mr>
+                              <m:e>
+                                <m:sSub>
+                                  <m:sSubPr>
+                                    <m:ctrlPr>
+                                      <a:rPr lang="en-US" altLang="ja-JP" sz="3200" b="0" i="1" smtClean="0">
+                                        <a:latin typeface="Cambria Math" panose="02040503050406030204" pitchFamily="18" charset="0"/>
+                                      </a:rPr>
+                                    </m:ctrlPr>
+                                  </m:sSubPr>
+                                  <m:e>
+                                    <m:r>
+                                      <a:rPr lang="ja-JP" altLang="en-US" sz="3200" i="1">
+                                        <a:latin typeface="Cambria Math" panose="02040503050406030204" pitchFamily="18" charset="0"/>
+                                      </a:rPr>
+                                      <m:t>𝜃</m:t>
+                                    </m:r>
+                                  </m:e>
+                                  <m:sub>
+                                    <m:r>
+                                      <a:rPr lang="en-US" altLang="ja-JP" sz="3200" b="0" i="1" smtClean="0">
+                                        <a:latin typeface="Cambria Math" panose="02040503050406030204" pitchFamily="18" charset="0"/>
+                                      </a:rPr>
+                                      <m:t>𝑀</m:t>
+                                    </m:r>
+                                  </m:sub>
+                                </m:sSub>
+                              </m:e>
+                            </m:mr>
+                          </m:m>
+                        </m:e>
+                      </m:d>
+                    </m:oMath>
+                  </m:oMathPara>
+                </a14:m>
+                <a:endParaRPr lang="ja-JP" altLang="en-US" sz="3200" dirty="0"/>
+              </a:p>
+            </p:txBody>
+          </p:sp>
+        </mc:Choice>
+        <mc:Fallback>
+          <p:sp>
+            <p:nvSpPr>
+              <p:cNvPr id="8" name="正方形/長方形 7">
+                <a:extLst>
+                  <a:ext uri="{FF2B5EF4-FFF2-40B4-BE49-F238E27FC236}">
+                    <a16:creationId xmlns:a16="http://schemas.microsoft.com/office/drawing/2014/main" id="{95C1800B-D9B4-9E44-923D-90B9061348A8}"/>
+                  </a:ext>
+                </a:extLst>
+              </p:cNvPr>
+              <p:cNvSpPr>
+                <a:spLocks noRot="1" noChangeAspect="1" noMove="1" noResize="1" noEditPoints="1" noAdjustHandles="1" noChangeArrowheads="1" noChangeShapeType="1" noTextEdit="1"/>
+              </p:cNvSpPr>
+              <p:nvPr/>
+            </p:nvSpPr>
+            <p:spPr>
+              <a:xfrm>
+                <a:off x="0" y="4180288"/>
+                <a:ext cx="5631629" cy="1479316"/>
+              </a:xfrm>
+              <a:prstGeom prst="rect">
+                <a:avLst/>
+              </a:prstGeom>
+              <a:blipFill>
+                <a:blip r:embed="rId2"/>
+                <a:stretch>
+                  <a:fillRect b="-2542"/>
+                </a:stretch>
+              </a:blipFill>
+            </p:spPr>
+            <p:txBody>
+              <a:bodyPr/>
+              <a:lstStyle/>
+              <a:p>
+                <a:r>
+                  <a:rPr lang="ja-JP" altLang="en-US">
+                    <a:noFill/>
+                  </a:rPr>
+                  <a:t> </a:t>
+                </a:r>
+              </a:p>
+            </p:txBody>
+          </p:sp>
+        </mc:Fallback>
+      </mc:AlternateContent>
     </p:spTree>
     <p:extLst>
       <p:ext uri="{BB962C8B-B14F-4D97-AF65-F5344CB8AC3E}">
@@ -25311,7 +31205,7 @@
           <p:cNvPr id="2" name="タイトル 1">
             <a:extLst>
               <a:ext uri="{FF2B5EF4-FFF2-40B4-BE49-F238E27FC236}">
-                <a16:creationId xmlns:a16="http://schemas.microsoft.com/office/drawing/2014/main" id="{42F05FDF-ABAB-7E48-9F1B-AEC731BAD4C6}"/>
+                <a16:creationId xmlns:a16="http://schemas.microsoft.com/office/drawing/2014/main" id="{FA2E16EE-664C-C241-A02A-2BB83181A128}"/>
               </a:ext>
             </a:extLst>
           </p:cNvPr>
@@ -25336,7 +31230,7 @@
           <p:cNvPr id="3" name="コンテンツ プレースホルダー 2">
             <a:extLst>
               <a:ext uri="{FF2B5EF4-FFF2-40B4-BE49-F238E27FC236}">
-                <a16:creationId xmlns:a16="http://schemas.microsoft.com/office/drawing/2014/main" id="{522B8586-3118-E047-B10E-F19891FC197D}"/>
+                <a16:creationId xmlns:a16="http://schemas.microsoft.com/office/drawing/2014/main" id="{E8550E73-DDBA-AE4F-91A4-4CA471616C51}"/>
               </a:ext>
             </a:extLst>
           </p:cNvPr>
@@ -25359,7 +31253,7 @@
     </p:spTree>
     <p:extLst>
       <p:ext uri="{BB962C8B-B14F-4D97-AF65-F5344CB8AC3E}">
-        <p14:creationId xmlns:p14="http://schemas.microsoft.com/office/powerpoint/2010/main" val="2494445635"/>
+        <p14:creationId xmlns:p14="http://schemas.microsoft.com/office/powerpoint/2010/main" val="3073576835"/>
       </p:ext>
     </p:extLst>
   </p:cSld>

--- a/statistics2.pptx
+++ b/statistics2.pptx
@@ -218,7 +218,7 @@
           <a:p>
             <a:fld id="{3547B168-95BD-490F-9552-ABD7EF41C397}" type="datetimeFigureOut">
               <a:rPr kumimoji="1" lang="ja-JP" altLang="en-US" smtClean="0"/>
-              <a:t>2019/10/27</a:t>
+              <a:t>2019/10/28</a:t>
             </a:fld>
             <a:endParaRPr kumimoji="1" lang="ja-JP" altLang="en-US"/>
           </a:p>
@@ -748,7 +748,7 @@
           <a:p>
             <a:fld id="{AF724A92-735E-BB4D-8C01-8917F1EF5381}" type="datetimeFigureOut">
               <a:rPr kumimoji="1" lang="ja-JP" altLang="en-US" smtClean="0"/>
-              <a:t>2019/10/27</a:t>
+              <a:t>2019/10/28</a:t>
             </a:fld>
             <a:endParaRPr kumimoji="1" lang="ja-JP" altLang="en-US"/>
           </a:p>
@@ -953,7 +953,7 @@
           <a:p>
             <a:fld id="{AF724A92-735E-BB4D-8C01-8917F1EF5381}" type="datetimeFigureOut">
               <a:rPr kumimoji="1" lang="ja-JP" altLang="en-US" smtClean="0"/>
-              <a:t>2019/10/27</a:t>
+              <a:t>2019/10/28</a:t>
             </a:fld>
             <a:endParaRPr kumimoji="1" lang="ja-JP" altLang="en-US"/>
           </a:p>
@@ -1168,7 +1168,7 @@
           <a:p>
             <a:fld id="{AF724A92-735E-BB4D-8C01-8917F1EF5381}" type="datetimeFigureOut">
               <a:rPr kumimoji="1" lang="ja-JP" altLang="en-US" smtClean="0"/>
-              <a:t>2019/10/27</a:t>
+              <a:t>2019/10/28</a:t>
             </a:fld>
             <a:endParaRPr kumimoji="1" lang="ja-JP" altLang="en-US"/>
           </a:p>
@@ -1383,7 +1383,7 @@
           <a:p>
             <a:fld id="{AF724A92-735E-BB4D-8C01-8917F1EF5381}" type="datetimeFigureOut">
               <a:rPr kumimoji="1" lang="ja-JP" altLang="en-US" smtClean="0"/>
-              <a:t>2019/10/27</a:t>
+              <a:t>2019/10/28</a:t>
             </a:fld>
             <a:endParaRPr kumimoji="1" lang="ja-JP" altLang="en-US"/>
           </a:p>
@@ -1705,7 +1705,7 @@
           <a:p>
             <a:fld id="{AF724A92-735E-BB4D-8C01-8917F1EF5381}" type="datetimeFigureOut">
               <a:rPr kumimoji="1" lang="ja-JP" altLang="en-US" smtClean="0"/>
-              <a:t>2019/10/27</a:t>
+              <a:t>2019/10/28</a:t>
             </a:fld>
             <a:endParaRPr kumimoji="1" lang="ja-JP" altLang="en-US"/>
           </a:p>
@@ -1984,7 +1984,7 @@
           <a:p>
             <a:fld id="{AF724A92-735E-BB4D-8C01-8917F1EF5381}" type="datetimeFigureOut">
               <a:rPr kumimoji="1" lang="ja-JP" altLang="en-US" smtClean="0"/>
-              <a:t>2019/10/27</a:t>
+              <a:t>2019/10/28</a:t>
             </a:fld>
             <a:endParaRPr kumimoji="1" lang="ja-JP" altLang="en-US"/>
           </a:p>
@@ -2480,7 +2480,7 @@
           <a:p>
             <a:fld id="{AF724A92-735E-BB4D-8C01-8917F1EF5381}" type="datetimeFigureOut">
               <a:rPr kumimoji="1" lang="ja-JP" altLang="en-US" smtClean="0"/>
-              <a:t>2019/10/27</a:t>
+              <a:t>2019/10/28</a:t>
             </a:fld>
             <a:endParaRPr kumimoji="1" lang="ja-JP" altLang="en-US"/>
           </a:p>
@@ -2621,7 +2621,7 @@
           <a:p>
             <a:fld id="{AF724A92-735E-BB4D-8C01-8917F1EF5381}" type="datetimeFigureOut">
               <a:rPr kumimoji="1" lang="ja-JP" altLang="en-US" smtClean="0"/>
-              <a:t>2019/10/27</a:t>
+              <a:t>2019/10/28</a:t>
             </a:fld>
             <a:endParaRPr kumimoji="1" lang="ja-JP" altLang="en-US"/>
           </a:p>
@@ -2734,7 +2734,7 @@
           <a:p>
             <a:fld id="{AF724A92-735E-BB4D-8C01-8917F1EF5381}" type="datetimeFigureOut">
               <a:rPr kumimoji="1" lang="ja-JP" altLang="en-US" smtClean="0"/>
-              <a:t>2019/10/27</a:t>
+              <a:t>2019/10/28</a:t>
             </a:fld>
             <a:endParaRPr kumimoji="1" lang="ja-JP" altLang="en-US"/>
           </a:p>
@@ -3087,7 +3087,7 @@
           <a:p>
             <a:fld id="{AF724A92-735E-BB4D-8C01-8917F1EF5381}" type="datetimeFigureOut">
               <a:rPr kumimoji="1" lang="ja-JP" altLang="en-US" smtClean="0"/>
-              <a:t>2019/10/27</a:t>
+              <a:t>2019/10/28</a:t>
             </a:fld>
             <a:endParaRPr kumimoji="1" lang="ja-JP" altLang="en-US"/>
           </a:p>
@@ -3410,7 +3410,7 @@
           <a:p>
             <a:fld id="{AF724A92-735E-BB4D-8C01-8917F1EF5381}" type="datetimeFigureOut">
               <a:rPr kumimoji="1" lang="ja-JP" altLang="en-US" smtClean="0"/>
-              <a:t>2019/10/27</a:t>
+              <a:t>2019/10/28</a:t>
             </a:fld>
             <a:endParaRPr kumimoji="1" lang="ja-JP" altLang="en-US"/>
           </a:p>
@@ -3658,7 +3658,7 @@
           <a:p>
             <a:fld id="{AF724A92-735E-BB4D-8C01-8917F1EF5381}" type="datetimeFigureOut">
               <a:rPr kumimoji="1" lang="ja-JP" altLang="en-US" smtClean="0"/>
-              <a:t>2019/10/27</a:t>
+              <a:t>2019/10/28</a:t>
             </a:fld>
             <a:endParaRPr kumimoji="1" lang="ja-JP" altLang="en-US"/>
           </a:p>
@@ -4197,7 +4197,11 @@
           <a:lstStyle/>
           <a:p>
             <a:r>
-              <a:rPr kumimoji="1" lang="ja-JP" altLang="en-US"/>
+              <a:rPr kumimoji="1" lang="en-US" altLang="ja-JP" dirty="0"/>
+              <a:t>1.4 </a:t>
+            </a:r>
+            <a:r>
+              <a:rPr kumimoji="1" lang="ja-JP" altLang="en-US" dirty="0"/>
               <a:t>ロジスティック回帰</a:t>
             </a:r>
           </a:p>
@@ -4322,14 +4326,18 @@
           <a:lstStyle/>
           <a:p>
             <a:r>
-              <a:rPr kumimoji="1" lang="ja-JP" altLang="en-US"/>
+              <a:rPr kumimoji="1" lang="en-US" altLang="ja-JP" dirty="0"/>
+              <a:t>1.4 </a:t>
+            </a:r>
+            <a:r>
+              <a:rPr kumimoji="1" lang="ja-JP" altLang="en-US" dirty="0"/>
               <a:t>ロジスティック回帰</a:t>
             </a:r>
           </a:p>
         </p:txBody>
       </p:sp>
-      <mc:AlternateContent xmlns:mc="http://schemas.openxmlformats.org/markup-compatibility/2006">
-        <mc:Choice xmlns:a14="http://schemas.microsoft.com/office/drawing/2010/main" Requires="a14">
+      <mc:AlternateContent xmlns:mc="http://schemas.openxmlformats.org/markup-compatibility/2006" xmlns:a14="http://schemas.microsoft.com/office/drawing/2010/main">
+        <mc:Choice Requires="a14">
           <p:sp>
             <p:nvSpPr>
               <p:cNvPr id="4" name="テキスト ボックス 3">
@@ -4358,6 +4366,7 @@
               </a:bodyPr>
               <a:lstStyle/>
               <a:p>
+                <a:pPr/>
                 <a14:m>
                   <m:oMathPara xmlns:m="http://schemas.openxmlformats.org/officeDocument/2006/math">
                     <m:oMathParaPr>
@@ -4826,7 +4835,7 @@
             </p:txBody>
           </p:sp>
         </mc:Choice>
-        <mc:Fallback>
+        <mc:Fallback xmlns="">
           <p:sp>
             <p:nvSpPr>
               <p:cNvPr id="4" name="テキスト ボックス 3">
@@ -4888,7 +4897,7 @@
             <p:spPr>
               <a:xfrm>
                 <a:off x="5950342" y="2068236"/>
-                <a:ext cx="5609228" cy="830227"/>
+                <a:ext cx="5668155" cy="854273"/>
               </a:xfrm>
               <a:prstGeom prst="rect">
                 <a:avLst/>
@@ -4900,6 +4909,7 @@
               </a:bodyPr>
               <a:lstStyle/>
               <a:p>
+                <a:pPr/>
                 <a14:m>
                   <m:oMathPara xmlns:m="http://schemas.openxmlformats.org/officeDocument/2006/math">
                     <m:oMathParaPr>
@@ -4913,12 +4923,21 @@
                         <a:rPr lang="en-US" altLang="ja-JP" sz="2800" b="0" i="0" smtClean="0">
                           <a:latin typeface="Cambria Math" panose="02040503050406030204" pitchFamily="18" charset="0"/>
                         </a:rPr>
-                        <m:t>PDF</m:t>
+                        <m:t>PM</m:t>
+                      </m:r>
+                      <m:r>
+                        <m:rPr>
+                          <m:sty m:val="p"/>
+                        </m:rPr>
+                        <a:rPr lang="en-US" altLang="ja-JP" sz="2800" b="0" i="0" smtClean="0">
+                          <a:latin typeface="Cambria Math" panose="02040503050406030204" pitchFamily="18" charset="0"/>
+                        </a:rPr>
+                        <m:t>F</m:t>
                       </m:r>
                       <m:d>
                         <m:dPr>
                           <m:ctrlPr>
-                            <a:rPr lang="en-US" altLang="ja-JP" sz="2800" b="0" i="0" smtClean="0">
+                            <a:rPr lang="en-US" altLang="ja-JP" sz="2800" b="0" i="1" smtClean="0">
                               <a:latin typeface="Cambria Math" panose="02040503050406030204" pitchFamily="18" charset="0"/>
                             </a:rPr>
                           </m:ctrlPr>
@@ -5076,7 +5095,7 @@
                     </m:oMath>
                   </m:oMathPara>
                 </a14:m>
-                <a:endParaRPr lang="ja-JP" altLang="en-US" sz="2800"/>
+                <a:endParaRPr lang="ja-JP" altLang="en-US" sz="2800" dirty="0"/>
               </a:p>
             </p:txBody>
           </p:sp>
@@ -5099,7 +5118,7 @@
             <p:spPr>
               <a:xfrm>
                 <a:off x="5950342" y="2068236"/>
-                <a:ext cx="5609228" cy="830227"/>
+                <a:ext cx="5668155" cy="854273"/>
               </a:xfrm>
               <a:prstGeom prst="rect">
                 <a:avLst/>
@@ -5107,7 +5126,7 @@
               <a:blipFill>
                 <a:blip r:embed="rId3"/>
                 <a:stretch>
-                  <a:fillRect b="-3030"/>
+                  <a:fillRect/>
                 </a:stretch>
               </a:blipFill>
             </p:spPr>
@@ -5126,8 +5145,8 @@
           </p:sp>
         </mc:Fallback>
       </mc:AlternateContent>
-      <mc:AlternateContent xmlns:mc="http://schemas.openxmlformats.org/markup-compatibility/2006">
-        <mc:Choice xmlns:a14="http://schemas.microsoft.com/office/drawing/2010/main" Requires="a14">
+      <mc:AlternateContent xmlns:mc="http://schemas.openxmlformats.org/markup-compatibility/2006" xmlns:a14="http://schemas.microsoft.com/office/drawing/2010/main">
+        <mc:Choice Requires="a14">
           <p:sp>
             <p:nvSpPr>
               <p:cNvPr id="7" name="正方形/長方形 6">
@@ -5550,7 +5569,7 @@
             </p:txBody>
           </p:sp>
         </mc:Choice>
-        <mc:Fallback>
+        <mc:Fallback xmlns="">
           <p:sp>
             <p:nvSpPr>
               <p:cNvPr id="7" name="正方形/長方形 6">
@@ -5680,7 +5699,7 @@
         <p:spPr>
           <a:xfrm>
             <a:off x="146869" y="5085009"/>
-            <a:ext cx="1107996" cy="369332"/>
+            <a:ext cx="1210588" cy="400110"/>
           </a:xfrm>
           <a:prstGeom prst="rect">
             <a:avLst/>
@@ -5694,10 +5713,10 @@
           <a:lstStyle/>
           <a:p>
             <a:r>
-              <a:rPr lang="ja-JP" altLang="en-US" b="1"/>
+              <a:rPr lang="ja-JP" altLang="en-US" sz="2000" b="1" dirty="0"/>
               <a:t>尤度関数</a:t>
             </a:r>
-            <a:endParaRPr kumimoji="1" lang="ja-JP" altLang="en-US"/>
+            <a:endParaRPr kumimoji="1" lang="ja-JP" altLang="en-US" sz="2000" dirty="0"/>
           </a:p>
         </p:txBody>
       </p:sp>
@@ -5788,7 +5807,7 @@
             <p:spPr>
               <a:xfrm>
                 <a:off x="1158101" y="4833941"/>
-                <a:ext cx="8347991" cy="1880771"/>
+                <a:ext cx="8445069" cy="1927707"/>
               </a:xfrm>
               <a:prstGeom prst="rect">
                 <a:avLst/>
@@ -5801,6 +5820,7 @@
               </a:bodyPr>
               <a:lstStyle/>
               <a:p>
+                <a:pPr/>
                 <a14:m>
                   <m:oMathPara xmlns:m="http://schemas.openxmlformats.org/officeDocument/2006/math">
                     <m:oMathParaPr>
@@ -5882,10 +5902,31 @@
                         <m:sup/>
                         <m:e>
                           <m:r>
-                            <a:rPr lang="en-US" altLang="ja-JP" sz="2400" i="1">
+                            <m:rPr>
+                              <m:sty m:val="p"/>
+                            </m:rPr>
+                            <a:rPr lang="en-US" altLang="ja-JP" sz="2400" i="0">
                               <a:latin typeface="Cambria Math" panose="02040503050406030204" pitchFamily="18" charset="0"/>
                             </a:rPr>
-                            <m:t>𝑃𝐷𝐹</m:t>
+                            <m:t>P</m:t>
+                          </m:r>
+                          <m:r>
+                            <m:rPr>
+                              <m:sty m:val="p"/>
+                            </m:rPr>
+                            <a:rPr lang="en-US" altLang="ja-JP" sz="2400" b="0" i="0" smtClean="0">
+                              <a:latin typeface="Cambria Math" panose="02040503050406030204" pitchFamily="18" charset="0"/>
+                            </a:rPr>
+                            <m:t>M</m:t>
+                          </m:r>
+                          <m:r>
+                            <m:rPr>
+                              <m:sty m:val="p"/>
+                            </m:rPr>
+                            <a:rPr lang="en-US" altLang="ja-JP" sz="2400" i="0">
+                              <a:latin typeface="Cambria Math" panose="02040503050406030204" pitchFamily="18" charset="0"/>
+                            </a:rPr>
+                            <m:t>F</m:t>
                           </m:r>
                           <m:d>
                             <m:dPr>
@@ -6256,6 +6297,7 @@
                 <a:endParaRPr lang="en-US" altLang="ja-JP" sz="2400" dirty="0"/>
               </a:p>
               <a:p>
+                <a:pPr/>
                 <a14:m>
                   <m:oMathPara xmlns:m="http://schemas.openxmlformats.org/officeDocument/2006/math">
                     <m:oMathParaPr>
@@ -6641,7 +6683,7 @@
             <p:spPr>
               <a:xfrm>
                 <a:off x="1158101" y="4833941"/>
-                <a:ext cx="8347991" cy="1880771"/>
+                <a:ext cx="8445069" cy="1927707"/>
               </a:xfrm>
               <a:prstGeom prst="rect">
                 <a:avLst/>
@@ -6649,7 +6691,7 @@
               <a:blipFill>
                 <a:blip r:embed="rId5"/>
                 <a:stretch>
-                  <a:fillRect t="-69128" b="-94631"/>
+                  <a:fillRect/>
                 </a:stretch>
               </a:blipFill>
             </p:spPr>
@@ -6668,8 +6710,8 @@
           </p:sp>
         </mc:Fallback>
       </mc:AlternateContent>
-      <mc:AlternateContent xmlns:mc="http://schemas.openxmlformats.org/markup-compatibility/2006">
-        <mc:Choice xmlns:a14="http://schemas.microsoft.com/office/drawing/2010/main" Requires="a14">
+      <mc:AlternateContent xmlns:mc="http://schemas.openxmlformats.org/markup-compatibility/2006" xmlns:a14="http://schemas.microsoft.com/office/drawing/2010/main">
+        <mc:Choice Requires="a14">
           <p:sp>
             <p:nvSpPr>
               <p:cNvPr id="14" name="正方形/長方形 13">
@@ -6697,6 +6739,7 @@
               </a:bodyPr>
               <a:lstStyle/>
               <a:p>
+                <a:pPr/>
                 <a14:m>
                   <m:oMathPara xmlns:m="http://schemas.openxmlformats.org/officeDocument/2006/math">
                     <m:oMathParaPr>
@@ -6726,14 +6769,7 @@
                               <a:latin typeface="Cambria Math" panose="02040503050406030204" pitchFamily="18" charset="0"/>
                               <a:ea typeface="Cambria Math" panose="02040503050406030204" pitchFamily="18" charset="0"/>
                             </a:rPr>
-                            <m:t>𝜕</m:t>
-                          </m:r>
-                          <m:r>
-                            <a:rPr lang="en-US" altLang="ja-JP" sz="2400" i="1">
-                              <a:latin typeface="Cambria Math" panose="02040503050406030204" pitchFamily="18" charset="0"/>
-                              <a:ea typeface="Cambria Math" panose="02040503050406030204" pitchFamily="18" charset="0"/>
-                            </a:rPr>
-                            <m:t>𝜃</m:t>
+                            <m:t>𝜕𝜃</m:t>
                           </m:r>
                         </m:den>
                       </m:f>
@@ -6812,7 +6848,7 @@
             </p:txBody>
           </p:sp>
         </mc:Choice>
-        <mc:Fallback>
+        <mc:Fallback xmlns="">
           <p:sp>
             <p:nvSpPr>
               <p:cNvPr id="14" name="正方形/長方形 13">
@@ -6909,9 +6945,14 @@
           <a:lstStyle/>
           <a:p>
             <a:r>
-              <a:rPr kumimoji="1" lang="ja-JP" altLang="en-US"/>
-              <a:t>ロジス</a:t>
+              <a:rPr kumimoji="1" lang="en-US" altLang="ja-JP" dirty="0"/>
+              <a:t>1.4 </a:t>
             </a:r>
+            <a:r>
+              <a:rPr lang="ja-JP" altLang="en-US" dirty="0"/>
+              <a:t>ロジスティック回帰</a:t>
+            </a:r>
+            <a:endParaRPr kumimoji="1" lang="ja-JP" altLang="en-US" dirty="0"/>
           </a:p>
         </p:txBody>
       </p:sp>
@@ -7044,10 +7085,14 @@
           <a:lstStyle/>
           <a:p>
             <a:r>
-              <a:rPr lang="ja-JP" altLang="en-US"/>
+              <a:rPr lang="en-US" altLang="ja-JP" dirty="0"/>
+              <a:t>1.5 </a:t>
+            </a:r>
+            <a:r>
+              <a:rPr lang="ja-JP" altLang="en-US" dirty="0"/>
               <a:t>ポアソン回帰</a:t>
             </a:r>
-            <a:endParaRPr kumimoji="1" lang="ja-JP" altLang="en-US"/>
+            <a:endParaRPr kumimoji="1" lang="ja-JP" altLang="en-US" dirty="0"/>
           </a:p>
         </p:txBody>
       </p:sp>
@@ -7177,14 +7222,19 @@
           <a:lstStyle/>
           <a:p>
             <a:r>
-              <a:rPr kumimoji="1" lang="ja-JP" altLang="en-US"/>
+              <a:rPr lang="en-US" altLang="ja-JP" dirty="0"/>
+              <a:t>1.5 </a:t>
+            </a:r>
+            <a:r>
+              <a:rPr lang="ja-JP" altLang="en-US" dirty="0"/>
               <a:t>ポアソン回帰</a:t>
             </a:r>
+            <a:endParaRPr kumimoji="1" lang="ja-JP" altLang="en-US" dirty="0"/>
           </a:p>
         </p:txBody>
       </p:sp>
-      <mc:AlternateContent xmlns:mc="http://schemas.openxmlformats.org/markup-compatibility/2006">
-        <mc:Choice xmlns:a14="http://schemas.microsoft.com/office/drawing/2010/main" Requires="a14">
+      <mc:AlternateContent xmlns:mc="http://schemas.openxmlformats.org/markup-compatibility/2006" xmlns:a14="http://schemas.microsoft.com/office/drawing/2010/main">
+        <mc:Choice Requires="a14">
           <p:sp>
             <p:nvSpPr>
               <p:cNvPr id="4" name="正方形/長方形 3">
@@ -7607,7 +7657,7 @@
             </p:txBody>
           </p:sp>
         </mc:Choice>
-        <mc:Fallback>
+        <mc:Fallback xmlns="">
           <p:sp>
             <p:nvSpPr>
               <p:cNvPr id="4" name="正方形/長方形 3">
@@ -7687,8 +7737,8 @@
           </a:p>
         </p:txBody>
       </p:sp>
-      <mc:AlternateContent xmlns:mc="http://schemas.openxmlformats.org/markup-compatibility/2006">
-        <mc:Choice xmlns:a14="http://schemas.microsoft.com/office/drawing/2010/main" Requires="a14">
+      <mc:AlternateContent xmlns:mc="http://schemas.openxmlformats.org/markup-compatibility/2006" xmlns:a14="http://schemas.microsoft.com/office/drawing/2010/main">
+        <mc:Choice Requires="a14">
           <p:sp>
             <p:nvSpPr>
               <p:cNvPr id="6" name="テキスト ボックス 5">
@@ -7717,6 +7767,7 @@
               </a:bodyPr>
               <a:lstStyle/>
               <a:p>
+                <a:pPr/>
                 <a14:m>
                   <m:oMathPara xmlns:m="http://schemas.openxmlformats.org/officeDocument/2006/math">
                     <m:oMathParaPr>
@@ -7858,7 +7909,7 @@
             </p:txBody>
           </p:sp>
         </mc:Choice>
-        <mc:Fallback>
+        <mc:Fallback xmlns="">
           <p:sp>
             <p:nvSpPr>
               <p:cNvPr id="6" name="テキスト ボックス 5">
@@ -7903,8 +7954,8 @@
           </p:sp>
         </mc:Fallback>
       </mc:AlternateContent>
-      <mc:AlternateContent xmlns:mc="http://schemas.openxmlformats.org/markup-compatibility/2006">
-        <mc:Choice xmlns:a14="http://schemas.microsoft.com/office/drawing/2010/main" Requires="a14">
+      <mc:AlternateContent xmlns:mc="http://schemas.openxmlformats.org/markup-compatibility/2006" xmlns:a14="http://schemas.microsoft.com/office/drawing/2010/main">
+        <mc:Choice Requires="a14">
           <p:sp>
             <p:nvSpPr>
               <p:cNvPr id="7" name="テキスト ボックス 6">
@@ -7933,6 +7984,7 @@
               </a:bodyPr>
               <a:lstStyle/>
               <a:p>
+                <a:pPr/>
                 <a14:m>
                   <m:oMathPara xmlns:m="http://schemas.openxmlformats.org/officeDocument/2006/math">
                     <m:oMathParaPr>
@@ -8334,7 +8386,7 @@
             </p:txBody>
           </p:sp>
         </mc:Choice>
-        <mc:Fallback>
+        <mc:Fallback xmlns="">
           <p:sp>
             <p:nvSpPr>
               <p:cNvPr id="7" name="テキスト ボックス 6">
@@ -8485,8 +8537,8 @@
           </a:p>
         </p:txBody>
       </p:sp>
-      <mc:AlternateContent xmlns:mc="http://schemas.openxmlformats.org/markup-compatibility/2006">
-        <mc:Choice xmlns:a14="http://schemas.microsoft.com/office/drawing/2010/main" Requires="a14">
+      <mc:AlternateContent xmlns:mc="http://schemas.openxmlformats.org/markup-compatibility/2006" xmlns:a14="http://schemas.microsoft.com/office/drawing/2010/main">
+        <mc:Choice Requires="a14">
           <p:sp>
             <p:nvSpPr>
               <p:cNvPr id="11" name="正方形/長方形 10">
@@ -8833,7 +8885,7 @@
             </p:txBody>
           </p:sp>
         </mc:Choice>
-        <mc:Fallback>
+        <mc:Fallback xmlns="">
           <p:sp>
             <p:nvSpPr>
               <p:cNvPr id="11" name="正方形/長方形 10">
@@ -8878,8 +8930,8 @@
           </p:sp>
         </mc:Fallback>
       </mc:AlternateContent>
-      <mc:AlternateContent xmlns:mc="http://schemas.openxmlformats.org/markup-compatibility/2006">
-        <mc:Choice xmlns:a14="http://schemas.microsoft.com/office/drawing/2010/main" Requires="a14">
+      <mc:AlternateContent xmlns:mc="http://schemas.openxmlformats.org/markup-compatibility/2006" xmlns:a14="http://schemas.microsoft.com/office/drawing/2010/main">
+        <mc:Choice Requires="a14">
           <p:sp>
             <p:nvSpPr>
               <p:cNvPr id="12" name="正方形/長方形 11">
@@ -8907,6 +8959,7 @@
               </a:bodyPr>
               <a:lstStyle/>
               <a:p>
+                <a:pPr/>
                 <a14:m>
                   <m:oMathPara xmlns:m="http://schemas.openxmlformats.org/officeDocument/2006/math">
                     <m:oMathParaPr>
@@ -8936,14 +8989,7 @@
                               <a:latin typeface="Cambria Math" panose="02040503050406030204" pitchFamily="18" charset="0"/>
                               <a:ea typeface="Cambria Math" panose="02040503050406030204" pitchFamily="18" charset="0"/>
                             </a:rPr>
-                            <m:t>𝜕</m:t>
-                          </m:r>
-                          <m:r>
-                            <a:rPr lang="en-US" altLang="ja-JP" sz="2400" i="1">
-                              <a:latin typeface="Cambria Math" panose="02040503050406030204" pitchFamily="18" charset="0"/>
-                              <a:ea typeface="Cambria Math" panose="02040503050406030204" pitchFamily="18" charset="0"/>
-                            </a:rPr>
-                            <m:t>𝜃</m:t>
+                            <m:t>𝜕𝜃</m:t>
                           </m:r>
                         </m:den>
                       </m:f>
@@ -9008,7 +9054,7 @@
             </p:txBody>
           </p:sp>
         </mc:Choice>
-        <mc:Fallback>
+        <mc:Fallback xmlns="">
           <p:sp>
             <p:nvSpPr>
               <p:cNvPr id="12" name="正方形/長方形 11">
@@ -9140,10 +9186,14 @@
           <a:lstStyle/>
           <a:p>
             <a:r>
-              <a:rPr lang="ja-JP" altLang="en-US"/>
+              <a:rPr lang="en-US" altLang="ja-JP" dirty="0"/>
+              <a:t>1.5 </a:t>
+            </a:r>
+            <a:r>
+              <a:rPr lang="ja-JP" altLang="en-US" dirty="0"/>
               <a:t>ポアソン回帰</a:t>
             </a:r>
-            <a:endParaRPr kumimoji="1" lang="ja-JP" altLang="en-US"/>
+            <a:endParaRPr kumimoji="1" lang="ja-JP" altLang="en-US" dirty="0"/>
           </a:p>
         </p:txBody>
       </p:sp>
@@ -18361,7 +18411,7 @@
             </p:nvGraphicFramePr>
             <p:xfrm>
               <a:off x="6524626" y="1556992"/>
-              <a:ext cx="5743574" cy="3006536"/>
+              <a:ext cx="5743574" cy="3006790"/>
             </p:xfrm>
             <a:graphic>
               <a:graphicData uri="http://schemas.openxmlformats.org/drawingml/2006/table">
@@ -22637,17 +22687,7 @@
               <a:rPr kumimoji="1" lang="ja-JP" altLang="en-US" dirty="0"/>
               <a:t>線形モデル</a:t>
             </a:r>
-            <a:endParaRPr kumimoji="1" lang="en-US" altLang="ja-JP" dirty="0"/>
-          </a:p>
-          <a:p>
-            <a:pPr marL="0" indent="0">
-              <a:buNone/>
-            </a:pPr>
-            <a:r>
-              <a:rPr kumimoji="1" lang="ja-JP" altLang="en-US" dirty="0"/>
-              <a:t>最尤法</a:t>
-            </a:r>
-            <a:endParaRPr lang="en-US" altLang="ja-JP" sz="2000" dirty="0"/>
+            <a:endParaRPr kumimoji="1" lang="en-US" altLang="ja-JP" sz="2000" dirty="0"/>
           </a:p>
           <a:p>
             <a:pPr marL="0" indent="0">
@@ -22655,50 +22695,8 @@
             </a:pPr>
             <a:r>
               <a:rPr lang="en-US" altLang="ja-JP" sz="2000" dirty="0"/>
-              <a:t>ANOVA</a:t>
+              <a:t>2 ANOVA</a:t>
             </a:r>
-          </a:p>
-          <a:p>
-            <a:pPr marL="0" indent="0">
-              <a:buNone/>
-            </a:pPr>
-            <a:r>
-              <a:rPr lang="en-US" altLang="ja-JP" sz="2000" dirty="0"/>
-              <a:t>7.3 </a:t>
-            </a:r>
-            <a:r>
-              <a:rPr lang="ja-JP" altLang="en-US" sz="2000" dirty="0"/>
-              <a:t>一般化線形モデル</a:t>
-            </a:r>
-            <a:endParaRPr lang="en-US" altLang="ja-JP" sz="2000" dirty="0"/>
-          </a:p>
-          <a:p>
-            <a:pPr marL="0" indent="0">
-              <a:buNone/>
-            </a:pPr>
-            <a:r>
-              <a:rPr lang="en-US" altLang="ja-JP" sz="1800" dirty="0"/>
-              <a:t>7.3.1 </a:t>
-            </a:r>
-            <a:r>
-              <a:rPr lang="ja-JP" altLang="en-US" sz="1800" dirty="0"/>
-              <a:t>ロジスティック回帰</a:t>
-            </a:r>
-            <a:endParaRPr lang="en-US" altLang="ja-JP" sz="1800" dirty="0"/>
-          </a:p>
-          <a:p>
-            <a:pPr marL="0" indent="0">
-              <a:buNone/>
-            </a:pPr>
-            <a:r>
-              <a:rPr lang="en-US" altLang="ja-JP" sz="1800" dirty="0"/>
-              <a:t>7.3.2 </a:t>
-            </a:r>
-            <a:r>
-              <a:rPr lang="ja-JP" altLang="en-US" sz="1800" dirty="0"/>
-              <a:t>ポアソン回帰</a:t>
-            </a:r>
-            <a:endParaRPr lang="en-US" altLang="ja-JP" sz="1800" dirty="0"/>
           </a:p>
           <a:p>
             <a:pPr marL="0" indent="0">
@@ -25706,7 +25704,7 @@
             </a:r>
             <a:r>
               <a:rPr kumimoji="1" lang="ja-JP" altLang="en-US" dirty="0"/>
-              <a:t>線形モデルとは</a:t>
+              <a:t>一般化線形モデル</a:t>
             </a:r>
             <a:endParaRPr kumimoji="1" lang="en-US" altLang="ja-JP" dirty="0"/>
           </a:p>
@@ -25748,9 +25746,22 @@
             </a:r>
             <a:r>
               <a:rPr lang="ja-JP" altLang="en-US" dirty="0"/>
-              <a:t>一般化線形モデル</a:t>
+              <a:t>ロジスティック回帰</a:t>
             </a:r>
-            <a:endParaRPr kumimoji="1" lang="ja-JP" altLang="en-US" dirty="0"/>
+            <a:endParaRPr lang="en-US" altLang="ja-JP" dirty="0"/>
+          </a:p>
+          <a:p>
+            <a:pPr marL="0" indent="0">
+              <a:buNone/>
+            </a:pPr>
+            <a:r>
+              <a:rPr kumimoji="1" lang="en-US" altLang="ja-JP" dirty="0"/>
+              <a:t>1.5 </a:t>
+            </a:r>
+            <a:r>
+              <a:rPr kumimoji="1" lang="ja-JP" altLang="en-US" dirty="0"/>
+              <a:t>ポアソン回帰</a:t>
+            </a:r>
           </a:p>
         </p:txBody>
       </p:sp>
@@ -25890,8 +25901,8 @@
               <a:t>1.1 </a:t>
             </a:r>
             <a:r>
-              <a:rPr kumimoji="1" lang="ja-JP" altLang="en-US"/>
-              <a:t>線形モデルとは</a:t>
+              <a:rPr kumimoji="1" lang="ja-JP" altLang="en-US" dirty="0"/>
+              <a:t>一般化線形モデル</a:t>
             </a:r>
           </a:p>
         </p:txBody>
@@ -26308,8 +26319,8 @@
           </a:graphicData>
         </a:graphic>
       </p:graphicFrame>
-      <mc:AlternateContent xmlns:mc="http://schemas.openxmlformats.org/markup-compatibility/2006">
-        <mc:Choice xmlns:a14="http://schemas.microsoft.com/office/drawing/2010/main" Requires="a14">
+      <mc:AlternateContent xmlns:mc="http://schemas.openxmlformats.org/markup-compatibility/2006" xmlns:a14="http://schemas.microsoft.com/office/drawing/2010/main">
+        <mc:Choice Requires="a14">
           <p:sp>
             <p:nvSpPr>
               <p:cNvPr id="8" name="正方形/長方形 7">
@@ -26732,7 +26743,7 @@
             </p:txBody>
           </p:sp>
         </mc:Choice>
-        <mc:Fallback>
+        <mc:Fallback xmlns="">
           <p:sp>
             <p:nvSpPr>
               <p:cNvPr id="8" name="正方形/長方形 7">
@@ -26934,8 +26945,8 @@
         </p:nvSpPr>
         <p:spPr>
           <a:xfrm>
-            <a:off x="-45617" y="1551870"/>
-            <a:ext cx="2826718" cy="584775"/>
+            <a:off x="-45618" y="1551870"/>
+            <a:ext cx="3718457" cy="584775"/>
           </a:xfrm>
           <a:prstGeom prst="rect">
             <a:avLst/>
@@ -26951,7 +26962,7 @@
             <a:pPr algn="ctr"/>
             <a:r>
               <a:rPr kumimoji="1" lang="ja-JP" altLang="en-US" sz="3200" b="1" u="sng" dirty="0"/>
-              <a:t>線形モデル</a:t>
+              <a:t>正規線形モデル</a:t>
             </a:r>
           </a:p>
         </p:txBody>
@@ -27203,8 +27214,8 @@
           </p:sp>
         </mc:Fallback>
       </mc:AlternateContent>
-      <mc:AlternateContent xmlns:mc="http://schemas.openxmlformats.org/markup-compatibility/2006" xmlns:a14="http://schemas.microsoft.com/office/drawing/2010/main">
-        <mc:Choice Requires="a14">
+      <mc:AlternateContent xmlns:mc="http://schemas.openxmlformats.org/markup-compatibility/2006">
+        <mc:Choice xmlns:a14="http://schemas.microsoft.com/office/drawing/2010/main" Requires="a14">
           <p:sp>
             <p:nvSpPr>
               <p:cNvPr id="7" name="テキスト ボックス 6">
@@ -27220,7 +27231,7 @@
             <p:spPr>
               <a:xfrm>
                 <a:off x="2240699" y="3008162"/>
-                <a:ext cx="793872" cy="276999"/>
+                <a:ext cx="860748" cy="276999"/>
               </a:xfrm>
               <a:prstGeom prst="rect">
                 <a:avLst/>
@@ -27264,7 +27275,7 @@
                           <a:latin typeface="Cambria Math" panose="02040503050406030204" pitchFamily="18" charset="0"/>
                           <a:ea typeface="Cambria Math" panose="02040503050406030204" pitchFamily="18" charset="0"/>
                         </a:rPr>
-                        <m:t>𝑝</m:t>
+                        <m:t>𝑚</m:t>
                       </m:r>
                       <m:r>
                         <a:rPr kumimoji="1" lang="en-US" altLang="ja-JP" b="0" i="1" smtClean="0">
@@ -27280,7 +27291,7 @@
             </p:txBody>
           </p:sp>
         </mc:Choice>
-        <mc:Fallback xmlns="">
+        <mc:Fallback>
           <p:sp>
             <p:nvSpPr>
               <p:cNvPr id="7" name="テキスト ボックス 6">
@@ -27298,7 +27309,7 @@
             <p:spPr>
               <a:xfrm>
                 <a:off x="2240699" y="3008162"/>
-                <a:ext cx="793872" cy="276999"/>
+                <a:ext cx="860748" cy="276999"/>
               </a:xfrm>
               <a:prstGeom prst="rect">
                 <a:avLst/>
@@ -27306,7 +27317,7 @@
               <a:blipFill>
                 <a:blip r:embed="rId4"/>
                 <a:stretch>
-                  <a:fillRect l="-9231" t="-2174" r="-10000" b="-32609"/>
+                  <a:fillRect l="-8511" t="-2174" r="-9220" b="-32609"/>
                 </a:stretch>
               </a:blipFill>
             </p:spPr>
@@ -28609,8 +28620,8 @@
           </p:sp>
         </mc:Fallback>
       </mc:AlternateContent>
-      <mc:AlternateContent xmlns:mc="http://schemas.openxmlformats.org/markup-compatibility/2006" xmlns:a14="http://schemas.microsoft.com/office/drawing/2010/main">
-        <mc:Choice Requires="a14">
+      <mc:AlternateContent xmlns:mc="http://schemas.openxmlformats.org/markup-compatibility/2006">
+        <mc:Choice xmlns:a14="http://schemas.microsoft.com/office/drawing/2010/main" Requires="a14">
           <p:sp>
             <p:nvSpPr>
               <p:cNvPr id="13" name="正方形/長方形 12">
@@ -28626,7 +28637,7 @@
             <p:spPr>
               <a:xfrm>
                 <a:off x="5755848" y="1649610"/>
-                <a:ext cx="6155082" cy="1853136"/>
+                <a:ext cx="6252353" cy="1853136"/>
               </a:xfrm>
               <a:prstGeom prst="rect">
                 <a:avLst/>
@@ -28816,7 +28827,7 @@
                                       <a:rPr lang="en-US" altLang="ja-JP" sz="3600" b="0" i="1" smtClean="0">
                                         <a:latin typeface="Cambria Math" panose="02040503050406030204" pitchFamily="18" charset="0"/>
                                       </a:rPr>
-                                      <m:t>𝑝</m:t>
+                                      <m:t>𝑚</m:t>
                                     </m:r>
                                   </m:sub>
                                 </m:sSub>
@@ -28912,7 +28923,13 @@
                                       <a:rPr lang="en-US" altLang="ja-JP" sz="3600" b="0" i="1" smtClean="0">
                                         <a:latin typeface="Cambria Math" panose="02040503050406030204" pitchFamily="18" charset="0"/>
                                       </a:rPr>
-                                      <m:t>𝑛𝑝</m:t>
+                                      <m:t>𝑛</m:t>
+                                    </m:r>
+                                    <m:r>
+                                      <a:rPr lang="en-US" altLang="ja-JP" sz="3600" b="0" i="1" smtClean="0">
+                                        <a:latin typeface="Cambria Math" panose="02040503050406030204" pitchFamily="18" charset="0"/>
+                                      </a:rPr>
+                                      <m:t>𝑚</m:t>
                                     </m:r>
                                   </m:sub>
                                 </m:sSub>
@@ -29016,7 +29033,7 @@
                                       <a:rPr lang="en-US" altLang="ja-JP" sz="3600" b="0" i="1" smtClean="0">
                                         <a:latin typeface="Cambria Math" panose="02040503050406030204" pitchFamily="18" charset="0"/>
                                       </a:rPr>
-                                      <m:t>𝑝</m:t>
+                                      <m:t>𝑚</m:t>
                                     </m:r>
                                   </m:sub>
                                 </m:sSub>
@@ -29033,7 +29050,7 @@
             </p:txBody>
           </p:sp>
         </mc:Choice>
-        <mc:Fallback xmlns="">
+        <mc:Fallback>
           <p:sp>
             <p:nvSpPr>
               <p:cNvPr id="13" name="正方形/長方形 12">
@@ -29051,7 +29068,7 @@
             <p:spPr>
               <a:xfrm>
                 <a:off x="5755848" y="1649610"/>
-                <a:ext cx="6155082" cy="1853136"/>
+                <a:ext cx="6252353" cy="1853136"/>
               </a:xfrm>
               <a:prstGeom prst="rect">
                 <a:avLst/>
@@ -29154,7 +29171,7 @@
         </p:nvSpPr>
         <p:spPr>
           <a:xfrm>
-            <a:off x="7407321" y="1771976"/>
+            <a:off x="7407321" y="1741496"/>
             <a:ext cx="325736" cy="1716223"/>
           </a:xfrm>
           <a:prstGeom prst="roundRect">

--- a/statistics2.pptx
+++ b/statistics2.pptx
@@ -4880,8 +4880,8 @@
           </p:sp>
         </mc:Fallback>
       </mc:AlternateContent>
-      <mc:AlternateContent xmlns:mc="http://schemas.openxmlformats.org/markup-compatibility/2006">
-        <mc:Choice xmlns:a14="http://schemas.microsoft.com/office/drawing/2010/main" Requires="a14">
+      <mc:AlternateContent xmlns:mc="http://schemas.openxmlformats.org/markup-compatibility/2006" xmlns:a14="http://schemas.microsoft.com/office/drawing/2010/main">
+        <mc:Choice Requires="a14">
           <p:sp>
             <p:nvSpPr>
               <p:cNvPr id="6" name="正方形/長方形 5">
@@ -4923,16 +4923,7 @@
                         <a:rPr lang="en-US" altLang="ja-JP" sz="2800" b="0" i="0" smtClean="0">
                           <a:latin typeface="Cambria Math" panose="02040503050406030204" pitchFamily="18" charset="0"/>
                         </a:rPr>
-                        <m:t>PM</m:t>
-                      </m:r>
-                      <m:r>
-                        <m:rPr>
-                          <m:sty m:val="p"/>
-                        </m:rPr>
-                        <a:rPr lang="en-US" altLang="ja-JP" sz="2800" b="0" i="0" smtClean="0">
-                          <a:latin typeface="Cambria Math" panose="02040503050406030204" pitchFamily="18" charset="0"/>
-                        </a:rPr>
-                        <m:t>F</m:t>
+                        <m:t>PMF</m:t>
                       </m:r>
                       <m:d>
                         <m:dPr>
@@ -5100,7 +5091,7 @@
             </p:txBody>
           </p:sp>
         </mc:Choice>
-        <mc:Fallback>
+        <mc:Fallback xmlns="">
           <p:sp>
             <p:nvSpPr>
               <p:cNvPr id="6" name="正方形/長方形 5">
@@ -5790,8 +5781,8 @@
           </a:p>
         </p:txBody>
       </p:sp>
-      <mc:AlternateContent xmlns:mc="http://schemas.openxmlformats.org/markup-compatibility/2006">
-        <mc:Choice xmlns:a14="http://schemas.microsoft.com/office/drawing/2010/main" Requires="a14">
+      <mc:AlternateContent xmlns:mc="http://schemas.openxmlformats.org/markup-compatibility/2006" xmlns:a14="http://schemas.microsoft.com/office/drawing/2010/main">
+        <mc:Choice Requires="a14">
           <p:sp>
             <p:nvSpPr>
               <p:cNvPr id="13" name="テキスト ボックス 12">
@@ -6665,7 +6656,7 @@
             </p:txBody>
           </p:sp>
         </mc:Choice>
-        <mc:Fallback>
+        <mc:Fallback xmlns="">
           <p:sp>
             <p:nvSpPr>
               <p:cNvPr id="13" name="テキスト ボックス 12">
@@ -27214,8 +27205,8 @@
           </p:sp>
         </mc:Fallback>
       </mc:AlternateContent>
-      <mc:AlternateContent xmlns:mc="http://schemas.openxmlformats.org/markup-compatibility/2006">
-        <mc:Choice xmlns:a14="http://schemas.microsoft.com/office/drawing/2010/main" Requires="a14">
+      <mc:AlternateContent xmlns:mc="http://schemas.openxmlformats.org/markup-compatibility/2006" xmlns:a14="http://schemas.microsoft.com/office/drawing/2010/main">
+        <mc:Choice Requires="a14">
           <p:sp>
             <p:nvSpPr>
               <p:cNvPr id="7" name="テキスト ボックス 6">
@@ -27291,7 +27282,7 @@
             </p:txBody>
           </p:sp>
         </mc:Choice>
-        <mc:Fallback>
+        <mc:Fallback xmlns="">
           <p:sp>
             <p:nvSpPr>
               <p:cNvPr id="7" name="テキスト ボックス 6">
@@ -28620,8 +28611,8 @@
           </p:sp>
         </mc:Fallback>
       </mc:AlternateContent>
-      <mc:AlternateContent xmlns:mc="http://schemas.openxmlformats.org/markup-compatibility/2006">
-        <mc:Choice xmlns:a14="http://schemas.microsoft.com/office/drawing/2010/main" Requires="a14">
+      <mc:AlternateContent xmlns:mc="http://schemas.openxmlformats.org/markup-compatibility/2006" xmlns:a14="http://schemas.microsoft.com/office/drawing/2010/main">
+        <mc:Choice Requires="a14">
           <p:sp>
             <p:nvSpPr>
               <p:cNvPr id="13" name="正方形/長方形 12">
@@ -28923,13 +28914,7 @@
                                       <a:rPr lang="en-US" altLang="ja-JP" sz="3600" b="0" i="1" smtClean="0">
                                         <a:latin typeface="Cambria Math" panose="02040503050406030204" pitchFamily="18" charset="0"/>
                                       </a:rPr>
-                                      <m:t>𝑛</m:t>
-                                    </m:r>
-                                    <m:r>
-                                      <a:rPr lang="en-US" altLang="ja-JP" sz="3600" b="0" i="1" smtClean="0">
-                                        <a:latin typeface="Cambria Math" panose="02040503050406030204" pitchFamily="18" charset="0"/>
-                                      </a:rPr>
-                                      <m:t>𝑚</m:t>
+                                      <m:t>𝑛𝑚</m:t>
                                     </m:r>
                                   </m:sub>
                                 </m:sSub>
@@ -29050,7 +29035,7 @@
             </p:txBody>
           </p:sp>
         </mc:Choice>
-        <mc:Fallback>
+        <mc:Fallback xmlns="">
           <p:sp>
             <p:nvSpPr>
               <p:cNvPr id="13" name="正方形/長方形 12">

--- a/statistics2.pptx
+++ b/statistics2.pptx
@@ -5,7 +5,7 @@
     <p:sldMasterId id="2147483648" r:id="rId1"/>
   </p:sldMasterIdLst>
   <p:notesMasterIdLst>
-    <p:notesMasterId r:id="rId24"/>
+    <p:notesMasterId r:id="rId28"/>
   </p:notesMasterIdLst>
   <p:sldIdLst>
     <p:sldId id="256" r:id="rId2"/>
@@ -30,6 +30,10 @@
     <p:sldId id="331" r:id="rId21"/>
     <p:sldId id="333" r:id="rId22"/>
     <p:sldId id="327" r:id="rId23"/>
+    <p:sldId id="342" r:id="rId24"/>
+    <p:sldId id="343" r:id="rId25"/>
+    <p:sldId id="344" r:id="rId26"/>
+    <p:sldId id="345" r:id="rId27"/>
   </p:sldIdLst>
   <p:sldSz cx="12192000" cy="6858000"/>
   <p:notesSz cx="6858000" cy="9144000"/>
@@ -218,7 +222,7 @@
           <a:p>
             <a:fld id="{3547B168-95BD-490F-9552-ABD7EF41C397}" type="datetimeFigureOut">
               <a:rPr kumimoji="1" lang="ja-JP" altLang="en-US" smtClean="0"/>
-              <a:t>2019/10/28</a:t>
+              <a:t>2019/11/5</a:t>
             </a:fld>
             <a:endParaRPr kumimoji="1" lang="ja-JP" altLang="en-US"/>
           </a:p>
@@ -748,7 +752,7 @@
           <a:p>
             <a:fld id="{AF724A92-735E-BB4D-8C01-8917F1EF5381}" type="datetimeFigureOut">
               <a:rPr kumimoji="1" lang="ja-JP" altLang="en-US" smtClean="0"/>
-              <a:t>2019/10/28</a:t>
+              <a:t>2019/11/5</a:t>
             </a:fld>
             <a:endParaRPr kumimoji="1" lang="ja-JP" altLang="en-US"/>
           </a:p>
@@ -953,7 +957,7 @@
           <a:p>
             <a:fld id="{AF724A92-735E-BB4D-8C01-8917F1EF5381}" type="datetimeFigureOut">
               <a:rPr kumimoji="1" lang="ja-JP" altLang="en-US" smtClean="0"/>
-              <a:t>2019/10/28</a:t>
+              <a:t>2019/11/5</a:t>
             </a:fld>
             <a:endParaRPr kumimoji="1" lang="ja-JP" altLang="en-US"/>
           </a:p>
@@ -1168,7 +1172,7 @@
           <a:p>
             <a:fld id="{AF724A92-735E-BB4D-8C01-8917F1EF5381}" type="datetimeFigureOut">
               <a:rPr kumimoji="1" lang="ja-JP" altLang="en-US" smtClean="0"/>
-              <a:t>2019/10/28</a:t>
+              <a:t>2019/11/5</a:t>
             </a:fld>
             <a:endParaRPr kumimoji="1" lang="ja-JP" altLang="en-US"/>
           </a:p>
@@ -1383,7 +1387,7 @@
           <a:p>
             <a:fld id="{AF724A92-735E-BB4D-8C01-8917F1EF5381}" type="datetimeFigureOut">
               <a:rPr kumimoji="1" lang="ja-JP" altLang="en-US" smtClean="0"/>
-              <a:t>2019/10/28</a:t>
+              <a:t>2019/11/5</a:t>
             </a:fld>
             <a:endParaRPr kumimoji="1" lang="ja-JP" altLang="en-US"/>
           </a:p>
@@ -1705,7 +1709,7 @@
           <a:p>
             <a:fld id="{AF724A92-735E-BB4D-8C01-8917F1EF5381}" type="datetimeFigureOut">
               <a:rPr kumimoji="1" lang="ja-JP" altLang="en-US" smtClean="0"/>
-              <a:t>2019/10/28</a:t>
+              <a:t>2019/11/5</a:t>
             </a:fld>
             <a:endParaRPr kumimoji="1" lang="ja-JP" altLang="en-US"/>
           </a:p>
@@ -1984,7 +1988,7 @@
           <a:p>
             <a:fld id="{AF724A92-735E-BB4D-8C01-8917F1EF5381}" type="datetimeFigureOut">
               <a:rPr kumimoji="1" lang="ja-JP" altLang="en-US" smtClean="0"/>
-              <a:t>2019/10/28</a:t>
+              <a:t>2019/11/5</a:t>
             </a:fld>
             <a:endParaRPr kumimoji="1" lang="ja-JP" altLang="en-US"/>
           </a:p>
@@ -2480,7 +2484,7 @@
           <a:p>
             <a:fld id="{AF724A92-735E-BB4D-8C01-8917F1EF5381}" type="datetimeFigureOut">
               <a:rPr kumimoji="1" lang="ja-JP" altLang="en-US" smtClean="0"/>
-              <a:t>2019/10/28</a:t>
+              <a:t>2019/11/5</a:t>
             </a:fld>
             <a:endParaRPr kumimoji="1" lang="ja-JP" altLang="en-US"/>
           </a:p>
@@ -2621,7 +2625,7 @@
           <a:p>
             <a:fld id="{AF724A92-735E-BB4D-8C01-8917F1EF5381}" type="datetimeFigureOut">
               <a:rPr kumimoji="1" lang="ja-JP" altLang="en-US" smtClean="0"/>
-              <a:t>2019/10/28</a:t>
+              <a:t>2019/11/5</a:t>
             </a:fld>
             <a:endParaRPr kumimoji="1" lang="ja-JP" altLang="en-US"/>
           </a:p>
@@ -2734,7 +2738,7 @@
           <a:p>
             <a:fld id="{AF724A92-735E-BB4D-8C01-8917F1EF5381}" type="datetimeFigureOut">
               <a:rPr kumimoji="1" lang="ja-JP" altLang="en-US" smtClean="0"/>
-              <a:t>2019/10/28</a:t>
+              <a:t>2019/11/5</a:t>
             </a:fld>
             <a:endParaRPr kumimoji="1" lang="ja-JP" altLang="en-US"/>
           </a:p>
@@ -3087,7 +3091,7 @@
           <a:p>
             <a:fld id="{AF724A92-735E-BB4D-8C01-8917F1EF5381}" type="datetimeFigureOut">
               <a:rPr kumimoji="1" lang="ja-JP" altLang="en-US" smtClean="0"/>
-              <a:t>2019/10/28</a:t>
+              <a:t>2019/11/5</a:t>
             </a:fld>
             <a:endParaRPr kumimoji="1" lang="ja-JP" altLang="en-US"/>
           </a:p>
@@ -3410,7 +3414,7 @@
           <a:p>
             <a:fld id="{AF724A92-735E-BB4D-8C01-8917F1EF5381}" type="datetimeFigureOut">
               <a:rPr kumimoji="1" lang="ja-JP" altLang="en-US" smtClean="0"/>
-              <a:t>2019/10/28</a:t>
+              <a:t>2019/11/5</a:t>
             </a:fld>
             <a:endParaRPr kumimoji="1" lang="ja-JP" altLang="en-US"/>
           </a:p>
@@ -3658,7 +3662,7 @@
           <a:p>
             <a:fld id="{AF724A92-735E-BB4D-8C01-8917F1EF5381}" type="datetimeFigureOut">
               <a:rPr kumimoji="1" lang="ja-JP" altLang="en-US" smtClean="0"/>
-              <a:t>2019/10/28</a:t>
+              <a:t>2019/11/5</a:t>
             </a:fld>
             <a:endParaRPr kumimoji="1" lang="ja-JP" altLang="en-US"/>
           </a:p>
@@ -25305,7 +25309,7 @@
           </a:prstGeom>
           <a:noFill/>
           <a:ln w="38100">
-            <a:prstDash val="dash"/>
+            <a:prstDash val="sysDash"/>
           </a:ln>
         </p:spPr>
         <p:style>
@@ -25607,6 +25611,1266 @@
     <p:extLst>
       <p:ext uri="{BB962C8B-B14F-4D97-AF65-F5344CB8AC3E}">
         <p14:creationId xmlns:p14="http://schemas.microsoft.com/office/powerpoint/2010/main" val="1475842323"/>
+      </p:ext>
+    </p:extLst>
+  </p:cSld>
+  <p:clrMapOvr>
+    <a:masterClrMapping/>
+  </p:clrMapOvr>
+</p:sld>
+</file>
+
+<file path=ppt/slides/slide23.xml><?xml version="1.0" encoding="utf-8"?>
+<p:sld xmlns:a="http://schemas.openxmlformats.org/drawingml/2006/main" xmlns:r="http://schemas.openxmlformats.org/officeDocument/2006/relationships" xmlns:p="http://schemas.openxmlformats.org/presentationml/2006/main">
+  <p:cSld>
+    <p:spTree>
+      <p:nvGrpSpPr>
+        <p:cNvPr id="1" name=""/>
+        <p:cNvGrpSpPr/>
+        <p:nvPr/>
+      </p:nvGrpSpPr>
+      <p:grpSpPr>
+        <a:xfrm>
+          <a:off x="0" y="0"/>
+          <a:ext cx="0" cy="0"/>
+          <a:chOff x="0" y="0"/>
+          <a:chExt cx="0" cy="0"/>
+        </a:xfrm>
+      </p:grpSpPr>
+      <p:sp>
+        <p:nvSpPr>
+          <p:cNvPr id="2" name="タイトル 1">
+            <a:extLst>
+              <a:ext uri="{FF2B5EF4-FFF2-40B4-BE49-F238E27FC236}">
+                <a16:creationId xmlns:a16="http://schemas.microsoft.com/office/drawing/2014/main" id="{6FFB3F94-0039-40A7-BDCC-48926C22831A}"/>
+              </a:ext>
+            </a:extLst>
+          </p:cNvPr>
+          <p:cNvSpPr>
+            <a:spLocks noGrp="1"/>
+          </p:cNvSpPr>
+          <p:nvPr>
+            <p:ph type="title"/>
+          </p:nvPr>
+        </p:nvSpPr>
+        <p:spPr/>
+        <p:txBody>
+          <a:bodyPr/>
+          <a:lstStyle/>
+          <a:p>
+            <a:r>
+              <a:rPr kumimoji="1" lang="ja-JP" altLang="en-US" dirty="0"/>
+              <a:t>確率過程とは</a:t>
+            </a:r>
+          </a:p>
+        </p:txBody>
+      </p:sp>
+      <p:sp>
+        <p:nvSpPr>
+          <p:cNvPr id="3" name="コンテンツ プレースホルダー 2">
+            <a:extLst>
+              <a:ext uri="{FF2B5EF4-FFF2-40B4-BE49-F238E27FC236}">
+                <a16:creationId xmlns:a16="http://schemas.microsoft.com/office/drawing/2014/main" id="{0D04AF60-F2BC-4EBF-AD23-DBBBA6846C2E}"/>
+              </a:ext>
+            </a:extLst>
+          </p:cNvPr>
+          <p:cNvSpPr>
+            <a:spLocks noGrp="1"/>
+          </p:cNvSpPr>
+          <p:nvPr>
+            <p:ph idx="1"/>
+          </p:nvPr>
+        </p:nvSpPr>
+        <p:spPr/>
+        <p:txBody>
+          <a:bodyPr/>
+          <a:lstStyle/>
+          <a:p>
+            <a:endParaRPr kumimoji="1" lang="ja-JP" altLang="en-US"/>
+          </a:p>
+        </p:txBody>
+      </p:sp>
+    </p:spTree>
+    <p:extLst>
+      <p:ext uri="{BB962C8B-B14F-4D97-AF65-F5344CB8AC3E}">
+        <p14:creationId xmlns:p14="http://schemas.microsoft.com/office/powerpoint/2010/main" val="331944264"/>
+      </p:ext>
+    </p:extLst>
+  </p:cSld>
+  <p:clrMapOvr>
+    <a:masterClrMapping/>
+  </p:clrMapOvr>
+</p:sld>
+</file>
+
+<file path=ppt/slides/slide24.xml><?xml version="1.0" encoding="utf-8"?>
+<p:sld xmlns:a="http://schemas.openxmlformats.org/drawingml/2006/main" xmlns:r="http://schemas.openxmlformats.org/officeDocument/2006/relationships" xmlns:p="http://schemas.openxmlformats.org/presentationml/2006/main">
+  <p:cSld>
+    <p:spTree>
+      <p:nvGrpSpPr>
+        <p:cNvPr id="1" name=""/>
+        <p:cNvGrpSpPr/>
+        <p:nvPr/>
+      </p:nvGrpSpPr>
+      <p:grpSpPr>
+        <a:xfrm>
+          <a:off x="0" y="0"/>
+          <a:ext cx="0" cy="0"/>
+          <a:chOff x="0" y="0"/>
+          <a:chExt cx="0" cy="0"/>
+        </a:xfrm>
+      </p:grpSpPr>
+      <p:sp>
+        <p:nvSpPr>
+          <p:cNvPr id="2" name="タイトル 1">
+            <a:extLst>
+              <a:ext uri="{FF2B5EF4-FFF2-40B4-BE49-F238E27FC236}">
+                <a16:creationId xmlns:a16="http://schemas.microsoft.com/office/drawing/2014/main" id="{015FDF11-E604-43DD-AFAE-62E59376B7EC}"/>
+              </a:ext>
+            </a:extLst>
+          </p:cNvPr>
+          <p:cNvSpPr>
+            <a:spLocks noGrp="1"/>
+          </p:cNvSpPr>
+          <p:nvPr>
+            <p:ph type="title"/>
+          </p:nvPr>
+        </p:nvSpPr>
+        <p:spPr/>
+        <p:txBody>
+          <a:bodyPr/>
+          <a:lstStyle/>
+          <a:p>
+            <a:r>
+              <a:rPr kumimoji="1" lang="ja-JP" altLang="en-US" dirty="0"/>
+              <a:t>ランダムウォーク</a:t>
+            </a:r>
+          </a:p>
+        </p:txBody>
+      </p:sp>
+      <p:pic>
+        <p:nvPicPr>
+          <p:cNvPr id="6" name="図 5">
+            <a:extLst>
+              <a:ext uri="{FF2B5EF4-FFF2-40B4-BE49-F238E27FC236}">
+                <a16:creationId xmlns:a16="http://schemas.microsoft.com/office/drawing/2014/main" id="{5AE9AE6F-5661-4EFB-B767-12A0B5D104D6}"/>
+              </a:ext>
+            </a:extLst>
+          </p:cNvPr>
+          <p:cNvPicPr>
+            <a:picLocks noChangeAspect="1"/>
+          </p:cNvPicPr>
+          <p:nvPr/>
+        </p:nvPicPr>
+        <p:blipFill>
+          <a:blip r:embed="rId2"/>
+          <a:stretch>
+            <a:fillRect/>
+          </a:stretch>
+        </p:blipFill>
+        <p:spPr>
+          <a:xfrm>
+            <a:off x="440796" y="2196674"/>
+            <a:ext cx="5487650" cy="3658433"/>
+          </a:xfrm>
+          <a:prstGeom prst="rect">
+            <a:avLst/>
+          </a:prstGeom>
+        </p:spPr>
+      </p:pic>
+      <mc:AlternateContent xmlns:mc="http://schemas.openxmlformats.org/markup-compatibility/2006">
+        <mc:Choice xmlns:a14="http://schemas.microsoft.com/office/drawing/2010/main" Requires="a14">
+          <p:sp>
+            <p:nvSpPr>
+              <p:cNvPr id="7" name="テキスト ボックス 6">
+                <a:extLst>
+                  <a:ext uri="{FF2B5EF4-FFF2-40B4-BE49-F238E27FC236}">
+                    <a16:creationId xmlns:a16="http://schemas.microsoft.com/office/drawing/2014/main" id="{ADC10D77-5704-48CB-8100-A99DBCA68988}"/>
+                  </a:ext>
+                </a:extLst>
+              </p:cNvPr>
+              <p:cNvSpPr txBox="1"/>
+              <p:nvPr/>
+            </p:nvSpPr>
+            <p:spPr>
+              <a:xfrm>
+                <a:off x="5744299" y="3884171"/>
+                <a:ext cx="6290819" cy="461665"/>
+              </a:xfrm>
+              <a:prstGeom prst="rect">
+                <a:avLst/>
+              </a:prstGeom>
+              <a:noFill/>
+            </p:spPr>
+            <p:txBody>
+              <a:bodyPr wrap="square" rtlCol="0">
+                <a:spAutoFit/>
+              </a:bodyPr>
+              <a:lstStyle/>
+              <a:p>
+                <a:r>
+                  <a:rPr kumimoji="1" lang="ja-JP" altLang="en-US" sz="2400" b="1" dirty="0">
+                    <a:solidFill>
+                      <a:schemeClr val="accent1">
+                        <a:lumMod val="75000"/>
+                      </a:schemeClr>
+                    </a:solidFill>
+                  </a:rPr>
+                  <a:t>時点</a:t>
+                </a:r>
+                <a14:m>
+                  <m:oMath xmlns:m="http://schemas.openxmlformats.org/officeDocument/2006/math">
+                    <m:r>
+                      <a:rPr kumimoji="1" lang="en-US" altLang="ja-JP" sz="2400" b="1" i="1" smtClean="0">
+                        <a:solidFill>
+                          <a:schemeClr val="accent1">
+                            <a:lumMod val="75000"/>
+                          </a:schemeClr>
+                        </a:solidFill>
+                        <a:latin typeface="Cambria Math" panose="02040503050406030204" pitchFamily="18" charset="0"/>
+                      </a:rPr>
+                      <m:t>𝒏</m:t>
+                    </m:r>
+                  </m:oMath>
+                </a14:m>
+                <a:r>
+                  <a:rPr kumimoji="1" lang="ja-JP" altLang="en-US" sz="2400" b="1" dirty="0">
+                    <a:solidFill>
+                      <a:schemeClr val="accent1">
+                        <a:lumMod val="75000"/>
+                      </a:schemeClr>
+                    </a:solidFill>
+                  </a:rPr>
+                  <a:t>において位置</a:t>
+                </a:r>
+                <a14:m>
+                  <m:oMath xmlns:m="http://schemas.openxmlformats.org/officeDocument/2006/math">
+                    <m:r>
+                      <a:rPr lang="en-US" altLang="ja-JP" sz="2400" b="1" i="1">
+                        <a:solidFill>
+                          <a:schemeClr val="accent1">
+                            <a:lumMod val="75000"/>
+                          </a:schemeClr>
+                        </a:solidFill>
+                        <a:latin typeface="Cambria Math" panose="02040503050406030204" pitchFamily="18" charset="0"/>
+                      </a:rPr>
+                      <m:t>𝒓</m:t>
+                    </m:r>
+                  </m:oMath>
+                </a14:m>
+                <a:r>
+                  <a:rPr kumimoji="1" lang="ja-JP" altLang="en-US" sz="2400" b="1" dirty="0">
+                    <a:solidFill>
+                      <a:schemeClr val="accent1">
+                        <a:lumMod val="75000"/>
+                      </a:schemeClr>
+                    </a:solidFill>
+                  </a:rPr>
+                  <a:t>にいる確率を求めよう</a:t>
+                </a:r>
+                <a:r>
+                  <a:rPr kumimoji="1" lang="en-US" altLang="ja-JP" sz="2400" b="1" dirty="0">
+                    <a:solidFill>
+                      <a:schemeClr val="accent1">
+                        <a:lumMod val="75000"/>
+                      </a:schemeClr>
+                    </a:solidFill>
+                  </a:rPr>
+                  <a:t>!</a:t>
+                </a:r>
+                <a:endParaRPr kumimoji="1" lang="ja-JP" altLang="en-US" sz="2400" b="1" dirty="0">
+                  <a:solidFill>
+                    <a:schemeClr val="accent1">
+                      <a:lumMod val="75000"/>
+                    </a:schemeClr>
+                  </a:solidFill>
+                </a:endParaRPr>
+              </a:p>
+            </p:txBody>
+          </p:sp>
+        </mc:Choice>
+        <mc:Fallback>
+          <p:sp>
+            <p:nvSpPr>
+              <p:cNvPr id="7" name="テキスト ボックス 6">
+                <a:extLst>
+                  <a:ext uri="{FF2B5EF4-FFF2-40B4-BE49-F238E27FC236}">
+                    <a16:creationId xmlns:a16="http://schemas.microsoft.com/office/drawing/2014/main" id="{ADC10D77-5704-48CB-8100-A99DBCA68988}"/>
+                  </a:ext>
+                </a:extLst>
+              </p:cNvPr>
+              <p:cNvSpPr txBox="1">
+                <a:spLocks noRot="1" noChangeAspect="1" noMove="1" noResize="1" noEditPoints="1" noAdjustHandles="1" noChangeArrowheads="1" noChangeShapeType="1" noTextEdit="1"/>
+              </p:cNvSpPr>
+              <p:nvPr/>
+            </p:nvSpPr>
+            <p:spPr>
+              <a:xfrm>
+                <a:off x="5744299" y="3884171"/>
+                <a:ext cx="6290819" cy="461665"/>
+              </a:xfrm>
+              <a:prstGeom prst="rect">
+                <a:avLst/>
+              </a:prstGeom>
+              <a:blipFill>
+                <a:blip r:embed="rId3"/>
+                <a:stretch>
+                  <a:fillRect l="-1453" t="-10526" b="-28947"/>
+                </a:stretch>
+              </a:blipFill>
+            </p:spPr>
+            <p:txBody>
+              <a:bodyPr/>
+              <a:lstStyle/>
+              <a:p>
+                <a:r>
+                  <a:rPr lang="ja-JP" altLang="en-US">
+                    <a:noFill/>
+                  </a:rPr>
+                  <a:t> </a:t>
+                </a:r>
+              </a:p>
+            </p:txBody>
+          </p:sp>
+        </mc:Fallback>
+      </mc:AlternateContent>
+      <mc:AlternateContent xmlns:mc="http://schemas.openxmlformats.org/markup-compatibility/2006">
+        <mc:Choice xmlns:a14="http://schemas.microsoft.com/office/drawing/2010/main" Requires="a14">
+          <p:sp>
+            <p:nvSpPr>
+              <p:cNvPr id="8" name="正方形/長方形 7">
+                <a:extLst>
+                  <a:ext uri="{FF2B5EF4-FFF2-40B4-BE49-F238E27FC236}">
+                    <a16:creationId xmlns:a16="http://schemas.microsoft.com/office/drawing/2014/main" id="{E5F4934A-1373-4721-B5D0-6F614C5D61A3}"/>
+                  </a:ext>
+                </a:extLst>
+              </p:cNvPr>
+              <p:cNvSpPr/>
+              <p:nvPr/>
+            </p:nvSpPr>
+            <p:spPr>
+              <a:xfrm>
+                <a:off x="290424" y="1795634"/>
+                <a:ext cx="8242898" cy="523220"/>
+              </a:xfrm>
+              <a:prstGeom prst="rect">
+                <a:avLst/>
+              </a:prstGeom>
+            </p:spPr>
+            <p:txBody>
+              <a:bodyPr wrap="none">
+                <a:spAutoFit/>
+              </a:bodyPr>
+              <a:lstStyle/>
+              <a:p>
+                <a:r>
+                  <a:rPr lang="ja-JP" altLang="en-US" sz="2800" dirty="0"/>
+                  <a:t>確率</a:t>
+                </a:r>
+                <a14:m>
+                  <m:oMath xmlns:m="http://schemas.openxmlformats.org/officeDocument/2006/math">
+                    <m:r>
+                      <a:rPr lang="en-US" altLang="ja-JP" sz="2800" b="0" i="1" smtClean="0">
+                        <a:latin typeface="Cambria Math" panose="02040503050406030204" pitchFamily="18" charset="0"/>
+                      </a:rPr>
+                      <m:t>𝑝</m:t>
+                    </m:r>
+                  </m:oMath>
+                </a14:m>
+                <a:r>
+                  <a:rPr lang="ja-JP" altLang="en-US" sz="2800" dirty="0"/>
+                  <a:t>で</a:t>
+                </a:r>
+                <a:r>
+                  <a:rPr lang="en-US" altLang="ja-JP" sz="2800" dirty="0"/>
+                  <a:t>1</a:t>
+                </a:r>
+                <a:r>
+                  <a:rPr lang="ja-JP" altLang="en-US" sz="2800" dirty="0"/>
+                  <a:t>つ上に，確率</a:t>
+                </a:r>
+                <a14:m>
+                  <m:oMath xmlns:m="http://schemas.openxmlformats.org/officeDocument/2006/math">
+                    <m:r>
+                      <a:rPr lang="en-US" altLang="ja-JP" sz="2800" b="0" i="0" smtClean="0">
+                        <a:latin typeface="Cambria Math" panose="02040503050406030204" pitchFamily="18" charset="0"/>
+                      </a:rPr>
+                      <m:t>1−</m:t>
+                    </m:r>
+                    <m:r>
+                      <a:rPr lang="en-US" altLang="ja-JP" sz="2800" b="0" i="1">
+                        <a:latin typeface="Cambria Math" panose="02040503050406030204" pitchFamily="18" charset="0"/>
+                      </a:rPr>
+                      <m:t>𝑝</m:t>
+                    </m:r>
+                  </m:oMath>
+                </a14:m>
+                <a:r>
+                  <a:rPr lang="ja-JP" altLang="en-US" sz="2800" dirty="0"/>
+                  <a:t>で１つ下に移動する点</a:t>
+                </a:r>
+              </a:p>
+            </p:txBody>
+          </p:sp>
+        </mc:Choice>
+        <mc:Fallback>
+          <p:sp>
+            <p:nvSpPr>
+              <p:cNvPr id="8" name="正方形/長方形 7">
+                <a:extLst>
+                  <a:ext uri="{FF2B5EF4-FFF2-40B4-BE49-F238E27FC236}">
+                    <a16:creationId xmlns:a16="http://schemas.microsoft.com/office/drawing/2014/main" id="{E5F4934A-1373-4721-B5D0-6F614C5D61A3}"/>
+                  </a:ext>
+                </a:extLst>
+              </p:cNvPr>
+              <p:cNvSpPr>
+                <a:spLocks noRot="1" noChangeAspect="1" noMove="1" noResize="1" noEditPoints="1" noAdjustHandles="1" noChangeArrowheads="1" noChangeShapeType="1" noTextEdit="1"/>
+              </p:cNvSpPr>
+              <p:nvPr/>
+            </p:nvSpPr>
+            <p:spPr>
+              <a:xfrm>
+                <a:off x="290424" y="1795634"/>
+                <a:ext cx="8242898" cy="523220"/>
+              </a:xfrm>
+              <a:prstGeom prst="rect">
+                <a:avLst/>
+              </a:prstGeom>
+              <a:blipFill>
+                <a:blip r:embed="rId4"/>
+                <a:stretch>
+                  <a:fillRect l="-1553" t="-11765" r="-148" b="-34118"/>
+                </a:stretch>
+              </a:blipFill>
+            </p:spPr>
+            <p:txBody>
+              <a:bodyPr/>
+              <a:lstStyle/>
+              <a:p>
+                <a:r>
+                  <a:rPr lang="ja-JP" altLang="en-US">
+                    <a:noFill/>
+                  </a:rPr>
+                  <a:t> </a:t>
+                </a:r>
+              </a:p>
+            </p:txBody>
+          </p:sp>
+        </mc:Fallback>
+      </mc:AlternateContent>
+      <mc:AlternateContent xmlns:mc="http://schemas.openxmlformats.org/markup-compatibility/2006">
+        <mc:Choice xmlns:a14="http://schemas.microsoft.com/office/drawing/2010/main" Requires="a14">
+          <p:sp>
+            <p:nvSpPr>
+              <p:cNvPr id="9" name="正方形/長方形 8">
+                <a:extLst>
+                  <a:ext uri="{FF2B5EF4-FFF2-40B4-BE49-F238E27FC236}">
+                    <a16:creationId xmlns:a16="http://schemas.microsoft.com/office/drawing/2014/main" id="{5F140B45-0C3B-4E70-BADB-63DF0AD21E01}"/>
+                  </a:ext>
+                </a:extLst>
+              </p:cNvPr>
+              <p:cNvSpPr/>
+              <p:nvPr/>
+            </p:nvSpPr>
+            <p:spPr>
+              <a:xfrm>
+                <a:off x="2896357" y="5579932"/>
+                <a:ext cx="567784" cy="584775"/>
+              </a:xfrm>
+              <a:prstGeom prst="rect">
+                <a:avLst/>
+              </a:prstGeom>
+            </p:spPr>
+            <p:txBody>
+              <a:bodyPr wrap="none">
+                <a:spAutoFit/>
+              </a:bodyPr>
+              <a:lstStyle/>
+              <a:p>
+                <a14:m>
+                  <m:oMathPara xmlns:m="http://schemas.openxmlformats.org/officeDocument/2006/math">
+                    <m:oMathParaPr>
+                      <m:jc m:val="centerGroup"/>
+                    </m:oMathParaPr>
+                    <m:oMath xmlns:m="http://schemas.openxmlformats.org/officeDocument/2006/math">
+                      <m:r>
+                        <a:rPr lang="en-US" altLang="ja-JP" sz="3200" b="1" i="1" smtClean="0">
+                          <a:latin typeface="Cambria Math" panose="02040503050406030204" pitchFamily="18" charset="0"/>
+                        </a:rPr>
+                        <m:t>𝒏</m:t>
+                      </m:r>
+                    </m:oMath>
+                  </m:oMathPara>
+                </a14:m>
+                <a:endParaRPr lang="ja-JP" altLang="en-US" sz="3200" b="1" dirty="0"/>
+              </a:p>
+            </p:txBody>
+          </p:sp>
+        </mc:Choice>
+        <mc:Fallback>
+          <p:sp>
+            <p:nvSpPr>
+              <p:cNvPr id="9" name="正方形/長方形 8">
+                <a:extLst>
+                  <a:ext uri="{FF2B5EF4-FFF2-40B4-BE49-F238E27FC236}">
+                    <a16:creationId xmlns:a16="http://schemas.microsoft.com/office/drawing/2014/main" id="{5F140B45-0C3B-4E70-BADB-63DF0AD21E01}"/>
+                  </a:ext>
+                </a:extLst>
+              </p:cNvPr>
+              <p:cNvSpPr>
+                <a:spLocks noRot="1" noChangeAspect="1" noMove="1" noResize="1" noEditPoints="1" noAdjustHandles="1" noChangeArrowheads="1" noChangeShapeType="1" noTextEdit="1"/>
+              </p:cNvSpPr>
+              <p:nvPr/>
+            </p:nvSpPr>
+            <p:spPr>
+              <a:xfrm>
+                <a:off x="2896357" y="5579932"/>
+                <a:ext cx="567784" cy="584775"/>
+              </a:xfrm>
+              <a:prstGeom prst="rect">
+                <a:avLst/>
+              </a:prstGeom>
+              <a:blipFill>
+                <a:blip r:embed="rId5"/>
+                <a:stretch>
+                  <a:fillRect/>
+                </a:stretch>
+              </a:blipFill>
+            </p:spPr>
+            <p:txBody>
+              <a:bodyPr/>
+              <a:lstStyle/>
+              <a:p>
+                <a:r>
+                  <a:rPr lang="ja-JP" altLang="en-US">
+                    <a:noFill/>
+                  </a:rPr>
+                  <a:t> </a:t>
+                </a:r>
+              </a:p>
+            </p:txBody>
+          </p:sp>
+        </mc:Fallback>
+      </mc:AlternateContent>
+      <mc:AlternateContent xmlns:mc="http://schemas.openxmlformats.org/markup-compatibility/2006">
+        <mc:Choice xmlns:a14="http://schemas.microsoft.com/office/drawing/2010/main" Requires="a14">
+          <p:sp>
+            <p:nvSpPr>
+              <p:cNvPr id="10" name="正方形/長方形 9">
+                <a:extLst>
+                  <a:ext uri="{FF2B5EF4-FFF2-40B4-BE49-F238E27FC236}">
+                    <a16:creationId xmlns:a16="http://schemas.microsoft.com/office/drawing/2014/main" id="{40006EF1-E57D-4218-A2A8-9F4A11D73CDF}"/>
+                  </a:ext>
+                </a:extLst>
+              </p:cNvPr>
+              <p:cNvSpPr/>
+              <p:nvPr/>
+            </p:nvSpPr>
+            <p:spPr>
+              <a:xfrm>
+                <a:off x="290424" y="3476537"/>
+                <a:ext cx="521297" cy="584775"/>
+              </a:xfrm>
+              <a:prstGeom prst="rect">
+                <a:avLst/>
+              </a:prstGeom>
+            </p:spPr>
+            <p:txBody>
+              <a:bodyPr wrap="none">
+                <a:spAutoFit/>
+              </a:bodyPr>
+              <a:lstStyle/>
+              <a:p>
+                <a14:m>
+                  <m:oMathPara xmlns:m="http://schemas.openxmlformats.org/officeDocument/2006/math">
+                    <m:oMathParaPr>
+                      <m:jc m:val="centerGroup"/>
+                    </m:oMathParaPr>
+                    <m:oMath xmlns:m="http://schemas.openxmlformats.org/officeDocument/2006/math">
+                      <m:r>
+                        <a:rPr lang="en-US" altLang="ja-JP" sz="3200" b="1" i="1">
+                          <a:latin typeface="Cambria Math" panose="02040503050406030204" pitchFamily="18" charset="0"/>
+                        </a:rPr>
+                        <m:t>𝒓</m:t>
+                      </m:r>
+                    </m:oMath>
+                  </m:oMathPara>
+                </a14:m>
+                <a:endParaRPr lang="ja-JP" altLang="en-US" sz="3200" b="1" dirty="0"/>
+              </a:p>
+            </p:txBody>
+          </p:sp>
+        </mc:Choice>
+        <mc:Fallback>
+          <p:sp>
+            <p:nvSpPr>
+              <p:cNvPr id="10" name="正方形/長方形 9">
+                <a:extLst>
+                  <a:ext uri="{FF2B5EF4-FFF2-40B4-BE49-F238E27FC236}">
+                    <a16:creationId xmlns:a16="http://schemas.microsoft.com/office/drawing/2014/main" id="{40006EF1-E57D-4218-A2A8-9F4A11D73CDF}"/>
+                  </a:ext>
+                </a:extLst>
+              </p:cNvPr>
+              <p:cNvSpPr>
+                <a:spLocks noRot="1" noChangeAspect="1" noMove="1" noResize="1" noEditPoints="1" noAdjustHandles="1" noChangeArrowheads="1" noChangeShapeType="1" noTextEdit="1"/>
+              </p:cNvSpPr>
+              <p:nvPr/>
+            </p:nvSpPr>
+            <p:spPr>
+              <a:xfrm>
+                <a:off x="290424" y="3476537"/>
+                <a:ext cx="521297" cy="584775"/>
+              </a:xfrm>
+              <a:prstGeom prst="rect">
+                <a:avLst/>
+              </a:prstGeom>
+              <a:blipFill>
+                <a:blip r:embed="rId6"/>
+                <a:stretch>
+                  <a:fillRect/>
+                </a:stretch>
+              </a:blipFill>
+            </p:spPr>
+            <p:txBody>
+              <a:bodyPr/>
+              <a:lstStyle/>
+              <a:p>
+                <a:r>
+                  <a:rPr lang="ja-JP" altLang="en-US">
+                    <a:noFill/>
+                  </a:rPr>
+                  <a:t> </a:t>
+                </a:r>
+              </a:p>
+            </p:txBody>
+          </p:sp>
+        </mc:Fallback>
+      </mc:AlternateContent>
+      <p:sp>
+        <p:nvSpPr>
+          <p:cNvPr id="11" name="テキスト ボックス 10">
+            <a:extLst>
+              <a:ext uri="{FF2B5EF4-FFF2-40B4-BE49-F238E27FC236}">
+                <a16:creationId xmlns:a16="http://schemas.microsoft.com/office/drawing/2014/main" id="{14B08721-6345-42C2-AD25-592E9F99F7CB}"/>
+              </a:ext>
+            </a:extLst>
+          </p:cNvPr>
+          <p:cNvSpPr txBox="1"/>
+          <p:nvPr/>
+        </p:nvSpPr>
+        <p:spPr>
+          <a:xfrm>
+            <a:off x="811721" y="6217002"/>
+            <a:ext cx="4525100" cy="461665"/>
+          </a:xfrm>
+          <a:prstGeom prst="rect">
+            <a:avLst/>
+          </a:prstGeom>
+          <a:noFill/>
+        </p:spPr>
+        <p:txBody>
+          <a:bodyPr wrap="square" rtlCol="0">
+            <a:spAutoFit/>
+          </a:bodyPr>
+          <a:lstStyle/>
+          <a:p>
+            <a:pPr algn="ctr"/>
+            <a:r>
+              <a:rPr lang="en-US" altLang="ja-JP" sz="2400" dirty="0"/>
+              <a:t>1</a:t>
+            </a:r>
+            <a:r>
+              <a:rPr lang="ja-JP" altLang="en-US" sz="2400" dirty="0"/>
+              <a:t>次元のランダムウォーク</a:t>
+            </a:r>
+            <a:endParaRPr kumimoji="1" lang="ja-JP" altLang="en-US" sz="2400" dirty="0"/>
+          </a:p>
+        </p:txBody>
+      </p:sp>
+    </p:spTree>
+    <p:extLst>
+      <p:ext uri="{BB962C8B-B14F-4D97-AF65-F5344CB8AC3E}">
+        <p14:creationId xmlns:p14="http://schemas.microsoft.com/office/powerpoint/2010/main" val="3288912340"/>
+      </p:ext>
+    </p:extLst>
+  </p:cSld>
+  <p:clrMapOvr>
+    <a:masterClrMapping/>
+  </p:clrMapOvr>
+</p:sld>
+</file>
+
+<file path=ppt/slides/slide25.xml><?xml version="1.0" encoding="utf-8"?>
+<p:sld xmlns:a="http://schemas.openxmlformats.org/drawingml/2006/main" xmlns:r="http://schemas.openxmlformats.org/officeDocument/2006/relationships" xmlns:p="http://schemas.openxmlformats.org/presentationml/2006/main">
+  <p:cSld>
+    <p:spTree>
+      <p:nvGrpSpPr>
+        <p:cNvPr id="1" name=""/>
+        <p:cNvGrpSpPr/>
+        <p:nvPr/>
+      </p:nvGrpSpPr>
+      <p:grpSpPr>
+        <a:xfrm>
+          <a:off x="0" y="0"/>
+          <a:ext cx="0" cy="0"/>
+          <a:chOff x="0" y="0"/>
+          <a:chExt cx="0" cy="0"/>
+        </a:xfrm>
+      </p:grpSpPr>
+      <p:sp>
+        <p:nvSpPr>
+          <p:cNvPr id="2" name="タイトル 1">
+            <a:extLst>
+              <a:ext uri="{FF2B5EF4-FFF2-40B4-BE49-F238E27FC236}">
+                <a16:creationId xmlns:a16="http://schemas.microsoft.com/office/drawing/2014/main" id="{18F06314-CB3C-4065-A98C-8FEDB655A633}"/>
+              </a:ext>
+            </a:extLst>
+          </p:cNvPr>
+          <p:cNvSpPr>
+            <a:spLocks noGrp="1"/>
+          </p:cNvSpPr>
+          <p:nvPr>
+            <p:ph type="title"/>
+          </p:nvPr>
+        </p:nvSpPr>
+        <p:spPr/>
+        <p:txBody>
+          <a:bodyPr/>
+          <a:lstStyle/>
+          <a:p>
+            <a:r>
+              <a:rPr kumimoji="1" lang="ja-JP" altLang="en-US" dirty="0"/>
+              <a:t>ランダムウォーク</a:t>
+            </a:r>
+          </a:p>
+        </p:txBody>
+      </p:sp>
+      <p:pic>
+        <p:nvPicPr>
+          <p:cNvPr id="4" name="図 3">
+            <a:extLst>
+              <a:ext uri="{FF2B5EF4-FFF2-40B4-BE49-F238E27FC236}">
+                <a16:creationId xmlns:a16="http://schemas.microsoft.com/office/drawing/2014/main" id="{B8CE8F10-C23C-4442-9350-5B62B6CE7831}"/>
+              </a:ext>
+            </a:extLst>
+          </p:cNvPr>
+          <p:cNvPicPr>
+            <a:picLocks noChangeAspect="1"/>
+          </p:cNvPicPr>
+          <p:nvPr/>
+        </p:nvPicPr>
+        <p:blipFill>
+          <a:blip r:embed="rId2"/>
+          <a:stretch>
+            <a:fillRect/>
+          </a:stretch>
+        </p:blipFill>
+        <p:spPr>
+          <a:xfrm>
+            <a:off x="7357273" y="3429000"/>
+            <a:ext cx="4525100" cy="3016733"/>
+          </a:xfrm>
+          <a:prstGeom prst="rect">
+            <a:avLst/>
+          </a:prstGeom>
+        </p:spPr>
+      </p:pic>
+      <mc:AlternateContent xmlns:mc="http://schemas.openxmlformats.org/markup-compatibility/2006">
+        <mc:Choice xmlns:a14="http://schemas.microsoft.com/office/drawing/2010/main" Requires="a14">
+          <p:sp>
+            <p:nvSpPr>
+              <p:cNvPr id="6" name="テキスト ボックス 5">
+                <a:extLst>
+                  <a:ext uri="{FF2B5EF4-FFF2-40B4-BE49-F238E27FC236}">
+                    <a16:creationId xmlns:a16="http://schemas.microsoft.com/office/drawing/2014/main" id="{75FFCEF9-0936-466E-8568-0E9050B0D502}"/>
+                  </a:ext>
+                </a:extLst>
+              </p:cNvPr>
+              <p:cNvSpPr txBox="1"/>
+              <p:nvPr/>
+            </p:nvSpPr>
+            <p:spPr>
+              <a:xfrm>
+                <a:off x="98612" y="2183934"/>
+                <a:ext cx="10508567" cy="523220"/>
+              </a:xfrm>
+              <a:prstGeom prst="rect">
+                <a:avLst/>
+              </a:prstGeom>
+              <a:noFill/>
+            </p:spPr>
+            <p:txBody>
+              <a:bodyPr wrap="square" rtlCol="0">
+                <a:spAutoFit/>
+              </a:bodyPr>
+              <a:lstStyle/>
+              <a:p>
+                <a:r>
+                  <a:rPr lang="ja-JP" altLang="en-US" sz="2800" dirty="0"/>
+                  <a:t>独立な確率変数</a:t>
+                </a:r>
+                <a14:m>
+                  <m:oMath xmlns:m="http://schemas.openxmlformats.org/officeDocument/2006/math">
+                    <m:sSub>
+                      <m:sSubPr>
+                        <m:ctrlPr>
+                          <a:rPr lang="en-US" altLang="ja-JP" sz="2800" i="1" smtClean="0">
+                            <a:latin typeface="Cambria Math" panose="02040503050406030204" pitchFamily="18" charset="0"/>
+                          </a:rPr>
+                        </m:ctrlPr>
+                      </m:sSubPr>
+                      <m:e>
+                        <m:r>
+                          <a:rPr lang="en-US" altLang="ja-JP" sz="2800" b="0" i="1" smtClean="0">
+                            <a:latin typeface="Cambria Math" panose="02040503050406030204" pitchFamily="18" charset="0"/>
+                          </a:rPr>
+                          <m:t>𝑋</m:t>
+                        </m:r>
+                      </m:e>
+                      <m:sub>
+                        <m:r>
+                          <a:rPr lang="en-US" altLang="ja-JP" sz="2800" b="0" i="1" smtClean="0">
+                            <a:latin typeface="Cambria Math" panose="02040503050406030204" pitchFamily="18" charset="0"/>
+                          </a:rPr>
+                          <m:t>1</m:t>
+                        </m:r>
+                      </m:sub>
+                    </m:sSub>
+                    <m:r>
+                      <a:rPr lang="en-US" altLang="ja-JP" sz="2800" b="0" i="1" smtClean="0">
+                        <a:latin typeface="Cambria Math" panose="02040503050406030204" pitchFamily="18" charset="0"/>
+                      </a:rPr>
+                      <m:t>,</m:t>
+                    </m:r>
+                    <m:sSub>
+                      <m:sSubPr>
+                        <m:ctrlPr>
+                          <a:rPr lang="en-US" altLang="ja-JP" sz="2800" i="1">
+                            <a:latin typeface="Cambria Math" panose="02040503050406030204" pitchFamily="18" charset="0"/>
+                          </a:rPr>
+                        </m:ctrlPr>
+                      </m:sSubPr>
+                      <m:e>
+                        <m:r>
+                          <a:rPr lang="en-US" altLang="ja-JP" sz="2800" i="1">
+                            <a:latin typeface="Cambria Math" panose="02040503050406030204" pitchFamily="18" charset="0"/>
+                          </a:rPr>
+                          <m:t>𝑋</m:t>
+                        </m:r>
+                      </m:e>
+                      <m:sub>
+                        <m:r>
+                          <a:rPr lang="en-US" altLang="ja-JP" sz="2800" b="0" i="1" smtClean="0">
+                            <a:latin typeface="Cambria Math" panose="02040503050406030204" pitchFamily="18" charset="0"/>
+                          </a:rPr>
+                          <m:t>2</m:t>
+                        </m:r>
+                      </m:sub>
+                    </m:sSub>
+                    <m:r>
+                      <a:rPr lang="en-US" altLang="ja-JP" sz="2800" i="1">
+                        <a:latin typeface="Cambria Math" panose="02040503050406030204" pitchFamily="18" charset="0"/>
+                      </a:rPr>
+                      <m:t>,</m:t>
+                    </m:r>
+                    <m:r>
+                      <a:rPr lang="en-US" altLang="ja-JP" sz="2800" b="0" i="1" smtClean="0">
+                        <a:latin typeface="Cambria Math" panose="02040503050406030204" pitchFamily="18" charset="0"/>
+                      </a:rPr>
+                      <m:t>…,</m:t>
+                    </m:r>
+                  </m:oMath>
+                </a14:m>
+                <a:r>
+                  <a:rPr lang="en-US" altLang="ja-JP" sz="2800" dirty="0"/>
+                  <a:t> </a:t>
+                </a:r>
+                <a14:m>
+                  <m:oMath xmlns:m="http://schemas.openxmlformats.org/officeDocument/2006/math">
+                    <m:sSub>
+                      <m:sSubPr>
+                        <m:ctrlPr>
+                          <a:rPr lang="en-US" altLang="ja-JP" sz="2800" i="1">
+                            <a:latin typeface="Cambria Math" panose="02040503050406030204" pitchFamily="18" charset="0"/>
+                          </a:rPr>
+                        </m:ctrlPr>
+                      </m:sSubPr>
+                      <m:e>
+                        <m:r>
+                          <a:rPr lang="en-US" altLang="ja-JP" sz="2800" i="1">
+                            <a:latin typeface="Cambria Math" panose="02040503050406030204" pitchFamily="18" charset="0"/>
+                          </a:rPr>
+                          <m:t>𝑋</m:t>
+                        </m:r>
+                      </m:e>
+                      <m:sub>
+                        <m:r>
+                          <a:rPr lang="en-US" altLang="ja-JP" sz="2800" b="0" i="1" smtClean="0">
+                            <a:latin typeface="Cambria Math" panose="02040503050406030204" pitchFamily="18" charset="0"/>
+                          </a:rPr>
+                          <m:t>𝑛</m:t>
+                        </m:r>
+                      </m:sub>
+                    </m:sSub>
+                  </m:oMath>
+                </a14:m>
+                <a:r>
+                  <a:rPr kumimoji="1" lang="en-US" altLang="ja-JP" sz="2800" dirty="0"/>
+                  <a:t>:</a:t>
+                </a:r>
+                <a:r>
+                  <a:rPr lang="ja-JP" altLang="en-US" sz="2800" dirty="0"/>
+                  <a:t>確率</a:t>
+                </a:r>
+                <a14:m>
+                  <m:oMath xmlns:m="http://schemas.openxmlformats.org/officeDocument/2006/math">
+                    <m:r>
+                      <a:rPr lang="en-US" altLang="ja-JP" sz="2800" i="1">
+                        <a:latin typeface="Cambria Math" panose="02040503050406030204" pitchFamily="18" charset="0"/>
+                      </a:rPr>
+                      <m:t>𝑝</m:t>
+                    </m:r>
+                  </m:oMath>
+                </a14:m>
+                <a:r>
+                  <a:rPr lang="ja-JP" altLang="en-US" sz="2800" dirty="0"/>
+                  <a:t>で</a:t>
+                </a:r>
+                <a:r>
+                  <a:rPr lang="en-US" altLang="ja-JP" sz="2800" dirty="0"/>
+                  <a:t>1,</a:t>
+                </a:r>
+                <a:r>
+                  <a:rPr lang="ja-JP" altLang="en-US" sz="2800" dirty="0"/>
+                  <a:t>確率</a:t>
+                </a:r>
+                <a14:m>
+                  <m:oMath xmlns:m="http://schemas.openxmlformats.org/officeDocument/2006/math">
+                    <m:r>
+                      <a:rPr lang="en-US" altLang="ja-JP" sz="2800">
+                        <a:latin typeface="Cambria Math" panose="02040503050406030204" pitchFamily="18" charset="0"/>
+                      </a:rPr>
+                      <m:t>1−</m:t>
+                    </m:r>
+                    <m:r>
+                      <a:rPr lang="en-US" altLang="ja-JP" sz="2800" i="1">
+                        <a:latin typeface="Cambria Math" panose="02040503050406030204" pitchFamily="18" charset="0"/>
+                      </a:rPr>
+                      <m:t>𝑝</m:t>
+                    </m:r>
+                  </m:oMath>
+                </a14:m>
+                <a:r>
+                  <a:rPr kumimoji="1" lang="ja-JP" altLang="en-US" sz="2800" dirty="0"/>
+                  <a:t>で</a:t>
+                </a:r>
+                <a:r>
+                  <a:rPr kumimoji="1" lang="en-US" altLang="ja-JP" sz="2800" dirty="0"/>
+                  <a:t>-1</a:t>
+                </a:r>
+                <a:r>
+                  <a:rPr kumimoji="1" lang="ja-JP" altLang="en-US" sz="2800" dirty="0"/>
+                  <a:t>をとる</a:t>
+                </a:r>
+              </a:p>
+            </p:txBody>
+          </p:sp>
+        </mc:Choice>
+        <mc:Fallback>
+          <p:sp>
+            <p:nvSpPr>
+              <p:cNvPr id="6" name="テキスト ボックス 5">
+                <a:extLst>
+                  <a:ext uri="{FF2B5EF4-FFF2-40B4-BE49-F238E27FC236}">
+                    <a16:creationId xmlns:a16="http://schemas.microsoft.com/office/drawing/2014/main" id="{75FFCEF9-0936-466E-8568-0E9050B0D502}"/>
+                  </a:ext>
+                </a:extLst>
+              </p:cNvPr>
+              <p:cNvSpPr txBox="1">
+                <a:spLocks noRot="1" noChangeAspect="1" noMove="1" noResize="1" noEditPoints="1" noAdjustHandles="1" noChangeArrowheads="1" noChangeShapeType="1" noTextEdit="1"/>
+              </p:cNvSpPr>
+              <p:nvPr/>
+            </p:nvSpPr>
+            <p:spPr>
+              <a:xfrm>
+                <a:off x="98612" y="2183934"/>
+                <a:ext cx="10508567" cy="523220"/>
+              </a:xfrm>
+              <a:prstGeom prst="rect">
+                <a:avLst/>
+              </a:prstGeom>
+              <a:blipFill>
+                <a:blip r:embed="rId3"/>
+                <a:stretch>
+                  <a:fillRect l="-1160" t="-10465" b="-32558"/>
+                </a:stretch>
+              </a:blipFill>
+            </p:spPr>
+            <p:txBody>
+              <a:bodyPr/>
+              <a:lstStyle/>
+              <a:p>
+                <a:r>
+                  <a:rPr lang="ja-JP" altLang="en-US">
+                    <a:noFill/>
+                  </a:rPr>
+                  <a:t> </a:t>
+                </a:r>
+              </a:p>
+            </p:txBody>
+          </p:sp>
+        </mc:Fallback>
+      </mc:AlternateContent>
+      <p:sp>
+        <p:nvSpPr>
+          <p:cNvPr id="7" name="テキスト ボックス 6">
+            <a:extLst>
+              <a:ext uri="{FF2B5EF4-FFF2-40B4-BE49-F238E27FC236}">
+                <a16:creationId xmlns:a16="http://schemas.microsoft.com/office/drawing/2014/main" id="{EA64D022-524D-46F3-8AD4-B46A1D42BCC3}"/>
+              </a:ext>
+            </a:extLst>
+          </p:cNvPr>
+          <p:cNvSpPr txBox="1"/>
+          <p:nvPr/>
+        </p:nvSpPr>
+        <p:spPr>
+          <a:xfrm>
+            <a:off x="98612" y="1646723"/>
+            <a:ext cx="4525100" cy="461665"/>
+          </a:xfrm>
+          <a:prstGeom prst="rect">
+            <a:avLst/>
+          </a:prstGeom>
+          <a:noFill/>
+        </p:spPr>
+        <p:txBody>
+          <a:bodyPr wrap="square" rtlCol="0">
+            <a:spAutoFit/>
+          </a:bodyPr>
+          <a:lstStyle/>
+          <a:p>
+            <a:r>
+              <a:rPr lang="en-US" altLang="ja-JP" sz="2400" dirty="0"/>
+              <a:t>1</a:t>
+            </a:r>
+            <a:r>
+              <a:rPr lang="ja-JP" altLang="en-US" sz="2400" dirty="0"/>
+              <a:t>次元のランダムウォーク</a:t>
+            </a:r>
+            <a:endParaRPr kumimoji="1" lang="ja-JP" altLang="en-US" sz="2400" dirty="0"/>
+          </a:p>
+        </p:txBody>
+      </p:sp>
+      <mc:AlternateContent xmlns:mc="http://schemas.openxmlformats.org/markup-compatibility/2006">
+        <mc:Choice xmlns:a14="http://schemas.microsoft.com/office/drawing/2010/main" Requires="a14">
+          <p:sp>
+            <p:nvSpPr>
+              <p:cNvPr id="8" name="正方形/長方形 7">
+                <a:extLst>
+                  <a:ext uri="{FF2B5EF4-FFF2-40B4-BE49-F238E27FC236}">
+                    <a16:creationId xmlns:a16="http://schemas.microsoft.com/office/drawing/2014/main" id="{B3769329-97FC-4915-831F-30871A53D31E}"/>
+                  </a:ext>
+                </a:extLst>
+              </p:cNvPr>
+              <p:cNvSpPr/>
+              <p:nvPr/>
+            </p:nvSpPr>
+            <p:spPr>
+              <a:xfrm>
+                <a:off x="2558484" y="3059668"/>
+                <a:ext cx="3993529" cy="523220"/>
+              </a:xfrm>
+              <a:prstGeom prst="rect">
+                <a:avLst/>
+              </a:prstGeom>
+            </p:spPr>
+            <p:txBody>
+              <a:bodyPr wrap="none">
+                <a:spAutoFit/>
+              </a:bodyPr>
+              <a:lstStyle/>
+              <a:p>
+                <a:r>
+                  <a:rPr lang="ja-JP" altLang="en-US" sz="2800" dirty="0"/>
+                  <a:t>時点</a:t>
+                </a:r>
+                <a14:m>
+                  <m:oMath xmlns:m="http://schemas.openxmlformats.org/officeDocument/2006/math">
+                    <m:r>
+                      <a:rPr lang="en-US" altLang="ja-JP" sz="2800" b="0" i="1" smtClean="0">
+                        <a:latin typeface="Cambria Math" panose="02040503050406030204" pitchFamily="18" charset="0"/>
+                      </a:rPr>
+                      <m:t>𝑛</m:t>
+                    </m:r>
+                  </m:oMath>
+                </a14:m>
+                <a:r>
+                  <a:rPr lang="ja-JP" altLang="en-US" sz="2800" dirty="0"/>
+                  <a:t>における位置は</a:t>
+                </a:r>
+                <a14:m>
+                  <m:oMath xmlns:m="http://schemas.openxmlformats.org/officeDocument/2006/math">
+                    <m:sSub>
+                      <m:sSubPr>
+                        <m:ctrlPr>
+                          <a:rPr lang="en-US" altLang="ja-JP" sz="2800" i="1" smtClean="0">
+                            <a:latin typeface="Cambria Math" panose="02040503050406030204" pitchFamily="18" charset="0"/>
+                          </a:rPr>
+                        </m:ctrlPr>
+                      </m:sSubPr>
+                      <m:e>
+                        <m:r>
+                          <a:rPr lang="en-US" altLang="ja-JP" sz="2800" b="0" i="1" smtClean="0">
+                            <a:latin typeface="Cambria Math" panose="02040503050406030204" pitchFamily="18" charset="0"/>
+                          </a:rPr>
+                          <m:t>𝑆</m:t>
+                        </m:r>
+                      </m:e>
+                      <m:sub>
+                        <m:r>
+                          <a:rPr lang="en-US" altLang="ja-JP" sz="2800" b="0" i="1" smtClean="0">
+                            <a:latin typeface="Cambria Math" panose="02040503050406030204" pitchFamily="18" charset="0"/>
+                          </a:rPr>
+                          <m:t>𝑛</m:t>
+                        </m:r>
+                      </m:sub>
+                    </m:sSub>
+                  </m:oMath>
+                </a14:m>
+                <a:endParaRPr lang="ja-JP" altLang="en-US" sz="2800" dirty="0"/>
+              </a:p>
+            </p:txBody>
+          </p:sp>
+        </mc:Choice>
+        <mc:Fallback>
+          <p:sp>
+            <p:nvSpPr>
+              <p:cNvPr id="8" name="正方形/長方形 7">
+                <a:extLst>
+                  <a:ext uri="{FF2B5EF4-FFF2-40B4-BE49-F238E27FC236}">
+                    <a16:creationId xmlns:a16="http://schemas.microsoft.com/office/drawing/2014/main" id="{B3769329-97FC-4915-831F-30871A53D31E}"/>
+                  </a:ext>
+                </a:extLst>
+              </p:cNvPr>
+              <p:cNvSpPr>
+                <a:spLocks noRot="1" noChangeAspect="1" noMove="1" noResize="1" noEditPoints="1" noAdjustHandles="1" noChangeArrowheads="1" noChangeShapeType="1" noTextEdit="1"/>
+              </p:cNvSpPr>
+              <p:nvPr/>
+            </p:nvSpPr>
+            <p:spPr>
+              <a:xfrm>
+                <a:off x="2558484" y="3059668"/>
+                <a:ext cx="3993529" cy="523220"/>
+              </a:xfrm>
+              <a:prstGeom prst="rect">
+                <a:avLst/>
+              </a:prstGeom>
+              <a:blipFill>
+                <a:blip r:embed="rId4"/>
+                <a:stretch>
+                  <a:fillRect l="-3206" t="-11628" b="-32558"/>
+                </a:stretch>
+              </a:blipFill>
+            </p:spPr>
+            <p:txBody>
+              <a:bodyPr/>
+              <a:lstStyle/>
+              <a:p>
+                <a:r>
+                  <a:rPr lang="ja-JP" altLang="en-US">
+                    <a:noFill/>
+                  </a:rPr>
+                  <a:t> </a:t>
+                </a:r>
+              </a:p>
+            </p:txBody>
+          </p:sp>
+        </mc:Fallback>
+      </mc:AlternateContent>
+    </p:spTree>
+    <p:extLst>
+      <p:ext uri="{BB962C8B-B14F-4D97-AF65-F5344CB8AC3E}">
+        <p14:creationId xmlns:p14="http://schemas.microsoft.com/office/powerpoint/2010/main" val="1077885580"/>
+      </p:ext>
+    </p:extLst>
+  </p:cSld>
+  <p:clrMapOvr>
+    <a:masterClrMapping/>
+  </p:clrMapOvr>
+</p:sld>
+</file>
+
+<file path=ppt/slides/slide26.xml><?xml version="1.0" encoding="utf-8"?>
+<p:sld xmlns:a="http://schemas.openxmlformats.org/drawingml/2006/main" xmlns:r="http://schemas.openxmlformats.org/officeDocument/2006/relationships" xmlns:p="http://schemas.openxmlformats.org/presentationml/2006/main">
+  <p:cSld>
+    <p:spTree>
+      <p:nvGrpSpPr>
+        <p:cNvPr id="1" name=""/>
+        <p:cNvGrpSpPr/>
+        <p:nvPr/>
+      </p:nvGrpSpPr>
+      <p:grpSpPr>
+        <a:xfrm>
+          <a:off x="0" y="0"/>
+          <a:ext cx="0" cy="0"/>
+          <a:chOff x="0" y="0"/>
+          <a:chExt cx="0" cy="0"/>
+        </a:xfrm>
+      </p:grpSpPr>
+      <p:sp>
+        <p:nvSpPr>
+          <p:cNvPr id="2" name="タイトル 1">
+            <a:extLst>
+              <a:ext uri="{FF2B5EF4-FFF2-40B4-BE49-F238E27FC236}">
+                <a16:creationId xmlns:a16="http://schemas.microsoft.com/office/drawing/2014/main" id="{613B2914-7B00-4B82-B6CE-FC78D75CAA8F}"/>
+              </a:ext>
+            </a:extLst>
+          </p:cNvPr>
+          <p:cNvSpPr>
+            <a:spLocks noGrp="1"/>
+          </p:cNvSpPr>
+          <p:nvPr>
+            <p:ph type="title"/>
+          </p:nvPr>
+        </p:nvSpPr>
+        <p:spPr/>
+        <p:txBody>
+          <a:bodyPr/>
+          <a:lstStyle/>
+          <a:p>
+            <a:endParaRPr kumimoji="1" lang="ja-JP" altLang="en-US"/>
+          </a:p>
+        </p:txBody>
+      </p:sp>
+      <p:sp>
+        <p:nvSpPr>
+          <p:cNvPr id="3" name="コンテンツ プレースホルダー 2">
+            <a:extLst>
+              <a:ext uri="{FF2B5EF4-FFF2-40B4-BE49-F238E27FC236}">
+                <a16:creationId xmlns:a16="http://schemas.microsoft.com/office/drawing/2014/main" id="{142A1368-019F-45EE-A501-B48C0DC427DF}"/>
+              </a:ext>
+            </a:extLst>
+          </p:cNvPr>
+          <p:cNvSpPr>
+            <a:spLocks noGrp="1"/>
+          </p:cNvSpPr>
+          <p:nvPr>
+            <p:ph idx="1"/>
+          </p:nvPr>
+        </p:nvSpPr>
+        <p:spPr/>
+        <p:txBody>
+          <a:bodyPr/>
+          <a:lstStyle/>
+          <a:p>
+            <a:endParaRPr kumimoji="1" lang="ja-JP" altLang="en-US"/>
+          </a:p>
+        </p:txBody>
+      </p:sp>
+    </p:spTree>
+    <p:extLst>
+      <p:ext uri="{BB962C8B-B14F-4D97-AF65-F5344CB8AC3E}">
+        <p14:creationId xmlns:p14="http://schemas.microsoft.com/office/powerpoint/2010/main" val="3927826482"/>
       </p:ext>
     </p:extLst>
   </p:cSld>

--- a/statistics2.pptx
+++ b/statistics2.pptx
@@ -5,7 +5,7 @@
     <p:sldMasterId id="2147483648" r:id="rId1"/>
   </p:sldMasterIdLst>
   <p:notesMasterIdLst>
-    <p:notesMasterId r:id="rId28"/>
+    <p:notesMasterId r:id="rId27"/>
   </p:notesMasterIdLst>
   <p:sldIdLst>
     <p:sldId id="256" r:id="rId2"/>
@@ -28,12 +28,11 @@
     <p:sldId id="329" r:id="rId19"/>
     <p:sldId id="330" r:id="rId20"/>
     <p:sldId id="331" r:id="rId21"/>
-    <p:sldId id="333" r:id="rId22"/>
-    <p:sldId id="327" r:id="rId23"/>
-    <p:sldId id="342" r:id="rId24"/>
-    <p:sldId id="343" r:id="rId25"/>
-    <p:sldId id="344" r:id="rId26"/>
-    <p:sldId id="345" r:id="rId27"/>
+    <p:sldId id="327" r:id="rId22"/>
+    <p:sldId id="342" r:id="rId23"/>
+    <p:sldId id="343" r:id="rId24"/>
+    <p:sldId id="344" r:id="rId25"/>
+    <p:sldId id="345" r:id="rId26"/>
   </p:sldIdLst>
   <p:sldSz cx="12192000" cy="6858000"/>
   <p:notesSz cx="6858000" cy="9144000"/>
@@ -222,7 +221,7 @@
           <a:p>
             <a:fld id="{3547B168-95BD-490F-9552-ABD7EF41C397}" type="datetimeFigureOut">
               <a:rPr kumimoji="1" lang="ja-JP" altLang="en-US" smtClean="0"/>
-              <a:t>2019/11/5</a:t>
+              <a:t>2019/11/8</a:t>
             </a:fld>
             <a:endParaRPr kumimoji="1" lang="ja-JP" altLang="en-US"/>
           </a:p>
@@ -752,7 +751,7 @@
           <a:p>
             <a:fld id="{AF724A92-735E-BB4D-8C01-8917F1EF5381}" type="datetimeFigureOut">
               <a:rPr kumimoji="1" lang="ja-JP" altLang="en-US" smtClean="0"/>
-              <a:t>2019/11/5</a:t>
+              <a:t>2019/11/8</a:t>
             </a:fld>
             <a:endParaRPr kumimoji="1" lang="ja-JP" altLang="en-US"/>
           </a:p>
@@ -957,7 +956,7 @@
           <a:p>
             <a:fld id="{AF724A92-735E-BB4D-8C01-8917F1EF5381}" type="datetimeFigureOut">
               <a:rPr kumimoji="1" lang="ja-JP" altLang="en-US" smtClean="0"/>
-              <a:t>2019/11/5</a:t>
+              <a:t>2019/11/8</a:t>
             </a:fld>
             <a:endParaRPr kumimoji="1" lang="ja-JP" altLang="en-US"/>
           </a:p>
@@ -1172,7 +1171,7 @@
           <a:p>
             <a:fld id="{AF724A92-735E-BB4D-8C01-8917F1EF5381}" type="datetimeFigureOut">
               <a:rPr kumimoji="1" lang="ja-JP" altLang="en-US" smtClean="0"/>
-              <a:t>2019/11/5</a:t>
+              <a:t>2019/11/8</a:t>
             </a:fld>
             <a:endParaRPr kumimoji="1" lang="ja-JP" altLang="en-US"/>
           </a:p>
@@ -1387,7 +1386,7 @@
           <a:p>
             <a:fld id="{AF724A92-735E-BB4D-8C01-8917F1EF5381}" type="datetimeFigureOut">
               <a:rPr kumimoji="1" lang="ja-JP" altLang="en-US" smtClean="0"/>
-              <a:t>2019/11/5</a:t>
+              <a:t>2019/11/8</a:t>
             </a:fld>
             <a:endParaRPr kumimoji="1" lang="ja-JP" altLang="en-US"/>
           </a:p>
@@ -1709,7 +1708,7 @@
           <a:p>
             <a:fld id="{AF724A92-735E-BB4D-8C01-8917F1EF5381}" type="datetimeFigureOut">
               <a:rPr kumimoji="1" lang="ja-JP" altLang="en-US" smtClean="0"/>
-              <a:t>2019/11/5</a:t>
+              <a:t>2019/11/8</a:t>
             </a:fld>
             <a:endParaRPr kumimoji="1" lang="ja-JP" altLang="en-US"/>
           </a:p>
@@ -1988,7 +1987,7 @@
           <a:p>
             <a:fld id="{AF724A92-735E-BB4D-8C01-8917F1EF5381}" type="datetimeFigureOut">
               <a:rPr kumimoji="1" lang="ja-JP" altLang="en-US" smtClean="0"/>
-              <a:t>2019/11/5</a:t>
+              <a:t>2019/11/8</a:t>
             </a:fld>
             <a:endParaRPr kumimoji="1" lang="ja-JP" altLang="en-US"/>
           </a:p>
@@ -2484,7 +2483,7 @@
           <a:p>
             <a:fld id="{AF724A92-735E-BB4D-8C01-8917F1EF5381}" type="datetimeFigureOut">
               <a:rPr kumimoji="1" lang="ja-JP" altLang="en-US" smtClean="0"/>
-              <a:t>2019/11/5</a:t>
+              <a:t>2019/11/8</a:t>
             </a:fld>
             <a:endParaRPr kumimoji="1" lang="ja-JP" altLang="en-US"/>
           </a:p>
@@ -2625,7 +2624,7 @@
           <a:p>
             <a:fld id="{AF724A92-735E-BB4D-8C01-8917F1EF5381}" type="datetimeFigureOut">
               <a:rPr kumimoji="1" lang="ja-JP" altLang="en-US" smtClean="0"/>
-              <a:t>2019/11/5</a:t>
+              <a:t>2019/11/8</a:t>
             </a:fld>
             <a:endParaRPr kumimoji="1" lang="ja-JP" altLang="en-US"/>
           </a:p>
@@ -2738,7 +2737,7 @@
           <a:p>
             <a:fld id="{AF724A92-735E-BB4D-8C01-8917F1EF5381}" type="datetimeFigureOut">
               <a:rPr kumimoji="1" lang="ja-JP" altLang="en-US" smtClean="0"/>
-              <a:t>2019/11/5</a:t>
+              <a:t>2019/11/8</a:t>
             </a:fld>
             <a:endParaRPr kumimoji="1" lang="ja-JP" altLang="en-US"/>
           </a:p>
@@ -3091,7 +3090,7 @@
           <a:p>
             <a:fld id="{AF724A92-735E-BB4D-8C01-8917F1EF5381}" type="datetimeFigureOut">
               <a:rPr kumimoji="1" lang="ja-JP" altLang="en-US" smtClean="0"/>
-              <a:t>2019/11/5</a:t>
+              <a:t>2019/11/8</a:t>
             </a:fld>
             <a:endParaRPr kumimoji="1" lang="ja-JP" altLang="en-US"/>
           </a:p>
@@ -3414,7 +3413,7 @@
           <a:p>
             <a:fld id="{AF724A92-735E-BB4D-8C01-8917F1EF5381}" type="datetimeFigureOut">
               <a:rPr kumimoji="1" lang="ja-JP" altLang="en-US" smtClean="0"/>
-              <a:t>2019/11/5</a:t>
+              <a:t>2019/11/8</a:t>
             </a:fld>
             <a:endParaRPr kumimoji="1" lang="ja-JP" altLang="en-US"/>
           </a:p>
@@ -3662,7 +3661,7 @@
           <a:p>
             <a:fld id="{AF724A92-735E-BB4D-8C01-8917F1EF5381}" type="datetimeFigureOut">
               <a:rPr kumimoji="1" lang="ja-JP" altLang="en-US" smtClean="0"/>
-              <a:t>2019/11/5</a:t>
+              <a:t>2019/11/8</a:t>
             </a:fld>
             <a:endParaRPr kumimoji="1" lang="ja-JP" altLang="en-US"/>
           </a:p>
@@ -9309,14 +9308,27 @@
             <p:ph type="title"/>
           </p:nvPr>
         </p:nvSpPr>
-        <p:spPr/>
+        <p:spPr>
+          <a:xfrm>
+            <a:off x="101600" y="202003"/>
+            <a:ext cx="10515600" cy="1325563"/>
+          </a:xfrm>
+        </p:spPr>
         <p:txBody>
           <a:bodyPr/>
           <a:lstStyle/>
           <a:p>
             <a:r>
-              <a:rPr kumimoji="1" lang="en-US" altLang="ja-JP" dirty="0"/>
-              <a:t>ANOVA</a:t>
+              <a:rPr lang="en-US" altLang="ja-JP" b="1" dirty="0"/>
+              <a:t>ANOVA(</a:t>
+            </a:r>
+            <a:r>
+              <a:rPr lang="ja-JP" altLang="en-US" b="1" dirty="0"/>
+              <a:t>分散分析</a:t>
+            </a:r>
+            <a:r>
+              <a:rPr lang="en-US" altLang="ja-JP" b="1" dirty="0"/>
+              <a:t>)</a:t>
             </a:r>
             <a:endParaRPr kumimoji="1" lang="ja-JP" altLang="en-US" dirty="0"/>
           </a:p>
@@ -10162,11 +10174,7 @@
                 <a:graphicFrameLocks noGrp="1"/>
               </p:cNvGraphicFramePr>
               <p:nvPr>
-                <p:extLst>
-                  <p:ext uri="{D42A27DB-BD31-4B8C-83A1-F6EECF244321}">
-                    <p14:modId xmlns:p14="http://schemas.microsoft.com/office/powerpoint/2010/main" val="2648137285"/>
-                  </p:ext>
-                </p:extLst>
+                <p:extLst/>
               </p:nvPr>
             </p:nvGraphicFramePr>
             <p:xfrm>
@@ -14336,35 +14344,6 @@
           </a:p>
         </p:txBody>
       </p:sp>
-      <p:sp>
-        <p:nvSpPr>
-          <p:cNvPr id="2" name="タイトル 1">
-            <a:extLst>
-              <a:ext uri="{FF2B5EF4-FFF2-40B4-BE49-F238E27FC236}">
-                <a16:creationId xmlns:a16="http://schemas.microsoft.com/office/drawing/2014/main" id="{EB60FE6F-382E-4873-ACC4-0C34D6C39C62}"/>
-              </a:ext>
-            </a:extLst>
-          </p:cNvPr>
-          <p:cNvSpPr>
-            <a:spLocks noGrp="1"/>
-          </p:cNvSpPr>
-          <p:nvPr>
-            <p:ph type="title"/>
-          </p:nvPr>
-        </p:nvSpPr>
-        <p:spPr/>
-        <p:txBody>
-          <a:bodyPr/>
-          <a:lstStyle/>
-          <a:p>
-            <a:r>
-              <a:rPr lang="en-US" altLang="ja-JP" dirty="0"/>
-              <a:t>ANOVA</a:t>
-            </a:r>
-            <a:endParaRPr kumimoji="1" lang="ja-JP" altLang="en-US" dirty="0"/>
-          </a:p>
-        </p:txBody>
-      </p:sp>
       <mc:AlternateContent xmlns:mc="http://schemas.openxmlformats.org/markup-compatibility/2006" xmlns:a14="http://schemas.microsoft.com/office/drawing/2010/main">
         <mc:Choice Requires="a14">
           <p:graphicFrame>
@@ -14380,11 +14359,7 @@
                 <a:graphicFrameLocks noGrp="1"/>
               </p:cNvGraphicFramePr>
               <p:nvPr>
-                <p:extLst>
-                  <p:ext uri="{D42A27DB-BD31-4B8C-83A1-F6EECF244321}">
-                    <p14:modId xmlns:p14="http://schemas.microsoft.com/office/powerpoint/2010/main" val="1336668554"/>
-                  </p:ext>
-                </p:extLst>
+                <p:extLst/>
               </p:nvPr>
             </p:nvGraphicFramePr>
             <p:xfrm>
@@ -18083,8 +18058,8 @@
           </p:graphicFrame>
         </mc:Fallback>
       </mc:AlternateContent>
-      <mc:AlternateContent xmlns:mc="http://schemas.openxmlformats.org/markup-compatibility/2006" xmlns:a14="http://schemas.microsoft.com/office/drawing/2010/main">
-        <mc:Choice Requires="a14">
+      <mc:AlternateContent xmlns:mc="http://schemas.openxmlformats.org/markup-compatibility/2006">
+        <mc:Choice xmlns:a14="http://schemas.microsoft.com/office/drawing/2010/main" Requires="a14">
           <p:sp>
             <p:nvSpPr>
               <p:cNvPr id="7" name="正方形/長方形 6">
@@ -18099,8 +18074,8 @@
             </p:nvSpPr>
             <p:spPr>
               <a:xfrm>
-                <a:off x="1108823" y="4956899"/>
-                <a:ext cx="5103768" cy="496674"/>
+                <a:off x="1143538" y="4956543"/>
+                <a:ext cx="5381088" cy="496674"/>
               </a:xfrm>
               <a:prstGeom prst="rect">
                 <a:avLst/>
@@ -18223,9 +18198,20 @@
                       </m:sSub>
                       <m:r>
                         <a:rPr lang="en-US" altLang="ja-JP" sz="2400" b="0" i="1" smtClean="0">
+                          <a:solidFill>
+                            <a:schemeClr val="accent1">
+                              <a:lumMod val="75000"/>
+                            </a:schemeClr>
+                          </a:solidFill>
                           <a:latin typeface="Cambria Math" panose="02040503050406030204" pitchFamily="18" charset="0"/>
                         </a:rPr>
-                        <m:t>, </m:t>
+                        <m:t> </m:t>
+                      </m:r>
+                      <m:r>
+                        <a:rPr lang="en-US" altLang="ja-JP" sz="2400" b="0" i="1" smtClean="0">
+                          <a:latin typeface="Cambria Math" panose="02040503050406030204" pitchFamily="18" charset="0"/>
+                        </a:rPr>
+                        <m:t>(</m:t>
                       </m:r>
                       <m:r>
                         <a:rPr lang="en-US" altLang="ja-JP" sz="2400" b="0" i="1" smtClean="0">
@@ -18288,6 +18274,12 @@
                           </m:r>
                         </m:sub>
                       </m:sSub>
+                      <m:r>
+                        <a:rPr lang="en-US" altLang="ja-JP" sz="2400" b="0" i="1" smtClean="0">
+                          <a:latin typeface="Cambria Math" panose="02040503050406030204" pitchFamily="18" charset="0"/>
+                        </a:rPr>
+                        <m:t>)</m:t>
+                      </m:r>
                     </m:oMath>
                   </m:oMathPara>
                 </a14:m>
@@ -18296,7 +18288,7 @@
             </p:txBody>
           </p:sp>
         </mc:Choice>
-        <mc:Fallback xmlns="">
+        <mc:Fallback>
           <p:sp>
             <p:nvSpPr>
               <p:cNvPr id="7" name="正方形/長方形 6">
@@ -18313,8 +18305,8 @@
             </p:nvSpPr>
             <p:spPr>
               <a:xfrm>
-                <a:off x="1108823" y="4956899"/>
-                <a:ext cx="5103768" cy="496674"/>
+                <a:off x="1143538" y="4956543"/>
+                <a:ext cx="5381088" cy="496674"/>
               </a:xfrm>
               <a:prstGeom prst="rect">
                 <a:avLst/>
@@ -18355,8 +18347,8 @@
         </p:nvSpPr>
         <p:spPr>
           <a:xfrm>
-            <a:off x="98612" y="5001680"/>
-            <a:ext cx="1308100" cy="461665"/>
+            <a:off x="-13221" y="4979801"/>
+            <a:ext cx="1783659" cy="523220"/>
           </a:xfrm>
           <a:prstGeom prst="rect">
             <a:avLst/>
@@ -18370,7 +18362,7 @@
           <a:lstStyle/>
           <a:p>
             <a:r>
-              <a:rPr kumimoji="1" lang="ja-JP" altLang="en-US" sz="2400" b="1" dirty="0">
+              <a:rPr kumimoji="1" lang="ja-JP" altLang="en-US" sz="2800" b="1" dirty="0">
                 <a:solidFill>
                   <a:schemeClr val="accent1">
                     <a:lumMod val="75000"/>
@@ -18378,6 +18370,16 @@
                 </a:solidFill>
               </a:rPr>
               <a:t>モデル</a:t>
+            </a:r>
+            <a:r>
+              <a:rPr kumimoji="1" lang="en-US" altLang="ja-JP" sz="2800" b="1" dirty="0">
+                <a:solidFill>
+                  <a:schemeClr val="accent1">
+                    <a:lumMod val="75000"/>
+                  </a:schemeClr>
+                </a:solidFill>
+              </a:rPr>
+              <a:t>:</a:t>
             </a:r>
           </a:p>
         </p:txBody>
@@ -18397,11 +18399,7 @@
                 <a:graphicFrameLocks noGrp="1"/>
               </p:cNvGraphicFramePr>
               <p:nvPr>
-                <p:extLst>
-                  <p:ext uri="{D42A27DB-BD31-4B8C-83A1-F6EECF244321}">
-                    <p14:modId xmlns:p14="http://schemas.microsoft.com/office/powerpoint/2010/main" val="3831688293"/>
-                  </p:ext>
-                </p:extLst>
+                <p:extLst/>
               </p:nvPr>
             </p:nvGraphicFramePr>
             <p:xfrm>
@@ -19575,8 +19573,8 @@
           </p:sp>
         </mc:Fallback>
       </mc:AlternateContent>
-      <mc:AlternateContent xmlns:mc="http://schemas.openxmlformats.org/markup-compatibility/2006" xmlns:a14="http://schemas.microsoft.com/office/drawing/2010/main">
-        <mc:Choice Requires="a14">
+      <mc:AlternateContent xmlns:mc="http://schemas.openxmlformats.org/markup-compatibility/2006">
+        <mc:Choice xmlns:a14="http://schemas.microsoft.com/office/drawing/2010/main" Requires="a14">
           <p:sp>
             <p:nvSpPr>
               <p:cNvPr id="15" name="正方形/長方形 14">
@@ -19592,7 +19590,7 @@
             <p:spPr>
               <a:xfrm>
                 <a:off x="1770439" y="6423542"/>
-                <a:ext cx="1252779" cy="369332"/>
+                <a:ext cx="1432315" cy="369332"/>
               </a:xfrm>
               <a:prstGeom prst="rect">
                 <a:avLst/>
@@ -19608,11 +19606,11 @@
                   <a:rPr lang="en-US" altLang="ja-JP" dirty="0">
                     <a:solidFill>
                       <a:schemeClr val="bg1">
-                        <a:lumMod val="85000"/>
+                        <a:lumMod val="65000"/>
                       </a:schemeClr>
                     </a:solidFill>
                   </a:rPr>
-                  <a:t> </a:t>
+                  <a:t> (</a:t>
                 </a:r>
                 <a14:m>
                   <m:oMath xmlns:m="http://schemas.openxmlformats.org/officeDocument/2006/math">
@@ -19625,7 +19623,7 @@
                           <a:rPr lang="en-US" altLang="ja-JP" i="1" smtClean="0">
                             <a:solidFill>
                               <a:schemeClr val="bg1">
-                                <a:lumMod val="85000"/>
+                                <a:lumMod val="65000"/>
                               </a:schemeClr>
                             </a:solidFill>
                             <a:latin typeface="Cambria Math" panose="02040503050406030204" pitchFamily="18" charset="0"/>
@@ -19641,7 +19639,7 @@
                               <a:rPr lang="en-US" altLang="ja-JP" i="1">
                                 <a:solidFill>
                                   <a:schemeClr val="bg1">
-                                    <a:lumMod val="85000"/>
+                                    <a:lumMod val="65000"/>
                                   </a:schemeClr>
                                 </a:solidFill>
                                 <a:latin typeface="Cambria Math" panose="02040503050406030204" pitchFamily="18" charset="0"/>
@@ -19653,7 +19651,7 @@
                               <a:rPr lang="en-US" altLang="ja-JP">
                                 <a:solidFill>
                                   <a:schemeClr val="bg1">
-                                    <a:lumMod val="85000"/>
+                                    <a:lumMod val="65000"/>
                                   </a:schemeClr>
                                 </a:solidFill>
                                 <a:latin typeface="Cambria Math" panose="02040503050406030204" pitchFamily="18" charset="0"/>
@@ -19666,7 +19664,7 @@
                               <a:rPr lang="en-US" altLang="ja-JP">
                                 <a:solidFill>
                                   <a:schemeClr val="bg1">
-                                    <a:lumMod val="85000"/>
+                                    <a:lumMod val="65000"/>
                                   </a:schemeClr>
                                 </a:solidFill>
                                 <a:latin typeface="Cambria Math" panose="02040503050406030204" pitchFamily="18" charset="0"/>
@@ -19681,7 +19679,7 @@
                               <a:rPr lang="en-US" altLang="ja-JP" i="1">
                                 <a:solidFill>
                                   <a:schemeClr val="bg1">
-                                    <a:lumMod val="85000"/>
+                                    <a:lumMod val="65000"/>
                                   </a:schemeClr>
                                 </a:solidFill>
                                 <a:latin typeface="Cambria Math" panose="02040503050406030204" pitchFamily="18" charset="0"/>
@@ -19693,7 +19691,7 @@
                               <a:rPr lang="ja-JP" altLang="en-US" i="1">
                                 <a:solidFill>
                                   <a:schemeClr val="bg1">
-                                    <a:lumMod val="85000"/>
+                                    <a:lumMod val="65000"/>
                                   </a:schemeClr>
                                 </a:solidFill>
                                 <a:latin typeface="Cambria Math" panose="02040503050406030204" pitchFamily="18" charset="0"/>
@@ -19706,7 +19704,7 @@
                               <a:rPr lang="en-US" altLang="ja-JP" i="1">
                                 <a:solidFill>
                                   <a:schemeClr val="bg1">
-                                    <a:lumMod val="85000"/>
+                                    <a:lumMod val="65000"/>
                                   </a:schemeClr>
                                 </a:solidFill>
                                 <a:latin typeface="Cambria Math" panose="02040503050406030204" pitchFamily="18" charset="0"/>
@@ -19721,7 +19719,7 @@
                       <a:rPr lang="en-US" altLang="ja-JP" b="0" i="1" smtClean="0">
                         <a:solidFill>
                           <a:schemeClr val="bg1">
-                            <a:lumMod val="85000"/>
+                            <a:lumMod val="65000"/>
                           </a:schemeClr>
                         </a:solidFill>
                         <a:latin typeface="Cambria Math" panose="02040503050406030204" pitchFamily="18" charset="0"/>
@@ -19730,10 +19728,20 @@
                     </m:r>
                   </m:oMath>
                 </a14:m>
+                <a:r>
+                  <a:rPr lang="en-US" altLang="ja-JP" dirty="0">
+                    <a:solidFill>
+                      <a:schemeClr val="bg1">
+                        <a:lumMod val="65000"/>
+                      </a:schemeClr>
+                    </a:solidFill>
+                  </a:rPr>
+                  <a:t>)</a:t>
+                </a:r>
                 <a:endParaRPr lang="ja-JP" altLang="en-US" dirty="0">
                   <a:solidFill>
                     <a:schemeClr val="bg1">
-                      <a:lumMod val="85000"/>
+                      <a:lumMod val="65000"/>
                     </a:schemeClr>
                   </a:solidFill>
                 </a:endParaRPr>
@@ -19741,7 +19749,7 @@
             </p:txBody>
           </p:sp>
         </mc:Choice>
-        <mc:Fallback xmlns="">
+        <mc:Fallback>
           <p:sp>
             <p:nvSpPr>
               <p:cNvPr id="15" name="正方形/長方形 14">
@@ -19759,7 +19767,7 @@
             <p:spPr>
               <a:xfrm>
                 <a:off x="1770439" y="6423542"/>
-                <a:ext cx="1252779" cy="369332"/>
+                <a:ext cx="1432315" cy="369332"/>
               </a:xfrm>
               <a:prstGeom prst="rect">
                 <a:avLst/>
@@ -19767,7 +19775,7 @@
               <a:blipFill>
                 <a:blip r:embed="rId6"/>
                 <a:stretch>
-                  <a:fillRect l="-21359" t="-121667" b="-188333"/>
+                  <a:fillRect l="-12340" t="-121667" r="-3404" b="-188333"/>
                 </a:stretch>
               </a:blipFill>
             </p:spPr>
@@ -20190,7 +20198,7 @@
         </p:nvSpPr>
         <p:spPr>
           <a:xfrm rot="16200000">
-            <a:off x="5872815" y="5510549"/>
+            <a:off x="5997815" y="5561459"/>
             <a:ext cx="1182750" cy="469591"/>
           </a:xfrm>
           <a:prstGeom prst="downArrow">
@@ -20227,6 +20235,48 @@
           <a:p>
             <a:pPr algn="ctr"/>
             <a:endParaRPr kumimoji="1" lang="ja-JP" altLang="en-US"/>
+          </a:p>
+        </p:txBody>
+      </p:sp>
+      <p:sp>
+        <p:nvSpPr>
+          <p:cNvPr id="18" name="タイトル 1">
+            <a:extLst>
+              <a:ext uri="{FF2B5EF4-FFF2-40B4-BE49-F238E27FC236}">
+                <a16:creationId xmlns:a16="http://schemas.microsoft.com/office/drawing/2014/main" id="{E04A7836-C6AB-4826-8857-0DF5C5AED25D}"/>
+              </a:ext>
+            </a:extLst>
+          </p:cNvPr>
+          <p:cNvSpPr>
+            <a:spLocks noGrp="1"/>
+          </p:cNvSpPr>
+          <p:nvPr>
+            <p:ph type="title"/>
+          </p:nvPr>
+        </p:nvSpPr>
+        <p:spPr>
+          <a:xfrm>
+            <a:off x="101600" y="202003"/>
+            <a:ext cx="10515600" cy="1325563"/>
+          </a:xfrm>
+        </p:spPr>
+        <p:txBody>
+          <a:bodyPr/>
+          <a:lstStyle/>
+          <a:p>
+            <a:r>
+              <a:rPr lang="en-US" altLang="ja-JP" b="1" dirty="0"/>
+              <a:t>ANOVA(</a:t>
+            </a:r>
+            <a:r>
+              <a:rPr lang="ja-JP" altLang="en-US" b="1" dirty="0"/>
+              <a:t>分散分析</a:t>
+            </a:r>
+            <a:r>
+              <a:rPr lang="en-US" altLang="ja-JP" b="1" dirty="0"/>
+              <a:t>)</a:t>
+            </a:r>
+            <a:endParaRPr kumimoji="1" lang="ja-JP" altLang="en-US" dirty="0"/>
           </a:p>
         </p:txBody>
       </p:sp>
@@ -20319,35 +20369,6 @@
           <a:p>
             <a:pPr algn="ctr"/>
             <a:endParaRPr kumimoji="1" lang="ja-JP" altLang="en-US"/>
-          </a:p>
-        </p:txBody>
-      </p:sp>
-      <p:sp>
-        <p:nvSpPr>
-          <p:cNvPr id="2" name="タイトル 1">
-            <a:extLst>
-              <a:ext uri="{FF2B5EF4-FFF2-40B4-BE49-F238E27FC236}">
-                <a16:creationId xmlns:a16="http://schemas.microsoft.com/office/drawing/2014/main" id="{785CD2F7-3171-4CE8-9A78-67732AD8EF61}"/>
-              </a:ext>
-            </a:extLst>
-          </p:cNvPr>
-          <p:cNvSpPr>
-            <a:spLocks noGrp="1"/>
-          </p:cNvSpPr>
-          <p:nvPr>
-            <p:ph type="title"/>
-          </p:nvPr>
-        </p:nvSpPr>
-        <p:spPr/>
-        <p:txBody>
-          <a:bodyPr/>
-          <a:lstStyle/>
-          <a:p>
-            <a:r>
-              <a:rPr lang="en-US" altLang="ja-JP"/>
-              <a:t>ANOVA</a:t>
-            </a:r>
-            <a:endParaRPr kumimoji="1" lang="ja-JP" altLang="en-US" dirty="0"/>
           </a:p>
         </p:txBody>
       </p:sp>
@@ -21214,7 +21235,7 @@
         <p:spPr>
           <a:xfrm>
             <a:off x="5181168" y="4095650"/>
-            <a:ext cx="3316934" cy="369332"/>
+            <a:ext cx="3547766" cy="369332"/>
           </a:xfrm>
           <a:prstGeom prst="rect">
             <a:avLst/>
@@ -21234,7 +21255,7 @@
                   </a:schemeClr>
                 </a:solidFill>
               </a:rPr>
-              <a:t>一定のとき ➡ 一般線形モデル</a:t>
+              <a:t>一定のとき ➡ 一般化線形モデル</a:t>
             </a:r>
           </a:p>
         </p:txBody>
@@ -22089,6 +22110,48 @@
           </p:sp>
         </mc:Fallback>
       </mc:AlternateContent>
+      <p:sp>
+        <p:nvSpPr>
+          <p:cNvPr id="19" name="タイトル 1">
+            <a:extLst>
+              <a:ext uri="{FF2B5EF4-FFF2-40B4-BE49-F238E27FC236}">
+                <a16:creationId xmlns:a16="http://schemas.microsoft.com/office/drawing/2014/main" id="{15B23CDE-4CAA-40DE-8356-C9DE801105DE}"/>
+              </a:ext>
+            </a:extLst>
+          </p:cNvPr>
+          <p:cNvSpPr>
+            <a:spLocks noGrp="1"/>
+          </p:cNvSpPr>
+          <p:nvPr>
+            <p:ph type="title"/>
+          </p:nvPr>
+        </p:nvSpPr>
+        <p:spPr>
+          <a:xfrm>
+            <a:off x="101600" y="202003"/>
+            <a:ext cx="10515600" cy="1325563"/>
+          </a:xfrm>
+        </p:spPr>
+        <p:txBody>
+          <a:bodyPr/>
+          <a:lstStyle/>
+          <a:p>
+            <a:r>
+              <a:rPr lang="en-US" altLang="ja-JP" b="1" dirty="0"/>
+              <a:t>ANOVA(</a:t>
+            </a:r>
+            <a:r>
+              <a:rPr lang="ja-JP" altLang="en-US" b="1" dirty="0"/>
+              <a:t>分散分析</a:t>
+            </a:r>
+            <a:r>
+              <a:rPr lang="en-US" altLang="ja-JP" b="1" dirty="0"/>
+              <a:t>)</a:t>
+            </a:r>
+            <a:endParaRPr kumimoji="1" lang="ja-JP" altLang="en-US" dirty="0"/>
+          </a:p>
+        </p:txBody>
+      </p:sp>
     </p:spTree>
     <p:extLst>
       <p:ext uri="{BB962C8B-B14F-4D97-AF65-F5344CB8AC3E}">
@@ -22148,35 +22211,6 @@
           </a:prstGeom>
         </p:spPr>
       </p:pic>
-      <p:sp>
-        <p:nvSpPr>
-          <p:cNvPr id="2" name="タイトル 1">
-            <a:extLst>
-              <a:ext uri="{FF2B5EF4-FFF2-40B4-BE49-F238E27FC236}">
-                <a16:creationId xmlns:a16="http://schemas.microsoft.com/office/drawing/2014/main" id="{267419F8-6FE4-4CF0-B03B-63335C093E0B}"/>
-              </a:ext>
-            </a:extLst>
-          </p:cNvPr>
-          <p:cNvSpPr>
-            <a:spLocks noGrp="1"/>
-          </p:cNvSpPr>
-          <p:nvPr>
-            <p:ph type="title"/>
-          </p:nvPr>
-        </p:nvSpPr>
-        <p:spPr/>
-        <p:txBody>
-          <a:bodyPr/>
-          <a:lstStyle/>
-          <a:p>
-            <a:r>
-              <a:rPr kumimoji="1" lang="en-US" altLang="ja-JP" dirty="0"/>
-              <a:t>ANOVA</a:t>
-            </a:r>
-            <a:endParaRPr kumimoji="1" lang="ja-JP" altLang="en-US" dirty="0"/>
-          </a:p>
-        </p:txBody>
-      </p:sp>
       <p:sp>
         <p:nvSpPr>
           <p:cNvPr id="5" name="テキスト ボックス 4">
@@ -22592,6 +22626,69 @@
           </a:p>
         </p:txBody>
       </p:sp>
+      <p:sp>
+        <p:nvSpPr>
+          <p:cNvPr id="16" name="タイトル 1">
+            <a:extLst>
+              <a:ext uri="{FF2B5EF4-FFF2-40B4-BE49-F238E27FC236}">
+                <a16:creationId xmlns:a16="http://schemas.microsoft.com/office/drawing/2014/main" id="{05E16093-6582-4B04-A801-1143265E5E40}"/>
+              </a:ext>
+            </a:extLst>
+          </p:cNvPr>
+          <p:cNvSpPr txBox="1">
+            <a:spLocks/>
+          </p:cNvSpPr>
+          <p:nvPr/>
+        </p:nvSpPr>
+        <p:spPr>
+          <a:xfrm>
+            <a:off x="101600" y="202003"/>
+            <a:ext cx="10515600" cy="1325563"/>
+          </a:xfrm>
+          <a:prstGeom prst="rect">
+            <a:avLst/>
+          </a:prstGeom>
+        </p:spPr>
+        <p:txBody>
+          <a:bodyPr vert="horz" lIns="91440" tIns="45720" rIns="91440" bIns="45720" rtlCol="0" anchor="ctr">
+            <a:normAutofit/>
+          </a:bodyPr>
+          <a:lstStyle>
+            <a:lvl1pPr algn="l" defTabSz="914400" rtl="0" eaLnBrk="1" latinLnBrk="0" hangingPunct="1">
+              <a:lnSpc>
+                <a:spcPct val="90000"/>
+              </a:lnSpc>
+              <a:spcBef>
+                <a:spcPct val="0"/>
+              </a:spcBef>
+              <a:buNone/>
+              <a:defRPr kumimoji="1" sz="4400" kern="1200">
+                <a:solidFill>
+                  <a:schemeClr val="tx1"/>
+                </a:solidFill>
+                <a:latin typeface="+mj-lt"/>
+                <a:ea typeface="+mj-ea"/>
+                <a:cs typeface="+mj-cs"/>
+              </a:defRPr>
+            </a:lvl1pPr>
+          </a:lstStyle>
+          <a:p>
+            <a:r>
+              <a:rPr lang="en-US" altLang="ja-JP" b="1"/>
+              <a:t>ANOVA(</a:t>
+            </a:r>
+            <a:r>
+              <a:rPr lang="ja-JP" altLang="en-US" b="1"/>
+              <a:t>分散分析</a:t>
+            </a:r>
+            <a:r>
+              <a:rPr lang="en-US" altLang="ja-JP" b="1"/>
+              <a:t>)</a:t>
+            </a:r>
+            <a:endParaRPr lang="ja-JP" altLang="en-US" dirty="0"/>
+          </a:p>
+        </p:txBody>
+      </p:sp>
     </p:spTree>
     <p:extLst>
       <p:ext uri="{BB962C8B-B14F-4D97-AF65-F5344CB8AC3E}">
@@ -22759,35 +22856,6 @@
           <a:chExt cx="0" cy="0"/>
         </a:xfrm>
       </p:grpSpPr>
-      <p:sp>
-        <p:nvSpPr>
-          <p:cNvPr id="2" name="タイトル 1">
-            <a:extLst>
-              <a:ext uri="{FF2B5EF4-FFF2-40B4-BE49-F238E27FC236}">
-                <a16:creationId xmlns:a16="http://schemas.microsoft.com/office/drawing/2014/main" id="{3D4E49B8-5939-4BD0-B9A5-65B7BED7D9D5}"/>
-              </a:ext>
-            </a:extLst>
-          </p:cNvPr>
-          <p:cNvSpPr>
-            <a:spLocks noGrp="1"/>
-          </p:cNvSpPr>
-          <p:nvPr>
-            <p:ph type="title"/>
-          </p:nvPr>
-        </p:nvSpPr>
-        <p:spPr/>
-        <p:txBody>
-          <a:bodyPr/>
-          <a:lstStyle/>
-          <a:p>
-            <a:r>
-              <a:rPr kumimoji="1" lang="en-US" altLang="ja-JP" dirty="0"/>
-              <a:t>ANOVA</a:t>
-            </a:r>
-            <a:endParaRPr kumimoji="1" lang="ja-JP" altLang="en-US" dirty="0"/>
-          </a:p>
-        </p:txBody>
-      </p:sp>
       <p:sp>
         <p:nvSpPr>
           <p:cNvPr id="4" name="テキスト ボックス 3">
@@ -24305,8 +24373,8 @@
           </p:sp>
         </mc:Fallback>
       </mc:AlternateContent>
-      <mc:AlternateContent xmlns:mc="http://schemas.openxmlformats.org/markup-compatibility/2006" xmlns:a14="http://schemas.microsoft.com/office/drawing/2010/main">
-        <mc:Choice Requires="a14">
+      <mc:AlternateContent xmlns:mc="http://schemas.openxmlformats.org/markup-compatibility/2006">
+        <mc:Choice xmlns:a14="http://schemas.microsoft.com/office/drawing/2010/main" Requires="a14">
           <p:sp>
             <p:nvSpPr>
               <p:cNvPr id="16" name="正方形/長方形 15">
@@ -24322,7 +24390,7 @@
             <p:spPr>
               <a:xfrm>
                 <a:off x="137194" y="4555002"/>
-                <a:ext cx="8366136" cy="847668"/>
+                <a:ext cx="9289466" cy="847668"/>
               </a:xfrm>
               <a:prstGeom prst="rect">
                 <a:avLst/>
@@ -24339,7 +24407,7 @@
               <a:lstStyle/>
               <a:p>
                 <a:r>
-                  <a:rPr lang="ja-JP" altLang="en-US" sz="2400" b="1"/>
+                  <a:rPr lang="ja-JP" altLang="en-US" sz="2400" b="1" dirty="0"/>
                   <a:t>・</a:t>
                 </a:r>
                 <a14:m>
@@ -24372,7 +24440,7 @@
                   </m:oMath>
                 </a14:m>
                 <a:r>
-                  <a:rPr lang="ja-JP" altLang="en-US" sz="2400" b="1"/>
+                  <a:rPr lang="ja-JP" altLang="en-US" sz="2400" b="1" dirty="0"/>
                   <a:t>は自由度</a:t>
                 </a:r>
                 <a14:m>
@@ -24407,7 +24475,7 @@
                   </m:oMath>
                 </a14:m>
                 <a:r>
-                  <a:rPr lang="ja-JP" altLang="en-US" sz="2400" b="1"/>
+                  <a:rPr lang="ja-JP" altLang="en-US" sz="2400" b="1" dirty="0"/>
                   <a:t>の</a:t>
                 </a:r>
                 <a14:m>
@@ -24441,15 +24509,15 @@
                   </m:oMath>
                 </a14:m>
                 <a:r>
-                  <a:rPr lang="ja-JP" altLang="en-US" sz="2400" b="1"/>
+                  <a:rPr lang="ja-JP" altLang="en-US" sz="2400" b="1" dirty="0"/>
                   <a:t>分布に従う</a:t>
                 </a:r>
                 <a:endParaRPr lang="en-US" altLang="ja-JP" sz="2400" b="1" dirty="0"/>
               </a:p>
               <a:p>
                 <a:r>
-                  <a:rPr lang="ja-JP" altLang="en-US" sz="2400" b="1"/>
-                  <a:t>・</a:t>
+                  <a:rPr lang="ja-JP" altLang="en-US" sz="2400" b="1" dirty="0"/>
+                  <a:t>・仮説</a:t>
                 </a:r>
                 <a14:m>
                   <m:oMath xmlns:m="http://schemas.openxmlformats.org/officeDocument/2006/math">
@@ -24481,7 +24549,7 @@
                   </m:oMath>
                 </a14:m>
                 <a:r>
-                  <a:rPr lang="ja-JP" altLang="en-US" sz="2400" b="1"/>
+                  <a:rPr lang="ja-JP" altLang="en-US" sz="2400" b="1" dirty="0"/>
                   <a:t>が正しい場合，</a:t>
                 </a:r>
                 <a:r>
@@ -24518,7 +24586,7 @@
                   </m:oMath>
                 </a14:m>
                 <a:r>
-                  <a:rPr lang="ja-JP" altLang="en-US" sz="2400" b="1"/>
+                  <a:rPr lang="ja-JP" altLang="en-US" sz="2400" b="1" dirty="0"/>
                   <a:t>は自由度</a:t>
                 </a:r>
                 <a14:m>
@@ -24576,7 +24644,7 @@
                   </m:oMath>
                 </a14:m>
                 <a:r>
-                  <a:rPr lang="ja-JP" altLang="en-US" sz="2400" b="1"/>
+                  <a:rPr lang="ja-JP" altLang="en-US" sz="2400" b="1" dirty="0"/>
                   <a:t>の</a:t>
                 </a:r>
                 <a14:m>
@@ -24610,14 +24678,14 @@
                   </m:oMath>
                 </a14:m>
                 <a:r>
-                  <a:rPr lang="ja-JP" altLang="en-US" sz="2400" b="1"/>
+                  <a:rPr lang="ja-JP" altLang="en-US" sz="2400" b="1" dirty="0"/>
                   <a:t>分布に従う</a:t>
                 </a:r>
               </a:p>
             </p:txBody>
           </p:sp>
         </mc:Choice>
-        <mc:Fallback xmlns="">
+        <mc:Fallback>
           <p:sp>
             <p:nvSpPr>
               <p:cNvPr id="16" name="正方形/長方形 15">
@@ -24635,7 +24703,7 @@
             <p:spPr>
               <a:xfrm>
                 <a:off x="137194" y="4555002"/>
-                <a:ext cx="8366136" cy="847668"/>
+                <a:ext cx="9289466" cy="847668"/>
               </a:xfrm>
               <a:prstGeom prst="rect">
                 <a:avLst/>
@@ -24643,7 +24711,7 @@
               <a:blipFill>
                 <a:blip r:embed="rId8"/>
                 <a:stretch>
-                  <a:fillRect l="-1061" t="-4478" b="-16418"/>
+                  <a:fillRect l="-1051" t="-4317" b="-15827"/>
                 </a:stretch>
               </a:blipFill>
               <a:effectLst/>
@@ -25183,8 +25251,8 @@
           </p:sp>
         </mc:Fallback>
       </mc:AlternateContent>
-      <mc:AlternateContent xmlns:mc="http://schemas.openxmlformats.org/markup-compatibility/2006" xmlns:a14="http://schemas.microsoft.com/office/drawing/2010/main">
-        <mc:Choice Requires="a14">
+      <mc:AlternateContent xmlns:mc="http://schemas.openxmlformats.org/markup-compatibility/2006">
+        <mc:Choice xmlns:a14="http://schemas.microsoft.com/office/drawing/2010/main" Requires="a14">
           <p:sp>
             <p:nvSpPr>
               <p:cNvPr id="21" name="テキスト ボックス 20">
@@ -25199,8 +25267,8 @@
             </p:nvSpPr>
             <p:spPr>
               <a:xfrm>
-                <a:off x="9793802" y="5815405"/>
-                <a:ext cx="1268296" cy="584775"/>
+                <a:off x="9182845" y="5818511"/>
+                <a:ext cx="2499402" cy="584775"/>
               </a:xfrm>
               <a:prstGeom prst="rect">
                 <a:avLst/>
@@ -25213,6 +25281,16 @@
               </a:bodyPr>
               <a:lstStyle/>
               <a:p>
+                <a:r>
+                  <a:rPr lang="ja-JP" altLang="en-US" sz="3200" b="1" dirty="0">
+                    <a:solidFill>
+                      <a:schemeClr val="accent1">
+                        <a:lumMod val="75000"/>
+                      </a:schemeClr>
+                    </a:solidFill>
+                  </a:rPr>
+                  <a:t>あとは</a:t>
+                </a:r>
                 <a14:m>
                   <m:oMath xmlns:m="http://schemas.openxmlformats.org/officeDocument/2006/math">
                     <m:r>
@@ -25229,7 +25307,7 @@
                   </m:oMath>
                 </a14:m>
                 <a:r>
-                  <a:rPr kumimoji="1" lang="ja-JP" altLang="en-US" sz="3200" b="1">
+                  <a:rPr kumimoji="1" lang="ja-JP" altLang="en-US" sz="3200" b="1" dirty="0">
                     <a:solidFill>
                       <a:schemeClr val="accent1">
                         <a:lumMod val="75000"/>
@@ -25242,7 +25320,7 @@
             </p:txBody>
           </p:sp>
         </mc:Choice>
-        <mc:Fallback xmlns="">
+        <mc:Fallback>
           <p:sp>
             <p:nvSpPr>
               <p:cNvPr id="21" name="テキスト ボックス 20">
@@ -25259,8 +25337,8 @@
             </p:nvSpPr>
             <p:spPr>
               <a:xfrm>
-                <a:off x="9793802" y="5815405"/>
-                <a:ext cx="1268296" cy="584775"/>
+                <a:off x="9182845" y="5818511"/>
+                <a:ext cx="2499402" cy="584775"/>
               </a:xfrm>
               <a:prstGeom prst="rect">
                 <a:avLst/>
@@ -25268,7 +25346,7 @@
               <a:blipFill>
                 <a:blip r:embed="rId12"/>
                 <a:stretch>
-                  <a:fillRect l="-2970" t="-10638" r="-10891" b="-31915"/>
+                  <a:fillRect l="-6098" t="-12500" r="-5854" b="-34375"/>
                 </a:stretch>
               </a:blipFill>
             </p:spPr>
@@ -25301,8 +25379,8 @@
         </p:nvSpPr>
         <p:spPr>
           <a:xfrm>
-            <a:off x="9466937" y="5497838"/>
-            <a:ext cx="1926233" cy="1223637"/>
+            <a:off x="8965638" y="5499081"/>
+            <a:ext cx="3027133" cy="1223637"/>
           </a:xfrm>
           <a:prstGeom prst="notchedRightArrow">
             <a:avLst/>
@@ -25406,7 +25484,7 @@
         </p:nvSpPr>
         <p:spPr>
           <a:xfrm>
-            <a:off x="0" y="1226759"/>
+            <a:off x="0" y="1239410"/>
             <a:ext cx="4288353" cy="400110"/>
           </a:xfrm>
           <a:prstGeom prst="rect">
@@ -25421,9 +25499,72 @@
           <a:lstStyle/>
           <a:p>
             <a:r>
-              <a:rPr kumimoji="1" lang="ja-JP" altLang="en-US" sz="2000" b="1" u="sng"/>
+              <a:rPr kumimoji="1" lang="ja-JP" altLang="en-US" sz="2000" b="1" u="sng" dirty="0"/>
               <a:t>モデルに当てはめた時の残差平方和</a:t>
             </a:r>
+          </a:p>
+        </p:txBody>
+      </p:sp>
+      <p:sp>
+        <p:nvSpPr>
+          <p:cNvPr id="24" name="タイトル 1">
+            <a:extLst>
+              <a:ext uri="{FF2B5EF4-FFF2-40B4-BE49-F238E27FC236}">
+                <a16:creationId xmlns:a16="http://schemas.microsoft.com/office/drawing/2014/main" id="{09FCDBE4-7AF6-49CF-AF32-DB2A52DD9DA8}"/>
+              </a:ext>
+            </a:extLst>
+          </p:cNvPr>
+          <p:cNvSpPr txBox="1">
+            <a:spLocks/>
+          </p:cNvSpPr>
+          <p:nvPr/>
+        </p:nvSpPr>
+        <p:spPr>
+          <a:xfrm>
+            <a:off x="101600" y="202003"/>
+            <a:ext cx="10515600" cy="1325563"/>
+          </a:xfrm>
+          <a:prstGeom prst="rect">
+            <a:avLst/>
+          </a:prstGeom>
+        </p:spPr>
+        <p:txBody>
+          <a:bodyPr vert="horz" lIns="91440" tIns="45720" rIns="91440" bIns="45720" rtlCol="0" anchor="ctr">
+            <a:normAutofit/>
+          </a:bodyPr>
+          <a:lstStyle>
+            <a:lvl1pPr algn="l" defTabSz="914400" rtl="0" eaLnBrk="1" latinLnBrk="0" hangingPunct="1">
+              <a:lnSpc>
+                <a:spcPct val="90000"/>
+              </a:lnSpc>
+              <a:spcBef>
+                <a:spcPct val="0"/>
+              </a:spcBef>
+              <a:buNone/>
+              <a:defRPr kumimoji="1" sz="4400" kern="1200">
+                <a:solidFill>
+                  <a:schemeClr val="tx1"/>
+                </a:solidFill>
+                <a:latin typeface="+mj-lt"/>
+                <a:ea typeface="+mj-ea"/>
+                <a:cs typeface="+mj-cs"/>
+              </a:defRPr>
+            </a:lvl1pPr>
+          </a:lstStyle>
+          <a:p>
+            <a:r>
+              <a:rPr lang="en-US" altLang="ja-JP" b="1"/>
+              <a:t>ANOVA(</a:t>
+            </a:r>
+            <a:r>
+              <a:rPr lang="ja-JP" altLang="en-US" b="1"/>
+              <a:t>分散分析</a:t>
+            </a:r>
+            <a:r>
+              <a:rPr lang="en-US" altLang="ja-JP" b="1"/>
+              <a:t>)</a:t>
+            </a:r>
+            <a:endParaRPr lang="ja-JP" altLang="en-US" dirty="0"/>
           </a:p>
         </p:txBody>
       </p:sp>
@@ -25441,86 +25582,6 @@
 </file>
 
 <file path=ppt/slides/slide21.xml><?xml version="1.0" encoding="utf-8"?>
-<p:sld xmlns:a="http://schemas.openxmlformats.org/drawingml/2006/main" xmlns:r="http://schemas.openxmlformats.org/officeDocument/2006/relationships" xmlns:p="http://schemas.openxmlformats.org/presentationml/2006/main">
-  <p:cSld>
-    <p:spTree>
-      <p:nvGrpSpPr>
-        <p:cNvPr id="1" name=""/>
-        <p:cNvGrpSpPr/>
-        <p:nvPr/>
-      </p:nvGrpSpPr>
-      <p:grpSpPr>
-        <a:xfrm>
-          <a:off x="0" y="0"/>
-          <a:ext cx="0" cy="0"/>
-          <a:chOff x="0" y="0"/>
-          <a:chExt cx="0" cy="0"/>
-        </a:xfrm>
-      </p:grpSpPr>
-      <p:sp>
-        <p:nvSpPr>
-          <p:cNvPr id="2" name="タイトル 1">
-            <a:extLst>
-              <a:ext uri="{FF2B5EF4-FFF2-40B4-BE49-F238E27FC236}">
-                <a16:creationId xmlns:a16="http://schemas.microsoft.com/office/drawing/2014/main" id="{97B4C4FC-8BDC-8043-A441-88E492CCB375}"/>
-              </a:ext>
-            </a:extLst>
-          </p:cNvPr>
-          <p:cNvSpPr>
-            <a:spLocks noGrp="1"/>
-          </p:cNvSpPr>
-          <p:nvPr>
-            <p:ph type="title"/>
-          </p:nvPr>
-        </p:nvSpPr>
-        <p:spPr/>
-        <p:txBody>
-          <a:bodyPr/>
-          <a:lstStyle/>
-          <a:p>
-            <a:endParaRPr kumimoji="1" lang="ja-JP" altLang="en-US"/>
-          </a:p>
-        </p:txBody>
-      </p:sp>
-      <p:sp>
-        <p:nvSpPr>
-          <p:cNvPr id="3" name="コンテンツ プレースホルダー 2">
-            <a:extLst>
-              <a:ext uri="{FF2B5EF4-FFF2-40B4-BE49-F238E27FC236}">
-                <a16:creationId xmlns:a16="http://schemas.microsoft.com/office/drawing/2014/main" id="{E4CAC701-7820-5742-BB88-718CCCB50D53}"/>
-              </a:ext>
-            </a:extLst>
-          </p:cNvPr>
-          <p:cNvSpPr>
-            <a:spLocks noGrp="1"/>
-          </p:cNvSpPr>
-          <p:nvPr>
-            <p:ph idx="1"/>
-          </p:nvPr>
-        </p:nvSpPr>
-        <p:spPr/>
-        <p:txBody>
-          <a:bodyPr/>
-          <a:lstStyle/>
-          <a:p>
-            <a:endParaRPr kumimoji="1" lang="ja-JP" altLang="en-US"/>
-          </a:p>
-        </p:txBody>
-      </p:sp>
-    </p:spTree>
-    <p:extLst>
-      <p:ext uri="{BB962C8B-B14F-4D97-AF65-F5344CB8AC3E}">
-        <p14:creationId xmlns:p14="http://schemas.microsoft.com/office/powerpoint/2010/main" val="3255706572"/>
-      </p:ext>
-    </p:extLst>
-  </p:cSld>
-  <p:clrMapOvr>
-    <a:masterClrMapping/>
-  </p:clrMapOvr>
-</p:sld>
-</file>
-
-<file path=ppt/slides/slide22.xml><?xml version="1.0" encoding="utf-8"?>
 <p:sld xmlns:a="http://schemas.openxmlformats.org/drawingml/2006/main" xmlns:r="http://schemas.openxmlformats.org/officeDocument/2006/relationships" xmlns:p="http://schemas.openxmlformats.org/presentationml/2006/main">
   <p:cSld>
     <p:spTree>
@@ -25620,7 +25681,7 @@
 </p:sld>
 </file>
 
-<file path=ppt/slides/slide23.xml><?xml version="1.0" encoding="utf-8"?>
+<file path=ppt/slides/slide22.xml><?xml version="1.0" encoding="utf-8"?>
 <p:sld xmlns:a="http://schemas.openxmlformats.org/drawingml/2006/main" xmlns:r="http://schemas.openxmlformats.org/officeDocument/2006/relationships" xmlns:p="http://schemas.openxmlformats.org/presentationml/2006/main">
   <p:cSld>
     <p:spTree>
@@ -25703,7 +25764,7 @@
 </p:sld>
 </file>
 
-<file path=ppt/slides/slide24.xml><?xml version="1.0" encoding="utf-8"?>
+<file path=ppt/slides/slide23.xml><?xml version="1.0" encoding="utf-8"?>
 <p:sld xmlns:a="http://schemas.openxmlformats.org/drawingml/2006/main" xmlns:r="http://schemas.openxmlformats.org/officeDocument/2006/relationships" xmlns:p="http://schemas.openxmlformats.org/presentationml/2006/main">
   <p:cSld>
     <p:spTree>
@@ -25778,8 +25839,8 @@
           </a:prstGeom>
         </p:spPr>
       </p:pic>
-      <mc:AlternateContent xmlns:mc="http://schemas.openxmlformats.org/markup-compatibility/2006">
-        <mc:Choice xmlns:a14="http://schemas.microsoft.com/office/drawing/2010/main" Requires="a14">
+      <mc:AlternateContent xmlns:mc="http://schemas.openxmlformats.org/markup-compatibility/2006" xmlns:a14="http://schemas.microsoft.com/office/drawing/2010/main">
+        <mc:Choice Requires="a14">
           <p:sp>
             <p:nvSpPr>
               <p:cNvPr id="7" name="テキスト ボックス 6">
@@ -25889,7 +25950,7 @@
             </p:txBody>
           </p:sp>
         </mc:Choice>
-        <mc:Fallback>
+        <mc:Fallback xmlns="">
           <p:sp>
             <p:nvSpPr>
               <p:cNvPr id="7" name="テキスト ボックス 6">
@@ -25934,8 +25995,8 @@
           </p:sp>
         </mc:Fallback>
       </mc:AlternateContent>
-      <mc:AlternateContent xmlns:mc="http://schemas.openxmlformats.org/markup-compatibility/2006">
-        <mc:Choice xmlns:a14="http://schemas.microsoft.com/office/drawing/2010/main" Requires="a14">
+      <mc:AlternateContent xmlns:mc="http://schemas.openxmlformats.org/markup-compatibility/2006" xmlns:a14="http://schemas.microsoft.com/office/drawing/2010/main">
+        <mc:Choice Requires="a14">
           <p:sp>
             <p:nvSpPr>
               <p:cNvPr id="8" name="正方形/長方形 7">
@@ -26013,7 +26074,7 @@
             </p:txBody>
           </p:sp>
         </mc:Choice>
-        <mc:Fallback>
+        <mc:Fallback xmlns="">
           <p:sp>
             <p:nvSpPr>
               <p:cNvPr id="8" name="正方形/長方形 7">
@@ -26058,8 +26119,8 @@
           </p:sp>
         </mc:Fallback>
       </mc:AlternateContent>
-      <mc:AlternateContent xmlns:mc="http://schemas.openxmlformats.org/markup-compatibility/2006">
-        <mc:Choice xmlns:a14="http://schemas.microsoft.com/office/drawing/2010/main" Requires="a14">
+      <mc:AlternateContent xmlns:mc="http://schemas.openxmlformats.org/markup-compatibility/2006" xmlns:a14="http://schemas.microsoft.com/office/drawing/2010/main">
+        <mc:Choice Requires="a14">
           <p:sp>
             <p:nvSpPr>
               <p:cNvPr id="9" name="正方形/長方形 8">
@@ -26087,6 +26148,7 @@
               </a:bodyPr>
               <a:lstStyle/>
               <a:p>
+                <a:pPr/>
                 <a14:m>
                   <m:oMathPara xmlns:m="http://schemas.openxmlformats.org/officeDocument/2006/math">
                     <m:oMathParaPr>
@@ -26107,7 +26169,7 @@
             </p:txBody>
           </p:sp>
         </mc:Choice>
-        <mc:Fallback>
+        <mc:Fallback xmlns="">
           <p:sp>
             <p:nvSpPr>
               <p:cNvPr id="9" name="正方形/長方形 8">
@@ -26152,8 +26214,8 @@
           </p:sp>
         </mc:Fallback>
       </mc:AlternateContent>
-      <mc:AlternateContent xmlns:mc="http://schemas.openxmlformats.org/markup-compatibility/2006">
-        <mc:Choice xmlns:a14="http://schemas.microsoft.com/office/drawing/2010/main" Requires="a14">
+      <mc:AlternateContent xmlns:mc="http://schemas.openxmlformats.org/markup-compatibility/2006" xmlns:a14="http://schemas.microsoft.com/office/drawing/2010/main">
+        <mc:Choice Requires="a14">
           <p:sp>
             <p:nvSpPr>
               <p:cNvPr id="10" name="正方形/長方形 9">
@@ -26181,6 +26243,7 @@
               </a:bodyPr>
               <a:lstStyle/>
               <a:p>
+                <a:pPr/>
                 <a14:m>
                   <m:oMathPara xmlns:m="http://schemas.openxmlformats.org/officeDocument/2006/math">
                     <m:oMathParaPr>
@@ -26201,7 +26264,7 @@
             </p:txBody>
           </p:sp>
         </mc:Choice>
-        <mc:Fallback>
+        <mc:Fallback xmlns="">
           <p:sp>
             <p:nvSpPr>
               <p:cNvPr id="10" name="正方形/長方形 9">
@@ -26300,7 +26363,7 @@
 </p:sld>
 </file>
 
-<file path=ppt/slides/slide25.xml><?xml version="1.0" encoding="utf-8"?>
+<file path=ppt/slides/slide24.xml><?xml version="1.0" encoding="utf-8"?>
 <p:sld xmlns:a="http://schemas.openxmlformats.org/drawingml/2006/main" xmlns:r="http://schemas.openxmlformats.org/officeDocument/2006/relationships" xmlns:p="http://schemas.openxmlformats.org/presentationml/2006/main">
   <p:cSld>
     <p:spTree>
@@ -26375,8 +26438,8 @@
           </a:prstGeom>
         </p:spPr>
       </p:pic>
-      <mc:AlternateContent xmlns:mc="http://schemas.openxmlformats.org/markup-compatibility/2006">
-        <mc:Choice xmlns:a14="http://schemas.microsoft.com/office/drawing/2010/main" Requires="a14">
+      <mc:AlternateContent xmlns:mc="http://schemas.openxmlformats.org/markup-compatibility/2006" xmlns:a14="http://schemas.microsoft.com/office/drawing/2010/main">
+        <mc:Choice Requires="a14">
           <p:sp>
             <p:nvSpPr>
               <p:cNvPr id="6" name="テキスト ボックス 5">
@@ -26576,7 +26639,7 @@
             </p:txBody>
           </p:sp>
         </mc:Choice>
-        <mc:Fallback>
+        <mc:Fallback xmlns="">
           <p:sp>
             <p:nvSpPr>
               <p:cNvPr id="6" name="テキスト ボックス 5">
@@ -26661,8 +26724,8 @@
           </a:p>
         </p:txBody>
       </p:sp>
-      <mc:AlternateContent xmlns:mc="http://schemas.openxmlformats.org/markup-compatibility/2006">
-        <mc:Choice xmlns:a14="http://schemas.microsoft.com/office/drawing/2010/main" Requires="a14">
+      <mc:AlternateContent xmlns:mc="http://schemas.openxmlformats.org/markup-compatibility/2006" xmlns:a14="http://schemas.microsoft.com/office/drawing/2010/main">
+        <mc:Choice Requires="a14">
           <p:sp>
             <p:nvSpPr>
               <p:cNvPr id="8" name="正方形/長方形 7">
@@ -26742,7 +26805,7 @@
             </p:txBody>
           </p:sp>
         </mc:Choice>
-        <mc:Fallback>
+        <mc:Fallback xmlns="">
           <p:sp>
             <p:nvSpPr>
               <p:cNvPr id="8" name="正方形/長方形 7">
@@ -26800,7 +26863,7 @@
 </p:sld>
 </file>
 
-<file path=ppt/slides/slide26.xml><?xml version="1.0" encoding="utf-8"?>
+<file path=ppt/slides/slide25.xml><?xml version="1.0" encoding="utf-8"?>
 <p:sld xmlns:a="http://schemas.openxmlformats.org/drawingml/2006/main" xmlns:r="http://schemas.openxmlformats.org/officeDocument/2006/relationships" xmlns:p="http://schemas.openxmlformats.org/presentationml/2006/main">
   <p:cSld>
     <p:spTree>

--- a/statistics2.pptx
+++ b/statistics2.pptx
@@ -221,7 +221,7 @@
           <a:p>
             <a:fld id="{3547B168-95BD-490F-9552-ABD7EF41C397}" type="datetimeFigureOut">
               <a:rPr kumimoji="1" lang="ja-JP" altLang="en-US" smtClean="0"/>
-              <a:t>2019/11/8</a:t>
+              <a:t>2019/11/17</a:t>
             </a:fld>
             <a:endParaRPr kumimoji="1" lang="ja-JP" altLang="en-US"/>
           </a:p>
@@ -751,7 +751,7 @@
           <a:p>
             <a:fld id="{AF724A92-735E-BB4D-8C01-8917F1EF5381}" type="datetimeFigureOut">
               <a:rPr kumimoji="1" lang="ja-JP" altLang="en-US" smtClean="0"/>
-              <a:t>2019/11/8</a:t>
+              <a:t>2019/11/17</a:t>
             </a:fld>
             <a:endParaRPr kumimoji="1" lang="ja-JP" altLang="en-US"/>
           </a:p>
@@ -956,7 +956,7 @@
           <a:p>
             <a:fld id="{AF724A92-735E-BB4D-8C01-8917F1EF5381}" type="datetimeFigureOut">
               <a:rPr kumimoji="1" lang="ja-JP" altLang="en-US" smtClean="0"/>
-              <a:t>2019/11/8</a:t>
+              <a:t>2019/11/17</a:t>
             </a:fld>
             <a:endParaRPr kumimoji="1" lang="ja-JP" altLang="en-US"/>
           </a:p>
@@ -1171,7 +1171,7 @@
           <a:p>
             <a:fld id="{AF724A92-735E-BB4D-8C01-8917F1EF5381}" type="datetimeFigureOut">
               <a:rPr kumimoji="1" lang="ja-JP" altLang="en-US" smtClean="0"/>
-              <a:t>2019/11/8</a:t>
+              <a:t>2019/11/17</a:t>
             </a:fld>
             <a:endParaRPr kumimoji="1" lang="ja-JP" altLang="en-US"/>
           </a:p>
@@ -1386,7 +1386,7 @@
           <a:p>
             <a:fld id="{AF724A92-735E-BB4D-8C01-8917F1EF5381}" type="datetimeFigureOut">
               <a:rPr kumimoji="1" lang="ja-JP" altLang="en-US" smtClean="0"/>
-              <a:t>2019/11/8</a:t>
+              <a:t>2019/11/17</a:t>
             </a:fld>
             <a:endParaRPr kumimoji="1" lang="ja-JP" altLang="en-US"/>
           </a:p>
@@ -1708,7 +1708,7 @@
           <a:p>
             <a:fld id="{AF724A92-735E-BB4D-8C01-8917F1EF5381}" type="datetimeFigureOut">
               <a:rPr kumimoji="1" lang="ja-JP" altLang="en-US" smtClean="0"/>
-              <a:t>2019/11/8</a:t>
+              <a:t>2019/11/17</a:t>
             </a:fld>
             <a:endParaRPr kumimoji="1" lang="ja-JP" altLang="en-US"/>
           </a:p>
@@ -1987,7 +1987,7 @@
           <a:p>
             <a:fld id="{AF724A92-735E-BB4D-8C01-8917F1EF5381}" type="datetimeFigureOut">
               <a:rPr kumimoji="1" lang="ja-JP" altLang="en-US" smtClean="0"/>
-              <a:t>2019/11/8</a:t>
+              <a:t>2019/11/17</a:t>
             </a:fld>
             <a:endParaRPr kumimoji="1" lang="ja-JP" altLang="en-US"/>
           </a:p>
@@ -2483,7 +2483,7 @@
           <a:p>
             <a:fld id="{AF724A92-735E-BB4D-8C01-8917F1EF5381}" type="datetimeFigureOut">
               <a:rPr kumimoji="1" lang="ja-JP" altLang="en-US" smtClean="0"/>
-              <a:t>2019/11/8</a:t>
+              <a:t>2019/11/17</a:t>
             </a:fld>
             <a:endParaRPr kumimoji="1" lang="ja-JP" altLang="en-US"/>
           </a:p>
@@ -2624,7 +2624,7 @@
           <a:p>
             <a:fld id="{AF724A92-735E-BB4D-8C01-8917F1EF5381}" type="datetimeFigureOut">
               <a:rPr kumimoji="1" lang="ja-JP" altLang="en-US" smtClean="0"/>
-              <a:t>2019/11/8</a:t>
+              <a:t>2019/11/17</a:t>
             </a:fld>
             <a:endParaRPr kumimoji="1" lang="ja-JP" altLang="en-US"/>
           </a:p>
@@ -2737,7 +2737,7 @@
           <a:p>
             <a:fld id="{AF724A92-735E-BB4D-8C01-8917F1EF5381}" type="datetimeFigureOut">
               <a:rPr kumimoji="1" lang="ja-JP" altLang="en-US" smtClean="0"/>
-              <a:t>2019/11/8</a:t>
+              <a:t>2019/11/17</a:t>
             </a:fld>
             <a:endParaRPr kumimoji="1" lang="ja-JP" altLang="en-US"/>
           </a:p>
@@ -3090,7 +3090,7 @@
           <a:p>
             <a:fld id="{AF724A92-735E-BB4D-8C01-8917F1EF5381}" type="datetimeFigureOut">
               <a:rPr kumimoji="1" lang="ja-JP" altLang="en-US" smtClean="0"/>
-              <a:t>2019/11/8</a:t>
+              <a:t>2019/11/17</a:t>
             </a:fld>
             <a:endParaRPr kumimoji="1" lang="ja-JP" altLang="en-US"/>
           </a:p>
@@ -3413,7 +3413,7 @@
           <a:p>
             <a:fld id="{AF724A92-735E-BB4D-8C01-8917F1EF5381}" type="datetimeFigureOut">
               <a:rPr kumimoji="1" lang="ja-JP" altLang="en-US" smtClean="0"/>
-              <a:t>2019/11/8</a:t>
+              <a:t>2019/11/17</a:t>
             </a:fld>
             <a:endParaRPr kumimoji="1" lang="ja-JP" altLang="en-US"/>
           </a:p>
@@ -3661,7 +3661,7 @@
           <a:p>
             <a:fld id="{AF724A92-735E-BB4D-8C01-8917F1EF5381}" type="datetimeFigureOut">
               <a:rPr kumimoji="1" lang="ja-JP" altLang="en-US" smtClean="0"/>
-              <a:t>2019/11/8</a:t>
+              <a:t>2019/11/17</a:t>
             </a:fld>
             <a:endParaRPr kumimoji="1" lang="ja-JP" altLang="en-US"/>
           </a:p>
@@ -18058,8 +18058,8 @@
           </p:graphicFrame>
         </mc:Fallback>
       </mc:AlternateContent>
-      <mc:AlternateContent xmlns:mc="http://schemas.openxmlformats.org/markup-compatibility/2006">
-        <mc:Choice xmlns:a14="http://schemas.microsoft.com/office/drawing/2010/main" Requires="a14">
+      <mc:AlternateContent xmlns:mc="http://schemas.openxmlformats.org/markup-compatibility/2006" xmlns:a14="http://schemas.microsoft.com/office/drawing/2010/main">
+        <mc:Choice Requires="a14">
           <p:sp>
             <p:nvSpPr>
               <p:cNvPr id="7" name="正方形/長方形 6">
@@ -18288,7 +18288,7 @@
             </p:txBody>
           </p:sp>
         </mc:Choice>
-        <mc:Fallback>
+        <mc:Fallback xmlns="">
           <p:sp>
             <p:nvSpPr>
               <p:cNvPr id="7" name="正方形/長方形 6">
@@ -18404,7 +18404,7 @@
             </p:nvGraphicFramePr>
             <p:xfrm>
               <a:off x="6524626" y="1556992"/>
-              <a:ext cx="5743574" cy="3006790"/>
+              <a:ext cx="5743574" cy="3006536"/>
             </p:xfrm>
             <a:graphic>
               <a:graphicData uri="http://schemas.openxmlformats.org/drawingml/2006/table">
@@ -19573,8 +19573,8 @@
           </p:sp>
         </mc:Fallback>
       </mc:AlternateContent>
-      <mc:AlternateContent xmlns:mc="http://schemas.openxmlformats.org/markup-compatibility/2006">
-        <mc:Choice xmlns:a14="http://schemas.microsoft.com/office/drawing/2010/main" Requires="a14">
+      <mc:AlternateContent xmlns:mc="http://schemas.openxmlformats.org/markup-compatibility/2006" xmlns:a14="http://schemas.microsoft.com/office/drawing/2010/main">
+        <mc:Choice Requires="a14">
           <p:sp>
             <p:nvSpPr>
               <p:cNvPr id="15" name="正方形/長方形 14">
@@ -19749,7 +19749,7 @@
             </p:txBody>
           </p:sp>
         </mc:Choice>
-        <mc:Fallback>
+        <mc:Fallback xmlns="">
           <p:sp>
             <p:nvSpPr>
               <p:cNvPr id="15" name="正方形/長方形 14">
@@ -22203,7 +22203,7 @@
         </p:blipFill>
         <p:spPr>
           <a:xfrm>
-            <a:off x="2864805" y="2154191"/>
+            <a:off x="1323387" y="2206443"/>
             <a:ext cx="6462390" cy="4555782"/>
           </a:xfrm>
           <a:prstGeom prst="rect">
@@ -22295,7 +22295,7 @@
         </p:nvCxnSpPr>
         <p:spPr>
           <a:xfrm>
-            <a:off x="2604303" y="2338821"/>
+            <a:off x="1062885" y="2391073"/>
             <a:ext cx="0" cy="3567899"/>
           </a:xfrm>
           <a:prstGeom prst="straightConnector1">
@@ -22342,7 +22342,7 @@
         </p:nvCxnSpPr>
         <p:spPr>
           <a:xfrm>
-            <a:off x="5418881" y="4247066"/>
+            <a:off x="3877463" y="4299318"/>
             <a:ext cx="0" cy="1645188"/>
           </a:xfrm>
           <a:prstGeom prst="straightConnector1">
@@ -22384,7 +22384,7 @@
         </p:nvCxnSpPr>
         <p:spPr>
           <a:xfrm>
-            <a:off x="6917802" y="2385121"/>
+            <a:off x="5376384" y="2437373"/>
             <a:ext cx="0" cy="2632253"/>
           </a:xfrm>
           <a:prstGeom prst="straightConnector1">
@@ -22426,7 +22426,7 @@
         </p:nvCxnSpPr>
         <p:spPr>
           <a:xfrm>
-            <a:off x="8415572" y="3507128"/>
+            <a:off x="6874154" y="3559380"/>
             <a:ext cx="0" cy="2122599"/>
           </a:xfrm>
           <a:prstGeom prst="straightConnector1">
@@ -22468,7 +22468,7 @@
         </p:nvCxnSpPr>
         <p:spPr>
           <a:xfrm>
-            <a:off x="4944318" y="4367062"/>
+            <a:off x="3402900" y="4419314"/>
             <a:ext cx="0" cy="702598"/>
           </a:xfrm>
           <a:prstGeom prst="straightConnector1">
@@ -22513,7 +22513,7 @@
         </p:nvCxnSpPr>
         <p:spPr>
           <a:xfrm>
-            <a:off x="6508830" y="3601957"/>
+            <a:off x="4967412" y="3654209"/>
             <a:ext cx="0" cy="748898"/>
           </a:xfrm>
           <a:prstGeom prst="straightConnector1">
@@ -22558,7 +22558,7 @@
         </p:nvCxnSpPr>
         <p:spPr>
           <a:xfrm>
-            <a:off x="8154365" y="4377615"/>
+            <a:off x="6612947" y="4429867"/>
             <a:ext cx="0" cy="283410"/>
           </a:xfrm>
           <a:prstGeom prst="straightConnector1">
@@ -22601,7 +22601,7 @@
         </p:nvSpPr>
         <p:spPr>
           <a:xfrm>
-            <a:off x="3091309" y="4012764"/>
+            <a:off x="1549891" y="4065016"/>
             <a:ext cx="1338828" cy="369332"/>
           </a:xfrm>
           <a:prstGeom prst="rect">
@@ -22686,6 +22686,41 @@
               <a:t>)</a:t>
             </a:r>
             <a:endParaRPr lang="ja-JP" altLang="en-US" dirty="0"/>
+          </a:p>
+        </p:txBody>
+      </p:sp>
+      <p:sp>
+        <p:nvSpPr>
+          <p:cNvPr id="2" name="テキスト ボックス 1">
+            <a:extLst>
+              <a:ext uri="{FF2B5EF4-FFF2-40B4-BE49-F238E27FC236}">
+                <a16:creationId xmlns:a16="http://schemas.microsoft.com/office/drawing/2014/main" id="{CA86ABE0-FC72-B443-9DC2-59F4C0D5B64E}"/>
+              </a:ext>
+            </a:extLst>
+          </p:cNvPr>
+          <p:cNvSpPr txBox="1"/>
+          <p:nvPr/>
+        </p:nvSpPr>
+        <p:spPr>
+          <a:xfrm>
+            <a:off x="8260339" y="3899208"/>
+            <a:ext cx="3262432" cy="400110"/>
+          </a:xfrm>
+          <a:prstGeom prst="rect">
+            <a:avLst/>
+          </a:prstGeom>
+          <a:noFill/>
+        </p:spPr>
+        <p:txBody>
+          <a:bodyPr wrap="none" rtlCol="0">
+            <a:spAutoFit/>
+          </a:bodyPr>
+          <a:lstStyle/>
+          <a:p>
+            <a:r>
+              <a:rPr kumimoji="1" lang="ja-JP" altLang="en-US" sz="2000"/>
+              <a:t>感覚的にはこんなイメージ</a:t>
+            </a:r>
           </a:p>
         </p:txBody>
       </p:sp>
@@ -24373,8 +24408,8 @@
           </p:sp>
         </mc:Fallback>
       </mc:AlternateContent>
-      <mc:AlternateContent xmlns:mc="http://schemas.openxmlformats.org/markup-compatibility/2006">
-        <mc:Choice xmlns:a14="http://schemas.microsoft.com/office/drawing/2010/main" Requires="a14">
+      <mc:AlternateContent xmlns:mc="http://schemas.openxmlformats.org/markup-compatibility/2006" xmlns:a14="http://schemas.microsoft.com/office/drawing/2010/main">
+        <mc:Choice Requires="a14">
           <p:sp>
             <p:nvSpPr>
               <p:cNvPr id="16" name="正方形/長方形 15">
@@ -24685,7 +24720,7 @@
             </p:txBody>
           </p:sp>
         </mc:Choice>
-        <mc:Fallback>
+        <mc:Fallback xmlns="">
           <p:sp>
             <p:nvSpPr>
               <p:cNvPr id="16" name="正方形/長方形 15">
@@ -25251,8 +25286,8 @@
           </p:sp>
         </mc:Fallback>
       </mc:AlternateContent>
-      <mc:AlternateContent xmlns:mc="http://schemas.openxmlformats.org/markup-compatibility/2006">
-        <mc:Choice xmlns:a14="http://schemas.microsoft.com/office/drawing/2010/main" Requires="a14">
+      <mc:AlternateContent xmlns:mc="http://schemas.openxmlformats.org/markup-compatibility/2006" xmlns:a14="http://schemas.microsoft.com/office/drawing/2010/main">
+        <mc:Choice Requires="a14">
           <p:sp>
             <p:nvSpPr>
               <p:cNvPr id="21" name="テキスト ボックス 20">
@@ -25320,7 +25355,7 @@
             </p:txBody>
           </p:sp>
         </mc:Choice>
-        <mc:Fallback>
+        <mc:Fallback xmlns="">
           <p:sp>
             <p:nvSpPr>
               <p:cNvPr id="21" name="テキスト ボックス 20">
@@ -25831,7 +25866,7 @@
         </p:blipFill>
         <p:spPr>
           <a:xfrm>
-            <a:off x="440796" y="2196674"/>
+            <a:off x="440796" y="2720012"/>
             <a:ext cx="5487650" cy="3658433"/>
           </a:xfrm>
           <a:prstGeom prst="rect">
@@ -25839,8 +25874,8 @@
           </a:prstGeom>
         </p:spPr>
       </p:pic>
-      <mc:AlternateContent xmlns:mc="http://schemas.openxmlformats.org/markup-compatibility/2006" xmlns:a14="http://schemas.microsoft.com/office/drawing/2010/main">
-        <mc:Choice Requires="a14">
+      <mc:AlternateContent xmlns:mc="http://schemas.openxmlformats.org/markup-compatibility/2006">
+        <mc:Choice xmlns:a14="http://schemas.microsoft.com/office/drawing/2010/main" Requires="a14">
           <p:sp>
             <p:nvSpPr>
               <p:cNvPr id="7" name="テキスト ボックス 6">
@@ -25855,7 +25890,7 @@
             </p:nvSpPr>
             <p:spPr>
               <a:xfrm>
-                <a:off x="5744299" y="3884171"/>
+                <a:off x="5744299" y="4407509"/>
                 <a:ext cx="6290819" cy="461665"/>
               </a:xfrm>
               <a:prstGeom prst="rect">
@@ -25950,7 +25985,7 @@
             </p:txBody>
           </p:sp>
         </mc:Choice>
-        <mc:Fallback xmlns="">
+        <mc:Fallback>
           <p:sp>
             <p:nvSpPr>
               <p:cNvPr id="7" name="テキスト ボックス 6">
@@ -25967,7 +26002,7 @@
             </p:nvSpPr>
             <p:spPr>
               <a:xfrm>
-                <a:off x="5744299" y="3884171"/>
+                <a:off x="5744299" y="4407509"/>
                 <a:ext cx="6290819" cy="461665"/>
               </a:xfrm>
               <a:prstGeom prst="rect">
@@ -25976,7 +26011,7 @@
               <a:blipFill>
                 <a:blip r:embed="rId3"/>
                 <a:stretch>
-                  <a:fillRect l="-1453" t="-10526" b="-28947"/>
+                  <a:fillRect l="-1408" t="-8108" b="-29730"/>
                 </a:stretch>
               </a:blipFill>
             </p:spPr>
@@ -25995,8 +26030,8 @@
           </p:sp>
         </mc:Fallback>
       </mc:AlternateContent>
-      <mc:AlternateContent xmlns:mc="http://schemas.openxmlformats.org/markup-compatibility/2006" xmlns:a14="http://schemas.microsoft.com/office/drawing/2010/main">
-        <mc:Choice Requires="a14">
+      <mc:AlternateContent xmlns:mc="http://schemas.openxmlformats.org/markup-compatibility/2006">
+        <mc:Choice xmlns:a14="http://schemas.microsoft.com/office/drawing/2010/main" Requires="a14">
           <p:sp>
             <p:nvSpPr>
               <p:cNvPr id="8" name="正方形/長方形 7">
@@ -26011,7 +26046,7 @@
             </p:nvSpPr>
             <p:spPr>
               <a:xfrm>
-                <a:off x="290424" y="1795634"/>
+                <a:off x="440796" y="2156453"/>
                 <a:ext cx="8242898" cy="523220"/>
               </a:xfrm>
               <a:prstGeom prst="rect">
@@ -26025,56 +26060,62 @@
               <a:lstStyle/>
               <a:p>
                 <a:r>
-                  <a:rPr lang="ja-JP" altLang="en-US" sz="2800" dirty="0"/>
+                  <a:rPr lang="ja-JP" altLang="en-US" sz="2800" b="1" dirty="0"/>
                   <a:t>確率</a:t>
                 </a:r>
                 <a14:m>
                   <m:oMath xmlns:m="http://schemas.openxmlformats.org/officeDocument/2006/math">
                     <m:r>
-                      <a:rPr lang="en-US" altLang="ja-JP" sz="2800" b="0" i="1" smtClean="0">
+                      <a:rPr lang="en-US" altLang="ja-JP" sz="2800" b="1" i="1" smtClean="0">
                         <a:latin typeface="Cambria Math" panose="02040503050406030204" pitchFamily="18" charset="0"/>
                       </a:rPr>
-                      <m:t>𝑝</m:t>
+                      <m:t>𝒑</m:t>
                     </m:r>
                   </m:oMath>
                 </a14:m>
                 <a:r>
-                  <a:rPr lang="ja-JP" altLang="en-US" sz="2800" dirty="0"/>
+                  <a:rPr lang="ja-JP" altLang="en-US" sz="2800" b="1" dirty="0"/>
                   <a:t>で</a:t>
                 </a:r>
                 <a:r>
-                  <a:rPr lang="en-US" altLang="ja-JP" sz="2800" dirty="0"/>
+                  <a:rPr lang="en-US" altLang="ja-JP" sz="2800" b="1" dirty="0"/>
                   <a:t>1</a:t>
                 </a:r>
                 <a:r>
-                  <a:rPr lang="ja-JP" altLang="en-US" sz="2800" dirty="0"/>
+                  <a:rPr lang="ja-JP" altLang="en-US" sz="2800" b="1" dirty="0"/>
                   <a:t>つ上に，確率</a:t>
                 </a:r>
                 <a14:m>
                   <m:oMath xmlns:m="http://schemas.openxmlformats.org/officeDocument/2006/math">
                     <m:r>
-                      <a:rPr lang="en-US" altLang="ja-JP" sz="2800" b="0" i="0" smtClean="0">
+                      <a:rPr lang="en-US" altLang="ja-JP" sz="2800" b="1" i="0" smtClean="0">
                         <a:latin typeface="Cambria Math" panose="02040503050406030204" pitchFamily="18" charset="0"/>
                       </a:rPr>
-                      <m:t>1−</m:t>
+                      <m:t>𝟏</m:t>
                     </m:r>
                     <m:r>
-                      <a:rPr lang="en-US" altLang="ja-JP" sz="2800" b="0" i="1">
+                      <a:rPr lang="en-US" altLang="ja-JP" sz="2800" b="1" i="0" smtClean="0">
                         <a:latin typeface="Cambria Math" panose="02040503050406030204" pitchFamily="18" charset="0"/>
                       </a:rPr>
-                      <m:t>𝑝</m:t>
+                      <m:t>−</m:t>
+                    </m:r>
+                    <m:r>
+                      <a:rPr lang="en-US" altLang="ja-JP" sz="2800" b="1" i="1">
+                        <a:latin typeface="Cambria Math" panose="02040503050406030204" pitchFamily="18" charset="0"/>
+                      </a:rPr>
+                      <m:t>𝒑</m:t>
                     </m:r>
                   </m:oMath>
                 </a14:m>
                 <a:r>
-                  <a:rPr lang="ja-JP" altLang="en-US" sz="2800" dirty="0"/>
+                  <a:rPr lang="ja-JP" altLang="en-US" sz="2800" b="1" dirty="0"/>
                   <a:t>で１つ下に移動する点</a:t>
                 </a:r>
               </a:p>
             </p:txBody>
           </p:sp>
         </mc:Choice>
-        <mc:Fallback xmlns="">
+        <mc:Fallback>
           <p:sp>
             <p:nvSpPr>
               <p:cNvPr id="8" name="正方形/長方形 7">
@@ -26091,7 +26132,7 @@
             </p:nvSpPr>
             <p:spPr>
               <a:xfrm>
-                <a:off x="290424" y="1795634"/>
+                <a:off x="440796" y="2156453"/>
                 <a:ext cx="8242898" cy="523220"/>
               </a:xfrm>
               <a:prstGeom prst="rect">
@@ -26100,7 +26141,7 @@
               <a:blipFill>
                 <a:blip r:embed="rId4"/>
                 <a:stretch>
-                  <a:fillRect l="-1553" t="-11765" r="-148" b="-34118"/>
+                  <a:fillRect l="-1538" t="-11905" r="-1231" b="-30952"/>
                 </a:stretch>
               </a:blipFill>
             </p:spPr>
@@ -26119,8 +26160,8 @@
           </p:sp>
         </mc:Fallback>
       </mc:AlternateContent>
-      <mc:AlternateContent xmlns:mc="http://schemas.openxmlformats.org/markup-compatibility/2006" xmlns:a14="http://schemas.microsoft.com/office/drawing/2010/main">
-        <mc:Choice Requires="a14">
+      <mc:AlternateContent xmlns:mc="http://schemas.openxmlformats.org/markup-compatibility/2006">
+        <mc:Choice xmlns:a14="http://schemas.microsoft.com/office/drawing/2010/main" Requires="a14">
           <p:sp>
             <p:nvSpPr>
               <p:cNvPr id="9" name="正方形/長方形 8">
@@ -26135,7 +26176,7 @@
             </p:nvSpPr>
             <p:spPr>
               <a:xfrm>
-                <a:off x="2896357" y="5579932"/>
+                <a:off x="2896357" y="6103270"/>
                 <a:ext cx="567784" cy="584775"/>
               </a:xfrm>
               <a:prstGeom prst="rect">
@@ -26169,7 +26210,7 @@
             </p:txBody>
           </p:sp>
         </mc:Choice>
-        <mc:Fallback xmlns="">
+        <mc:Fallback>
           <p:sp>
             <p:nvSpPr>
               <p:cNvPr id="9" name="正方形/長方形 8">
@@ -26186,7 +26227,7 @@
             </p:nvSpPr>
             <p:spPr>
               <a:xfrm>
-                <a:off x="2896357" y="5579932"/>
+                <a:off x="2896357" y="6103270"/>
                 <a:ext cx="567784" cy="584775"/>
               </a:xfrm>
               <a:prstGeom prst="rect">
@@ -26214,8 +26255,8 @@
           </p:sp>
         </mc:Fallback>
       </mc:AlternateContent>
-      <mc:AlternateContent xmlns:mc="http://schemas.openxmlformats.org/markup-compatibility/2006" xmlns:a14="http://schemas.microsoft.com/office/drawing/2010/main">
-        <mc:Choice Requires="a14">
+      <mc:AlternateContent xmlns:mc="http://schemas.openxmlformats.org/markup-compatibility/2006">
+        <mc:Choice xmlns:a14="http://schemas.microsoft.com/office/drawing/2010/main" Requires="a14">
           <p:sp>
             <p:nvSpPr>
               <p:cNvPr id="10" name="正方形/長方形 9">
@@ -26230,7 +26271,7 @@
             </p:nvSpPr>
             <p:spPr>
               <a:xfrm>
-                <a:off x="290424" y="3476537"/>
+                <a:off x="290424" y="3999875"/>
                 <a:ext cx="521297" cy="584775"/>
               </a:xfrm>
               <a:prstGeom prst="rect">
@@ -26264,7 +26305,7 @@
             </p:txBody>
           </p:sp>
         </mc:Choice>
-        <mc:Fallback xmlns="">
+        <mc:Fallback>
           <p:sp>
             <p:nvSpPr>
               <p:cNvPr id="10" name="正方形/長方形 9">
@@ -26281,7 +26322,7 @@
             </p:nvSpPr>
             <p:spPr>
               <a:xfrm>
-                <a:off x="290424" y="3476537"/>
+                <a:off x="290424" y="3999875"/>
                 <a:ext cx="521297" cy="584775"/>
               </a:xfrm>
               <a:prstGeom prst="rect">
@@ -26311,10 +26352,10 @@
       </mc:AlternateContent>
       <p:sp>
         <p:nvSpPr>
-          <p:cNvPr id="11" name="テキスト ボックス 10">
+          <p:cNvPr id="12" name="テキスト ボックス 11">
             <a:extLst>
               <a:ext uri="{FF2B5EF4-FFF2-40B4-BE49-F238E27FC236}">
-                <a16:creationId xmlns:a16="http://schemas.microsoft.com/office/drawing/2014/main" id="{14B08721-6345-42C2-AD25-592E9F99F7CB}"/>
+                <a16:creationId xmlns:a16="http://schemas.microsoft.com/office/drawing/2014/main" id="{2A2F7ACA-2305-8F49-B0E2-945B63A0F994}"/>
               </a:ext>
             </a:extLst>
           </p:cNvPr>
@@ -26323,8 +26364,8 @@
         </p:nvSpPr>
         <p:spPr>
           <a:xfrm>
-            <a:off x="811721" y="6217002"/>
-            <a:ext cx="4525100" cy="461665"/>
+            <a:off x="98612" y="1541176"/>
+            <a:ext cx="4525100" cy="523220"/>
           </a:xfrm>
           <a:prstGeom prst="rect">
             <a:avLst/>
@@ -26337,16 +26378,15 @@
           </a:bodyPr>
           <a:lstStyle/>
           <a:p>
-            <a:pPr algn="ctr"/>
             <a:r>
-              <a:rPr lang="en-US" altLang="ja-JP" sz="2400" dirty="0"/>
+              <a:rPr lang="en-US" altLang="ja-JP" sz="2800" b="1" dirty="0"/>
               <a:t>1</a:t>
             </a:r>
             <a:r>
-              <a:rPr lang="ja-JP" altLang="en-US" sz="2400" dirty="0"/>
+              <a:rPr lang="ja-JP" altLang="en-US" sz="2800" b="1" dirty="0"/>
               <a:t>次元のランダムウォーク</a:t>
             </a:r>
-            <a:endParaRPr kumimoji="1" lang="ja-JP" altLang="en-US" sz="2400" dirty="0"/>
+            <a:endParaRPr kumimoji="1" lang="ja-JP" altLang="en-US" sz="2800" b="1" dirty="0"/>
           </a:p>
         </p:txBody>
       </p:sp>
@@ -26382,6 +26422,112 @@
       </p:grpSpPr>
       <p:sp>
         <p:nvSpPr>
+          <p:cNvPr id="31" name="正方形/長方形 30">
+            <a:extLst>
+              <a:ext uri="{FF2B5EF4-FFF2-40B4-BE49-F238E27FC236}">
+                <a16:creationId xmlns:a16="http://schemas.microsoft.com/office/drawing/2014/main" id="{04A69516-2990-C24D-9804-093F254C1540}"/>
+              </a:ext>
+            </a:extLst>
+          </p:cNvPr>
+          <p:cNvSpPr/>
+          <p:nvPr/>
+        </p:nvSpPr>
+        <p:spPr>
+          <a:xfrm>
+            <a:off x="0" y="1477284"/>
+            <a:ext cx="12192000" cy="1258443"/>
+          </a:xfrm>
+          <a:prstGeom prst="rect">
+            <a:avLst/>
+          </a:prstGeom>
+          <a:solidFill>
+            <a:srgbClr val="EFF9FF"/>
+          </a:solidFill>
+          <a:ln>
+            <a:noFill/>
+          </a:ln>
+        </p:spPr>
+        <p:style>
+          <a:lnRef idx="2">
+            <a:schemeClr val="accent1">
+              <a:shade val="50000"/>
+            </a:schemeClr>
+          </a:lnRef>
+          <a:fillRef idx="1">
+            <a:schemeClr val="accent1"/>
+          </a:fillRef>
+          <a:effectRef idx="0">
+            <a:schemeClr val="accent1"/>
+          </a:effectRef>
+          <a:fontRef idx="minor">
+            <a:schemeClr val="lt1"/>
+          </a:fontRef>
+        </p:style>
+        <p:txBody>
+          <a:bodyPr rtlCol="0" anchor="ctr"/>
+          <a:lstStyle/>
+          <a:p>
+            <a:pPr algn="ctr"/>
+            <a:endParaRPr kumimoji="1" lang="ja-JP" altLang="en-US"/>
+          </a:p>
+        </p:txBody>
+      </p:sp>
+      <p:sp>
+        <p:nvSpPr>
+          <p:cNvPr id="25" name="角丸四角形 24">
+            <a:extLst>
+              <a:ext uri="{FF2B5EF4-FFF2-40B4-BE49-F238E27FC236}">
+                <a16:creationId xmlns:a16="http://schemas.microsoft.com/office/drawing/2014/main" id="{C61D340F-1DB4-E34F-A060-59F06DFF7B32}"/>
+              </a:ext>
+            </a:extLst>
+          </p:cNvPr>
+          <p:cNvSpPr/>
+          <p:nvPr/>
+        </p:nvSpPr>
+        <p:spPr>
+          <a:xfrm>
+            <a:off x="8318449" y="2843873"/>
+            <a:ext cx="3273287" cy="1809362"/>
+          </a:xfrm>
+          <a:prstGeom prst="roundRect">
+            <a:avLst/>
+          </a:prstGeom>
+          <a:solidFill>
+            <a:schemeClr val="bg1">
+              <a:lumMod val="95000"/>
+            </a:schemeClr>
+          </a:solidFill>
+          <a:ln>
+            <a:noFill/>
+          </a:ln>
+        </p:spPr>
+        <p:style>
+          <a:lnRef idx="2">
+            <a:schemeClr val="accent1">
+              <a:shade val="50000"/>
+            </a:schemeClr>
+          </a:lnRef>
+          <a:fillRef idx="1">
+            <a:schemeClr val="accent1"/>
+          </a:fillRef>
+          <a:effectRef idx="0">
+            <a:schemeClr val="accent1"/>
+          </a:effectRef>
+          <a:fontRef idx="minor">
+            <a:schemeClr val="lt1"/>
+          </a:fontRef>
+        </p:style>
+        <p:txBody>
+          <a:bodyPr rtlCol="0" anchor="ctr"/>
+          <a:lstStyle/>
+          <a:p>
+            <a:pPr algn="ctr"/>
+            <a:endParaRPr kumimoji="1" lang="ja-JP" altLang="en-US"/>
+          </a:p>
+        </p:txBody>
+      </p:sp>
+      <p:sp>
+        <p:nvSpPr>
           <p:cNvPr id="2" name="タイトル 1">
             <a:extLst>
               <a:ext uri="{FF2B5EF4-FFF2-40B4-BE49-F238E27FC236}">
@@ -26408,38 +26554,8 @@
           </a:p>
         </p:txBody>
       </p:sp>
-      <p:pic>
-        <p:nvPicPr>
-          <p:cNvPr id="4" name="図 3">
-            <a:extLst>
-              <a:ext uri="{FF2B5EF4-FFF2-40B4-BE49-F238E27FC236}">
-                <a16:creationId xmlns:a16="http://schemas.microsoft.com/office/drawing/2014/main" id="{B8CE8F10-C23C-4442-9350-5B62B6CE7831}"/>
-              </a:ext>
-            </a:extLst>
-          </p:cNvPr>
-          <p:cNvPicPr>
-            <a:picLocks noChangeAspect="1"/>
-          </p:cNvPicPr>
-          <p:nvPr/>
-        </p:nvPicPr>
-        <p:blipFill>
-          <a:blip r:embed="rId2"/>
-          <a:stretch>
-            <a:fillRect/>
-          </a:stretch>
-        </p:blipFill>
-        <p:spPr>
-          <a:xfrm>
-            <a:off x="7357273" y="3429000"/>
-            <a:ext cx="4525100" cy="3016733"/>
-          </a:xfrm>
-          <a:prstGeom prst="rect">
-            <a:avLst/>
-          </a:prstGeom>
-        </p:spPr>
-      </p:pic>
-      <mc:AlternateContent xmlns:mc="http://schemas.openxmlformats.org/markup-compatibility/2006" xmlns:a14="http://schemas.microsoft.com/office/drawing/2010/main">
-        <mc:Choice Requires="a14">
+      <mc:AlternateContent xmlns:mc="http://schemas.openxmlformats.org/markup-compatibility/2006">
+        <mc:Choice xmlns:a14="http://schemas.microsoft.com/office/drawing/2010/main" Requires="a14">
           <p:sp>
             <p:nvSpPr>
               <p:cNvPr id="6" name="テキスト ボックス 5">
@@ -26454,7 +26570,7 @@
             </p:nvSpPr>
             <p:spPr>
               <a:xfrm>
-                <a:off x="98612" y="2183934"/>
+                <a:off x="98612" y="1555875"/>
                 <a:ext cx="10508567" cy="523220"/>
               </a:xfrm>
               <a:prstGeom prst="rect">
@@ -26469,9 +26585,436 @@
               <a:lstStyle/>
               <a:p>
                 <a:r>
-                  <a:rPr lang="ja-JP" altLang="en-US" sz="2800" dirty="0"/>
+                  <a:rPr lang="ja-JP" altLang="en-US" sz="2800" b="1" dirty="0"/>
                   <a:t>独立な確率変数</a:t>
                 </a:r>
+                <a14:m>
+                  <m:oMath xmlns:m="http://schemas.openxmlformats.org/officeDocument/2006/math">
+                    <m:sSub>
+                      <m:sSubPr>
+                        <m:ctrlPr>
+                          <a:rPr lang="en-US" altLang="ja-JP" sz="2800" b="1" i="1" smtClean="0">
+                            <a:latin typeface="Cambria Math" panose="02040503050406030204" pitchFamily="18" charset="0"/>
+                          </a:rPr>
+                        </m:ctrlPr>
+                      </m:sSubPr>
+                      <m:e>
+                        <m:r>
+                          <a:rPr lang="en-US" altLang="ja-JP" sz="2800" b="1" i="1" smtClean="0">
+                            <a:latin typeface="Cambria Math" panose="02040503050406030204" pitchFamily="18" charset="0"/>
+                          </a:rPr>
+                          <m:t>𝑿</m:t>
+                        </m:r>
+                      </m:e>
+                      <m:sub>
+                        <m:r>
+                          <a:rPr lang="en-US" altLang="ja-JP" sz="2800" b="1" i="1" smtClean="0">
+                            <a:latin typeface="Cambria Math" panose="02040503050406030204" pitchFamily="18" charset="0"/>
+                          </a:rPr>
+                          <m:t>𝟏</m:t>
+                        </m:r>
+                      </m:sub>
+                    </m:sSub>
+                    <m:r>
+                      <a:rPr lang="en-US" altLang="ja-JP" sz="2800" b="1" i="1" smtClean="0">
+                        <a:latin typeface="Cambria Math" panose="02040503050406030204" pitchFamily="18" charset="0"/>
+                      </a:rPr>
+                      <m:t>,</m:t>
+                    </m:r>
+                    <m:sSub>
+                      <m:sSubPr>
+                        <m:ctrlPr>
+                          <a:rPr lang="en-US" altLang="ja-JP" sz="2800" b="1" i="1">
+                            <a:latin typeface="Cambria Math" panose="02040503050406030204" pitchFamily="18" charset="0"/>
+                          </a:rPr>
+                        </m:ctrlPr>
+                      </m:sSubPr>
+                      <m:e>
+                        <m:r>
+                          <a:rPr lang="en-US" altLang="ja-JP" sz="2800" b="1" i="1">
+                            <a:latin typeface="Cambria Math" panose="02040503050406030204" pitchFamily="18" charset="0"/>
+                          </a:rPr>
+                          <m:t>𝑿</m:t>
+                        </m:r>
+                      </m:e>
+                      <m:sub>
+                        <m:r>
+                          <a:rPr lang="en-US" altLang="ja-JP" sz="2800" b="1" i="1" smtClean="0">
+                            <a:latin typeface="Cambria Math" panose="02040503050406030204" pitchFamily="18" charset="0"/>
+                          </a:rPr>
+                          <m:t>𝟐</m:t>
+                        </m:r>
+                      </m:sub>
+                    </m:sSub>
+                    <m:r>
+                      <a:rPr lang="en-US" altLang="ja-JP" sz="2800" b="1" i="1">
+                        <a:latin typeface="Cambria Math" panose="02040503050406030204" pitchFamily="18" charset="0"/>
+                      </a:rPr>
+                      <m:t>,</m:t>
+                    </m:r>
+                    <m:r>
+                      <a:rPr lang="en-US" altLang="ja-JP" sz="2800" b="1" i="1" smtClean="0">
+                        <a:latin typeface="Cambria Math" panose="02040503050406030204" pitchFamily="18" charset="0"/>
+                      </a:rPr>
+                      <m:t>…,</m:t>
+                    </m:r>
+                  </m:oMath>
+                </a14:m>
+                <a:r>
+                  <a:rPr lang="en-US" altLang="ja-JP" sz="2800" b="1" dirty="0"/>
+                  <a:t> </a:t>
+                </a:r>
+                <a14:m>
+                  <m:oMath xmlns:m="http://schemas.openxmlformats.org/officeDocument/2006/math">
+                    <m:sSub>
+                      <m:sSubPr>
+                        <m:ctrlPr>
+                          <a:rPr lang="en-US" altLang="ja-JP" sz="2800" b="1" i="1">
+                            <a:latin typeface="Cambria Math" panose="02040503050406030204" pitchFamily="18" charset="0"/>
+                          </a:rPr>
+                        </m:ctrlPr>
+                      </m:sSubPr>
+                      <m:e>
+                        <m:r>
+                          <a:rPr lang="en-US" altLang="ja-JP" sz="2800" b="1" i="1">
+                            <a:latin typeface="Cambria Math" panose="02040503050406030204" pitchFamily="18" charset="0"/>
+                          </a:rPr>
+                          <m:t>𝑿</m:t>
+                        </m:r>
+                      </m:e>
+                      <m:sub>
+                        <m:r>
+                          <a:rPr lang="en-US" altLang="ja-JP" sz="2800" b="1" i="1" smtClean="0">
+                            <a:latin typeface="Cambria Math" panose="02040503050406030204" pitchFamily="18" charset="0"/>
+                          </a:rPr>
+                          <m:t>𝒏</m:t>
+                        </m:r>
+                      </m:sub>
+                    </m:sSub>
+                  </m:oMath>
+                </a14:m>
+                <a:r>
+                  <a:rPr kumimoji="1" lang="en-US" altLang="ja-JP" sz="2800" b="1" dirty="0"/>
+                  <a:t> : </a:t>
+                </a:r>
+                <a:r>
+                  <a:rPr lang="ja-JP" altLang="en-US" sz="2800" b="1" dirty="0"/>
+                  <a:t>確率</a:t>
+                </a:r>
+                <a14:m>
+                  <m:oMath xmlns:m="http://schemas.openxmlformats.org/officeDocument/2006/math">
+                    <m:r>
+                      <a:rPr lang="en-US" altLang="ja-JP" sz="2800" b="1" i="1">
+                        <a:latin typeface="Cambria Math" panose="02040503050406030204" pitchFamily="18" charset="0"/>
+                      </a:rPr>
+                      <m:t>𝒑</m:t>
+                    </m:r>
+                  </m:oMath>
+                </a14:m>
+                <a:r>
+                  <a:rPr lang="ja-JP" altLang="en-US" sz="2800" b="1" dirty="0"/>
+                  <a:t>で</a:t>
+                </a:r>
+                <a:r>
+                  <a:rPr lang="en-US" altLang="ja-JP" sz="2800" b="1" dirty="0"/>
+                  <a:t>1,</a:t>
+                </a:r>
+                <a:r>
+                  <a:rPr lang="ja-JP" altLang="en-US" sz="2800" b="1" dirty="0"/>
+                  <a:t>確率</a:t>
+                </a:r>
+                <a14:m>
+                  <m:oMath xmlns:m="http://schemas.openxmlformats.org/officeDocument/2006/math">
+                    <m:r>
+                      <a:rPr lang="en-US" altLang="ja-JP" sz="2800" b="1" i="1">
+                        <a:latin typeface="Cambria Math" panose="02040503050406030204" pitchFamily="18" charset="0"/>
+                      </a:rPr>
+                      <m:t>𝟏</m:t>
+                    </m:r>
+                    <m:r>
+                      <a:rPr lang="en-US" altLang="ja-JP" sz="2800" b="1">
+                        <a:latin typeface="Cambria Math" panose="02040503050406030204" pitchFamily="18" charset="0"/>
+                      </a:rPr>
+                      <m:t>−</m:t>
+                    </m:r>
+                    <m:r>
+                      <a:rPr lang="en-US" altLang="ja-JP" sz="2800" b="1" i="1">
+                        <a:latin typeface="Cambria Math" panose="02040503050406030204" pitchFamily="18" charset="0"/>
+                      </a:rPr>
+                      <m:t>𝒑</m:t>
+                    </m:r>
+                  </m:oMath>
+                </a14:m>
+                <a:r>
+                  <a:rPr kumimoji="1" lang="ja-JP" altLang="en-US" sz="2800" b="1" dirty="0"/>
+                  <a:t>で</a:t>
+                </a:r>
+                <a:r>
+                  <a:rPr kumimoji="1" lang="en-US" altLang="ja-JP" sz="2800" b="1" dirty="0"/>
+                  <a:t>-1</a:t>
+                </a:r>
+                <a:r>
+                  <a:rPr kumimoji="1" lang="ja-JP" altLang="en-US" sz="2800" b="1" dirty="0"/>
+                  <a:t>をとる</a:t>
+                </a:r>
+              </a:p>
+            </p:txBody>
+          </p:sp>
+        </mc:Choice>
+        <mc:Fallback>
+          <p:sp>
+            <p:nvSpPr>
+              <p:cNvPr id="6" name="テキスト ボックス 5">
+                <a:extLst>
+                  <a:ext uri="{FF2B5EF4-FFF2-40B4-BE49-F238E27FC236}">
+                    <a16:creationId xmlns:a16="http://schemas.microsoft.com/office/drawing/2014/main" id="{75FFCEF9-0936-466E-8568-0E9050B0D502}"/>
+                  </a:ext>
+                </a:extLst>
+              </p:cNvPr>
+              <p:cNvSpPr txBox="1">
+                <a:spLocks noRot="1" noChangeAspect="1" noMove="1" noResize="1" noEditPoints="1" noAdjustHandles="1" noChangeArrowheads="1" noChangeShapeType="1" noTextEdit="1"/>
+              </p:cNvSpPr>
+              <p:nvPr/>
+            </p:nvSpPr>
+            <p:spPr>
+              <a:xfrm>
+                <a:off x="98612" y="1555875"/>
+                <a:ext cx="10508567" cy="523220"/>
+              </a:xfrm>
+              <a:prstGeom prst="rect">
+                <a:avLst/>
+              </a:prstGeom>
+              <a:blipFill>
+                <a:blip r:embed="rId2"/>
+                <a:stretch>
+                  <a:fillRect l="-1087" t="-11905" b="-30952"/>
+                </a:stretch>
+              </a:blipFill>
+            </p:spPr>
+            <p:txBody>
+              <a:bodyPr/>
+              <a:lstStyle/>
+              <a:p>
+                <a:r>
+                  <a:rPr lang="ja-JP" altLang="en-US">
+                    <a:noFill/>
+                  </a:rPr>
+                  <a:t> </a:t>
+                </a:r>
+              </a:p>
+            </p:txBody>
+          </p:sp>
+        </mc:Fallback>
+      </mc:AlternateContent>
+      <mc:AlternateContent xmlns:mc="http://schemas.openxmlformats.org/markup-compatibility/2006">
+        <mc:Choice xmlns:a14="http://schemas.microsoft.com/office/drawing/2010/main" Requires="a14">
+          <p:sp>
+            <p:nvSpPr>
+              <p:cNvPr id="8" name="正方形/長方形 7">
+                <a:extLst>
+                  <a:ext uri="{FF2B5EF4-FFF2-40B4-BE49-F238E27FC236}">
+                    <a16:creationId xmlns:a16="http://schemas.microsoft.com/office/drawing/2014/main" id="{B3769329-97FC-4915-831F-30871A53D31E}"/>
+                  </a:ext>
+                </a:extLst>
+              </p:cNvPr>
+              <p:cNvSpPr/>
+              <p:nvPr/>
+            </p:nvSpPr>
+            <p:spPr>
+              <a:xfrm>
+                <a:off x="98612" y="2161801"/>
+                <a:ext cx="9672391" cy="523220"/>
+              </a:xfrm>
+              <a:prstGeom prst="rect">
+                <a:avLst/>
+              </a:prstGeom>
+            </p:spPr>
+            <p:txBody>
+              <a:bodyPr wrap="none">
+                <a:spAutoFit/>
+              </a:bodyPr>
+              <a:lstStyle/>
+              <a:p>
+                <a:r>
+                  <a:rPr lang="ja-JP" altLang="en-US" sz="2800" b="1" dirty="0"/>
+                  <a:t>時点</a:t>
+                </a:r>
+                <a14:m>
+                  <m:oMath xmlns:m="http://schemas.openxmlformats.org/officeDocument/2006/math">
+                    <m:r>
+                      <a:rPr lang="en-US" altLang="ja-JP" sz="2800" b="1" i="1" smtClean="0">
+                        <a:latin typeface="Cambria Math" panose="02040503050406030204" pitchFamily="18" charset="0"/>
+                      </a:rPr>
+                      <m:t>𝒏</m:t>
+                    </m:r>
+                  </m:oMath>
+                </a14:m>
+                <a:r>
+                  <a:rPr lang="ja-JP" altLang="en-US" sz="2800" b="1" dirty="0"/>
+                  <a:t>にお</a:t>
+                </a:r>
+                <a:r>
+                  <a:rPr lang="ja-JP" altLang="en-US" sz="2800" b="1"/>
+                  <a:t>ける位置を</a:t>
+                </a:r>
+                <a14:m>
+                  <m:oMath xmlns:m="http://schemas.openxmlformats.org/officeDocument/2006/math">
+                    <m:sSub>
+                      <m:sSubPr>
+                        <m:ctrlPr>
+                          <a:rPr lang="en-US" altLang="ja-JP" sz="2800" b="1" i="1">
+                            <a:latin typeface="Cambria Math" panose="02040503050406030204" pitchFamily="18" charset="0"/>
+                          </a:rPr>
+                        </m:ctrlPr>
+                      </m:sSubPr>
+                      <m:e>
+                        <m:r>
+                          <a:rPr lang="en-US" altLang="ja-JP" sz="2800" b="1" i="1">
+                            <a:latin typeface="Cambria Math" panose="02040503050406030204" pitchFamily="18" charset="0"/>
+                          </a:rPr>
+                          <m:t>𝑺</m:t>
+                        </m:r>
+                      </m:e>
+                      <m:sub>
+                        <m:r>
+                          <a:rPr lang="en-US" altLang="ja-JP" sz="2800" b="1" i="1">
+                            <a:latin typeface="Cambria Math" panose="02040503050406030204" pitchFamily="18" charset="0"/>
+                          </a:rPr>
+                          <m:t>𝒏</m:t>
+                        </m:r>
+                      </m:sub>
+                    </m:sSub>
+                  </m:oMath>
+                </a14:m>
+                <a:r>
+                  <a:rPr lang="ja-JP" altLang="en-US" sz="2800" b="1" dirty="0"/>
+                  <a:t>として，</a:t>
+                </a:r>
+                <a14:m>
+                  <m:oMath xmlns:m="http://schemas.openxmlformats.org/officeDocument/2006/math">
+                    <m:sSub>
+                      <m:sSubPr>
+                        <m:ctrlPr>
+                          <a:rPr lang="en-US" altLang="ja-JP" sz="2800" b="1" i="1">
+                            <a:latin typeface="Cambria Math" panose="02040503050406030204" pitchFamily="18" charset="0"/>
+                          </a:rPr>
+                        </m:ctrlPr>
+                      </m:sSubPr>
+                      <m:e>
+                        <m:r>
+                          <a:rPr lang="en-US" altLang="ja-JP" sz="2800" b="1" i="1">
+                            <a:latin typeface="Cambria Math" panose="02040503050406030204" pitchFamily="18" charset="0"/>
+                          </a:rPr>
+                          <m:t>𝑺</m:t>
+                        </m:r>
+                      </m:e>
+                      <m:sub>
+                        <m:r>
+                          <a:rPr lang="en-US" altLang="ja-JP" sz="2800" b="1" i="1">
+                            <a:latin typeface="Cambria Math" panose="02040503050406030204" pitchFamily="18" charset="0"/>
+                          </a:rPr>
+                          <m:t>𝒏</m:t>
+                        </m:r>
+                      </m:sub>
+                    </m:sSub>
+                    <m:r>
+                      <a:rPr lang="en-US" altLang="ja-JP" sz="2800" b="1" i="1" smtClean="0">
+                        <a:latin typeface="Cambria Math" panose="02040503050406030204" pitchFamily="18" charset="0"/>
+                      </a:rPr>
+                      <m:t>=</m:t>
+                    </m:r>
+                    <m:r>
+                      <a:rPr lang="en-US" altLang="ja-JP" sz="2800" b="1" i="1" smtClean="0">
+                        <a:latin typeface="Cambria Math" panose="02040503050406030204" pitchFamily="18" charset="0"/>
+                      </a:rPr>
+                      <m:t>𝒓</m:t>
+                    </m:r>
+                  </m:oMath>
+                </a14:m>
+                <a:r>
+                  <a:rPr lang="ja-JP" altLang="en-US" sz="2800" b="1"/>
+                  <a:t>となる確率を求める</a:t>
+                </a:r>
+                <a:endParaRPr lang="en-US" altLang="ja-JP" sz="2800" b="1" dirty="0"/>
+              </a:p>
+            </p:txBody>
+          </p:sp>
+        </mc:Choice>
+        <mc:Fallback>
+          <p:sp>
+            <p:nvSpPr>
+              <p:cNvPr id="8" name="正方形/長方形 7">
+                <a:extLst>
+                  <a:ext uri="{FF2B5EF4-FFF2-40B4-BE49-F238E27FC236}">
+                    <a16:creationId xmlns:a16="http://schemas.microsoft.com/office/drawing/2014/main" id="{B3769329-97FC-4915-831F-30871A53D31E}"/>
+                  </a:ext>
+                </a:extLst>
+              </p:cNvPr>
+              <p:cNvSpPr>
+                <a:spLocks noRot="1" noChangeAspect="1" noMove="1" noResize="1" noEditPoints="1" noAdjustHandles="1" noChangeArrowheads="1" noChangeShapeType="1" noTextEdit="1"/>
+              </p:cNvSpPr>
+              <p:nvPr/>
+            </p:nvSpPr>
+            <p:spPr>
+              <a:xfrm>
+                <a:off x="98612" y="2161801"/>
+                <a:ext cx="9672391" cy="523220"/>
+              </a:xfrm>
+              <a:prstGeom prst="rect">
+                <a:avLst/>
+              </a:prstGeom>
+              <a:blipFill>
+                <a:blip r:embed="rId3"/>
+                <a:stretch>
+                  <a:fillRect l="-1181" t="-9524" r="-1181" b="-33333"/>
+                </a:stretch>
+              </a:blipFill>
+            </p:spPr>
+            <p:txBody>
+              <a:bodyPr/>
+              <a:lstStyle/>
+              <a:p>
+                <a:r>
+                  <a:rPr lang="ja-JP" altLang="en-US">
+                    <a:noFill/>
+                  </a:rPr>
+                  <a:t> </a:t>
+                </a:r>
+              </a:p>
+            </p:txBody>
+          </p:sp>
+        </mc:Fallback>
+      </mc:AlternateContent>
+      <mc:AlternateContent xmlns:mc="http://schemas.openxmlformats.org/markup-compatibility/2006">
+        <mc:Choice xmlns:a14="http://schemas.microsoft.com/office/drawing/2010/main" Requires="a14">
+          <p:sp>
+            <p:nvSpPr>
+              <p:cNvPr id="5" name="テキスト ボックス 4">
+                <a:extLst>
+                  <a:ext uri="{FF2B5EF4-FFF2-40B4-BE49-F238E27FC236}">
+                    <a16:creationId xmlns:a16="http://schemas.microsoft.com/office/drawing/2014/main" id="{3767FCB5-C9BB-6143-98E2-B3ADE8CEC1E9}"/>
+                  </a:ext>
+                </a:extLst>
+              </p:cNvPr>
+              <p:cNvSpPr txBox="1"/>
+              <p:nvPr/>
+            </p:nvSpPr>
+            <p:spPr>
+              <a:xfrm>
+                <a:off x="507735" y="2878434"/>
+                <a:ext cx="4983352" cy="523220"/>
+              </a:xfrm>
+              <a:prstGeom prst="rect">
+                <a:avLst/>
+              </a:prstGeom>
+              <a:noFill/>
+            </p:spPr>
+            <p:txBody>
+              <a:bodyPr wrap="none" rtlCol="0">
+                <a:spAutoFit/>
+              </a:bodyPr>
+              <a:lstStyle/>
+              <a:p>
                 <a14:m>
                   <m:oMath xmlns:m="http://schemas.openxmlformats.org/officeDocument/2006/math">
                     <m:sSub>
@@ -26484,26 +27027,26 @@
                       </m:sSubPr>
                       <m:e>
                         <m:r>
-                          <a:rPr lang="en-US" altLang="ja-JP" sz="2800" b="0" i="1" smtClean="0">
+                          <a:rPr lang="en-US" altLang="ja-JP" sz="2800" i="1">
                             <a:latin typeface="Cambria Math" panose="02040503050406030204" pitchFamily="18" charset="0"/>
                           </a:rPr>
-                          <m:t>𝑋</m:t>
+                          <m:t>𝑆</m:t>
                         </m:r>
                       </m:e>
                       <m:sub>
                         <m:r>
-                          <a:rPr lang="en-US" altLang="ja-JP" sz="2800" b="0" i="1" smtClean="0">
+                          <a:rPr lang="en-US" altLang="ja-JP" sz="2800" i="1">
                             <a:latin typeface="Cambria Math" panose="02040503050406030204" pitchFamily="18" charset="0"/>
                           </a:rPr>
-                          <m:t>1</m:t>
+                          <m:t>𝑛</m:t>
                         </m:r>
                       </m:sub>
                     </m:sSub>
                     <m:r>
-                      <a:rPr lang="en-US" altLang="ja-JP" sz="2800" b="0" i="1" smtClean="0">
+                      <a:rPr lang="en-US" altLang="ja-JP" sz="2800" b="0" i="0" smtClean="0">
                         <a:latin typeface="Cambria Math" panose="02040503050406030204" pitchFamily="18" charset="0"/>
                       </a:rPr>
-                      <m:t>,</m:t>
+                      <m:t>=</m:t>
                     </m:r>
                     <m:sSub>
                       <m:sSubPr>
@@ -26523,33 +27066,19 @@
                       </m:e>
                       <m:sub>
                         <m:r>
-                          <a:rPr lang="en-US" altLang="ja-JP" sz="2800" b="0" i="1" smtClean="0">
+                          <a:rPr lang="en-US" altLang="ja-JP" sz="2800" i="1">
                             <a:latin typeface="Cambria Math" panose="02040503050406030204" pitchFamily="18" charset="0"/>
                           </a:rPr>
-                          <m:t>2</m:t>
+                          <m:t>1</m:t>
                         </m:r>
                       </m:sub>
                     </m:sSub>
                     <m:r>
-                      <a:rPr lang="en-US" altLang="ja-JP" sz="2800" i="1">
-                        <a:latin typeface="Cambria Math" panose="02040503050406030204" pitchFamily="18" charset="0"/>
-                      </a:rPr>
-                      <m:t>,</m:t>
-                    </m:r>
-                    <m:r>
                       <a:rPr lang="en-US" altLang="ja-JP" sz="2800" b="0" i="1" smtClean="0">
                         <a:latin typeface="Cambria Math" panose="02040503050406030204" pitchFamily="18" charset="0"/>
                       </a:rPr>
-                      <m:t>…,</m:t>
+                      <m:t>+</m:t>
                     </m:r>
-                  </m:oMath>
-                </a14:m>
-                <a:r>
-                  <a:rPr lang="en-US" altLang="ja-JP" sz="2800" dirty="0"/>
-                  <a:t> </a:t>
-                </a:r>
-                <a14:m>
-                  <m:oMath xmlns:m="http://schemas.openxmlformats.org/officeDocument/2006/math">
                     <m:sSub>
                       <m:sSubPr>
                         <m:ctrlPr>
@@ -26568,84 +27097,131 @@
                       </m:e>
                       <m:sub>
                         <m:r>
-                          <a:rPr lang="en-US" altLang="ja-JP" sz="2800" b="0" i="1" smtClean="0">
+                          <a:rPr lang="en-US" altLang="ja-JP" sz="2800" i="1">
+                            <a:latin typeface="Cambria Math" panose="02040503050406030204" pitchFamily="18" charset="0"/>
+                          </a:rPr>
+                          <m:t>2</m:t>
+                        </m:r>
+                      </m:sub>
+                    </m:sSub>
+                    <m:r>
+                      <a:rPr lang="en-US" altLang="ja-JP" sz="2800" b="0" i="1" smtClean="0">
+                        <a:latin typeface="Cambria Math" panose="02040503050406030204" pitchFamily="18" charset="0"/>
+                      </a:rPr>
+                      <m:t>+</m:t>
+                    </m:r>
+                    <m:r>
+                      <a:rPr lang="en-US" altLang="ja-JP" sz="2800" i="1">
+                        <a:latin typeface="Cambria Math" panose="02040503050406030204" pitchFamily="18" charset="0"/>
+                      </a:rPr>
+                      <m:t>…</m:t>
+                    </m:r>
+                    <m:r>
+                      <m:rPr>
+                        <m:nor/>
+                      </m:rPr>
+                      <a:rPr lang="en-US" altLang="ja-JP" sz="2800" b="0" i="0" smtClean="0">
+                        <a:latin typeface="Cambria Math" panose="02040503050406030204" pitchFamily="18" charset="0"/>
+                      </a:rPr>
+                      <m:t>+</m:t>
+                    </m:r>
+                    <m:r>
+                      <m:rPr>
+                        <m:nor/>
+                      </m:rPr>
+                      <a:rPr lang="en-US" altLang="ja-JP" sz="2800" dirty="0"/>
+                      <m:t> </m:t>
+                    </m:r>
+                    <m:sSub>
+                      <m:sSubPr>
+                        <m:ctrlPr>
+                          <a:rPr lang="en-US" altLang="ja-JP" sz="2800" i="1">
+                            <a:latin typeface="Cambria Math" panose="02040503050406030204" pitchFamily="18" charset="0"/>
+                          </a:rPr>
+                        </m:ctrlPr>
+                      </m:sSubPr>
+                      <m:e>
+                        <m:r>
+                          <a:rPr lang="en-US" altLang="ja-JP" sz="2800" i="1">
+                            <a:latin typeface="Cambria Math" panose="02040503050406030204" pitchFamily="18" charset="0"/>
+                          </a:rPr>
+                          <m:t>𝑋</m:t>
+                        </m:r>
+                      </m:e>
+                      <m:sub>
+                        <m:r>
+                          <a:rPr lang="en-US" altLang="ja-JP" sz="2800" i="1">
                             <a:latin typeface="Cambria Math" panose="02040503050406030204" pitchFamily="18" charset="0"/>
                           </a:rPr>
                           <m:t>𝑛</m:t>
                         </m:r>
                       </m:sub>
                     </m:sSub>
+                    <m:r>
+                      <a:rPr lang="en-US" altLang="ja-JP" sz="2800" b="0" i="1" smtClean="0">
+                        <a:latin typeface="Cambria Math" panose="02040503050406030204" pitchFamily="18" charset="0"/>
+                      </a:rPr>
+                      <m:t>=</m:t>
+                    </m:r>
+                    <m:nary>
+                      <m:naryPr>
+                        <m:chr m:val="∑"/>
+                        <m:subHide m:val="on"/>
+                        <m:supHide m:val="on"/>
+                        <m:ctrlPr>
+                          <a:rPr lang="en-US" altLang="ja-JP" sz="2800" b="0" i="1" smtClean="0">
+                            <a:latin typeface="Cambria Math" panose="02040503050406030204" pitchFamily="18" charset="0"/>
+                          </a:rPr>
+                        </m:ctrlPr>
+                      </m:naryPr>
+                      <m:sub/>
+                      <m:sup/>
+                      <m:e>
+                        <m:sSub>
+                          <m:sSubPr>
+                            <m:ctrlPr>
+                              <a:rPr lang="en-US" altLang="ja-JP" sz="2800" i="1">
+                                <a:latin typeface="Cambria Math" panose="02040503050406030204" pitchFamily="18" charset="0"/>
+                              </a:rPr>
+                            </m:ctrlPr>
+                          </m:sSubPr>
+                          <m:e>
+                            <m:r>
+                              <a:rPr lang="en-US" altLang="ja-JP" sz="2800" i="1">
+                                <a:latin typeface="Cambria Math" panose="02040503050406030204" pitchFamily="18" charset="0"/>
+                              </a:rPr>
+                              <m:t>𝑋</m:t>
+                            </m:r>
+                          </m:e>
+                          <m:sub>
+                            <m:r>
+                              <a:rPr lang="en-US" altLang="ja-JP" sz="2800" b="0" i="1" smtClean="0">
+                                <a:latin typeface="Cambria Math" panose="02040503050406030204" pitchFamily="18" charset="0"/>
+                              </a:rPr>
+                              <m:t>𝑖</m:t>
+                            </m:r>
+                          </m:sub>
+                        </m:sSub>
+                      </m:e>
+                    </m:nary>
                   </m:oMath>
                 </a14:m>
                 <a:r>
                   <a:rPr kumimoji="1" lang="en-US" altLang="ja-JP" sz="2800" dirty="0"/>
-                  <a:t>:</a:t>
+                  <a:t> </a:t>
                 </a:r>
-                <a:r>
-                  <a:rPr lang="ja-JP" altLang="en-US" sz="2800" dirty="0"/>
-                  <a:t>確率</a:t>
-                </a:r>
-                <a14:m>
-                  <m:oMath xmlns:m="http://schemas.openxmlformats.org/officeDocument/2006/math">
-                    <m:r>
-                      <a:rPr lang="en-US" altLang="ja-JP" sz="2800" i="1">
-                        <a:latin typeface="Cambria Math" panose="02040503050406030204" pitchFamily="18" charset="0"/>
-                      </a:rPr>
-                      <m:t>𝑝</m:t>
-                    </m:r>
-                  </m:oMath>
-                </a14:m>
-                <a:r>
-                  <a:rPr lang="ja-JP" altLang="en-US" sz="2800" dirty="0"/>
-                  <a:t>で</a:t>
-                </a:r>
-                <a:r>
-                  <a:rPr lang="en-US" altLang="ja-JP" sz="2800" dirty="0"/>
-                  <a:t>1,</a:t>
-                </a:r>
-                <a:r>
-                  <a:rPr lang="ja-JP" altLang="en-US" sz="2800" dirty="0"/>
-                  <a:t>確率</a:t>
-                </a:r>
-                <a14:m>
-                  <m:oMath xmlns:m="http://schemas.openxmlformats.org/officeDocument/2006/math">
-                    <m:r>
-                      <a:rPr lang="en-US" altLang="ja-JP" sz="2800">
-                        <a:latin typeface="Cambria Math" panose="02040503050406030204" pitchFamily="18" charset="0"/>
-                      </a:rPr>
-                      <m:t>1−</m:t>
-                    </m:r>
-                    <m:r>
-                      <a:rPr lang="en-US" altLang="ja-JP" sz="2800" i="1">
-                        <a:latin typeface="Cambria Math" panose="02040503050406030204" pitchFamily="18" charset="0"/>
-                      </a:rPr>
-                      <m:t>𝑝</m:t>
-                    </m:r>
-                  </m:oMath>
-                </a14:m>
-                <a:r>
-                  <a:rPr kumimoji="1" lang="ja-JP" altLang="en-US" sz="2800" dirty="0"/>
-                  <a:t>で</a:t>
-                </a:r>
-                <a:r>
-                  <a:rPr kumimoji="1" lang="en-US" altLang="ja-JP" sz="2800" dirty="0"/>
-                  <a:t>-1</a:t>
-                </a:r>
-                <a:r>
-                  <a:rPr kumimoji="1" lang="ja-JP" altLang="en-US" sz="2800" dirty="0"/>
-                  <a:t>をとる</a:t>
-                </a:r>
+                <a:endParaRPr kumimoji="1" lang="ja-JP" altLang="en-US" sz="2800"/>
               </a:p>
             </p:txBody>
           </p:sp>
         </mc:Choice>
-        <mc:Fallback xmlns="">
+        <mc:Fallback>
           <p:sp>
             <p:nvSpPr>
-              <p:cNvPr id="6" name="テキスト ボックス 5">
+              <p:cNvPr id="5" name="テキスト ボックス 4">
                 <a:extLst>
                   <a:ext uri="{FF2B5EF4-FFF2-40B4-BE49-F238E27FC236}">
-                    <a16:creationId xmlns:a16="http://schemas.microsoft.com/office/drawing/2014/main" id="{75FFCEF9-0936-466E-8568-0E9050B0D502}"/>
+                    <a16:creationId xmlns:a16="http://schemas.microsoft.com/office/drawing/2014/main" id="{3767FCB5-C9BB-6143-98E2-B3ADE8CEC1E9}"/>
                   </a:ext>
                 </a:extLst>
               </p:cNvPr>
@@ -26656,16 +27232,742 @@
             </p:nvSpPr>
             <p:spPr>
               <a:xfrm>
-                <a:off x="98612" y="2183934"/>
-                <a:ext cx="10508567" cy="523220"/>
+                <a:off x="507735" y="2878434"/>
+                <a:ext cx="4983352" cy="523220"/>
               </a:xfrm>
               <a:prstGeom prst="rect">
                 <a:avLst/>
               </a:prstGeom>
               <a:blipFill>
-                <a:blip r:embed="rId3"/>
+                <a:blip r:embed="rId4"/>
                 <a:stretch>
-                  <a:fillRect l="-1160" t="-10465" b="-32558"/>
+                  <a:fillRect l="-509" t="-128571" b="-190476"/>
+                </a:stretch>
+              </a:blipFill>
+            </p:spPr>
+            <p:txBody>
+              <a:bodyPr/>
+              <a:lstStyle/>
+              <a:p>
+                <a:r>
+                  <a:rPr lang="ja-JP" altLang="en-US">
+                    <a:noFill/>
+                  </a:rPr>
+                  <a:t> </a:t>
+                </a:r>
+              </a:p>
+            </p:txBody>
+          </p:sp>
+        </mc:Fallback>
+      </mc:AlternateContent>
+      <mc:AlternateContent xmlns:mc="http://schemas.openxmlformats.org/markup-compatibility/2006">
+        <mc:Choice xmlns:a14="http://schemas.microsoft.com/office/drawing/2010/main" Requires="a14">
+          <p:sp>
+            <p:nvSpPr>
+              <p:cNvPr id="11" name="正方形/長方形 10">
+                <a:extLst>
+                  <a:ext uri="{FF2B5EF4-FFF2-40B4-BE49-F238E27FC236}">
+                    <a16:creationId xmlns:a16="http://schemas.microsoft.com/office/drawing/2014/main" id="{B2160A7F-B351-6D46-9BED-61F960ADAF37}"/>
+                  </a:ext>
+                </a:extLst>
+              </p:cNvPr>
+              <p:cNvSpPr/>
+              <p:nvPr/>
+            </p:nvSpPr>
+            <p:spPr>
+              <a:xfrm>
+                <a:off x="1306557" y="3782997"/>
+                <a:ext cx="3206840" cy="704295"/>
+              </a:xfrm>
+              <a:prstGeom prst="rect">
+                <a:avLst/>
+              </a:prstGeom>
+            </p:spPr>
+            <p:txBody>
+              <a:bodyPr wrap="none">
+                <a:spAutoFit/>
+              </a:bodyPr>
+              <a:lstStyle/>
+              <a:p>
+                <a14:m>
+                  <m:oMath xmlns:m="http://schemas.openxmlformats.org/officeDocument/2006/math">
+                    <m:sSub>
+                      <m:sSubPr>
+                        <m:ctrlPr>
+                          <a:rPr lang="en-US" altLang="ja-JP" sz="2800" i="1" smtClean="0">
+                            <a:solidFill>
+                              <a:schemeClr val="accent1">
+                                <a:lumMod val="75000"/>
+                              </a:schemeClr>
+                            </a:solidFill>
+                            <a:latin typeface="Cambria Math" panose="02040503050406030204" pitchFamily="18" charset="0"/>
+                          </a:rPr>
+                        </m:ctrlPr>
+                      </m:sSubPr>
+                      <m:e>
+                        <m:r>
+                          <a:rPr lang="en-US" altLang="ja-JP" sz="2800" b="0" i="1" smtClean="0">
+                            <a:solidFill>
+                              <a:schemeClr val="accent1">
+                                <a:lumMod val="75000"/>
+                              </a:schemeClr>
+                            </a:solidFill>
+                            <a:latin typeface="Cambria Math" panose="02040503050406030204" pitchFamily="18" charset="0"/>
+                          </a:rPr>
+                          <m:t>𝐵</m:t>
+                        </m:r>
+                      </m:e>
+                      <m:sub>
+                        <m:r>
+                          <a:rPr lang="en-US" altLang="ja-JP" sz="2800" i="1">
+                            <a:solidFill>
+                              <a:schemeClr val="accent1">
+                                <a:lumMod val="75000"/>
+                              </a:schemeClr>
+                            </a:solidFill>
+                            <a:latin typeface="Cambria Math" panose="02040503050406030204" pitchFamily="18" charset="0"/>
+                          </a:rPr>
+                          <m:t>𝑛</m:t>
+                        </m:r>
+                      </m:sub>
+                    </m:sSub>
+                    <m:r>
+                      <a:rPr lang="en-US" altLang="ja-JP" sz="2800" b="0" i="1" smtClean="0">
+                        <a:solidFill>
+                          <a:schemeClr val="accent1">
+                            <a:lumMod val="75000"/>
+                          </a:schemeClr>
+                        </a:solidFill>
+                        <a:latin typeface="Cambria Math" panose="02040503050406030204" pitchFamily="18" charset="0"/>
+                      </a:rPr>
+                      <m:t>=</m:t>
+                    </m:r>
+                    <m:nary>
+                      <m:naryPr>
+                        <m:chr m:val="∑"/>
+                        <m:subHide m:val="on"/>
+                        <m:supHide m:val="on"/>
+                        <m:ctrlPr>
+                          <a:rPr lang="en-US" altLang="ja-JP" sz="2800" i="1">
+                            <a:solidFill>
+                              <a:schemeClr val="accent1">
+                                <a:lumMod val="75000"/>
+                              </a:schemeClr>
+                            </a:solidFill>
+                            <a:latin typeface="Cambria Math" panose="02040503050406030204" pitchFamily="18" charset="0"/>
+                          </a:rPr>
+                        </m:ctrlPr>
+                      </m:naryPr>
+                      <m:sub/>
+                      <m:sup/>
+                      <m:e>
+                        <m:f>
+                          <m:fPr>
+                            <m:ctrlPr>
+                              <a:rPr lang="en-US" altLang="ja-JP" sz="2800" i="1">
+                                <a:solidFill>
+                                  <a:schemeClr val="accent1">
+                                    <a:lumMod val="75000"/>
+                                  </a:schemeClr>
+                                </a:solidFill>
+                                <a:latin typeface="Cambria Math" panose="02040503050406030204" pitchFamily="18" charset="0"/>
+                              </a:rPr>
+                            </m:ctrlPr>
+                          </m:fPr>
+                          <m:num>
+                            <m:sSub>
+                              <m:sSubPr>
+                                <m:ctrlPr>
+                                  <a:rPr lang="en-US" altLang="ja-JP" sz="2800" i="1">
+                                    <a:solidFill>
+                                      <a:schemeClr val="accent1">
+                                        <a:lumMod val="75000"/>
+                                      </a:schemeClr>
+                                    </a:solidFill>
+                                    <a:latin typeface="Cambria Math" panose="02040503050406030204" pitchFamily="18" charset="0"/>
+                                  </a:rPr>
+                                </m:ctrlPr>
+                              </m:sSubPr>
+                              <m:e>
+                                <m:r>
+                                  <a:rPr lang="en-US" altLang="ja-JP" sz="2800" i="1">
+                                    <a:solidFill>
+                                      <a:schemeClr val="accent1">
+                                        <a:lumMod val="75000"/>
+                                      </a:schemeClr>
+                                    </a:solidFill>
+                                    <a:latin typeface="Cambria Math" panose="02040503050406030204" pitchFamily="18" charset="0"/>
+                                  </a:rPr>
+                                  <m:t>𝑋</m:t>
+                                </m:r>
+                              </m:e>
+                              <m:sub>
+                                <m:r>
+                                  <a:rPr lang="en-US" altLang="ja-JP" sz="2800" i="1">
+                                    <a:solidFill>
+                                      <a:schemeClr val="accent1">
+                                        <a:lumMod val="75000"/>
+                                      </a:schemeClr>
+                                    </a:solidFill>
+                                    <a:latin typeface="Cambria Math" panose="02040503050406030204" pitchFamily="18" charset="0"/>
+                                  </a:rPr>
+                                  <m:t>𝑖</m:t>
+                                </m:r>
+                              </m:sub>
+                            </m:sSub>
+                            <m:r>
+                              <a:rPr lang="en-US" altLang="ja-JP" sz="2800" i="1">
+                                <a:solidFill>
+                                  <a:schemeClr val="accent1">
+                                    <a:lumMod val="75000"/>
+                                  </a:schemeClr>
+                                </a:solidFill>
+                                <a:latin typeface="Cambria Math" panose="02040503050406030204" pitchFamily="18" charset="0"/>
+                              </a:rPr>
+                              <m:t>+1</m:t>
+                            </m:r>
+                          </m:num>
+                          <m:den>
+                            <m:r>
+                              <a:rPr lang="en-US" altLang="ja-JP" sz="2800" i="1">
+                                <a:solidFill>
+                                  <a:schemeClr val="accent1">
+                                    <a:lumMod val="75000"/>
+                                  </a:schemeClr>
+                                </a:solidFill>
+                                <a:latin typeface="Cambria Math" panose="02040503050406030204" pitchFamily="18" charset="0"/>
+                              </a:rPr>
+                              <m:t>2</m:t>
+                            </m:r>
+                          </m:den>
+                        </m:f>
+                      </m:e>
+                    </m:nary>
+                    <m:r>
+                      <a:rPr lang="en-US" altLang="ja-JP" sz="2800" b="0" i="1" smtClean="0">
+                        <a:solidFill>
+                          <a:schemeClr val="accent1">
+                            <a:lumMod val="75000"/>
+                          </a:schemeClr>
+                        </a:solidFill>
+                        <a:latin typeface="Cambria Math" panose="02040503050406030204" pitchFamily="18" charset="0"/>
+                      </a:rPr>
+                      <m:t>=</m:t>
+                    </m:r>
+                  </m:oMath>
+                </a14:m>
+                <a:r>
+                  <a:rPr lang="en-US" altLang="ja-JP" sz="2800" dirty="0">
+                    <a:solidFill>
+                      <a:schemeClr val="accent1">
+                        <a:lumMod val="75000"/>
+                      </a:schemeClr>
+                    </a:solidFill>
+                  </a:rPr>
+                  <a:t> </a:t>
+                </a:r>
+                <a14:m>
+                  <m:oMath xmlns:m="http://schemas.openxmlformats.org/officeDocument/2006/math">
+                    <m:f>
+                      <m:fPr>
+                        <m:ctrlPr>
+                          <a:rPr lang="en-US" altLang="ja-JP" sz="2800" i="1">
+                            <a:solidFill>
+                              <a:schemeClr val="accent1">
+                                <a:lumMod val="75000"/>
+                              </a:schemeClr>
+                            </a:solidFill>
+                            <a:latin typeface="Cambria Math" panose="02040503050406030204" pitchFamily="18" charset="0"/>
+                          </a:rPr>
+                        </m:ctrlPr>
+                      </m:fPr>
+                      <m:num>
+                        <m:sSub>
+                          <m:sSubPr>
+                            <m:ctrlPr>
+                              <a:rPr lang="en-US" altLang="ja-JP" sz="2800" i="1">
+                                <a:solidFill>
+                                  <a:schemeClr val="accent1">
+                                    <a:lumMod val="75000"/>
+                                  </a:schemeClr>
+                                </a:solidFill>
+                                <a:latin typeface="Cambria Math" panose="02040503050406030204" pitchFamily="18" charset="0"/>
+                              </a:rPr>
+                            </m:ctrlPr>
+                          </m:sSubPr>
+                          <m:e>
+                            <m:r>
+                              <a:rPr lang="en-US" altLang="ja-JP" sz="2800" i="1">
+                                <a:solidFill>
+                                  <a:schemeClr val="accent1">
+                                    <a:lumMod val="75000"/>
+                                  </a:schemeClr>
+                                </a:solidFill>
+                                <a:latin typeface="Cambria Math" panose="02040503050406030204" pitchFamily="18" charset="0"/>
+                              </a:rPr>
+                              <m:t>𝑆</m:t>
+                            </m:r>
+                          </m:e>
+                          <m:sub>
+                            <m:r>
+                              <a:rPr lang="en-US" altLang="ja-JP" sz="2800" i="1">
+                                <a:solidFill>
+                                  <a:schemeClr val="accent1">
+                                    <a:lumMod val="75000"/>
+                                  </a:schemeClr>
+                                </a:solidFill>
+                                <a:latin typeface="Cambria Math" panose="02040503050406030204" pitchFamily="18" charset="0"/>
+                              </a:rPr>
+                              <m:t>𝑛</m:t>
+                            </m:r>
+                          </m:sub>
+                        </m:sSub>
+                        <m:r>
+                          <a:rPr lang="en-US" altLang="ja-JP" sz="2800" i="1">
+                            <a:solidFill>
+                              <a:schemeClr val="accent1">
+                                <a:lumMod val="75000"/>
+                              </a:schemeClr>
+                            </a:solidFill>
+                            <a:latin typeface="Cambria Math" panose="02040503050406030204" pitchFamily="18" charset="0"/>
+                          </a:rPr>
+                          <m:t>+</m:t>
+                        </m:r>
+                        <m:r>
+                          <a:rPr lang="en-US" altLang="ja-JP" sz="2800" b="0" i="1" smtClean="0">
+                            <a:solidFill>
+                              <a:schemeClr val="accent1">
+                                <a:lumMod val="75000"/>
+                              </a:schemeClr>
+                            </a:solidFill>
+                            <a:latin typeface="Cambria Math" panose="02040503050406030204" pitchFamily="18" charset="0"/>
+                          </a:rPr>
+                          <m:t>𝑛</m:t>
+                        </m:r>
+                      </m:num>
+                      <m:den>
+                        <m:r>
+                          <a:rPr lang="en-US" altLang="ja-JP" sz="2800" i="1">
+                            <a:solidFill>
+                              <a:schemeClr val="accent1">
+                                <a:lumMod val="75000"/>
+                              </a:schemeClr>
+                            </a:solidFill>
+                            <a:latin typeface="Cambria Math" panose="02040503050406030204" pitchFamily="18" charset="0"/>
+                          </a:rPr>
+                          <m:t>2</m:t>
+                        </m:r>
+                      </m:den>
+                    </m:f>
+                  </m:oMath>
+                </a14:m>
+                <a:r>
+                  <a:rPr lang="en-US" altLang="ja-JP" sz="2800" dirty="0">
+                    <a:solidFill>
+                      <a:schemeClr val="accent1">
+                        <a:lumMod val="75000"/>
+                      </a:schemeClr>
+                    </a:solidFill>
+                  </a:rPr>
+                  <a:t> </a:t>
+                </a:r>
+                <a:endParaRPr lang="ja-JP" altLang="en-US" sz="2800">
+                  <a:solidFill>
+                    <a:schemeClr val="accent1">
+                      <a:lumMod val="75000"/>
+                    </a:schemeClr>
+                  </a:solidFill>
+                </a:endParaRPr>
+              </a:p>
+            </p:txBody>
+          </p:sp>
+        </mc:Choice>
+        <mc:Fallback>
+          <p:sp>
+            <p:nvSpPr>
+              <p:cNvPr id="11" name="正方形/長方形 10">
+                <a:extLst>
+                  <a:ext uri="{FF2B5EF4-FFF2-40B4-BE49-F238E27FC236}">
+                    <a16:creationId xmlns:a16="http://schemas.microsoft.com/office/drawing/2014/main" id="{B2160A7F-B351-6D46-9BED-61F960ADAF37}"/>
+                  </a:ext>
+                </a:extLst>
+              </p:cNvPr>
+              <p:cNvSpPr>
+                <a:spLocks noRot="1" noChangeAspect="1" noMove="1" noResize="1" noEditPoints="1" noAdjustHandles="1" noChangeArrowheads="1" noChangeShapeType="1" noTextEdit="1"/>
+              </p:cNvSpPr>
+              <p:nvPr/>
+            </p:nvSpPr>
+            <p:spPr>
+              <a:xfrm>
+                <a:off x="1306557" y="3782997"/>
+                <a:ext cx="3206840" cy="704295"/>
+              </a:xfrm>
+              <a:prstGeom prst="rect">
+                <a:avLst/>
+              </a:prstGeom>
+              <a:blipFill>
+                <a:blip r:embed="rId5"/>
+                <a:stretch>
+                  <a:fillRect l="-791" t="-80357" b="-132143"/>
+                </a:stretch>
+              </a:blipFill>
+            </p:spPr>
+            <p:txBody>
+              <a:bodyPr/>
+              <a:lstStyle/>
+              <a:p>
+                <a:r>
+                  <a:rPr lang="ja-JP" altLang="en-US">
+                    <a:noFill/>
+                  </a:rPr>
+                  <a:t> </a:t>
+                </a:r>
+              </a:p>
+            </p:txBody>
+          </p:sp>
+        </mc:Fallback>
+      </mc:AlternateContent>
+      <mc:AlternateContent xmlns:mc="http://schemas.openxmlformats.org/markup-compatibility/2006">
+        <mc:Choice xmlns:a14="http://schemas.microsoft.com/office/drawing/2010/main" Requires="a14">
+          <p:sp>
+            <p:nvSpPr>
+              <p:cNvPr id="13" name="正方形/長方形 12">
+                <a:extLst>
+                  <a:ext uri="{FF2B5EF4-FFF2-40B4-BE49-F238E27FC236}">
+                    <a16:creationId xmlns:a16="http://schemas.microsoft.com/office/drawing/2014/main" id="{06E73DE0-41FF-EB4F-B17A-EF46A4EA6AC8}"/>
+                  </a:ext>
+                </a:extLst>
+              </p:cNvPr>
+              <p:cNvSpPr/>
+              <p:nvPr/>
+            </p:nvSpPr>
+            <p:spPr>
+              <a:xfrm>
+                <a:off x="8412693" y="2932130"/>
+                <a:ext cx="3061927" cy="523220"/>
+              </a:xfrm>
+              <a:prstGeom prst="rect">
+                <a:avLst/>
+              </a:prstGeom>
+            </p:spPr>
+            <p:txBody>
+              <a:bodyPr wrap="none">
+                <a:spAutoFit/>
+              </a:bodyPr>
+              <a:lstStyle/>
+              <a:p>
+                <a14:m>
+                  <m:oMathPara xmlns:m="http://schemas.openxmlformats.org/officeDocument/2006/math">
+                    <m:oMathParaPr>
+                      <m:jc m:val="centerGroup"/>
+                    </m:oMathParaPr>
+                    <m:oMath xmlns:m="http://schemas.openxmlformats.org/officeDocument/2006/math">
+                      <m:r>
+                        <a:rPr lang="en-US" altLang="ja-JP" sz="2800" b="0" i="1" smtClean="0">
+                          <a:latin typeface="Cambria Math" panose="02040503050406030204" pitchFamily="18" charset="0"/>
+                        </a:rPr>
+                        <m:t>1</m:t>
+                      </m:r>
+                      <m:r>
+                        <a:rPr lang="en-US" altLang="ja-JP" sz="2800" i="1" smtClean="0">
+                          <a:latin typeface="Cambria Math" panose="02040503050406030204" pitchFamily="18" charset="0"/>
+                        </a:rPr>
+                        <m:t>,</m:t>
+                      </m:r>
+                      <m:r>
+                        <a:rPr lang="en-US" altLang="ja-JP" sz="2800" b="0" i="1" smtClean="0">
+                          <a:latin typeface="Cambria Math" panose="02040503050406030204" pitchFamily="18" charset="0"/>
+                        </a:rPr>
+                        <m:t> 1</m:t>
+                      </m:r>
+                      <m:r>
+                        <a:rPr lang="en-US" altLang="ja-JP" sz="2800" i="1">
+                          <a:latin typeface="Cambria Math" panose="02040503050406030204" pitchFamily="18" charset="0"/>
+                        </a:rPr>
+                        <m:t>,</m:t>
+                      </m:r>
+                      <m:r>
+                        <a:rPr lang="en-US" altLang="ja-JP" sz="2800" b="0" i="1" smtClean="0">
+                          <a:latin typeface="Cambria Math" panose="02040503050406030204" pitchFamily="18" charset="0"/>
+                        </a:rPr>
+                        <m:t>−1,</m:t>
+                      </m:r>
+                      <m:r>
+                        <a:rPr lang="en-US" altLang="ja-JP" sz="2800" i="1">
+                          <a:latin typeface="Cambria Math" panose="02040503050406030204" pitchFamily="18" charset="0"/>
+                        </a:rPr>
+                        <m:t>…</m:t>
+                      </m:r>
+                      <m:r>
+                        <a:rPr lang="en-US" altLang="ja-JP" sz="2800" b="0" i="1" smtClean="0">
+                          <a:latin typeface="Cambria Math" panose="02040503050406030204" pitchFamily="18" charset="0"/>
+                        </a:rPr>
+                        <m:t>,</m:t>
+                      </m:r>
+                      <m:r>
+                        <a:rPr lang="en-US" altLang="ja-JP" sz="2800" b="0" i="0" smtClean="0">
+                          <a:latin typeface="Cambria Math" panose="02040503050406030204" pitchFamily="18" charset="0"/>
+                        </a:rPr>
+                        <m:t> </m:t>
+                      </m:r>
+                      <m:sSub>
+                        <m:sSubPr>
+                          <m:ctrlPr>
+                            <a:rPr lang="en-US" altLang="ja-JP" sz="2800" i="1">
+                              <a:latin typeface="Cambria Math" panose="02040503050406030204" pitchFamily="18" charset="0"/>
+                            </a:rPr>
+                          </m:ctrlPr>
+                        </m:sSubPr>
+                        <m:e>
+                          <m:r>
+                            <a:rPr lang="en-US" altLang="ja-JP" sz="2800" b="0" i="1" smtClean="0">
+                              <a:latin typeface="Cambria Math" panose="02040503050406030204" pitchFamily="18" charset="0"/>
+                            </a:rPr>
+                            <m:t>    </m:t>
+                          </m:r>
+                          <m:r>
+                            <a:rPr lang="en-US" altLang="ja-JP" sz="2800" i="1">
+                              <a:latin typeface="Cambria Math" panose="02040503050406030204" pitchFamily="18" charset="0"/>
+                            </a:rPr>
+                            <m:t>𝑋</m:t>
+                          </m:r>
+                        </m:e>
+                        <m:sub>
+                          <m:r>
+                            <a:rPr lang="en-US" altLang="ja-JP" sz="2800" b="0" i="1" smtClean="0">
+                              <a:latin typeface="Cambria Math" panose="02040503050406030204" pitchFamily="18" charset="0"/>
+                            </a:rPr>
+                            <m:t>𝑖</m:t>
+                          </m:r>
+                        </m:sub>
+                      </m:sSub>
+                      <m:r>
+                        <a:rPr lang="en-US" altLang="ja-JP" sz="2800" b="0" i="1" smtClean="0">
+                          <a:latin typeface="Cambria Math" panose="02040503050406030204" pitchFamily="18" charset="0"/>
+                        </a:rPr>
+                        <m:t>,…</m:t>
+                      </m:r>
+                    </m:oMath>
+                  </m:oMathPara>
+                </a14:m>
+                <a:endParaRPr lang="ja-JP" altLang="en-US" sz="2800"/>
+              </a:p>
+            </p:txBody>
+          </p:sp>
+        </mc:Choice>
+        <mc:Fallback>
+          <p:sp>
+            <p:nvSpPr>
+              <p:cNvPr id="13" name="正方形/長方形 12">
+                <a:extLst>
+                  <a:ext uri="{FF2B5EF4-FFF2-40B4-BE49-F238E27FC236}">
+                    <a16:creationId xmlns:a16="http://schemas.microsoft.com/office/drawing/2014/main" id="{06E73DE0-41FF-EB4F-B17A-EF46A4EA6AC8}"/>
+                  </a:ext>
+                </a:extLst>
+              </p:cNvPr>
+              <p:cNvSpPr>
+                <a:spLocks noRot="1" noChangeAspect="1" noMove="1" noResize="1" noEditPoints="1" noAdjustHandles="1" noChangeArrowheads="1" noChangeShapeType="1" noTextEdit="1"/>
+              </p:cNvSpPr>
+              <p:nvPr/>
+            </p:nvSpPr>
+            <p:spPr>
+              <a:xfrm>
+                <a:off x="8412693" y="2932130"/>
+                <a:ext cx="3061927" cy="523220"/>
+              </a:xfrm>
+              <a:prstGeom prst="rect">
+                <a:avLst/>
+              </a:prstGeom>
+              <a:blipFill>
+                <a:blip r:embed="rId6"/>
+                <a:stretch>
+                  <a:fillRect b="-19048"/>
+                </a:stretch>
+              </a:blipFill>
+            </p:spPr>
+            <p:txBody>
+              <a:bodyPr/>
+              <a:lstStyle/>
+              <a:p>
+                <a:r>
+                  <a:rPr lang="ja-JP" altLang="en-US">
+                    <a:noFill/>
+                  </a:rPr>
+                  <a:t> </a:t>
+                </a:r>
+              </a:p>
+            </p:txBody>
+          </p:sp>
+        </mc:Fallback>
+      </mc:AlternateContent>
+      <mc:AlternateContent xmlns:mc="http://schemas.openxmlformats.org/markup-compatibility/2006">
+        <mc:Choice xmlns:a14="http://schemas.microsoft.com/office/drawing/2010/main" Requires="a14">
+          <p:sp>
+            <p:nvSpPr>
+              <p:cNvPr id="14" name="正方形/長方形 13">
+                <a:extLst>
+                  <a:ext uri="{FF2B5EF4-FFF2-40B4-BE49-F238E27FC236}">
+                    <a16:creationId xmlns:a16="http://schemas.microsoft.com/office/drawing/2014/main" id="{50AA5504-7371-904E-A153-ED19BB4D2C6F}"/>
+                  </a:ext>
+                </a:extLst>
+              </p:cNvPr>
+              <p:cNvSpPr/>
+              <p:nvPr/>
+            </p:nvSpPr>
+            <p:spPr>
+              <a:xfrm>
+                <a:off x="8491720" y="3856227"/>
+                <a:ext cx="3100016" cy="701859"/>
+              </a:xfrm>
+              <a:prstGeom prst="rect">
+                <a:avLst/>
+              </a:prstGeom>
+              <a:noFill/>
+            </p:spPr>
+            <p:txBody>
+              <a:bodyPr wrap="none">
+                <a:spAutoFit/>
+              </a:bodyPr>
+              <a:lstStyle/>
+              <a:p>
+                <a14:m>
+                  <m:oMath xmlns:m="http://schemas.openxmlformats.org/officeDocument/2006/math">
+                    <m:r>
+                      <a:rPr lang="en-US" altLang="ja-JP" sz="2800" b="0" i="1" smtClean="0">
+                        <a:latin typeface="Cambria Math" panose="02040503050406030204" pitchFamily="18" charset="0"/>
+                      </a:rPr>
+                      <m:t>1</m:t>
+                    </m:r>
+                    <m:r>
+                      <a:rPr lang="en-US" altLang="ja-JP" sz="2800" i="1" smtClean="0">
+                        <a:latin typeface="Cambria Math" panose="02040503050406030204" pitchFamily="18" charset="0"/>
+                      </a:rPr>
+                      <m:t>,</m:t>
+                    </m:r>
+                    <m:r>
+                      <a:rPr lang="en-US" altLang="ja-JP" sz="2800" b="0" i="1" smtClean="0">
+                        <a:latin typeface="Cambria Math" panose="02040503050406030204" pitchFamily="18" charset="0"/>
+                      </a:rPr>
+                      <m:t> 1</m:t>
+                    </m:r>
+                    <m:r>
+                      <a:rPr lang="en-US" altLang="ja-JP" sz="2800" i="1">
+                        <a:latin typeface="Cambria Math" panose="02040503050406030204" pitchFamily="18" charset="0"/>
+                      </a:rPr>
+                      <m:t>,</m:t>
+                    </m:r>
+                    <m:r>
+                      <a:rPr lang="en-US" altLang="ja-JP" sz="2800" b="0" i="1" smtClean="0">
+                        <a:latin typeface="Cambria Math" panose="02040503050406030204" pitchFamily="18" charset="0"/>
+                      </a:rPr>
+                      <m:t>    0,</m:t>
+                    </m:r>
+                    <m:r>
+                      <a:rPr lang="en-US" altLang="ja-JP" sz="2800" i="1">
+                        <a:latin typeface="Cambria Math" panose="02040503050406030204" pitchFamily="18" charset="0"/>
+                      </a:rPr>
+                      <m:t>…</m:t>
+                    </m:r>
+                    <m:r>
+                      <a:rPr lang="en-US" altLang="ja-JP" sz="2800" b="0" i="1" smtClean="0">
+                        <a:latin typeface="Cambria Math" panose="02040503050406030204" pitchFamily="18" charset="0"/>
+                      </a:rPr>
+                      <m:t>, </m:t>
+                    </m:r>
+                    <m:f>
+                      <m:fPr>
+                        <m:ctrlPr>
+                          <a:rPr lang="en-US" altLang="ja-JP" sz="2800" i="1">
+                            <a:latin typeface="Cambria Math" panose="02040503050406030204" pitchFamily="18" charset="0"/>
+                          </a:rPr>
+                        </m:ctrlPr>
+                      </m:fPr>
+                      <m:num>
+                        <m:sSub>
+                          <m:sSubPr>
+                            <m:ctrlPr>
+                              <a:rPr lang="en-US" altLang="ja-JP" sz="2800" i="1">
+                                <a:latin typeface="Cambria Math" panose="02040503050406030204" pitchFamily="18" charset="0"/>
+                              </a:rPr>
+                            </m:ctrlPr>
+                          </m:sSubPr>
+                          <m:e>
+                            <m:r>
+                              <a:rPr lang="en-US" altLang="ja-JP" sz="2800" i="1">
+                                <a:latin typeface="Cambria Math" panose="02040503050406030204" pitchFamily="18" charset="0"/>
+                              </a:rPr>
+                              <m:t>𝑋</m:t>
+                            </m:r>
+                          </m:e>
+                          <m:sub>
+                            <m:r>
+                              <a:rPr lang="en-US" altLang="ja-JP" sz="2800" i="1">
+                                <a:latin typeface="Cambria Math" panose="02040503050406030204" pitchFamily="18" charset="0"/>
+                              </a:rPr>
+                              <m:t>𝑖</m:t>
+                            </m:r>
+                          </m:sub>
+                        </m:sSub>
+                        <m:r>
+                          <a:rPr lang="en-US" altLang="ja-JP" sz="2800" i="1">
+                            <a:latin typeface="Cambria Math" panose="02040503050406030204" pitchFamily="18" charset="0"/>
+                          </a:rPr>
+                          <m:t>+1</m:t>
+                        </m:r>
+                      </m:num>
+                      <m:den>
+                        <m:r>
+                          <a:rPr lang="en-US" altLang="ja-JP" sz="2800" i="1">
+                            <a:latin typeface="Cambria Math" panose="02040503050406030204" pitchFamily="18" charset="0"/>
+                          </a:rPr>
+                          <m:t>2</m:t>
+                        </m:r>
+                      </m:den>
+                    </m:f>
+                    <m:r>
+                      <a:rPr lang="en-US" altLang="ja-JP" sz="2800" b="0" i="1" smtClean="0">
+                        <a:latin typeface="Cambria Math" panose="02040503050406030204" pitchFamily="18" charset="0"/>
+                      </a:rPr>
+                      <m:t>,…</m:t>
+                    </m:r>
+                  </m:oMath>
+                </a14:m>
+                <a:r>
+                  <a:rPr lang="en-US" altLang="ja-JP" sz="2800" dirty="0"/>
+                  <a:t> </a:t>
+                </a:r>
+                <a:endParaRPr lang="ja-JP" altLang="en-US" sz="2800"/>
+              </a:p>
+            </p:txBody>
+          </p:sp>
+        </mc:Choice>
+        <mc:Fallback>
+          <p:sp>
+            <p:nvSpPr>
+              <p:cNvPr id="14" name="正方形/長方形 13">
+                <a:extLst>
+                  <a:ext uri="{FF2B5EF4-FFF2-40B4-BE49-F238E27FC236}">
+                    <a16:creationId xmlns:a16="http://schemas.microsoft.com/office/drawing/2014/main" id="{50AA5504-7371-904E-A153-ED19BB4D2C6F}"/>
+                  </a:ext>
+                </a:extLst>
+              </p:cNvPr>
+              <p:cNvSpPr>
+                <a:spLocks noRot="1" noChangeAspect="1" noMove="1" noResize="1" noEditPoints="1" noAdjustHandles="1" noChangeArrowheads="1" noChangeShapeType="1" noTextEdit="1"/>
+              </p:cNvSpPr>
+              <p:nvPr/>
+            </p:nvSpPr>
+            <p:spPr>
+              <a:xfrm>
+                <a:off x="8491720" y="3856227"/>
+                <a:ext cx="3100016" cy="701859"/>
+              </a:xfrm>
+              <a:prstGeom prst="rect">
+                <a:avLst/>
+              </a:prstGeom>
+              <a:blipFill>
+                <a:blip r:embed="rId7"/>
+                <a:stretch>
+                  <a:fillRect l="-816" b="-1786"/>
                 </a:stretch>
               </a:blipFill>
             </p:spPr>
@@ -26686,10 +27988,10 @@
       </mc:AlternateContent>
       <p:sp>
         <p:nvSpPr>
-          <p:cNvPr id="7" name="テキスト ボックス 6">
+          <p:cNvPr id="15" name="テキスト ボックス 14">
             <a:extLst>
               <a:ext uri="{FF2B5EF4-FFF2-40B4-BE49-F238E27FC236}">
-                <a16:creationId xmlns:a16="http://schemas.microsoft.com/office/drawing/2014/main" id="{EA64D022-524D-46F3-8AD4-B46A1D42BCC3}"/>
+                <a16:creationId xmlns:a16="http://schemas.microsoft.com/office/drawing/2014/main" id="{505CE9A0-C520-4F4C-A382-3B5A948308E0}"/>
               </a:ext>
             </a:extLst>
           </p:cNvPr>
@@ -26698,8 +28000,8 @@
         </p:nvSpPr>
         <p:spPr>
           <a:xfrm>
-            <a:off x="98612" y="1646723"/>
-            <a:ext cx="4525100" cy="461665"/>
+            <a:off x="6125689" y="3401654"/>
+            <a:ext cx="2031325" cy="646331"/>
           </a:xfrm>
           <a:prstGeom prst="rect">
             <a:avLst/>
@@ -26707,131 +28009,141 @@
           <a:noFill/>
         </p:spPr>
         <p:txBody>
-          <a:bodyPr wrap="square" rtlCol="0">
+          <a:bodyPr wrap="none" rtlCol="0">
             <a:spAutoFit/>
           </a:bodyPr>
           <a:lstStyle/>
           <a:p>
             <a:r>
-              <a:rPr lang="en-US" altLang="ja-JP" sz="2400" dirty="0"/>
-              <a:t>1</a:t>
+              <a:rPr kumimoji="1" lang="ja-JP" altLang="en-US"/>
+              <a:t>ベルヌーイ試行列</a:t>
             </a:r>
+            <a:endParaRPr kumimoji="1" lang="en-US" altLang="ja-JP" dirty="0"/>
+          </a:p>
+          <a:p>
             <a:r>
-              <a:rPr lang="ja-JP" altLang="en-US" sz="2400" dirty="0"/>
-              <a:t>次元のランダムウォーク</a:t>
+              <a:rPr kumimoji="1" lang="ja-JP" altLang="en-US"/>
+              <a:t>に直す</a:t>
             </a:r>
-            <a:endParaRPr kumimoji="1" lang="ja-JP" altLang="en-US" sz="2400" dirty="0"/>
           </a:p>
         </p:txBody>
       </p:sp>
-      <mc:AlternateContent xmlns:mc="http://schemas.openxmlformats.org/markup-compatibility/2006" xmlns:a14="http://schemas.microsoft.com/office/drawing/2010/main">
-        <mc:Choice Requires="a14">
+      <mc:AlternateContent xmlns:mc="http://schemas.openxmlformats.org/markup-compatibility/2006">
+        <mc:Choice xmlns:a14="http://schemas.microsoft.com/office/drawing/2010/main" Requires="a14">
           <p:sp>
             <p:nvSpPr>
-              <p:cNvPr id="8" name="正方形/長方形 7">
+              <p:cNvPr id="16" name="テキスト ボックス 15">
                 <a:extLst>
                   <a:ext uri="{FF2B5EF4-FFF2-40B4-BE49-F238E27FC236}">
-                    <a16:creationId xmlns:a16="http://schemas.microsoft.com/office/drawing/2014/main" id="{B3769329-97FC-4915-831F-30871A53D31E}"/>
+                    <a16:creationId xmlns:a16="http://schemas.microsoft.com/office/drawing/2014/main" id="{D8A3616D-F3F2-C84A-BFB6-FDB53BFA116E}"/>
                   </a:ext>
                 </a:extLst>
               </p:cNvPr>
-              <p:cNvSpPr/>
+              <p:cNvSpPr txBox="1"/>
               <p:nvPr/>
             </p:nvSpPr>
             <p:spPr>
               <a:xfrm>
-                <a:off x="2558484" y="3059668"/>
-                <a:ext cx="3993529" cy="523220"/>
+                <a:off x="2417615" y="4711423"/>
+                <a:ext cx="3945311" cy="461665"/>
               </a:xfrm>
               <a:prstGeom prst="rect">
                 <a:avLst/>
               </a:prstGeom>
+              <a:noFill/>
             </p:spPr>
             <p:txBody>
-              <a:bodyPr wrap="none">
+              <a:bodyPr wrap="none" rtlCol="0">
                 <a:spAutoFit/>
               </a:bodyPr>
               <a:lstStyle/>
               <a:p>
                 <a:r>
-                  <a:rPr lang="ja-JP" altLang="en-US" sz="2800" dirty="0"/>
+                  <a:rPr lang="ja-JP" altLang="en-US" sz="2400" b="1" dirty="0">
+                    <a:solidFill>
+                      <a:schemeClr val="accent1">
+                        <a:lumMod val="75000"/>
+                      </a:schemeClr>
+                    </a:solidFill>
+                  </a:rPr>
                   <a:t>時点</a:t>
                 </a:r>
                 <a14:m>
                   <m:oMath xmlns:m="http://schemas.openxmlformats.org/officeDocument/2006/math">
                     <m:r>
-                      <a:rPr lang="en-US" altLang="ja-JP" sz="2800" b="0" i="1" smtClean="0">
+                      <a:rPr lang="en-US" altLang="ja-JP" sz="2400" b="1" i="1">
+                        <a:solidFill>
+                          <a:schemeClr val="accent1">
+                            <a:lumMod val="75000"/>
+                          </a:schemeClr>
+                        </a:solidFill>
                         <a:latin typeface="Cambria Math" panose="02040503050406030204" pitchFamily="18" charset="0"/>
                       </a:rPr>
-                      <m:t>𝑛</m:t>
+                      <m:t>𝒏</m:t>
                     </m:r>
                   </m:oMath>
                 </a14:m>
                 <a:r>
-                  <a:rPr lang="ja-JP" altLang="en-US" sz="2800" dirty="0"/>
-                  <a:t>における位置は</a:t>
+                  <a:rPr kumimoji="1" lang="ja-JP" altLang="en-US" sz="2400" b="1">
+                    <a:solidFill>
+                      <a:schemeClr val="accent1">
+                        <a:lumMod val="75000"/>
+                      </a:schemeClr>
+                    </a:solidFill>
+                  </a:rPr>
+                  <a:t>までに</a:t>
                 </a:r>
-                <a14:m>
-                  <m:oMath xmlns:m="http://schemas.openxmlformats.org/officeDocument/2006/math">
-                    <m:sSub>
-                      <m:sSubPr>
-                        <m:ctrlPr>
-                          <a:rPr lang="en-US" altLang="ja-JP" sz="2800" i="1" smtClean="0">
-                            <a:latin typeface="Cambria Math" panose="02040503050406030204" pitchFamily="18" charset="0"/>
-                          </a:rPr>
-                        </m:ctrlPr>
-                      </m:sSubPr>
-                      <m:e>
-                        <m:r>
-                          <a:rPr lang="en-US" altLang="ja-JP" sz="2800" b="0" i="1" smtClean="0">
-                            <a:latin typeface="Cambria Math" panose="02040503050406030204" pitchFamily="18" charset="0"/>
-                          </a:rPr>
-                          <m:t>𝑆</m:t>
-                        </m:r>
-                      </m:e>
-                      <m:sub>
-                        <m:r>
-                          <a:rPr lang="en-US" altLang="ja-JP" sz="2800" b="0" i="1" smtClean="0">
-                            <a:latin typeface="Cambria Math" panose="02040503050406030204" pitchFamily="18" charset="0"/>
-                          </a:rPr>
-                          <m:t>𝑛</m:t>
-                        </m:r>
-                      </m:sub>
-                    </m:sSub>
-                  </m:oMath>
-                </a14:m>
-                <a:endParaRPr lang="ja-JP" altLang="en-US" sz="2800" dirty="0"/>
+                <a:r>
+                  <a:rPr kumimoji="1" lang="en-US" altLang="ja-JP" sz="2400" b="1" dirty="0">
+                    <a:solidFill>
+                      <a:schemeClr val="accent1">
+                        <a:lumMod val="75000"/>
+                      </a:schemeClr>
+                    </a:solidFill>
+                  </a:rPr>
+                  <a:t>1</a:t>
+                </a:r>
+                <a:r>
+                  <a:rPr kumimoji="1" lang="ja-JP" altLang="en-US" sz="2400" b="1">
+                    <a:solidFill>
+                      <a:schemeClr val="accent1">
+                        <a:lumMod val="75000"/>
+                      </a:schemeClr>
+                    </a:solidFill>
+                  </a:rPr>
+                  <a:t>が生起する数</a:t>
+                </a:r>
               </a:p>
             </p:txBody>
           </p:sp>
         </mc:Choice>
-        <mc:Fallback xmlns="">
+        <mc:Fallback>
           <p:sp>
             <p:nvSpPr>
-              <p:cNvPr id="8" name="正方形/長方形 7">
+              <p:cNvPr id="16" name="テキスト ボックス 15">
                 <a:extLst>
                   <a:ext uri="{FF2B5EF4-FFF2-40B4-BE49-F238E27FC236}">
-                    <a16:creationId xmlns:a16="http://schemas.microsoft.com/office/drawing/2014/main" id="{B3769329-97FC-4915-831F-30871A53D31E}"/>
+                    <a16:creationId xmlns:a16="http://schemas.microsoft.com/office/drawing/2014/main" id="{D8A3616D-F3F2-C84A-BFB6-FDB53BFA116E}"/>
                   </a:ext>
                 </a:extLst>
               </p:cNvPr>
-              <p:cNvSpPr>
+              <p:cNvSpPr txBox="1">
                 <a:spLocks noRot="1" noChangeAspect="1" noMove="1" noResize="1" noEditPoints="1" noAdjustHandles="1" noChangeArrowheads="1" noChangeShapeType="1" noTextEdit="1"/>
               </p:cNvSpPr>
               <p:nvPr/>
             </p:nvSpPr>
             <p:spPr>
               <a:xfrm>
-                <a:off x="2558484" y="3059668"/>
-                <a:ext cx="3993529" cy="523220"/>
+                <a:off x="2417615" y="4711423"/>
+                <a:ext cx="3945311" cy="461665"/>
               </a:xfrm>
               <a:prstGeom prst="rect">
                 <a:avLst/>
               </a:prstGeom>
               <a:blipFill>
-                <a:blip r:embed="rId4"/>
+                <a:blip r:embed="rId8"/>
                 <a:stretch>
-                  <a:fillRect l="-3206" t="-11628" b="-32558"/>
+                  <a:fillRect l="-2244" t="-8108" r="-1282" b="-29730"/>
                 </a:stretch>
               </a:blipFill>
             </p:spPr>
@@ -26850,6 +28162,848 @@
           </p:sp>
         </mc:Fallback>
       </mc:AlternateContent>
+      <p:sp>
+        <p:nvSpPr>
+          <p:cNvPr id="17" name="テキスト ボックス 16">
+            <a:extLst>
+              <a:ext uri="{FF2B5EF4-FFF2-40B4-BE49-F238E27FC236}">
+                <a16:creationId xmlns:a16="http://schemas.microsoft.com/office/drawing/2014/main" id="{880E2798-6394-E643-A2E7-BE17EBADA122}"/>
+              </a:ext>
+            </a:extLst>
+          </p:cNvPr>
+          <p:cNvSpPr txBox="1"/>
+          <p:nvPr/>
+        </p:nvSpPr>
+        <p:spPr>
+          <a:xfrm>
+            <a:off x="65315" y="5588215"/>
+            <a:ext cx="1540806" cy="400110"/>
+          </a:xfrm>
+          <a:prstGeom prst="rect">
+            <a:avLst/>
+          </a:prstGeom>
+          <a:noFill/>
+        </p:spPr>
+        <p:txBody>
+          <a:bodyPr wrap="none" rtlCol="0">
+            <a:spAutoFit/>
+          </a:bodyPr>
+          <a:lstStyle/>
+          <a:p>
+            <a:r>
+              <a:rPr kumimoji="1" lang="ja-JP" altLang="en-US" sz="2000" b="1"/>
+              <a:t>求める確率</a:t>
+            </a:r>
+            <a:r>
+              <a:rPr kumimoji="1" lang="en-US" altLang="ja-JP" sz="2000" b="1" dirty="0"/>
+              <a:t> </a:t>
+            </a:r>
+            <a:endParaRPr kumimoji="1" lang="ja-JP" altLang="en-US" sz="2000" b="1"/>
+          </a:p>
+        </p:txBody>
+      </p:sp>
+      <mc:AlternateContent xmlns:mc="http://schemas.openxmlformats.org/markup-compatibility/2006">
+        <mc:Choice xmlns:a14="http://schemas.microsoft.com/office/drawing/2010/main" Requires="a14">
+          <p:sp>
+            <p:nvSpPr>
+              <p:cNvPr id="18" name="テキスト ボックス 17">
+                <a:extLst>
+                  <a:ext uri="{FF2B5EF4-FFF2-40B4-BE49-F238E27FC236}">
+                    <a16:creationId xmlns:a16="http://schemas.microsoft.com/office/drawing/2014/main" id="{95EBEF49-4AD5-E340-BD27-513BA9B060E0}"/>
+                  </a:ext>
+                </a:extLst>
+              </p:cNvPr>
+              <p:cNvSpPr txBox="1"/>
+              <p:nvPr/>
+            </p:nvSpPr>
+            <p:spPr>
+              <a:xfrm>
+                <a:off x="1508329" y="5296711"/>
+                <a:ext cx="9138079" cy="1081065"/>
+              </a:xfrm>
+              <a:prstGeom prst="rect">
+                <a:avLst/>
+              </a:prstGeom>
+              <a:noFill/>
+            </p:spPr>
+            <p:txBody>
+              <a:bodyPr wrap="none" rtlCol="0">
+                <a:spAutoFit/>
+              </a:bodyPr>
+              <a:lstStyle/>
+              <a:p>
+                <a:pPr/>
+                <a14:m>
+                  <m:oMathPara xmlns:m="http://schemas.openxmlformats.org/officeDocument/2006/math">
+                    <m:oMathParaPr>
+                      <m:jc m:val="left"/>
+                    </m:oMathParaPr>
+                    <m:oMath xmlns:m="http://schemas.openxmlformats.org/officeDocument/2006/math">
+                      <m:r>
+                        <a:rPr lang="en-US" altLang="ja-JP" sz="2800" b="0" i="1" smtClean="0">
+                          <a:latin typeface="Cambria Math" panose="02040503050406030204" pitchFamily="18" charset="0"/>
+                        </a:rPr>
+                        <m:t>𝑃</m:t>
+                      </m:r>
+                      <m:d>
+                        <m:dPr>
+                          <m:ctrlPr>
+                            <a:rPr lang="en-US" altLang="ja-JP" sz="2800" b="0" i="1" smtClean="0">
+                              <a:latin typeface="Cambria Math" panose="02040503050406030204" pitchFamily="18" charset="0"/>
+                            </a:rPr>
+                          </m:ctrlPr>
+                        </m:dPr>
+                        <m:e>
+                          <m:sSub>
+                            <m:sSubPr>
+                              <m:ctrlPr>
+                                <a:rPr lang="en-US" altLang="ja-JP" sz="2800" i="1">
+                                  <a:latin typeface="Cambria Math" panose="02040503050406030204" pitchFamily="18" charset="0"/>
+                                </a:rPr>
+                              </m:ctrlPr>
+                            </m:sSubPr>
+                            <m:e>
+                              <m:r>
+                                <a:rPr lang="en-US" altLang="ja-JP" sz="2800" i="1">
+                                  <a:latin typeface="Cambria Math" panose="02040503050406030204" pitchFamily="18" charset="0"/>
+                                </a:rPr>
+                                <m:t>𝑆</m:t>
+                              </m:r>
+                            </m:e>
+                            <m:sub>
+                              <m:r>
+                                <a:rPr lang="en-US" altLang="ja-JP" sz="2800" i="1">
+                                  <a:latin typeface="Cambria Math" panose="02040503050406030204" pitchFamily="18" charset="0"/>
+                                </a:rPr>
+                                <m:t>𝑛</m:t>
+                              </m:r>
+                            </m:sub>
+                          </m:sSub>
+                          <m:r>
+                            <a:rPr lang="en-US" altLang="ja-JP" sz="2800">
+                              <a:latin typeface="Cambria Math" panose="02040503050406030204" pitchFamily="18" charset="0"/>
+                            </a:rPr>
+                            <m:t>=</m:t>
+                          </m:r>
+                          <m:r>
+                            <a:rPr lang="en-US" altLang="ja-JP" sz="2800" b="0" i="1" smtClean="0">
+                              <a:solidFill>
+                                <a:schemeClr val="accent1">
+                                  <a:lumMod val="75000"/>
+                                </a:schemeClr>
+                              </a:solidFill>
+                              <a:latin typeface="Cambria Math" panose="02040503050406030204" pitchFamily="18" charset="0"/>
+                            </a:rPr>
+                            <m:t>𝑟</m:t>
+                          </m:r>
+                        </m:e>
+                      </m:d>
+                      <m:r>
+                        <a:rPr lang="en-US" altLang="ja-JP" sz="2800" b="0" i="1" smtClean="0">
+                          <a:latin typeface="Cambria Math" panose="02040503050406030204" pitchFamily="18" charset="0"/>
+                        </a:rPr>
+                        <m:t>=</m:t>
+                      </m:r>
+                      <m:r>
+                        <a:rPr lang="en-US" altLang="ja-JP" sz="2800" b="0" i="1" smtClean="0">
+                          <a:latin typeface="Cambria Math" panose="02040503050406030204" pitchFamily="18" charset="0"/>
+                        </a:rPr>
+                        <m:t>𝑃</m:t>
+                      </m:r>
+                      <m:d>
+                        <m:dPr>
+                          <m:ctrlPr>
+                            <a:rPr lang="en-US" altLang="ja-JP" sz="2800" b="0" i="1" smtClean="0">
+                              <a:latin typeface="Cambria Math" panose="02040503050406030204" pitchFamily="18" charset="0"/>
+                            </a:rPr>
+                          </m:ctrlPr>
+                        </m:dPr>
+                        <m:e>
+                          <m:sSub>
+                            <m:sSubPr>
+                              <m:ctrlPr>
+                                <a:rPr lang="en-US" altLang="ja-JP" sz="2800" i="1">
+                                  <a:latin typeface="Cambria Math" panose="02040503050406030204" pitchFamily="18" charset="0"/>
+                                </a:rPr>
+                              </m:ctrlPr>
+                            </m:sSubPr>
+                            <m:e>
+                              <m:r>
+                                <a:rPr lang="en-US" altLang="ja-JP" sz="2800" i="1">
+                                  <a:latin typeface="Cambria Math" panose="02040503050406030204" pitchFamily="18" charset="0"/>
+                                </a:rPr>
+                                <m:t>𝐵</m:t>
+                              </m:r>
+                            </m:e>
+                            <m:sub>
+                              <m:r>
+                                <a:rPr lang="en-US" altLang="ja-JP" sz="2800" i="1">
+                                  <a:latin typeface="Cambria Math" panose="02040503050406030204" pitchFamily="18" charset="0"/>
+                                </a:rPr>
+                                <m:t>𝑛</m:t>
+                              </m:r>
+                            </m:sub>
+                          </m:sSub>
+                          <m:r>
+                            <a:rPr lang="en-US" altLang="ja-JP" sz="2800" b="0" i="1" smtClean="0">
+                              <a:latin typeface="Cambria Math" panose="02040503050406030204" pitchFamily="18" charset="0"/>
+                            </a:rPr>
+                            <m:t>=</m:t>
+                          </m:r>
+                          <m:f>
+                            <m:fPr>
+                              <m:ctrlPr>
+                                <a:rPr lang="en-US" altLang="ja-JP" sz="2800" i="1" smtClean="0">
+                                  <a:solidFill>
+                                    <a:schemeClr val="accent1">
+                                      <a:lumMod val="75000"/>
+                                    </a:schemeClr>
+                                  </a:solidFill>
+                                  <a:latin typeface="Cambria Math" panose="02040503050406030204" pitchFamily="18" charset="0"/>
+                                </a:rPr>
+                              </m:ctrlPr>
+                            </m:fPr>
+                            <m:num>
+                              <m:r>
+                                <a:rPr lang="en-US" altLang="ja-JP" sz="2800" b="0" i="1" smtClean="0">
+                                  <a:solidFill>
+                                    <a:schemeClr val="accent1">
+                                      <a:lumMod val="75000"/>
+                                    </a:schemeClr>
+                                  </a:solidFill>
+                                  <a:latin typeface="Cambria Math" panose="02040503050406030204" pitchFamily="18" charset="0"/>
+                                </a:rPr>
+                                <m:t>𝑟</m:t>
+                              </m:r>
+                              <m:r>
+                                <a:rPr lang="en-US" altLang="ja-JP" sz="2800" i="1">
+                                  <a:solidFill>
+                                    <a:schemeClr val="accent1">
+                                      <a:lumMod val="75000"/>
+                                    </a:schemeClr>
+                                  </a:solidFill>
+                                  <a:latin typeface="Cambria Math" panose="02040503050406030204" pitchFamily="18" charset="0"/>
+                                </a:rPr>
+                                <m:t>+</m:t>
+                              </m:r>
+                              <m:r>
+                                <a:rPr lang="en-US" altLang="ja-JP" sz="2800" i="1">
+                                  <a:solidFill>
+                                    <a:schemeClr val="accent1">
+                                      <a:lumMod val="75000"/>
+                                    </a:schemeClr>
+                                  </a:solidFill>
+                                  <a:latin typeface="Cambria Math" panose="02040503050406030204" pitchFamily="18" charset="0"/>
+                                </a:rPr>
+                                <m:t>𝑛</m:t>
+                              </m:r>
+                            </m:num>
+                            <m:den>
+                              <m:r>
+                                <a:rPr lang="en-US" altLang="ja-JP" sz="2800" i="1">
+                                  <a:solidFill>
+                                    <a:schemeClr val="accent1">
+                                      <a:lumMod val="75000"/>
+                                    </a:schemeClr>
+                                  </a:solidFill>
+                                  <a:latin typeface="Cambria Math" panose="02040503050406030204" pitchFamily="18" charset="0"/>
+                                </a:rPr>
+                                <m:t>2</m:t>
+                              </m:r>
+                            </m:den>
+                          </m:f>
+                        </m:e>
+                      </m:d>
+                      <m:r>
+                        <a:rPr lang="en-US" altLang="ja-JP" sz="2800" b="0" i="1" smtClean="0">
+                          <a:latin typeface="Cambria Math" panose="02040503050406030204" pitchFamily="18" charset="0"/>
+                        </a:rPr>
+                        <m:t>=</m:t>
+                      </m:r>
+                      <m:d>
+                        <m:dPr>
+                          <m:ctrlPr>
+                            <a:rPr lang="en-US" altLang="ja-JP" sz="2800" b="0" i="1" smtClean="0">
+                              <a:latin typeface="Cambria Math" panose="02040503050406030204" pitchFamily="18" charset="0"/>
+                            </a:rPr>
+                          </m:ctrlPr>
+                        </m:dPr>
+                        <m:e>
+                          <m:f>
+                            <m:fPr>
+                              <m:type m:val="noBar"/>
+                              <m:ctrlPr>
+                                <a:rPr lang="en-US" altLang="ja-JP" sz="2800" b="0" i="1" smtClean="0">
+                                  <a:latin typeface="Cambria Math" panose="02040503050406030204" pitchFamily="18" charset="0"/>
+                                </a:rPr>
+                              </m:ctrlPr>
+                            </m:fPr>
+                            <m:num>
+                              <m:r>
+                                <a:rPr lang="en-US" altLang="ja-JP" sz="2800" b="0" i="1" smtClean="0">
+                                  <a:latin typeface="Cambria Math" panose="02040503050406030204" pitchFamily="18" charset="0"/>
+                                </a:rPr>
+                                <m:t>𝑛</m:t>
+                              </m:r>
+                            </m:num>
+                            <m:den>
+                              <m:f>
+                                <m:fPr>
+                                  <m:ctrlPr>
+                                    <a:rPr lang="en-US" altLang="ja-JP" sz="2800" i="1" smtClean="0">
+                                      <a:solidFill>
+                                        <a:schemeClr val="accent1">
+                                          <a:lumMod val="75000"/>
+                                        </a:schemeClr>
+                                      </a:solidFill>
+                                      <a:latin typeface="Cambria Math" panose="02040503050406030204" pitchFamily="18" charset="0"/>
+                                    </a:rPr>
+                                  </m:ctrlPr>
+                                </m:fPr>
+                                <m:num>
+                                  <m:r>
+                                    <a:rPr lang="en-US" altLang="ja-JP" sz="2800" i="1">
+                                      <a:solidFill>
+                                        <a:schemeClr val="accent1">
+                                          <a:lumMod val="75000"/>
+                                        </a:schemeClr>
+                                      </a:solidFill>
+                                      <a:latin typeface="Cambria Math" panose="02040503050406030204" pitchFamily="18" charset="0"/>
+                                    </a:rPr>
+                                    <m:t>𝑟</m:t>
+                                  </m:r>
+                                  <m:r>
+                                    <a:rPr lang="en-US" altLang="ja-JP" sz="2800" i="1">
+                                      <a:solidFill>
+                                        <a:schemeClr val="accent1">
+                                          <a:lumMod val="75000"/>
+                                        </a:schemeClr>
+                                      </a:solidFill>
+                                      <a:latin typeface="Cambria Math" panose="02040503050406030204" pitchFamily="18" charset="0"/>
+                                    </a:rPr>
+                                    <m:t>+</m:t>
+                                  </m:r>
+                                  <m:r>
+                                    <a:rPr lang="en-US" altLang="ja-JP" sz="2800" i="1">
+                                      <a:solidFill>
+                                        <a:schemeClr val="accent1">
+                                          <a:lumMod val="75000"/>
+                                        </a:schemeClr>
+                                      </a:solidFill>
+                                      <a:latin typeface="Cambria Math" panose="02040503050406030204" pitchFamily="18" charset="0"/>
+                                    </a:rPr>
+                                    <m:t>𝑛</m:t>
+                                  </m:r>
+                                </m:num>
+                                <m:den>
+                                  <m:r>
+                                    <a:rPr lang="en-US" altLang="ja-JP" sz="2800" i="1">
+                                      <a:solidFill>
+                                        <a:schemeClr val="accent1">
+                                          <a:lumMod val="75000"/>
+                                        </a:schemeClr>
+                                      </a:solidFill>
+                                      <a:latin typeface="Cambria Math" panose="02040503050406030204" pitchFamily="18" charset="0"/>
+                                    </a:rPr>
+                                    <m:t>2</m:t>
+                                  </m:r>
+                                </m:den>
+                              </m:f>
+                            </m:den>
+                          </m:f>
+                        </m:e>
+                      </m:d>
+                      <m:sSup>
+                        <m:sSupPr>
+                          <m:ctrlPr>
+                            <a:rPr lang="en-US" altLang="ja-JP" sz="2800" b="0" i="1" smtClean="0">
+                              <a:latin typeface="Cambria Math" panose="02040503050406030204" pitchFamily="18" charset="0"/>
+                            </a:rPr>
+                          </m:ctrlPr>
+                        </m:sSupPr>
+                        <m:e>
+                          <m:r>
+                            <a:rPr lang="en-US" altLang="ja-JP" sz="2800" b="0" i="1" smtClean="0">
+                              <a:latin typeface="Cambria Math" panose="02040503050406030204" pitchFamily="18" charset="0"/>
+                            </a:rPr>
+                            <m:t>𝑝</m:t>
+                          </m:r>
+                        </m:e>
+                        <m:sup>
+                          <m:f>
+                            <m:fPr>
+                              <m:ctrlPr>
+                                <a:rPr lang="en-US" altLang="ja-JP" sz="2800" i="1" smtClean="0">
+                                  <a:solidFill>
+                                    <a:schemeClr val="accent1">
+                                      <a:lumMod val="75000"/>
+                                    </a:schemeClr>
+                                  </a:solidFill>
+                                  <a:latin typeface="Cambria Math" panose="02040503050406030204" pitchFamily="18" charset="0"/>
+                                </a:rPr>
+                              </m:ctrlPr>
+                            </m:fPr>
+                            <m:num>
+                              <m:r>
+                                <a:rPr lang="en-US" altLang="ja-JP" sz="2800" i="1">
+                                  <a:solidFill>
+                                    <a:schemeClr val="accent1">
+                                      <a:lumMod val="75000"/>
+                                    </a:schemeClr>
+                                  </a:solidFill>
+                                  <a:latin typeface="Cambria Math" panose="02040503050406030204" pitchFamily="18" charset="0"/>
+                                </a:rPr>
+                                <m:t>𝑟</m:t>
+                              </m:r>
+                              <m:r>
+                                <a:rPr lang="en-US" altLang="ja-JP" sz="2800" i="1">
+                                  <a:solidFill>
+                                    <a:schemeClr val="accent1">
+                                      <a:lumMod val="75000"/>
+                                    </a:schemeClr>
+                                  </a:solidFill>
+                                  <a:latin typeface="Cambria Math" panose="02040503050406030204" pitchFamily="18" charset="0"/>
+                                </a:rPr>
+                                <m:t>+</m:t>
+                              </m:r>
+                              <m:r>
+                                <a:rPr lang="en-US" altLang="ja-JP" sz="2800" i="1">
+                                  <a:solidFill>
+                                    <a:schemeClr val="accent1">
+                                      <a:lumMod val="75000"/>
+                                    </a:schemeClr>
+                                  </a:solidFill>
+                                  <a:latin typeface="Cambria Math" panose="02040503050406030204" pitchFamily="18" charset="0"/>
+                                </a:rPr>
+                                <m:t>𝑛</m:t>
+                              </m:r>
+                            </m:num>
+                            <m:den>
+                              <m:r>
+                                <a:rPr lang="en-US" altLang="ja-JP" sz="2800" i="1">
+                                  <a:solidFill>
+                                    <a:schemeClr val="accent1">
+                                      <a:lumMod val="75000"/>
+                                    </a:schemeClr>
+                                  </a:solidFill>
+                                  <a:latin typeface="Cambria Math" panose="02040503050406030204" pitchFamily="18" charset="0"/>
+                                </a:rPr>
+                                <m:t>2</m:t>
+                              </m:r>
+                            </m:den>
+                          </m:f>
+                        </m:sup>
+                      </m:sSup>
+                      <m:sSup>
+                        <m:sSupPr>
+                          <m:ctrlPr>
+                            <a:rPr lang="en-US" altLang="ja-JP" sz="2800" b="0" i="1" smtClean="0">
+                              <a:latin typeface="Cambria Math" panose="02040503050406030204" pitchFamily="18" charset="0"/>
+                            </a:rPr>
+                          </m:ctrlPr>
+                        </m:sSupPr>
+                        <m:e>
+                          <m:r>
+                            <a:rPr lang="en-US" altLang="ja-JP" sz="2800" b="0" i="1" smtClean="0">
+                              <a:latin typeface="Cambria Math" panose="02040503050406030204" pitchFamily="18" charset="0"/>
+                            </a:rPr>
+                            <m:t>(1−</m:t>
+                          </m:r>
+                          <m:r>
+                            <a:rPr lang="en-US" altLang="ja-JP" sz="2800" b="0" i="1" smtClean="0">
+                              <a:latin typeface="Cambria Math" panose="02040503050406030204" pitchFamily="18" charset="0"/>
+                            </a:rPr>
+                            <m:t>𝑝</m:t>
+                          </m:r>
+                          <m:r>
+                            <a:rPr lang="en-US" altLang="ja-JP" sz="2800" b="0" i="1" smtClean="0">
+                              <a:latin typeface="Cambria Math" panose="02040503050406030204" pitchFamily="18" charset="0"/>
+                            </a:rPr>
+                            <m:t>)</m:t>
+                          </m:r>
+                        </m:e>
+                        <m:sup>
+                          <m:r>
+                            <a:rPr lang="en-US" altLang="ja-JP" sz="2800" b="0" i="1" smtClean="0">
+                              <a:latin typeface="Cambria Math" panose="02040503050406030204" pitchFamily="18" charset="0"/>
+                            </a:rPr>
+                            <m:t>𝑛</m:t>
+                          </m:r>
+                          <m:r>
+                            <a:rPr lang="en-US" altLang="ja-JP" sz="2800" b="0" i="1" smtClean="0">
+                              <a:latin typeface="Cambria Math" panose="02040503050406030204" pitchFamily="18" charset="0"/>
+                            </a:rPr>
+                            <m:t>−</m:t>
+                          </m:r>
+                          <m:f>
+                            <m:fPr>
+                              <m:ctrlPr>
+                                <a:rPr lang="en-US" altLang="ja-JP" sz="2800" i="1" smtClean="0">
+                                  <a:solidFill>
+                                    <a:schemeClr val="accent1">
+                                      <a:lumMod val="75000"/>
+                                    </a:schemeClr>
+                                  </a:solidFill>
+                                  <a:latin typeface="Cambria Math" panose="02040503050406030204" pitchFamily="18" charset="0"/>
+                                </a:rPr>
+                              </m:ctrlPr>
+                            </m:fPr>
+                            <m:num>
+                              <m:r>
+                                <a:rPr lang="en-US" altLang="ja-JP" sz="2800" i="1">
+                                  <a:solidFill>
+                                    <a:schemeClr val="accent1">
+                                      <a:lumMod val="75000"/>
+                                    </a:schemeClr>
+                                  </a:solidFill>
+                                  <a:latin typeface="Cambria Math" panose="02040503050406030204" pitchFamily="18" charset="0"/>
+                                </a:rPr>
+                                <m:t>𝑟</m:t>
+                              </m:r>
+                              <m:r>
+                                <a:rPr lang="en-US" altLang="ja-JP" sz="2800" i="1">
+                                  <a:solidFill>
+                                    <a:schemeClr val="accent1">
+                                      <a:lumMod val="75000"/>
+                                    </a:schemeClr>
+                                  </a:solidFill>
+                                  <a:latin typeface="Cambria Math" panose="02040503050406030204" pitchFamily="18" charset="0"/>
+                                </a:rPr>
+                                <m:t>+</m:t>
+                              </m:r>
+                              <m:r>
+                                <a:rPr lang="en-US" altLang="ja-JP" sz="2800" i="1">
+                                  <a:solidFill>
+                                    <a:schemeClr val="accent1">
+                                      <a:lumMod val="75000"/>
+                                    </a:schemeClr>
+                                  </a:solidFill>
+                                  <a:latin typeface="Cambria Math" panose="02040503050406030204" pitchFamily="18" charset="0"/>
+                                </a:rPr>
+                                <m:t>𝑛</m:t>
+                              </m:r>
+                            </m:num>
+                            <m:den>
+                              <m:r>
+                                <a:rPr lang="en-US" altLang="ja-JP" sz="2800" i="1">
+                                  <a:solidFill>
+                                    <a:schemeClr val="accent1">
+                                      <a:lumMod val="75000"/>
+                                    </a:schemeClr>
+                                  </a:solidFill>
+                                  <a:latin typeface="Cambria Math" panose="02040503050406030204" pitchFamily="18" charset="0"/>
+                                </a:rPr>
+                                <m:t>2</m:t>
+                              </m:r>
+                            </m:den>
+                          </m:f>
+                        </m:sup>
+                      </m:sSup>
+                    </m:oMath>
+                  </m:oMathPara>
+                </a14:m>
+                <a:endParaRPr kumimoji="1" lang="ja-JP" altLang="en-US" sz="2800"/>
+              </a:p>
+            </p:txBody>
+          </p:sp>
+        </mc:Choice>
+        <mc:Fallback>
+          <p:sp>
+            <p:nvSpPr>
+              <p:cNvPr id="18" name="テキスト ボックス 17">
+                <a:extLst>
+                  <a:ext uri="{FF2B5EF4-FFF2-40B4-BE49-F238E27FC236}">
+                    <a16:creationId xmlns:a16="http://schemas.microsoft.com/office/drawing/2014/main" id="{95EBEF49-4AD5-E340-BD27-513BA9B060E0}"/>
+                  </a:ext>
+                </a:extLst>
+              </p:cNvPr>
+              <p:cNvSpPr txBox="1">
+                <a:spLocks noRot="1" noChangeAspect="1" noMove="1" noResize="1" noEditPoints="1" noAdjustHandles="1" noChangeArrowheads="1" noChangeShapeType="1" noTextEdit="1"/>
+              </p:cNvSpPr>
+              <p:nvPr/>
+            </p:nvSpPr>
+            <p:spPr>
+              <a:xfrm>
+                <a:off x="1508329" y="5296711"/>
+                <a:ext cx="9138079" cy="1081065"/>
+              </a:xfrm>
+              <a:prstGeom prst="rect">
+                <a:avLst/>
+              </a:prstGeom>
+              <a:blipFill>
+                <a:blip r:embed="rId9"/>
+                <a:stretch>
+                  <a:fillRect l="-278" b="-4651"/>
+                </a:stretch>
+              </a:blipFill>
+            </p:spPr>
+            <p:txBody>
+              <a:bodyPr/>
+              <a:lstStyle/>
+              <a:p>
+                <a:r>
+                  <a:rPr lang="ja-JP" altLang="en-US">
+                    <a:noFill/>
+                  </a:rPr>
+                  <a:t> </a:t>
+                </a:r>
+              </a:p>
+            </p:txBody>
+          </p:sp>
+        </mc:Fallback>
+      </mc:AlternateContent>
+      <p:sp>
+        <p:nvSpPr>
+          <p:cNvPr id="21" name="テキスト ボックス 20">
+            <a:extLst>
+              <a:ext uri="{FF2B5EF4-FFF2-40B4-BE49-F238E27FC236}">
+                <a16:creationId xmlns:a16="http://schemas.microsoft.com/office/drawing/2014/main" id="{5F8E606B-4E18-0741-BA22-64652630D5DC}"/>
+              </a:ext>
+            </a:extLst>
+          </p:cNvPr>
+          <p:cNvSpPr txBox="1"/>
+          <p:nvPr/>
+        </p:nvSpPr>
+        <p:spPr>
+          <a:xfrm>
+            <a:off x="7393555" y="6430792"/>
+            <a:ext cx="2236510" cy="400110"/>
+          </a:xfrm>
+          <a:prstGeom prst="rect">
+            <a:avLst/>
+          </a:prstGeom>
+          <a:noFill/>
+        </p:spPr>
+        <p:txBody>
+          <a:bodyPr wrap="none" rtlCol="0">
+            <a:spAutoFit/>
+          </a:bodyPr>
+          <a:lstStyle/>
+          <a:p>
+            <a:r>
+              <a:rPr kumimoji="1" lang="ja-JP" altLang="en-US" sz="2000" b="1">
+                <a:solidFill>
+                  <a:schemeClr val="accent2">
+                    <a:lumMod val="75000"/>
+                  </a:schemeClr>
+                </a:solidFill>
+              </a:rPr>
+              <a:t>二項分布じゃん！</a:t>
+            </a:r>
+          </a:p>
+        </p:txBody>
+      </p:sp>
+      <p:sp>
+        <p:nvSpPr>
+          <p:cNvPr id="22" name="左カーブ矢印 21">
+            <a:extLst>
+              <a:ext uri="{FF2B5EF4-FFF2-40B4-BE49-F238E27FC236}">
+                <a16:creationId xmlns:a16="http://schemas.microsoft.com/office/drawing/2014/main" id="{C79B832B-71DD-0647-9865-0CA4AB5351DF}"/>
+              </a:ext>
+            </a:extLst>
+          </p:cNvPr>
+          <p:cNvSpPr/>
+          <p:nvPr/>
+        </p:nvSpPr>
+        <p:spPr>
+          <a:xfrm>
+            <a:off x="5364840" y="3047150"/>
+            <a:ext cx="743105" cy="1277446"/>
+          </a:xfrm>
+          <a:prstGeom prst="curvedLeftArrow">
+            <a:avLst/>
+          </a:prstGeom>
+          <a:solidFill>
+            <a:schemeClr val="bg2">
+              <a:lumMod val="75000"/>
+            </a:schemeClr>
+          </a:solidFill>
+          <a:ln>
+            <a:noFill/>
+          </a:ln>
+        </p:spPr>
+        <p:style>
+          <a:lnRef idx="2">
+            <a:schemeClr val="accent1">
+              <a:shade val="50000"/>
+            </a:schemeClr>
+          </a:lnRef>
+          <a:fillRef idx="1">
+            <a:schemeClr val="accent1"/>
+          </a:fillRef>
+          <a:effectRef idx="0">
+            <a:schemeClr val="accent1"/>
+          </a:effectRef>
+          <a:fontRef idx="minor">
+            <a:schemeClr val="lt1"/>
+          </a:fontRef>
+        </p:style>
+        <p:txBody>
+          <a:bodyPr rtlCol="0" anchor="ctr"/>
+          <a:lstStyle/>
+          <a:p>
+            <a:pPr algn="ctr"/>
+            <a:endParaRPr kumimoji="1" lang="ja-JP" altLang="en-US">
+              <a:solidFill>
+                <a:schemeClr val="tx1"/>
+              </a:solidFill>
+            </a:endParaRPr>
+          </a:p>
+        </p:txBody>
+      </p:sp>
+      <p:sp>
+        <p:nvSpPr>
+          <p:cNvPr id="23" name="下矢印 22">
+            <a:extLst>
+              <a:ext uri="{FF2B5EF4-FFF2-40B4-BE49-F238E27FC236}">
+                <a16:creationId xmlns:a16="http://schemas.microsoft.com/office/drawing/2014/main" id="{C3B655D5-8DC9-6043-8E95-05944E852CAC}"/>
+              </a:ext>
+            </a:extLst>
+          </p:cNvPr>
+          <p:cNvSpPr/>
+          <p:nvPr/>
+        </p:nvSpPr>
+        <p:spPr>
+          <a:xfrm>
+            <a:off x="9695378" y="3565987"/>
+            <a:ext cx="692699" cy="289617"/>
+          </a:xfrm>
+          <a:prstGeom prst="downArrow">
+            <a:avLst/>
+          </a:prstGeom>
+          <a:solidFill>
+            <a:schemeClr val="bg2">
+              <a:lumMod val="75000"/>
+            </a:schemeClr>
+          </a:solidFill>
+          <a:ln>
+            <a:noFill/>
+          </a:ln>
+        </p:spPr>
+        <p:style>
+          <a:lnRef idx="2">
+            <a:schemeClr val="accent1">
+              <a:shade val="50000"/>
+            </a:schemeClr>
+          </a:lnRef>
+          <a:fillRef idx="1">
+            <a:schemeClr val="accent1"/>
+          </a:fillRef>
+          <a:effectRef idx="0">
+            <a:schemeClr val="accent1"/>
+          </a:effectRef>
+          <a:fontRef idx="minor">
+            <a:schemeClr val="lt1"/>
+          </a:fontRef>
+        </p:style>
+        <p:txBody>
+          <a:bodyPr rtlCol="0" anchor="ctr"/>
+          <a:lstStyle/>
+          <a:p>
+            <a:pPr algn="ctr"/>
+            <a:endParaRPr kumimoji="1" lang="ja-JP" altLang="en-US"/>
+          </a:p>
+        </p:txBody>
+      </p:sp>
+      <p:sp>
+        <p:nvSpPr>
+          <p:cNvPr id="26" name="右矢印 25">
+            <a:extLst>
+              <a:ext uri="{FF2B5EF4-FFF2-40B4-BE49-F238E27FC236}">
+                <a16:creationId xmlns:a16="http://schemas.microsoft.com/office/drawing/2014/main" id="{FE6FD869-5507-DA41-A716-D6AC3B02ACB5}"/>
+              </a:ext>
+            </a:extLst>
+          </p:cNvPr>
+          <p:cNvSpPr/>
+          <p:nvPr/>
+        </p:nvSpPr>
+        <p:spPr>
+          <a:xfrm>
+            <a:off x="1962015" y="4653235"/>
+            <a:ext cx="455600" cy="604035"/>
+          </a:xfrm>
+          <a:prstGeom prst="rightArrow">
+            <a:avLst/>
+          </a:prstGeom>
+          <a:solidFill>
+            <a:schemeClr val="accent1">
+              <a:lumMod val="75000"/>
+            </a:schemeClr>
+          </a:solidFill>
+          <a:ln>
+            <a:noFill/>
+          </a:ln>
+        </p:spPr>
+        <p:style>
+          <a:lnRef idx="2">
+            <a:schemeClr val="accent1">
+              <a:shade val="50000"/>
+            </a:schemeClr>
+          </a:lnRef>
+          <a:fillRef idx="1">
+            <a:schemeClr val="accent1"/>
+          </a:fillRef>
+          <a:effectRef idx="0">
+            <a:schemeClr val="accent1"/>
+          </a:effectRef>
+          <a:fontRef idx="minor">
+            <a:schemeClr val="lt1"/>
+          </a:fontRef>
+        </p:style>
+        <p:txBody>
+          <a:bodyPr rtlCol="0" anchor="ctr"/>
+          <a:lstStyle/>
+          <a:p>
+            <a:pPr algn="ctr"/>
+            <a:endParaRPr kumimoji="1" lang="ja-JP" altLang="en-US"/>
+          </a:p>
+        </p:txBody>
+      </p:sp>
+      <p:cxnSp>
+        <p:nvCxnSpPr>
+          <p:cNvPr id="28" name="直線コネクタ 27">
+            <a:extLst>
+              <a:ext uri="{FF2B5EF4-FFF2-40B4-BE49-F238E27FC236}">
+                <a16:creationId xmlns:a16="http://schemas.microsoft.com/office/drawing/2014/main" id="{4FC42370-BDE5-594B-A239-951DC34ACA3C}"/>
+              </a:ext>
+            </a:extLst>
+          </p:cNvPr>
+          <p:cNvCxnSpPr>
+            <a:cxnSpLocks/>
+          </p:cNvCxnSpPr>
+          <p:nvPr/>
+        </p:nvCxnSpPr>
+        <p:spPr>
+          <a:xfrm>
+            <a:off x="6435472" y="6393919"/>
+            <a:ext cx="4067065" cy="0"/>
+          </a:xfrm>
+          <a:prstGeom prst="line">
+            <a:avLst/>
+          </a:prstGeom>
+          <a:ln w="38100">
+            <a:solidFill>
+              <a:schemeClr val="accent2">
+                <a:lumMod val="75000"/>
+              </a:schemeClr>
+            </a:solidFill>
+          </a:ln>
+        </p:spPr>
+        <p:style>
+          <a:lnRef idx="1">
+            <a:schemeClr val="accent1"/>
+          </a:lnRef>
+          <a:fillRef idx="0">
+            <a:schemeClr val="accent1"/>
+          </a:fillRef>
+          <a:effectRef idx="0">
+            <a:schemeClr val="accent1"/>
+          </a:effectRef>
+          <a:fontRef idx="minor">
+            <a:schemeClr val="tx1"/>
+          </a:fontRef>
+        </p:style>
+      </p:cxnSp>
     </p:spTree>
     <p:extLst>
       <p:ext uri="{BB962C8B-B14F-4D97-AF65-F5344CB8AC3E}">
@@ -28671,7 +30825,7 @@
             <p:spPr>
               <a:xfrm>
                 <a:off x="3074826" y="3008161"/>
-                <a:ext cx="785087" cy="276999"/>
+                <a:ext cx="749372" cy="276999"/>
               </a:xfrm>
               <a:prstGeom prst="rect">
                 <a:avLst/>
@@ -28701,7 +30855,7 @@
                         <a:rPr kumimoji="1" lang="en-US" altLang="ja-JP" b="0" i="1" smtClean="0">
                           <a:latin typeface="Cambria Math" panose="02040503050406030204" pitchFamily="18" charset="0"/>
                         </a:rPr>
-                        <m:t>𝑝</m:t>
+                        <m:t>𝑚</m:t>
                       </m:r>
                       <m:r>
                         <a:rPr kumimoji="1" lang="en-US" altLang="ja-JP" b="0" i="1" smtClean="0">
@@ -28742,7 +30896,7 @@
             <p:spPr>
               <a:xfrm>
                 <a:off x="3074826" y="3008161"/>
-                <a:ext cx="785087" cy="276999"/>
+                <a:ext cx="749372" cy="276999"/>
               </a:xfrm>
               <a:prstGeom prst="rect">
                 <a:avLst/>
@@ -28750,7 +30904,7 @@
               <a:blipFill>
                 <a:blip r:embed="rId5"/>
                 <a:stretch>
-                  <a:fillRect l="-9302" t="-2174" r="-9302" b="-32609"/>
+                  <a:fillRect l="-8333" r="-10000" b="-30435"/>
                 </a:stretch>
               </a:blipFill>
             </p:spPr>
